--- a/ch04/事件消息处理.pptx
+++ b/ch04/事件消息处理.pptx
@@ -2999,17 +2999,16 @@
         <p:spPr>
           <a:xfrm>
             <a:off x="838200" y="1394460"/>
-            <a:ext cx="10515600" cy="4782820"/>
+            <a:ext cx="10515600" cy="5278755"/>
           </a:xfrm>
         </p:spPr>
         <p:txBody>
           <a:bodyPr/>
           <a:p>
-            <a:pPr marL="0" indent="0" fontAlgn="auto">
+            <a:pPr fontAlgn="auto">
               <a:lnSpc>
                 <a:spcPts val="3280"/>
               </a:lnSpc>
-              <a:buNone/>
             </a:pPr>
             <a:r>
               <a:rPr lang="zh-CN" altLang="en-US" sz="2400"/>
@@ -3086,6 +3085,34 @@
             <a:r>
               <a:rPr lang="zh-CN" altLang="en-US"/>
               <a:t>点击菜单跳转链接</a:t>
+            </a:r>
+            <a:endParaRPr lang="zh-CN" altLang="en-US"/>
+          </a:p>
+          <a:p>
+            <a:pPr lvl="0" fontAlgn="auto">
+              <a:lnSpc>
+                <a:spcPts val="3280"/>
+              </a:lnSpc>
+            </a:pPr>
+            <a:r>
+              <a:rPr lang="zh-CN" altLang="en-US" sz="2400"/>
+              <a:t>接下来讲两个事件消息类型，其他类型的处理过程类似，根据</a:t>
+            </a:r>
+            <a:r>
+              <a:rPr lang="en-US" altLang="zh-CN" sz="2400"/>
+              <a:t>MsgType</a:t>
+            </a:r>
+            <a:r>
+              <a:rPr lang="zh-CN" altLang="en-US" sz="2400"/>
+              <a:t>以及</a:t>
+            </a:r>
+            <a:r>
+              <a:rPr lang="en-US" altLang="zh-CN" sz="2400"/>
+              <a:t>Event</a:t>
+            </a:r>
+            <a:r>
+              <a:rPr lang="zh-CN" altLang="en-US" sz="2400"/>
+              <a:t>字段做事件分发处理即可。</a:t>
             </a:r>
             <a:endParaRPr lang="zh-CN" altLang="en-US"/>
           </a:p>
@@ -3155,11 +3182,13 @@
         <p:spPr>
           <a:xfrm>
             <a:off x="838200" y="1394460"/>
-            <a:ext cx="10515600" cy="4782820"/>
+            <a:ext cx="10515600" cy="5225415"/>
           </a:xfrm>
         </p:spPr>
         <p:txBody>
-          <a:bodyPr/>
+          <a:bodyPr>
+            <a:normAutofit lnSpcReduction="10000"/>
+          </a:bodyPr>
           <a:p>
             <a:pPr marL="0" indent="0">
               <a:buNone/>
@@ -3315,8 +3344,10 @@
             </a:endParaRPr>
           </a:p>
           <a:p>
-            <a:pPr marL="0" indent="0">
-              <a:buNone/>
+            <a:pPr fontAlgn="auto">
+              <a:lnSpc>
+                <a:spcPct val="90000"/>
+              </a:lnSpc>
             </a:pPr>
             <a:r>
               <a:rPr lang="zh-CN" altLang="en-US" sz="2400">
@@ -3387,6 +3418,30 @@
                 <a:latin typeface="FreeMono" panose="020F0409020205020404" charset="0"/>
               </a:rPr>
               <a:t>记录到数据库。</a:t>
+            </a:r>
+            <a:endParaRPr lang="zh-CN" altLang="en-US" sz="2400">
+              <a:solidFill>
+                <a:schemeClr val="tx1"/>
+              </a:solidFill>
+              <a:uFillTx/>
+              <a:latin typeface="FreeMono" panose="020F0409020205020404" charset="0"/>
+            </a:endParaRPr>
+          </a:p>
+          <a:p>
+            <a:pPr fontAlgn="auto">
+              <a:lnSpc>
+                <a:spcPct val="90000"/>
+              </a:lnSpc>
+            </a:pPr>
+            <a:r>
+              <a:rPr lang="zh-CN" altLang="en-US" sz="2400">
+                <a:solidFill>
+                  <a:schemeClr val="tx1"/>
+                </a:solidFill>
+                <a:uFillTx/>
+                <a:latin typeface="FreeMono" panose="020F0409020205020404" charset="0"/>
+              </a:rPr>
+              <a:t>现在看到的字段是每个消息都有的，用户关注以及取消事件消息不需要其他额外的字段描述信息。</a:t>
             </a:r>
             <a:endParaRPr lang="zh-CN" altLang="en-US" sz="2400">
               <a:solidFill>
@@ -3714,11 +3769,10 @@
             </a:endParaRPr>
           </a:p>
           <a:p>
-            <a:pPr marL="0" indent="0" fontAlgn="auto">
+            <a:pPr fontAlgn="auto">
               <a:lnSpc>
                 <a:spcPct val="100000"/>
               </a:lnSpc>
-              <a:buNone/>
             </a:pPr>
             <a:r>
               <a:rPr lang="zh-CN" altLang="en-US" sz="2400">
@@ -3821,11 +3875,10 @@
             </a:endParaRPr>
           </a:p>
           <a:p>
-            <a:pPr marL="0" indent="0" fontAlgn="auto">
+            <a:pPr fontAlgn="auto">
               <a:lnSpc>
                 <a:spcPct val="75000"/>
               </a:lnSpc>
-              <a:buNone/>
             </a:pPr>
             <a:r>
               <a:rPr lang="zh-CN" altLang="en-US" sz="2400">
@@ -3861,11 +3914,10 @@
             </a:endParaRPr>
           </a:p>
           <a:p>
-            <a:pPr marL="0" indent="0" fontAlgn="auto">
+            <a:pPr fontAlgn="auto">
               <a:lnSpc>
                 <a:spcPct val="75000"/>
               </a:lnSpc>
-              <a:buNone/>
             </a:pPr>
             <a:r>
               <a:rPr lang="zh-CN" altLang="en-US" sz="2400">
@@ -4003,8 +4055,8 @@
         </p:nvSpPr>
         <p:spPr>
           <a:xfrm>
-            <a:off x="838200" y="1394460"/>
-            <a:ext cx="10515600" cy="5217160"/>
+            <a:off x="838200" y="1093470"/>
+            <a:ext cx="10515600" cy="5518150"/>
           </a:xfrm>
         </p:spPr>
         <p:txBody>
@@ -4012,13 +4064,491 @@
             <a:normAutofit lnSpcReduction="10000"/>
           </a:bodyPr>
           <a:p>
-            <a:pPr marL="0" indent="0" fontAlgn="auto">
+            <a:pPr fontAlgn="auto">
               <a:lnSpc>
-                <a:spcPct val="75000"/>
+                <a:spcPct val="115000"/>
               </a:lnSpc>
-              <a:buNone/>
             </a:pPr>
+            <a:r>
+              <a:rPr lang="zh-CN" altLang="en-US" sz="2400">
+                <a:solidFill>
+                  <a:schemeClr val="tx1"/>
+                </a:solidFill>
+                <a:uFillTx/>
+                <a:latin typeface="FreeMono" panose="020F0409020205020404" charset="0"/>
+              </a:rPr>
+              <a:t>在之前处理普通用户消息的基础上，只需要做以下几点：</a:t>
+            </a:r>
             <a:endParaRPr lang="zh-CN" altLang="en-US" sz="2400">
+              <a:solidFill>
+                <a:schemeClr val="tx1"/>
+              </a:solidFill>
+              <a:uFillTx/>
+              <a:latin typeface="FreeMono" panose="020F0409020205020404" charset="0"/>
+            </a:endParaRPr>
+          </a:p>
+          <a:p>
+            <a:pPr lvl="1" fontAlgn="auto">
+              <a:lnSpc>
+                <a:spcPct val="115000"/>
+              </a:lnSpc>
+            </a:pPr>
+            <a:r>
+              <a:rPr lang="zh-CN" altLang="en-US" sz="2200">
+                <a:solidFill>
+                  <a:schemeClr val="tx1"/>
+                </a:solidFill>
+                <a:uFillTx/>
+                <a:latin typeface="FreeMono" panose="020F0409020205020404" charset="0"/>
+              </a:rPr>
+              <a:t>修改</a:t>
+            </a:r>
+            <a:r>
+              <a:rPr lang="en-US" altLang="zh-CN" sz="2200">
+                <a:solidFill>
+                  <a:schemeClr val="tx1"/>
+                </a:solidFill>
+                <a:uFillTx/>
+                <a:latin typeface="FreeMono" panose="020F0409020205020404" charset="0"/>
+              </a:rPr>
+              <a:t>preMsgHandle</a:t>
+            </a:r>
+            <a:r>
+              <a:rPr lang="zh-CN" altLang="en-US" sz="2200">
+                <a:solidFill>
+                  <a:schemeClr val="tx1"/>
+                </a:solidFill>
+                <a:uFillTx/>
+                <a:latin typeface="FreeMono" panose="020F0409020205020404" charset="0"/>
+              </a:rPr>
+              <a:t>函数加入判断消息类型为</a:t>
+            </a:r>
+            <a:r>
+              <a:rPr lang="en-US" altLang="zh-CN" sz="2200">
+                <a:solidFill>
+                  <a:schemeClr val="tx1"/>
+                </a:solidFill>
+                <a:uFillTx/>
+                <a:latin typeface="FreeMono" panose="020F0409020205020404" charset="0"/>
+              </a:rPr>
+              <a:t>event</a:t>
+            </a:r>
+            <a:r>
+              <a:rPr lang="zh-CN" altLang="en-US" sz="2200">
+                <a:solidFill>
+                  <a:schemeClr val="tx1"/>
+                </a:solidFill>
+                <a:uFillTx/>
+                <a:latin typeface="FreeMono" panose="020F0409020205020404" charset="0"/>
+              </a:rPr>
+              <a:t>的处理过程。</a:t>
+            </a:r>
+            <a:endParaRPr lang="zh-CN" altLang="en-US" sz="2200">
+              <a:solidFill>
+                <a:schemeClr val="tx1"/>
+              </a:solidFill>
+              <a:uFillTx/>
+              <a:latin typeface="FreeMono" panose="020F0409020205020404" charset="0"/>
+            </a:endParaRPr>
+          </a:p>
+          <a:p>
+            <a:pPr lvl="1" fontAlgn="auto">
+              <a:lnSpc>
+                <a:spcPct val="115000"/>
+              </a:lnSpc>
+            </a:pPr>
+            <a:r>
+              <a:rPr lang="zh-CN" altLang="en-US" sz="2200">
+                <a:solidFill>
+                  <a:schemeClr val="tx1"/>
+                </a:solidFill>
+                <a:uFillTx/>
+                <a:latin typeface="FreeMono" panose="020F0409020205020404" charset="0"/>
+              </a:rPr>
+              <a:t>根据不同事件类型调用对应的处理函数。</a:t>
+            </a:r>
+            <a:endParaRPr lang="zh-CN" altLang="en-US" sz="2200">
+              <a:solidFill>
+                <a:schemeClr val="tx1"/>
+              </a:solidFill>
+              <a:uFillTx/>
+              <a:latin typeface="FreeMono" panose="020F0409020205020404" charset="0"/>
+            </a:endParaRPr>
+          </a:p>
+          <a:p>
+            <a:pPr lvl="1" fontAlgn="auto">
+              <a:lnSpc>
+                <a:spcPct val="115000"/>
+              </a:lnSpc>
+            </a:pPr>
+            <a:r>
+              <a:rPr lang="zh-CN" altLang="en-US" sz="2200">
+                <a:solidFill>
+                  <a:schemeClr val="tx1"/>
+                </a:solidFill>
+                <a:uFillTx/>
+                <a:latin typeface="FreeMono" panose="020F0409020205020404" charset="0"/>
+              </a:rPr>
+              <a:t>每个处理对应事件的函数再根据具体的信息做处理。</a:t>
+            </a:r>
+            <a:endParaRPr lang="zh-CN" altLang="en-US" sz="2200">
+              <a:solidFill>
+                <a:schemeClr val="tx1"/>
+              </a:solidFill>
+              <a:uFillTx/>
+              <a:latin typeface="FreeMono" panose="020F0409020205020404" charset="0"/>
+            </a:endParaRPr>
+          </a:p>
+          <a:p>
+            <a:pPr lvl="1" fontAlgn="auto">
+              <a:lnSpc>
+                <a:spcPct val="115000"/>
+              </a:lnSpc>
+            </a:pPr>
+            <a:endParaRPr lang="zh-CN" altLang="en-US" sz="2200">
+              <a:solidFill>
+                <a:schemeClr val="tx1"/>
+              </a:solidFill>
+              <a:uFillTx/>
+              <a:latin typeface="FreeMono" panose="020F0409020205020404" charset="0"/>
+            </a:endParaRPr>
+          </a:p>
+          <a:p>
+            <a:pPr lvl="0" fontAlgn="auto">
+              <a:lnSpc>
+                <a:spcPct val="115000"/>
+              </a:lnSpc>
+            </a:pPr>
+            <a:r>
+              <a:rPr lang="zh-CN" altLang="en-US" sz="2200">
+                <a:solidFill>
+                  <a:schemeClr val="tx1"/>
+                </a:solidFill>
+                <a:uFillTx/>
+                <a:latin typeface="FreeMono" panose="020F0409020205020404" charset="0"/>
+              </a:rPr>
+              <a:t>比如，</a:t>
+            </a:r>
+            <a:r>
+              <a:rPr lang="en-US" altLang="zh-CN" sz="2200">
+                <a:solidFill>
+                  <a:schemeClr val="tx1"/>
+                </a:solidFill>
+                <a:uFillTx/>
+                <a:latin typeface="FreeMono" panose="020F0409020205020404" charset="0"/>
+              </a:rPr>
+              <a:t>preMsgHandle</a:t>
+            </a:r>
+            <a:r>
+              <a:rPr lang="zh-CN" altLang="en-US" sz="2200">
+                <a:solidFill>
+                  <a:schemeClr val="tx1"/>
+                </a:solidFill>
+                <a:uFillTx/>
+                <a:latin typeface="FreeMono" panose="020F0409020205020404" charset="0"/>
+              </a:rPr>
+              <a:t>函数通过判断消息类型为</a:t>
+            </a:r>
+            <a:r>
+              <a:rPr lang="en-US" altLang="zh-CN" sz="2200">
+                <a:solidFill>
+                  <a:schemeClr val="tx1"/>
+                </a:solidFill>
+                <a:uFillTx/>
+                <a:latin typeface="FreeMono" panose="020F0409020205020404" charset="0"/>
+              </a:rPr>
+              <a:t>event</a:t>
+            </a:r>
+            <a:r>
+              <a:rPr lang="zh-CN" altLang="en-US" sz="2200">
+                <a:solidFill>
+                  <a:schemeClr val="tx1"/>
+                </a:solidFill>
+                <a:uFillTx/>
+                <a:latin typeface="FreeMono" panose="020F0409020205020404" charset="0"/>
+              </a:rPr>
+              <a:t>，而</a:t>
+            </a:r>
+            <a:r>
+              <a:rPr lang="en-US" altLang="zh-CN" sz="2200">
+                <a:solidFill>
+                  <a:schemeClr val="tx1"/>
+                </a:solidFill>
+                <a:uFillTx/>
+                <a:latin typeface="FreeMono" panose="020F0409020205020404" charset="0"/>
+              </a:rPr>
+              <a:t>Event</a:t>
+            </a:r>
+            <a:r>
+              <a:rPr lang="zh-CN" altLang="en-US" sz="2200">
+                <a:solidFill>
+                  <a:schemeClr val="tx1"/>
+                </a:solidFill>
+                <a:uFillTx/>
+                <a:latin typeface="FreeMono" panose="020F0409020205020404" charset="0"/>
+              </a:rPr>
+              <a:t>为</a:t>
+            </a:r>
+            <a:r>
+              <a:rPr lang="en-US" altLang="zh-CN" sz="2200">
+                <a:solidFill>
+                  <a:schemeClr val="tx1"/>
+                </a:solidFill>
+                <a:uFillTx/>
+                <a:latin typeface="FreeMono" panose="020F0409020205020404" charset="0"/>
+              </a:rPr>
+              <a:t>view</a:t>
+            </a:r>
+            <a:r>
+              <a:rPr lang="zh-CN" altLang="en-US" sz="2200">
+                <a:solidFill>
+                  <a:schemeClr val="tx1"/>
+                </a:solidFill>
+                <a:uFillTx/>
+                <a:latin typeface="FreeMono" panose="020F0409020205020404" charset="0"/>
+              </a:rPr>
+              <a:t>表示用户点击了页面，此时处理</a:t>
+            </a:r>
+            <a:r>
+              <a:rPr lang="en-US" altLang="zh-CN" sz="2200">
+                <a:solidFill>
+                  <a:schemeClr val="tx1"/>
+                </a:solidFill>
+                <a:uFillTx/>
+                <a:latin typeface="FreeMono" panose="020F0409020205020404" charset="0"/>
+              </a:rPr>
+              <a:t>view</a:t>
+            </a:r>
+            <a:r>
+              <a:rPr lang="zh-CN" altLang="en-US" sz="2200">
+                <a:solidFill>
+                  <a:schemeClr val="tx1"/>
+                </a:solidFill>
+                <a:uFillTx/>
+                <a:latin typeface="FreeMono" panose="020F0409020205020404" charset="0"/>
+              </a:rPr>
+              <a:t>的</a:t>
+            </a:r>
+            <a:r>
+              <a:rPr lang="en-US" altLang="zh-CN" sz="2200">
+                <a:solidFill>
+                  <a:schemeClr val="tx1"/>
+                </a:solidFill>
+                <a:uFillTx/>
+                <a:latin typeface="FreeMono" panose="020F0409020205020404" charset="0"/>
+              </a:rPr>
+              <a:t>viewEventHandle</a:t>
+            </a:r>
+            <a:r>
+              <a:rPr lang="zh-CN" altLang="en-US" sz="2200">
+                <a:solidFill>
+                  <a:schemeClr val="tx1"/>
+                </a:solidFill>
+                <a:uFillTx/>
+                <a:latin typeface="FreeMono" panose="020F0409020205020404" charset="0"/>
+              </a:rPr>
+              <a:t>函数可以根据</a:t>
+            </a:r>
+            <a:r>
+              <a:rPr lang="en-US" altLang="zh-CN" sz="2200">
+                <a:solidFill>
+                  <a:schemeClr val="tx1"/>
+                </a:solidFill>
+                <a:uFillTx/>
+                <a:latin typeface="FreeMono" panose="020F0409020205020404" charset="0"/>
+              </a:rPr>
+              <a:t>EventKey</a:t>
+            </a:r>
+            <a:r>
+              <a:rPr lang="zh-CN" altLang="en-US" sz="2200">
+                <a:solidFill>
+                  <a:schemeClr val="tx1"/>
+                </a:solidFill>
+                <a:uFillTx/>
+                <a:latin typeface="FreeMono" panose="020F0409020205020404" charset="0"/>
+              </a:rPr>
+              <a:t>描述的</a:t>
+            </a:r>
+            <a:r>
+              <a:rPr lang="en-US" altLang="zh-CN" sz="2200">
+                <a:solidFill>
+                  <a:schemeClr val="tx1"/>
+                </a:solidFill>
+                <a:uFillTx/>
+                <a:latin typeface="FreeMono" panose="020F0409020205020404" charset="0"/>
+              </a:rPr>
+              <a:t>URL</a:t>
+            </a:r>
+            <a:r>
+              <a:rPr lang="zh-CN" altLang="en-US" sz="2200">
+                <a:solidFill>
+                  <a:schemeClr val="tx1"/>
+                </a:solidFill>
+                <a:uFillTx/>
+                <a:latin typeface="FreeMono" panose="020F0409020205020404" charset="0"/>
+              </a:rPr>
+              <a:t>信息统计页面访问量；</a:t>
+            </a:r>
+            <a:endParaRPr lang="zh-CN" altLang="en-US" sz="2200">
+              <a:solidFill>
+                <a:schemeClr val="tx1"/>
+              </a:solidFill>
+              <a:uFillTx/>
+              <a:latin typeface="FreeMono" panose="020F0409020205020404" charset="0"/>
+            </a:endParaRPr>
+          </a:p>
+          <a:p>
+            <a:pPr lvl="0" fontAlgn="auto">
+              <a:lnSpc>
+                <a:spcPct val="115000"/>
+              </a:lnSpc>
+            </a:pPr>
+            <a:r>
+              <a:rPr lang="zh-CN" altLang="en-US" sz="2200">
+                <a:solidFill>
+                  <a:schemeClr val="tx1"/>
+                </a:solidFill>
+                <a:uFillTx/>
+                <a:latin typeface="FreeMono" panose="020F0409020205020404" charset="0"/>
+              </a:rPr>
+              <a:t>而如果发现</a:t>
+            </a:r>
+            <a:r>
+              <a:rPr lang="en-US" altLang="zh-CN" sz="2200">
+                <a:solidFill>
+                  <a:schemeClr val="tx1"/>
+                </a:solidFill>
+                <a:uFillTx/>
+                <a:latin typeface="FreeMono" panose="020F0409020205020404" charset="0"/>
+              </a:rPr>
+              <a:t>Event</a:t>
+            </a:r>
+            <a:r>
+              <a:rPr lang="zh-CN" altLang="en-US" sz="2200">
+                <a:solidFill>
+                  <a:schemeClr val="tx1"/>
+                </a:solidFill>
+                <a:uFillTx/>
+                <a:latin typeface="FreeMono" panose="020F0409020205020404" charset="0"/>
+              </a:rPr>
+              <a:t>是</a:t>
+            </a:r>
+            <a:r>
+              <a:rPr lang="en-US" altLang="zh-CN" sz="2200">
+                <a:solidFill>
+                  <a:schemeClr val="tx1"/>
+                </a:solidFill>
+                <a:uFillTx/>
+                <a:latin typeface="FreeMono" panose="020F0409020205020404" charset="0"/>
+              </a:rPr>
+              <a:t>CLICK</a:t>
+            </a:r>
+            <a:r>
+              <a:rPr lang="zh-CN" altLang="en-US" sz="2200">
+                <a:solidFill>
+                  <a:schemeClr val="tx1"/>
+                </a:solidFill>
+                <a:uFillTx/>
+                <a:latin typeface="FreeMono" panose="020F0409020205020404" charset="0"/>
+              </a:rPr>
+              <a:t>类型，则</a:t>
+            </a:r>
+            <a:r>
+              <a:rPr lang="en-US" altLang="zh-CN" sz="2200">
+                <a:solidFill>
+                  <a:schemeClr val="tx1"/>
+                </a:solidFill>
+                <a:uFillTx/>
+                <a:latin typeface="FreeMono" panose="020F0409020205020404" charset="0"/>
+              </a:rPr>
+              <a:t>EventKey</a:t>
+            </a:r>
+            <a:r>
+              <a:rPr lang="zh-CN" altLang="en-US" sz="2200">
+                <a:solidFill>
+                  <a:schemeClr val="tx1"/>
+                </a:solidFill>
+                <a:uFillTx/>
+                <a:latin typeface="FreeMono" panose="020F0409020205020404" charset="0"/>
+              </a:rPr>
+              <a:t>字段的数据是用户自定义菜单指定的值，例如，</a:t>
+            </a:r>
+            <a:r>
+              <a:rPr lang="en-US" altLang="zh-CN" sz="2200">
+                <a:solidFill>
+                  <a:schemeClr val="tx1"/>
+                </a:solidFill>
+                <a:uFillTx/>
+                <a:latin typeface="FreeMono" panose="020F0409020205020404" charset="0"/>
+              </a:rPr>
+              <a:t>about-us</a:t>
+            </a:r>
+            <a:r>
+              <a:rPr lang="zh-CN" altLang="en-US" sz="2200">
+                <a:solidFill>
+                  <a:schemeClr val="tx1"/>
+                </a:solidFill>
+                <a:uFillTx/>
+                <a:latin typeface="FreeMono" panose="020F0409020205020404" charset="0"/>
+              </a:rPr>
+              <a:t>表示关于我们，</a:t>
+            </a:r>
+            <a:r>
+              <a:rPr lang="en-US" altLang="zh-CN" sz="2200">
+                <a:solidFill>
+                  <a:schemeClr val="tx1"/>
+                </a:solidFill>
+                <a:uFillTx/>
+                <a:latin typeface="FreeMono" panose="020F0409020205020404" charset="0"/>
+              </a:rPr>
+              <a:t>get-help</a:t>
+            </a:r>
+            <a:r>
+              <a:rPr lang="zh-CN" altLang="en-US" sz="2200">
+                <a:solidFill>
+                  <a:schemeClr val="tx1"/>
+                </a:solidFill>
+                <a:uFillTx/>
+                <a:latin typeface="FreeMono" panose="020F0409020205020404" charset="0"/>
+              </a:rPr>
+              <a:t>表示获取帮助。此时在</a:t>
+            </a:r>
+            <a:r>
+              <a:rPr lang="en-US" altLang="zh-CN" sz="2200">
+                <a:solidFill>
+                  <a:schemeClr val="tx1"/>
+                </a:solidFill>
+                <a:uFillTx/>
+                <a:latin typeface="FreeMono" panose="020F0409020205020404" charset="0"/>
+              </a:rPr>
+              <a:t>clickEventHandle</a:t>
+            </a:r>
+            <a:r>
+              <a:rPr lang="zh-CN" altLang="en-US" sz="2200">
+                <a:solidFill>
+                  <a:schemeClr val="tx1"/>
+                </a:solidFill>
+                <a:uFillTx/>
+                <a:latin typeface="FreeMono" panose="020F0409020205020404" charset="0"/>
+              </a:rPr>
+              <a:t>函数中可根据不同字段调用对应的函数返回结果。</a:t>
+            </a:r>
+            <a:endParaRPr lang="zh-CN" altLang="en-US" sz="2565">
+              <a:solidFill>
+                <a:schemeClr val="tx1"/>
+              </a:solidFill>
+              <a:uFillTx/>
+              <a:latin typeface="FreeMono" panose="020F0409020205020404" charset="0"/>
+            </a:endParaRPr>
+          </a:p>
+          <a:p>
+            <a:pPr marL="0" lvl="1" indent="0" fontAlgn="auto">
+              <a:lnSpc>
+                <a:spcPct val="115000"/>
+              </a:lnSpc>
+              <a:buNone/>
+            </a:pPr>
+            <a:endParaRPr lang="zh-CN" altLang="en-US" sz="2200">
               <a:solidFill>
                 <a:schemeClr val="tx1"/>
               </a:solidFill>

--- a/ch04/事件消息处理.pptx
+++ b/ch04/事件消息处理.pptx
@@ -9,8 +9,8 @@
     <p:sldId id="257" r:id="rId4"/>
     <p:sldId id="258" r:id="rId5"/>
     <p:sldId id="259" r:id="rId6"/>
-    <p:sldId id="260" r:id="rId7"/>
-    <p:sldId id="261" r:id="rId8"/>
+    <p:sldId id="261" r:id="rId7"/>
+    <p:sldId id="260" r:id="rId8"/>
   </p:sldIdLst>
   <p:sldSz cx="12192000" cy="6858000"/>
   <p:notesSz cx="6858000" cy="9144000"/>
@@ -3833,6 +3833,223 @@
           <a:p>
             <a:r>
               <a:rPr lang="zh-CN" altLang="en-US" sz="3600"/>
+              <a:t>加入事件消息处理</a:t>
+            </a:r>
+            <a:endParaRPr lang="zh-CN" altLang="en-US" sz="3600"/>
+          </a:p>
+        </p:txBody>
+      </p:sp>
+      <p:sp>
+        <p:nvSpPr>
+          <p:cNvPr id="3" name="内容占位符 2"/>
+          <p:cNvSpPr>
+            <a:spLocks noGrp="1"/>
+          </p:cNvSpPr>
+          <p:nvPr>
+            <p:ph idx="1"/>
+          </p:nvPr>
+        </p:nvSpPr>
+        <p:spPr>
+          <a:xfrm>
+            <a:off x="838200" y="1093470"/>
+            <a:ext cx="10515600" cy="5518150"/>
+          </a:xfrm>
+        </p:spPr>
+        <p:txBody>
+          <a:bodyPr>
+            <a:normAutofit lnSpcReduction="10000"/>
+          </a:bodyPr>
+          <a:p>
+            <a:pPr fontAlgn="auto">
+              <a:lnSpc>
+                <a:spcPct val="115000"/>
+              </a:lnSpc>
+            </a:pPr>
+            <a:r>
+              <a:rPr lang="zh-CN" altLang="en-US" sz="2400">
+                <a:solidFill>
+                  <a:schemeClr val="tx1"/>
+                </a:solidFill>
+                <a:uFillTx/>
+                <a:latin typeface="FreeMono" panose="020F0409020205020404" charset="0"/>
+              </a:rPr>
+              <a:t>在之前处理普通用户消息的基础上，只需要做以下几点：</a:t>
+            </a:r>
+            <a:endParaRPr lang="zh-CN" altLang="en-US" sz="2400">
+              <a:solidFill>
+                <a:schemeClr val="tx1"/>
+              </a:solidFill>
+              <a:uFillTx/>
+              <a:latin typeface="FreeMono" panose="020F0409020205020404" charset="0"/>
+            </a:endParaRPr>
+          </a:p>
+          <a:p>
+            <a:pPr lvl="1" fontAlgn="auto">
+              <a:lnSpc>
+                <a:spcPct val="155000"/>
+              </a:lnSpc>
+            </a:pPr>
+            <a:r>
+              <a:rPr lang="zh-CN" altLang="en-US" sz="2200">
+                <a:solidFill>
+                  <a:schemeClr val="tx1"/>
+                </a:solidFill>
+                <a:uFillTx/>
+                <a:latin typeface="FreeMono" panose="020F0409020205020404" charset="0"/>
+              </a:rPr>
+              <a:t>修改</a:t>
+            </a:r>
+            <a:r>
+              <a:rPr lang="en-US" altLang="zh-CN" sz="2200">
+                <a:solidFill>
+                  <a:schemeClr val="tx1"/>
+                </a:solidFill>
+                <a:uFillTx/>
+                <a:latin typeface="FreeMono" panose="020F0409020205020404" charset="0"/>
+              </a:rPr>
+              <a:t>preMsgHandle</a:t>
+            </a:r>
+            <a:r>
+              <a:rPr lang="zh-CN" altLang="en-US" sz="2200">
+                <a:solidFill>
+                  <a:schemeClr val="tx1"/>
+                </a:solidFill>
+                <a:uFillTx/>
+                <a:latin typeface="FreeMono" panose="020F0409020205020404" charset="0"/>
+              </a:rPr>
+              <a:t>函数加入判断消息类型为</a:t>
+            </a:r>
+            <a:r>
+              <a:rPr lang="en-US" altLang="zh-CN" sz="2200">
+                <a:solidFill>
+                  <a:schemeClr val="tx1"/>
+                </a:solidFill>
+                <a:uFillTx/>
+                <a:latin typeface="FreeMono" panose="020F0409020205020404" charset="0"/>
+              </a:rPr>
+              <a:t>event</a:t>
+            </a:r>
+            <a:r>
+              <a:rPr lang="zh-CN" altLang="en-US" sz="2200">
+                <a:solidFill>
+                  <a:schemeClr val="tx1"/>
+                </a:solidFill>
+                <a:uFillTx/>
+                <a:latin typeface="FreeMono" panose="020F0409020205020404" charset="0"/>
+              </a:rPr>
+              <a:t>的处理过程。</a:t>
+            </a:r>
+            <a:endParaRPr lang="zh-CN" altLang="en-US" sz="2200">
+              <a:solidFill>
+                <a:schemeClr val="tx1"/>
+              </a:solidFill>
+              <a:uFillTx/>
+              <a:latin typeface="FreeMono" panose="020F0409020205020404" charset="0"/>
+            </a:endParaRPr>
+          </a:p>
+          <a:p>
+            <a:pPr lvl="1" fontAlgn="auto">
+              <a:lnSpc>
+                <a:spcPct val="155000"/>
+              </a:lnSpc>
+            </a:pPr>
+            <a:r>
+              <a:rPr lang="zh-CN" altLang="en-US" sz="2200">
+                <a:solidFill>
+                  <a:schemeClr val="tx1"/>
+                </a:solidFill>
+                <a:uFillTx/>
+                <a:latin typeface="FreeMono" panose="020F0409020205020404" charset="0"/>
+              </a:rPr>
+              <a:t>根据不同事件类型调用对应的处理函数。</a:t>
+            </a:r>
+            <a:endParaRPr lang="zh-CN" altLang="en-US" sz="2200">
+              <a:solidFill>
+                <a:schemeClr val="tx1"/>
+              </a:solidFill>
+              <a:uFillTx/>
+              <a:latin typeface="FreeMono" panose="020F0409020205020404" charset="0"/>
+            </a:endParaRPr>
+          </a:p>
+          <a:p>
+            <a:pPr lvl="1" fontAlgn="auto">
+              <a:lnSpc>
+                <a:spcPct val="155000"/>
+              </a:lnSpc>
+            </a:pPr>
+            <a:r>
+              <a:rPr lang="zh-CN" altLang="en-US" sz="2200">
+                <a:solidFill>
+                  <a:schemeClr val="tx1"/>
+                </a:solidFill>
+                <a:uFillTx/>
+                <a:latin typeface="FreeMono" panose="020F0409020205020404" charset="0"/>
+              </a:rPr>
+              <a:t>每个处理对应事件的函数再根据具体的信息做处理。</a:t>
+            </a:r>
+            <a:endParaRPr lang="zh-CN" altLang="en-US" sz="2200">
+              <a:solidFill>
+                <a:schemeClr val="tx1"/>
+              </a:solidFill>
+              <a:uFillTx/>
+              <a:latin typeface="FreeMono" panose="020F0409020205020404" charset="0"/>
+            </a:endParaRPr>
+          </a:p>
+          <a:p>
+            <a:pPr lvl="1" fontAlgn="auto">
+              <a:lnSpc>
+                <a:spcPct val="115000"/>
+              </a:lnSpc>
+            </a:pPr>
+            <a:endParaRPr lang="zh-CN" altLang="en-US" sz="2200">
+              <a:solidFill>
+                <a:schemeClr val="tx1"/>
+              </a:solidFill>
+              <a:uFillTx/>
+              <a:latin typeface="FreeMono" panose="020F0409020205020404" charset="0"/>
+            </a:endParaRPr>
+          </a:p>
+        </p:txBody>
+      </p:sp>
+    </p:spTree>
+  </p:cSld>
+  <p:clrMapOvr>
+    <a:masterClrMapping/>
+  </p:clrMapOvr>
+</p:sld>
+</file>
+
+<file path=ppt/slides/slide6.xml><?xml version="1.0" encoding="utf-8"?>
+<p:sld xmlns:a="http://schemas.openxmlformats.org/drawingml/2006/main" xmlns:r="http://schemas.openxmlformats.org/officeDocument/2006/relationships" xmlns:p="http://schemas.openxmlformats.org/presentationml/2006/main">
+  <p:cSld>
+    <p:spTree>
+      <p:nvGrpSpPr>
+        <p:cNvPr id="1" name=""/>
+        <p:cNvGrpSpPr/>
+        <p:nvPr/>
+      </p:nvGrpSpPr>
+      <p:grpSpPr/>
+      <p:sp>
+        <p:nvSpPr>
+          <p:cNvPr id="2" name="标题 1"/>
+          <p:cNvSpPr>
+            <a:spLocks noGrp="1"/>
+          </p:cNvSpPr>
+          <p:nvPr>
+            <p:ph type="title"/>
+          </p:nvPr>
+        </p:nvSpPr>
+        <p:spPr>
+          <a:xfrm>
+            <a:off x="838200" y="365125"/>
+            <a:ext cx="10515600" cy="788670"/>
+          </a:xfrm>
+        </p:spPr>
+        <p:txBody>
+          <a:bodyPr/>
+          <a:p>
+            <a:r>
+              <a:rPr lang="zh-CN" altLang="en-US" sz="3600"/>
               <a:t>测试：关注测试号查看效果</a:t>
             </a:r>
             <a:endParaRPr lang="zh-CN" altLang="en-US" sz="3600"/>
@@ -3998,566 +4215,6 @@
           </a:prstGeom>
         </p:spPr>
       </p:pic>
-    </p:spTree>
-  </p:cSld>
-  <p:clrMapOvr>
-    <a:masterClrMapping/>
-  </p:clrMapOvr>
-</p:sld>
-</file>
-
-<file path=ppt/slides/slide6.xml><?xml version="1.0" encoding="utf-8"?>
-<p:sld xmlns:a="http://schemas.openxmlformats.org/drawingml/2006/main" xmlns:r="http://schemas.openxmlformats.org/officeDocument/2006/relationships" xmlns:p="http://schemas.openxmlformats.org/presentationml/2006/main">
-  <p:cSld>
-    <p:spTree>
-      <p:nvGrpSpPr>
-        <p:cNvPr id="1" name=""/>
-        <p:cNvGrpSpPr/>
-        <p:nvPr/>
-      </p:nvGrpSpPr>
-      <p:grpSpPr/>
-      <p:sp>
-        <p:nvSpPr>
-          <p:cNvPr id="2" name="标题 1"/>
-          <p:cNvSpPr>
-            <a:spLocks noGrp="1"/>
-          </p:cNvSpPr>
-          <p:nvPr>
-            <p:ph type="title"/>
-          </p:nvPr>
-        </p:nvSpPr>
-        <p:spPr>
-          <a:xfrm>
-            <a:off x="838200" y="365125"/>
-            <a:ext cx="10515600" cy="788670"/>
-          </a:xfrm>
-        </p:spPr>
-        <p:txBody>
-          <a:bodyPr/>
-          <a:p>
-            <a:r>
-              <a:rPr lang="zh-CN" altLang="en-US" sz="3600"/>
-              <a:t>加入事件消息处理</a:t>
-            </a:r>
-            <a:endParaRPr lang="zh-CN" altLang="en-US" sz="3600"/>
-          </a:p>
-        </p:txBody>
-      </p:sp>
-      <p:sp>
-        <p:nvSpPr>
-          <p:cNvPr id="3" name="内容占位符 2"/>
-          <p:cNvSpPr>
-            <a:spLocks noGrp="1"/>
-          </p:cNvSpPr>
-          <p:nvPr>
-            <p:ph idx="1"/>
-          </p:nvPr>
-        </p:nvSpPr>
-        <p:spPr>
-          <a:xfrm>
-            <a:off x="838200" y="1093470"/>
-            <a:ext cx="10515600" cy="5518150"/>
-          </a:xfrm>
-        </p:spPr>
-        <p:txBody>
-          <a:bodyPr>
-            <a:normAutofit lnSpcReduction="10000"/>
-          </a:bodyPr>
-          <a:p>
-            <a:pPr fontAlgn="auto">
-              <a:lnSpc>
-                <a:spcPct val="115000"/>
-              </a:lnSpc>
-            </a:pPr>
-            <a:r>
-              <a:rPr lang="zh-CN" altLang="en-US" sz="2400">
-                <a:solidFill>
-                  <a:schemeClr val="tx1"/>
-                </a:solidFill>
-                <a:uFillTx/>
-                <a:latin typeface="FreeMono" panose="020F0409020205020404" charset="0"/>
-              </a:rPr>
-              <a:t>在之前处理普通用户消息的基础上，只需要做以下几点：</a:t>
-            </a:r>
-            <a:endParaRPr lang="zh-CN" altLang="en-US" sz="2400">
-              <a:solidFill>
-                <a:schemeClr val="tx1"/>
-              </a:solidFill>
-              <a:uFillTx/>
-              <a:latin typeface="FreeMono" panose="020F0409020205020404" charset="0"/>
-            </a:endParaRPr>
-          </a:p>
-          <a:p>
-            <a:pPr lvl="1" fontAlgn="auto">
-              <a:lnSpc>
-                <a:spcPct val="115000"/>
-              </a:lnSpc>
-            </a:pPr>
-            <a:r>
-              <a:rPr lang="zh-CN" altLang="en-US" sz="2200">
-                <a:solidFill>
-                  <a:schemeClr val="tx1"/>
-                </a:solidFill>
-                <a:uFillTx/>
-                <a:latin typeface="FreeMono" panose="020F0409020205020404" charset="0"/>
-              </a:rPr>
-              <a:t>修改</a:t>
-            </a:r>
-            <a:r>
-              <a:rPr lang="en-US" altLang="zh-CN" sz="2200">
-                <a:solidFill>
-                  <a:schemeClr val="tx1"/>
-                </a:solidFill>
-                <a:uFillTx/>
-                <a:latin typeface="FreeMono" panose="020F0409020205020404" charset="0"/>
-              </a:rPr>
-              <a:t>preMsgHandle</a:t>
-            </a:r>
-            <a:r>
-              <a:rPr lang="zh-CN" altLang="en-US" sz="2200">
-                <a:solidFill>
-                  <a:schemeClr val="tx1"/>
-                </a:solidFill>
-                <a:uFillTx/>
-                <a:latin typeface="FreeMono" panose="020F0409020205020404" charset="0"/>
-              </a:rPr>
-              <a:t>函数加入判断消息类型为</a:t>
-            </a:r>
-            <a:r>
-              <a:rPr lang="en-US" altLang="zh-CN" sz="2200">
-                <a:solidFill>
-                  <a:schemeClr val="tx1"/>
-                </a:solidFill>
-                <a:uFillTx/>
-                <a:latin typeface="FreeMono" panose="020F0409020205020404" charset="0"/>
-              </a:rPr>
-              <a:t>event</a:t>
-            </a:r>
-            <a:r>
-              <a:rPr lang="zh-CN" altLang="en-US" sz="2200">
-                <a:solidFill>
-                  <a:schemeClr val="tx1"/>
-                </a:solidFill>
-                <a:uFillTx/>
-                <a:latin typeface="FreeMono" panose="020F0409020205020404" charset="0"/>
-              </a:rPr>
-              <a:t>的处理过程。</a:t>
-            </a:r>
-            <a:endParaRPr lang="zh-CN" altLang="en-US" sz="2200">
-              <a:solidFill>
-                <a:schemeClr val="tx1"/>
-              </a:solidFill>
-              <a:uFillTx/>
-              <a:latin typeface="FreeMono" panose="020F0409020205020404" charset="0"/>
-            </a:endParaRPr>
-          </a:p>
-          <a:p>
-            <a:pPr lvl="1" fontAlgn="auto">
-              <a:lnSpc>
-                <a:spcPct val="115000"/>
-              </a:lnSpc>
-            </a:pPr>
-            <a:r>
-              <a:rPr lang="zh-CN" altLang="en-US" sz="2200">
-                <a:solidFill>
-                  <a:schemeClr val="tx1"/>
-                </a:solidFill>
-                <a:uFillTx/>
-                <a:latin typeface="FreeMono" panose="020F0409020205020404" charset="0"/>
-              </a:rPr>
-              <a:t>根据不同事件类型调用对应的处理函数。</a:t>
-            </a:r>
-            <a:endParaRPr lang="zh-CN" altLang="en-US" sz="2200">
-              <a:solidFill>
-                <a:schemeClr val="tx1"/>
-              </a:solidFill>
-              <a:uFillTx/>
-              <a:latin typeface="FreeMono" panose="020F0409020205020404" charset="0"/>
-            </a:endParaRPr>
-          </a:p>
-          <a:p>
-            <a:pPr lvl="1" fontAlgn="auto">
-              <a:lnSpc>
-                <a:spcPct val="115000"/>
-              </a:lnSpc>
-            </a:pPr>
-            <a:r>
-              <a:rPr lang="zh-CN" altLang="en-US" sz="2200">
-                <a:solidFill>
-                  <a:schemeClr val="tx1"/>
-                </a:solidFill>
-                <a:uFillTx/>
-                <a:latin typeface="FreeMono" panose="020F0409020205020404" charset="0"/>
-              </a:rPr>
-              <a:t>每个处理对应事件的函数再根据具体的信息做处理。</a:t>
-            </a:r>
-            <a:endParaRPr lang="zh-CN" altLang="en-US" sz="2200">
-              <a:solidFill>
-                <a:schemeClr val="tx1"/>
-              </a:solidFill>
-              <a:uFillTx/>
-              <a:latin typeface="FreeMono" panose="020F0409020205020404" charset="0"/>
-            </a:endParaRPr>
-          </a:p>
-          <a:p>
-            <a:pPr lvl="1" fontAlgn="auto">
-              <a:lnSpc>
-                <a:spcPct val="115000"/>
-              </a:lnSpc>
-            </a:pPr>
-            <a:endParaRPr lang="zh-CN" altLang="en-US" sz="2200">
-              <a:solidFill>
-                <a:schemeClr val="tx1"/>
-              </a:solidFill>
-              <a:uFillTx/>
-              <a:latin typeface="FreeMono" panose="020F0409020205020404" charset="0"/>
-            </a:endParaRPr>
-          </a:p>
-          <a:p>
-            <a:pPr lvl="0" fontAlgn="auto">
-              <a:lnSpc>
-                <a:spcPct val="115000"/>
-              </a:lnSpc>
-            </a:pPr>
-            <a:r>
-              <a:rPr lang="zh-CN" altLang="en-US" sz="2200">
-                <a:solidFill>
-                  <a:schemeClr val="tx1"/>
-                </a:solidFill>
-                <a:uFillTx/>
-                <a:latin typeface="FreeMono" panose="020F0409020205020404" charset="0"/>
-              </a:rPr>
-              <a:t>比如，</a:t>
-            </a:r>
-            <a:r>
-              <a:rPr lang="en-US" altLang="zh-CN" sz="2200">
-                <a:solidFill>
-                  <a:schemeClr val="tx1"/>
-                </a:solidFill>
-                <a:uFillTx/>
-                <a:latin typeface="FreeMono" panose="020F0409020205020404" charset="0"/>
-              </a:rPr>
-              <a:t>preMsgHandle</a:t>
-            </a:r>
-            <a:r>
-              <a:rPr lang="zh-CN" altLang="en-US" sz="2200">
-                <a:solidFill>
-                  <a:schemeClr val="tx1"/>
-                </a:solidFill>
-                <a:uFillTx/>
-                <a:latin typeface="FreeMono" panose="020F0409020205020404" charset="0"/>
-              </a:rPr>
-              <a:t>函数通过判断消息类型为</a:t>
-            </a:r>
-            <a:r>
-              <a:rPr lang="en-US" altLang="zh-CN" sz="2200">
-                <a:solidFill>
-                  <a:schemeClr val="tx1"/>
-                </a:solidFill>
-                <a:uFillTx/>
-                <a:latin typeface="FreeMono" panose="020F0409020205020404" charset="0"/>
-              </a:rPr>
-              <a:t>event</a:t>
-            </a:r>
-            <a:r>
-              <a:rPr lang="zh-CN" altLang="en-US" sz="2200">
-                <a:solidFill>
-                  <a:schemeClr val="tx1"/>
-                </a:solidFill>
-                <a:uFillTx/>
-                <a:latin typeface="FreeMono" panose="020F0409020205020404" charset="0"/>
-              </a:rPr>
-              <a:t>，而</a:t>
-            </a:r>
-            <a:r>
-              <a:rPr lang="en-US" altLang="zh-CN" sz="2200">
-                <a:solidFill>
-                  <a:schemeClr val="tx1"/>
-                </a:solidFill>
-                <a:uFillTx/>
-                <a:latin typeface="FreeMono" panose="020F0409020205020404" charset="0"/>
-              </a:rPr>
-              <a:t>Event</a:t>
-            </a:r>
-            <a:r>
-              <a:rPr lang="zh-CN" altLang="en-US" sz="2200">
-                <a:solidFill>
-                  <a:schemeClr val="tx1"/>
-                </a:solidFill>
-                <a:uFillTx/>
-                <a:latin typeface="FreeMono" panose="020F0409020205020404" charset="0"/>
-              </a:rPr>
-              <a:t>为</a:t>
-            </a:r>
-            <a:r>
-              <a:rPr lang="en-US" altLang="zh-CN" sz="2200">
-                <a:solidFill>
-                  <a:schemeClr val="tx1"/>
-                </a:solidFill>
-                <a:uFillTx/>
-                <a:latin typeface="FreeMono" panose="020F0409020205020404" charset="0"/>
-              </a:rPr>
-              <a:t>view</a:t>
-            </a:r>
-            <a:r>
-              <a:rPr lang="zh-CN" altLang="en-US" sz="2200">
-                <a:solidFill>
-                  <a:schemeClr val="tx1"/>
-                </a:solidFill>
-                <a:uFillTx/>
-                <a:latin typeface="FreeMono" panose="020F0409020205020404" charset="0"/>
-              </a:rPr>
-              <a:t>表示用户点击了页面，此时处理</a:t>
-            </a:r>
-            <a:r>
-              <a:rPr lang="en-US" altLang="zh-CN" sz="2200">
-                <a:solidFill>
-                  <a:schemeClr val="tx1"/>
-                </a:solidFill>
-                <a:uFillTx/>
-                <a:latin typeface="FreeMono" panose="020F0409020205020404" charset="0"/>
-              </a:rPr>
-              <a:t>view</a:t>
-            </a:r>
-            <a:r>
-              <a:rPr lang="zh-CN" altLang="en-US" sz="2200">
-                <a:solidFill>
-                  <a:schemeClr val="tx1"/>
-                </a:solidFill>
-                <a:uFillTx/>
-                <a:latin typeface="FreeMono" panose="020F0409020205020404" charset="0"/>
-              </a:rPr>
-              <a:t>的</a:t>
-            </a:r>
-            <a:r>
-              <a:rPr lang="en-US" altLang="zh-CN" sz="2200">
-                <a:solidFill>
-                  <a:schemeClr val="tx1"/>
-                </a:solidFill>
-                <a:uFillTx/>
-                <a:latin typeface="FreeMono" panose="020F0409020205020404" charset="0"/>
-              </a:rPr>
-              <a:t>viewEventHandle</a:t>
-            </a:r>
-            <a:r>
-              <a:rPr lang="zh-CN" altLang="en-US" sz="2200">
-                <a:solidFill>
-                  <a:schemeClr val="tx1"/>
-                </a:solidFill>
-                <a:uFillTx/>
-                <a:latin typeface="FreeMono" panose="020F0409020205020404" charset="0"/>
-              </a:rPr>
-              <a:t>函数可以根据</a:t>
-            </a:r>
-            <a:r>
-              <a:rPr lang="en-US" altLang="zh-CN" sz="2200">
-                <a:solidFill>
-                  <a:schemeClr val="tx1"/>
-                </a:solidFill>
-                <a:uFillTx/>
-                <a:latin typeface="FreeMono" panose="020F0409020205020404" charset="0"/>
-              </a:rPr>
-              <a:t>EventKey</a:t>
-            </a:r>
-            <a:r>
-              <a:rPr lang="zh-CN" altLang="en-US" sz="2200">
-                <a:solidFill>
-                  <a:schemeClr val="tx1"/>
-                </a:solidFill>
-                <a:uFillTx/>
-                <a:latin typeface="FreeMono" panose="020F0409020205020404" charset="0"/>
-              </a:rPr>
-              <a:t>描述的</a:t>
-            </a:r>
-            <a:r>
-              <a:rPr lang="en-US" altLang="zh-CN" sz="2200">
-                <a:solidFill>
-                  <a:schemeClr val="tx1"/>
-                </a:solidFill>
-                <a:uFillTx/>
-                <a:latin typeface="FreeMono" panose="020F0409020205020404" charset="0"/>
-              </a:rPr>
-              <a:t>URL</a:t>
-            </a:r>
-            <a:r>
-              <a:rPr lang="zh-CN" altLang="en-US" sz="2200">
-                <a:solidFill>
-                  <a:schemeClr val="tx1"/>
-                </a:solidFill>
-                <a:uFillTx/>
-                <a:latin typeface="FreeMono" panose="020F0409020205020404" charset="0"/>
-              </a:rPr>
-              <a:t>信息统计页面访问量；</a:t>
-            </a:r>
-            <a:endParaRPr lang="zh-CN" altLang="en-US" sz="2200">
-              <a:solidFill>
-                <a:schemeClr val="tx1"/>
-              </a:solidFill>
-              <a:uFillTx/>
-              <a:latin typeface="FreeMono" panose="020F0409020205020404" charset="0"/>
-            </a:endParaRPr>
-          </a:p>
-          <a:p>
-            <a:pPr lvl="0" fontAlgn="auto">
-              <a:lnSpc>
-                <a:spcPct val="115000"/>
-              </a:lnSpc>
-            </a:pPr>
-            <a:r>
-              <a:rPr lang="zh-CN" altLang="en-US" sz="2200">
-                <a:solidFill>
-                  <a:schemeClr val="tx1"/>
-                </a:solidFill>
-                <a:uFillTx/>
-                <a:latin typeface="FreeMono" panose="020F0409020205020404" charset="0"/>
-              </a:rPr>
-              <a:t>而如果发现</a:t>
-            </a:r>
-            <a:r>
-              <a:rPr lang="en-US" altLang="zh-CN" sz="2200">
-                <a:solidFill>
-                  <a:schemeClr val="tx1"/>
-                </a:solidFill>
-                <a:uFillTx/>
-                <a:latin typeface="FreeMono" panose="020F0409020205020404" charset="0"/>
-              </a:rPr>
-              <a:t>Event</a:t>
-            </a:r>
-            <a:r>
-              <a:rPr lang="zh-CN" altLang="en-US" sz="2200">
-                <a:solidFill>
-                  <a:schemeClr val="tx1"/>
-                </a:solidFill>
-                <a:uFillTx/>
-                <a:latin typeface="FreeMono" panose="020F0409020205020404" charset="0"/>
-              </a:rPr>
-              <a:t>是</a:t>
-            </a:r>
-            <a:r>
-              <a:rPr lang="en-US" altLang="zh-CN" sz="2200">
-                <a:solidFill>
-                  <a:schemeClr val="tx1"/>
-                </a:solidFill>
-                <a:uFillTx/>
-                <a:latin typeface="FreeMono" panose="020F0409020205020404" charset="0"/>
-              </a:rPr>
-              <a:t>CLICK</a:t>
-            </a:r>
-            <a:r>
-              <a:rPr lang="zh-CN" altLang="en-US" sz="2200">
-                <a:solidFill>
-                  <a:schemeClr val="tx1"/>
-                </a:solidFill>
-                <a:uFillTx/>
-                <a:latin typeface="FreeMono" panose="020F0409020205020404" charset="0"/>
-              </a:rPr>
-              <a:t>类型，则</a:t>
-            </a:r>
-            <a:r>
-              <a:rPr lang="en-US" altLang="zh-CN" sz="2200">
-                <a:solidFill>
-                  <a:schemeClr val="tx1"/>
-                </a:solidFill>
-                <a:uFillTx/>
-                <a:latin typeface="FreeMono" panose="020F0409020205020404" charset="0"/>
-              </a:rPr>
-              <a:t>EventKey</a:t>
-            </a:r>
-            <a:r>
-              <a:rPr lang="zh-CN" altLang="en-US" sz="2200">
-                <a:solidFill>
-                  <a:schemeClr val="tx1"/>
-                </a:solidFill>
-                <a:uFillTx/>
-                <a:latin typeface="FreeMono" panose="020F0409020205020404" charset="0"/>
-              </a:rPr>
-              <a:t>字段的数据是用户自定义菜单指定的值，例如，</a:t>
-            </a:r>
-            <a:r>
-              <a:rPr lang="en-US" altLang="zh-CN" sz="2200">
-                <a:solidFill>
-                  <a:schemeClr val="tx1"/>
-                </a:solidFill>
-                <a:uFillTx/>
-                <a:latin typeface="FreeMono" panose="020F0409020205020404" charset="0"/>
-              </a:rPr>
-              <a:t>about-us</a:t>
-            </a:r>
-            <a:r>
-              <a:rPr lang="zh-CN" altLang="en-US" sz="2200">
-                <a:solidFill>
-                  <a:schemeClr val="tx1"/>
-                </a:solidFill>
-                <a:uFillTx/>
-                <a:latin typeface="FreeMono" panose="020F0409020205020404" charset="0"/>
-              </a:rPr>
-              <a:t>表示关于我们，</a:t>
-            </a:r>
-            <a:r>
-              <a:rPr lang="en-US" altLang="zh-CN" sz="2200">
-                <a:solidFill>
-                  <a:schemeClr val="tx1"/>
-                </a:solidFill>
-                <a:uFillTx/>
-                <a:latin typeface="FreeMono" panose="020F0409020205020404" charset="0"/>
-              </a:rPr>
-              <a:t>get-help</a:t>
-            </a:r>
-            <a:r>
-              <a:rPr lang="zh-CN" altLang="en-US" sz="2200">
-                <a:solidFill>
-                  <a:schemeClr val="tx1"/>
-                </a:solidFill>
-                <a:uFillTx/>
-                <a:latin typeface="FreeMono" panose="020F0409020205020404" charset="0"/>
-              </a:rPr>
-              <a:t>表示获取帮助。此时在</a:t>
-            </a:r>
-            <a:r>
-              <a:rPr lang="en-US" altLang="zh-CN" sz="2200">
-                <a:solidFill>
-                  <a:schemeClr val="tx1"/>
-                </a:solidFill>
-                <a:uFillTx/>
-                <a:latin typeface="FreeMono" panose="020F0409020205020404" charset="0"/>
-              </a:rPr>
-              <a:t>clickEventHandle</a:t>
-            </a:r>
-            <a:r>
-              <a:rPr lang="zh-CN" altLang="en-US" sz="2200">
-                <a:solidFill>
-                  <a:schemeClr val="tx1"/>
-                </a:solidFill>
-                <a:uFillTx/>
-                <a:latin typeface="FreeMono" panose="020F0409020205020404" charset="0"/>
-              </a:rPr>
-              <a:t>函数中可根据不同字段调用对应的函数返回结果。</a:t>
-            </a:r>
-            <a:endParaRPr lang="zh-CN" altLang="en-US" sz="2565">
-              <a:solidFill>
-                <a:schemeClr val="tx1"/>
-              </a:solidFill>
-              <a:uFillTx/>
-              <a:latin typeface="FreeMono" panose="020F0409020205020404" charset="0"/>
-            </a:endParaRPr>
-          </a:p>
-          <a:p>
-            <a:pPr marL="0" lvl="1" indent="0" fontAlgn="auto">
-              <a:lnSpc>
-                <a:spcPct val="115000"/>
-              </a:lnSpc>
-              <a:buNone/>
-            </a:pPr>
-            <a:endParaRPr lang="zh-CN" altLang="en-US" sz="2200">
-              <a:solidFill>
-                <a:schemeClr val="tx1"/>
-              </a:solidFill>
-              <a:uFillTx/>
-              <a:latin typeface="FreeMono" panose="020F0409020205020404" charset="0"/>
-            </a:endParaRPr>
-          </a:p>
-        </p:txBody>
-      </p:sp>
     </p:spTree>
   </p:cSld>
   <p:clrMapOvr>

--- a/ch04/事件消息处理.pptx
+++ b/ch04/事件消息处理.pptx
@@ -3023,10 +3023,10 @@
               </a:lnSpc>
             </a:pPr>
             <a:r>
-              <a:rPr lang="zh-CN" altLang="en-US"/>
+              <a:rPr lang="zh-CN" altLang="en-US" sz="2000"/>
               <a:t>关注/取消关注事件</a:t>
             </a:r>
-            <a:endParaRPr lang="zh-CN" altLang="en-US"/>
+            <a:endParaRPr lang="zh-CN" altLang="en-US" sz="2000"/>
           </a:p>
           <a:p>
             <a:pPr lvl="1" fontAlgn="auto">
@@ -3035,10 +3035,10 @@
               </a:lnSpc>
             </a:pPr>
             <a:r>
-              <a:rPr lang="zh-CN" altLang="en-US"/>
+              <a:rPr lang="zh-CN" altLang="en-US" sz="2000"/>
               <a:t>扫描带参数的二维码</a:t>
             </a:r>
-            <a:endParaRPr lang="zh-CN" altLang="en-US"/>
+            <a:endParaRPr lang="zh-CN" altLang="en-US" sz="2000"/>
           </a:p>
           <a:p>
             <a:pPr lvl="1" fontAlgn="auto">
@@ -3047,10 +3047,10 @@
               </a:lnSpc>
             </a:pPr>
             <a:r>
-              <a:rPr lang="zh-CN" altLang="en-US"/>
+              <a:rPr lang="zh-CN" altLang="en-US" sz="2000"/>
               <a:t>上报地理位置</a:t>
             </a:r>
-            <a:endParaRPr lang="zh-CN" altLang="en-US"/>
+            <a:endParaRPr lang="zh-CN" altLang="en-US" sz="2000"/>
           </a:p>
           <a:p>
             <a:pPr lvl="1" fontAlgn="auto">
@@ -3059,10 +3059,10 @@
               </a:lnSpc>
             </a:pPr>
             <a:r>
-              <a:rPr lang="zh-CN" altLang="en-US"/>
+              <a:rPr lang="zh-CN" altLang="en-US" sz="2000"/>
               <a:t>自定义菜单</a:t>
             </a:r>
-            <a:endParaRPr lang="zh-CN" altLang="en-US"/>
+            <a:endParaRPr lang="zh-CN" altLang="en-US" sz="2000"/>
           </a:p>
           <a:p>
             <a:pPr lvl="1" fontAlgn="auto">
@@ -3071,10 +3071,10 @@
               </a:lnSpc>
             </a:pPr>
             <a:r>
-              <a:rPr lang="zh-CN" altLang="en-US"/>
+              <a:rPr lang="zh-CN" altLang="en-US" sz="2000"/>
               <a:t>点击菜单拉取消息</a:t>
             </a:r>
-            <a:endParaRPr lang="zh-CN" altLang="en-US"/>
+            <a:endParaRPr lang="zh-CN" altLang="en-US" sz="2000"/>
           </a:p>
           <a:p>
             <a:pPr lvl="1" fontAlgn="auto">
@@ -3083,7 +3083,7 @@
               </a:lnSpc>
             </a:pPr>
             <a:r>
-              <a:rPr lang="zh-CN" altLang="en-US"/>
+              <a:rPr lang="zh-CN" altLang="en-US" sz="2000"/>
               <a:t>点击菜单跳转链接</a:t>
             </a:r>
             <a:endParaRPr lang="zh-CN" altLang="en-US"/>

--- a/ch04/事件消息处理.pptx
+++ b/ch04/事件消息处理.pptx
@@ -13,6 +13,11 @@
     <p:sldId id="260" r:id="rId8"/>
     <p:sldId id="261" r:id="rId9"/>
     <p:sldId id="262" r:id="rId10"/>
+    <p:sldId id="263" r:id="rId11"/>
+    <p:sldId id="264" r:id="rId12"/>
+    <p:sldId id="265" r:id="rId13"/>
+    <p:sldId id="266" r:id="rId14"/>
+    <p:sldId id="267" r:id="rId15"/>
   </p:sldIdLst>
   <p:sldSz cx="12192000" cy="6858000"/>
   <p:notesSz cx="7559675" cy="10691812"/>
@@ -60,7 +65,7 @@
       </p:grpSpPr>
       <p:sp>
         <p:nvSpPr>
-          <p:cNvPr id="26" name="PlaceHolder 1"/>
+          <p:cNvPr id="23" name="PlaceHolder 1"/>
           <p:cNvSpPr>
             <a:spLocks noGrp="1"/>
           </p:cNvSpPr>
@@ -70,8 +75,8 @@
         </p:nvSpPr>
         <p:spPr>
           <a:xfrm>
-            <a:off x="838080" y="365040"/>
-            <a:ext cx="10515240" cy="1325160"/>
+            <a:off x="609480" y="273600"/>
+            <a:ext cx="10972440" cy="1144800"/>
           </a:xfrm>
           <a:prstGeom prst="rect">
             <a:avLst/>
@@ -80,18 +85,16 @@
         <p:txBody>
           <a:bodyPr lIns="0" rIns="0" tIns="0" bIns="0" anchor="ctr"/>
           <a:p>
-            <a:endParaRPr b="0" lang="zh-CN" sz="1800" spc="-1" strike="noStrike">
-              <a:solidFill>
-                <a:srgbClr val="000000"/>
-              </a:solidFill>
-              <a:latin typeface="Calibri"/>
-            </a:endParaRPr>
-          </a:p>
-        </p:txBody>
-      </p:sp>
-      <p:sp>
-        <p:nvSpPr>
-          <p:cNvPr id="27" name="PlaceHolder 2"/>
+            <a:pPr algn="ctr"/>
+            <a:endParaRPr b="0" lang="en-US" sz="4400" spc="-1" strike="noStrike">
+              <a:latin typeface="Arial"/>
+            </a:endParaRPr>
+          </a:p>
+        </p:txBody>
+      </p:sp>
+      <p:sp>
+        <p:nvSpPr>
+          <p:cNvPr id="24" name="PlaceHolder 2"/>
           <p:cNvSpPr>
             <a:spLocks noGrp="1"/>
           </p:cNvSpPr>
@@ -101,8 +104,8 @@
         </p:nvSpPr>
         <p:spPr>
           <a:xfrm>
-            <a:off x="838080" y="1825560"/>
-            <a:ext cx="10515240" cy="2075040"/>
+            <a:off x="609480" y="1604520"/>
+            <a:ext cx="10972440" cy="1896840"/>
           </a:xfrm>
           <a:prstGeom prst="rect">
             <a:avLst/>
@@ -113,18 +116,15 @@
             <a:normAutofit/>
           </a:bodyPr>
           <a:p>
-            <a:endParaRPr b="0" lang="zh-CN" sz="2800" spc="-1" strike="noStrike">
-              <a:solidFill>
-                <a:srgbClr val="000000"/>
-              </a:solidFill>
-              <a:latin typeface="Calibri"/>
-            </a:endParaRPr>
-          </a:p>
-        </p:txBody>
-      </p:sp>
-      <p:sp>
-        <p:nvSpPr>
-          <p:cNvPr id="28" name="PlaceHolder 3"/>
+            <a:endParaRPr b="0" lang="en-US" sz="3200" spc="-1" strike="noStrike">
+              <a:latin typeface="Arial"/>
+            </a:endParaRPr>
+          </a:p>
+        </p:txBody>
+      </p:sp>
+      <p:sp>
+        <p:nvSpPr>
+          <p:cNvPr id="25" name="PlaceHolder 3"/>
           <p:cNvSpPr>
             <a:spLocks noGrp="1"/>
           </p:cNvSpPr>
@@ -134,8 +134,8 @@
         </p:nvSpPr>
         <p:spPr>
           <a:xfrm>
-            <a:off x="838080" y="4098240"/>
-            <a:ext cx="10515240" cy="2075040"/>
+            <a:off x="609480" y="3682080"/>
+            <a:ext cx="10972440" cy="1896840"/>
           </a:xfrm>
           <a:prstGeom prst="rect">
             <a:avLst/>
@@ -146,11 +146,8 @@
             <a:normAutofit/>
           </a:bodyPr>
           <a:p>
-            <a:endParaRPr b="0" lang="zh-CN" sz="2800" spc="-1" strike="noStrike">
-              <a:solidFill>
-                <a:srgbClr val="000000"/>
-              </a:solidFill>
-              <a:latin typeface="Calibri"/>
+            <a:endParaRPr b="0" lang="en-US" sz="3200" spc="-1" strike="noStrike">
+              <a:latin typeface="Arial"/>
             </a:endParaRPr>
           </a:p>
         </p:txBody>
@@ -179,7 +176,7 @@
       </p:grpSpPr>
       <p:sp>
         <p:nvSpPr>
-          <p:cNvPr id="29" name="PlaceHolder 1"/>
+          <p:cNvPr id="26" name="PlaceHolder 1"/>
           <p:cNvSpPr>
             <a:spLocks noGrp="1"/>
           </p:cNvSpPr>
@@ -189,8 +186,8 @@
         </p:nvSpPr>
         <p:spPr>
           <a:xfrm>
-            <a:off x="838080" y="365040"/>
-            <a:ext cx="10515240" cy="1325160"/>
+            <a:off x="609480" y="273600"/>
+            <a:ext cx="10972440" cy="1144800"/>
           </a:xfrm>
           <a:prstGeom prst="rect">
             <a:avLst/>
@@ -199,18 +196,16 @@
         <p:txBody>
           <a:bodyPr lIns="0" rIns="0" tIns="0" bIns="0" anchor="ctr"/>
           <a:p>
-            <a:endParaRPr b="0" lang="zh-CN" sz="1800" spc="-1" strike="noStrike">
-              <a:solidFill>
-                <a:srgbClr val="000000"/>
-              </a:solidFill>
-              <a:latin typeface="Calibri"/>
-            </a:endParaRPr>
-          </a:p>
-        </p:txBody>
-      </p:sp>
-      <p:sp>
-        <p:nvSpPr>
-          <p:cNvPr id="30" name="PlaceHolder 2"/>
+            <a:pPr algn="ctr"/>
+            <a:endParaRPr b="0" lang="en-US" sz="4400" spc="-1" strike="noStrike">
+              <a:latin typeface="Arial"/>
+            </a:endParaRPr>
+          </a:p>
+        </p:txBody>
+      </p:sp>
+      <p:sp>
+        <p:nvSpPr>
+          <p:cNvPr id="27" name="PlaceHolder 2"/>
           <p:cNvSpPr>
             <a:spLocks noGrp="1"/>
           </p:cNvSpPr>
@@ -220,8 +215,8 @@
         </p:nvSpPr>
         <p:spPr>
           <a:xfrm>
-            <a:off x="838080" y="1825560"/>
-            <a:ext cx="5131080" cy="2075040"/>
+            <a:off x="609480" y="1604520"/>
+            <a:ext cx="5354280" cy="1896840"/>
           </a:xfrm>
           <a:prstGeom prst="rect">
             <a:avLst/>
@@ -232,18 +227,15 @@
             <a:normAutofit/>
           </a:bodyPr>
           <a:p>
-            <a:endParaRPr b="0" lang="zh-CN" sz="2800" spc="-1" strike="noStrike">
-              <a:solidFill>
-                <a:srgbClr val="000000"/>
-              </a:solidFill>
-              <a:latin typeface="Calibri"/>
-            </a:endParaRPr>
-          </a:p>
-        </p:txBody>
-      </p:sp>
-      <p:sp>
-        <p:nvSpPr>
-          <p:cNvPr id="31" name="PlaceHolder 3"/>
+            <a:endParaRPr b="0" lang="en-US" sz="3200" spc="-1" strike="noStrike">
+              <a:latin typeface="Arial"/>
+            </a:endParaRPr>
+          </a:p>
+        </p:txBody>
+      </p:sp>
+      <p:sp>
+        <p:nvSpPr>
+          <p:cNvPr id="28" name="PlaceHolder 3"/>
           <p:cNvSpPr>
             <a:spLocks noGrp="1"/>
           </p:cNvSpPr>
@@ -253,8 +245,8 @@
         </p:nvSpPr>
         <p:spPr>
           <a:xfrm>
-            <a:off x="6226200" y="1825560"/>
-            <a:ext cx="5131080" cy="2075040"/>
+            <a:off x="6231960" y="1604520"/>
+            <a:ext cx="5354280" cy="1896840"/>
           </a:xfrm>
           <a:prstGeom prst="rect">
             <a:avLst/>
@@ -265,18 +257,15 @@
             <a:normAutofit/>
           </a:bodyPr>
           <a:p>
-            <a:endParaRPr b="0" lang="zh-CN" sz="2800" spc="-1" strike="noStrike">
-              <a:solidFill>
-                <a:srgbClr val="000000"/>
-              </a:solidFill>
-              <a:latin typeface="Calibri"/>
-            </a:endParaRPr>
-          </a:p>
-        </p:txBody>
-      </p:sp>
-      <p:sp>
-        <p:nvSpPr>
-          <p:cNvPr id="32" name="PlaceHolder 4"/>
+            <a:endParaRPr b="0" lang="en-US" sz="3200" spc="-1" strike="noStrike">
+              <a:latin typeface="Arial"/>
+            </a:endParaRPr>
+          </a:p>
+        </p:txBody>
+      </p:sp>
+      <p:sp>
+        <p:nvSpPr>
+          <p:cNvPr id="29" name="PlaceHolder 4"/>
           <p:cNvSpPr>
             <a:spLocks noGrp="1"/>
           </p:cNvSpPr>
@@ -286,8 +275,8 @@
         </p:nvSpPr>
         <p:spPr>
           <a:xfrm>
-            <a:off x="838080" y="4098240"/>
-            <a:ext cx="5131080" cy="2075040"/>
+            <a:off x="609480" y="3682080"/>
+            <a:ext cx="5354280" cy="1896840"/>
           </a:xfrm>
           <a:prstGeom prst="rect">
             <a:avLst/>
@@ -298,18 +287,15 @@
             <a:normAutofit/>
           </a:bodyPr>
           <a:p>
-            <a:endParaRPr b="0" lang="zh-CN" sz="2800" spc="-1" strike="noStrike">
-              <a:solidFill>
-                <a:srgbClr val="000000"/>
-              </a:solidFill>
-              <a:latin typeface="Calibri"/>
-            </a:endParaRPr>
-          </a:p>
-        </p:txBody>
-      </p:sp>
-      <p:sp>
-        <p:nvSpPr>
-          <p:cNvPr id="33" name="PlaceHolder 5"/>
+            <a:endParaRPr b="0" lang="en-US" sz="3200" spc="-1" strike="noStrike">
+              <a:latin typeface="Arial"/>
+            </a:endParaRPr>
+          </a:p>
+        </p:txBody>
+      </p:sp>
+      <p:sp>
+        <p:nvSpPr>
+          <p:cNvPr id="30" name="PlaceHolder 5"/>
           <p:cNvSpPr>
             <a:spLocks noGrp="1"/>
           </p:cNvSpPr>
@@ -319,8 +305,8 @@
         </p:nvSpPr>
         <p:spPr>
           <a:xfrm>
-            <a:off x="6226200" y="4098240"/>
-            <a:ext cx="5131080" cy="2075040"/>
+            <a:off x="6231960" y="3682080"/>
+            <a:ext cx="5354280" cy="1896840"/>
           </a:xfrm>
           <a:prstGeom prst="rect">
             <a:avLst/>
@@ -331,11 +317,8 @@
             <a:normAutofit/>
           </a:bodyPr>
           <a:p>
-            <a:endParaRPr b="0" lang="zh-CN" sz="2800" spc="-1" strike="noStrike">
-              <a:solidFill>
-                <a:srgbClr val="000000"/>
-              </a:solidFill>
-              <a:latin typeface="Calibri"/>
+            <a:endParaRPr b="0" lang="en-US" sz="3200" spc="-1" strike="noStrike">
+              <a:latin typeface="Arial"/>
             </a:endParaRPr>
           </a:p>
         </p:txBody>
@@ -364,7 +347,7 @@
       </p:grpSpPr>
       <p:sp>
         <p:nvSpPr>
-          <p:cNvPr id="34" name="PlaceHolder 1"/>
+          <p:cNvPr id="31" name="PlaceHolder 1"/>
           <p:cNvSpPr>
             <a:spLocks noGrp="1"/>
           </p:cNvSpPr>
@@ -374,8 +357,8 @@
         </p:nvSpPr>
         <p:spPr>
           <a:xfrm>
-            <a:off x="838080" y="365040"/>
-            <a:ext cx="10515240" cy="1325160"/>
+            <a:off x="609480" y="273600"/>
+            <a:ext cx="10972440" cy="1144800"/>
           </a:xfrm>
           <a:prstGeom prst="rect">
             <a:avLst/>
@@ -384,18 +367,16 @@
         <p:txBody>
           <a:bodyPr lIns="0" rIns="0" tIns="0" bIns="0" anchor="ctr"/>
           <a:p>
-            <a:endParaRPr b="0" lang="zh-CN" sz="1800" spc="-1" strike="noStrike">
-              <a:solidFill>
-                <a:srgbClr val="000000"/>
-              </a:solidFill>
-              <a:latin typeface="Calibri"/>
-            </a:endParaRPr>
-          </a:p>
-        </p:txBody>
-      </p:sp>
-      <p:sp>
-        <p:nvSpPr>
-          <p:cNvPr id="35" name="PlaceHolder 2"/>
+            <a:pPr algn="ctr"/>
+            <a:endParaRPr b="0" lang="en-US" sz="4400" spc="-1" strike="noStrike">
+              <a:latin typeface="Arial"/>
+            </a:endParaRPr>
+          </a:p>
+        </p:txBody>
+      </p:sp>
+      <p:sp>
+        <p:nvSpPr>
+          <p:cNvPr id="32" name="PlaceHolder 2"/>
           <p:cNvSpPr>
             <a:spLocks noGrp="1"/>
           </p:cNvSpPr>
@@ -405,8 +386,8 @@
         </p:nvSpPr>
         <p:spPr>
           <a:xfrm>
-            <a:off x="838080" y="1825560"/>
-            <a:ext cx="3385800" cy="2075040"/>
+            <a:off x="609480" y="1604520"/>
+            <a:ext cx="3533040" cy="1896840"/>
           </a:xfrm>
           <a:prstGeom prst="rect">
             <a:avLst/>
@@ -417,18 +398,15 @@
             <a:normAutofit/>
           </a:bodyPr>
           <a:p>
-            <a:endParaRPr b="0" lang="zh-CN" sz="2800" spc="-1" strike="noStrike">
-              <a:solidFill>
-                <a:srgbClr val="000000"/>
-              </a:solidFill>
-              <a:latin typeface="Calibri"/>
-            </a:endParaRPr>
-          </a:p>
-        </p:txBody>
-      </p:sp>
-      <p:sp>
-        <p:nvSpPr>
-          <p:cNvPr id="36" name="PlaceHolder 3"/>
+            <a:endParaRPr b="0" lang="en-US" sz="3200" spc="-1" strike="noStrike">
+              <a:latin typeface="Arial"/>
+            </a:endParaRPr>
+          </a:p>
+        </p:txBody>
+      </p:sp>
+      <p:sp>
+        <p:nvSpPr>
+          <p:cNvPr id="33" name="PlaceHolder 3"/>
           <p:cNvSpPr>
             <a:spLocks noGrp="1"/>
           </p:cNvSpPr>
@@ -438,8 +416,8 @@
         </p:nvSpPr>
         <p:spPr>
           <a:xfrm>
-            <a:off x="4393440" y="1825560"/>
-            <a:ext cx="3385800" cy="2075040"/>
+            <a:off x="4319640" y="1604520"/>
+            <a:ext cx="3533040" cy="1896840"/>
           </a:xfrm>
           <a:prstGeom prst="rect">
             <a:avLst/>
@@ -450,18 +428,15 @@
             <a:normAutofit/>
           </a:bodyPr>
           <a:p>
-            <a:endParaRPr b="0" lang="zh-CN" sz="2800" spc="-1" strike="noStrike">
-              <a:solidFill>
-                <a:srgbClr val="000000"/>
-              </a:solidFill>
-              <a:latin typeface="Calibri"/>
-            </a:endParaRPr>
-          </a:p>
-        </p:txBody>
-      </p:sp>
-      <p:sp>
-        <p:nvSpPr>
-          <p:cNvPr id="37" name="PlaceHolder 4"/>
+            <a:endParaRPr b="0" lang="en-US" sz="3200" spc="-1" strike="noStrike">
+              <a:latin typeface="Arial"/>
+            </a:endParaRPr>
+          </a:p>
+        </p:txBody>
+      </p:sp>
+      <p:sp>
+        <p:nvSpPr>
+          <p:cNvPr id="34" name="PlaceHolder 4"/>
           <p:cNvSpPr>
             <a:spLocks noGrp="1"/>
           </p:cNvSpPr>
@@ -471,8 +446,8 @@
         </p:nvSpPr>
         <p:spPr>
           <a:xfrm>
-            <a:off x="7949160" y="1825560"/>
-            <a:ext cx="3385800" cy="2075040"/>
+            <a:off x="8029800" y="1604520"/>
+            <a:ext cx="3533040" cy="1896840"/>
           </a:xfrm>
           <a:prstGeom prst="rect">
             <a:avLst/>
@@ -483,18 +458,15 @@
             <a:normAutofit/>
           </a:bodyPr>
           <a:p>
-            <a:endParaRPr b="0" lang="zh-CN" sz="2800" spc="-1" strike="noStrike">
-              <a:solidFill>
-                <a:srgbClr val="000000"/>
-              </a:solidFill>
-              <a:latin typeface="Calibri"/>
-            </a:endParaRPr>
-          </a:p>
-        </p:txBody>
-      </p:sp>
-      <p:sp>
-        <p:nvSpPr>
-          <p:cNvPr id="38" name="PlaceHolder 5"/>
+            <a:endParaRPr b="0" lang="en-US" sz="3200" spc="-1" strike="noStrike">
+              <a:latin typeface="Arial"/>
+            </a:endParaRPr>
+          </a:p>
+        </p:txBody>
+      </p:sp>
+      <p:sp>
+        <p:nvSpPr>
+          <p:cNvPr id="35" name="PlaceHolder 5"/>
           <p:cNvSpPr>
             <a:spLocks noGrp="1"/>
           </p:cNvSpPr>
@@ -504,8 +476,8 @@
         </p:nvSpPr>
         <p:spPr>
           <a:xfrm>
-            <a:off x="838080" y="4098240"/>
-            <a:ext cx="3385800" cy="2075040"/>
+            <a:off x="609480" y="3682080"/>
+            <a:ext cx="3533040" cy="1896840"/>
           </a:xfrm>
           <a:prstGeom prst="rect">
             <a:avLst/>
@@ -516,18 +488,15 @@
             <a:normAutofit/>
           </a:bodyPr>
           <a:p>
-            <a:endParaRPr b="0" lang="zh-CN" sz="2800" spc="-1" strike="noStrike">
-              <a:solidFill>
-                <a:srgbClr val="000000"/>
-              </a:solidFill>
-              <a:latin typeface="Calibri"/>
-            </a:endParaRPr>
-          </a:p>
-        </p:txBody>
-      </p:sp>
-      <p:sp>
-        <p:nvSpPr>
-          <p:cNvPr id="39" name="PlaceHolder 6"/>
+            <a:endParaRPr b="0" lang="en-US" sz="3200" spc="-1" strike="noStrike">
+              <a:latin typeface="Arial"/>
+            </a:endParaRPr>
+          </a:p>
+        </p:txBody>
+      </p:sp>
+      <p:sp>
+        <p:nvSpPr>
+          <p:cNvPr id="36" name="PlaceHolder 6"/>
           <p:cNvSpPr>
             <a:spLocks noGrp="1"/>
           </p:cNvSpPr>
@@ -537,8 +506,8 @@
         </p:nvSpPr>
         <p:spPr>
           <a:xfrm>
-            <a:off x="4393440" y="4098240"/>
-            <a:ext cx="3385800" cy="2075040"/>
+            <a:off x="4319640" y="3682080"/>
+            <a:ext cx="3533040" cy="1896840"/>
           </a:xfrm>
           <a:prstGeom prst="rect">
             <a:avLst/>
@@ -549,18 +518,15 @@
             <a:normAutofit/>
           </a:bodyPr>
           <a:p>
-            <a:endParaRPr b="0" lang="zh-CN" sz="2800" spc="-1" strike="noStrike">
-              <a:solidFill>
-                <a:srgbClr val="000000"/>
-              </a:solidFill>
-              <a:latin typeface="Calibri"/>
-            </a:endParaRPr>
-          </a:p>
-        </p:txBody>
-      </p:sp>
-      <p:sp>
-        <p:nvSpPr>
-          <p:cNvPr id="40" name="PlaceHolder 7"/>
+            <a:endParaRPr b="0" lang="en-US" sz="3200" spc="-1" strike="noStrike">
+              <a:latin typeface="Arial"/>
+            </a:endParaRPr>
+          </a:p>
+        </p:txBody>
+      </p:sp>
+      <p:sp>
+        <p:nvSpPr>
+          <p:cNvPr id="37" name="PlaceHolder 7"/>
           <p:cNvSpPr>
             <a:spLocks noGrp="1"/>
           </p:cNvSpPr>
@@ -570,8 +536,8 @@
         </p:nvSpPr>
         <p:spPr>
           <a:xfrm>
-            <a:off x="7949160" y="4098240"/>
-            <a:ext cx="3385800" cy="2075040"/>
+            <a:off x="8029800" y="3682080"/>
+            <a:ext cx="3533040" cy="1896840"/>
           </a:xfrm>
           <a:prstGeom prst="rect">
             <a:avLst/>
@@ -582,11 +548,8 @@
             <a:normAutofit/>
           </a:bodyPr>
           <a:p>
-            <a:endParaRPr b="0" lang="zh-CN" sz="2800" spc="-1" strike="noStrike">
-              <a:solidFill>
-                <a:srgbClr val="000000"/>
-              </a:solidFill>
-              <a:latin typeface="Calibri"/>
+            <a:endParaRPr b="0" lang="en-US" sz="3200" spc="-1" strike="noStrike">
+              <a:latin typeface="Arial"/>
             </a:endParaRPr>
           </a:p>
         </p:txBody>
@@ -637,7 +600,7 @@
       </p:grpSpPr>
       <p:sp>
         <p:nvSpPr>
-          <p:cNvPr id="46" name="PlaceHolder 1"/>
+          <p:cNvPr id="40" name="PlaceHolder 1"/>
           <p:cNvSpPr>
             <a:spLocks noGrp="1"/>
           </p:cNvSpPr>
@@ -647,8 +610,8 @@
         </p:nvSpPr>
         <p:spPr>
           <a:xfrm>
-            <a:off x="838080" y="365040"/>
-            <a:ext cx="10515240" cy="1325160"/>
+            <a:off x="609480" y="273600"/>
+            <a:ext cx="10972440" cy="1144800"/>
           </a:xfrm>
           <a:prstGeom prst="rect">
             <a:avLst/>
@@ -657,18 +620,16 @@
         <p:txBody>
           <a:bodyPr lIns="0" rIns="0" tIns="0" bIns="0" anchor="ctr"/>
           <a:p>
-            <a:endParaRPr b="0" lang="zh-CN" sz="1800" spc="-1" strike="noStrike">
-              <a:solidFill>
-                <a:srgbClr val="000000"/>
-              </a:solidFill>
-              <a:latin typeface="Calibri"/>
-            </a:endParaRPr>
-          </a:p>
-        </p:txBody>
-      </p:sp>
-      <p:sp>
-        <p:nvSpPr>
-          <p:cNvPr id="47" name="PlaceHolder 2"/>
+            <a:pPr algn="ctr"/>
+            <a:endParaRPr b="0" lang="en-US" sz="4400" spc="-1" strike="noStrike">
+              <a:latin typeface="Arial"/>
+            </a:endParaRPr>
+          </a:p>
+        </p:txBody>
+      </p:sp>
+      <p:sp>
+        <p:nvSpPr>
+          <p:cNvPr id="41" name="PlaceHolder 2"/>
           <p:cNvSpPr>
             <a:spLocks noGrp="1"/>
           </p:cNvSpPr>
@@ -678,8 +639,8 @@
         </p:nvSpPr>
         <p:spPr>
           <a:xfrm>
-            <a:off x="838080" y="1825560"/>
-            <a:ext cx="10515240" cy="4350960"/>
+            <a:off x="609480" y="1604520"/>
+            <a:ext cx="10972440" cy="3977280"/>
           </a:xfrm>
           <a:prstGeom prst="rect">
             <a:avLst/>
@@ -719,7 +680,7 @@
       </p:grpSpPr>
       <p:sp>
         <p:nvSpPr>
-          <p:cNvPr id="48" name="PlaceHolder 1"/>
+          <p:cNvPr id="42" name="PlaceHolder 1"/>
           <p:cNvSpPr>
             <a:spLocks noGrp="1"/>
           </p:cNvSpPr>
@@ -729,8 +690,8 @@
         </p:nvSpPr>
         <p:spPr>
           <a:xfrm>
-            <a:off x="838080" y="365040"/>
-            <a:ext cx="10515240" cy="1325160"/>
+            <a:off x="609480" y="273600"/>
+            <a:ext cx="10972440" cy="1144800"/>
           </a:xfrm>
           <a:prstGeom prst="rect">
             <a:avLst/>
@@ -739,18 +700,16 @@
         <p:txBody>
           <a:bodyPr lIns="0" rIns="0" tIns="0" bIns="0" anchor="ctr"/>
           <a:p>
-            <a:endParaRPr b="0" lang="zh-CN" sz="1800" spc="-1" strike="noStrike">
-              <a:solidFill>
-                <a:srgbClr val="000000"/>
-              </a:solidFill>
-              <a:latin typeface="Calibri"/>
-            </a:endParaRPr>
-          </a:p>
-        </p:txBody>
-      </p:sp>
-      <p:sp>
-        <p:nvSpPr>
-          <p:cNvPr id="49" name="PlaceHolder 2"/>
+            <a:pPr algn="ctr"/>
+            <a:endParaRPr b="0" lang="en-US" sz="4400" spc="-1" strike="noStrike">
+              <a:latin typeface="Arial"/>
+            </a:endParaRPr>
+          </a:p>
+        </p:txBody>
+      </p:sp>
+      <p:sp>
+        <p:nvSpPr>
+          <p:cNvPr id="43" name="PlaceHolder 2"/>
           <p:cNvSpPr>
             <a:spLocks noGrp="1"/>
           </p:cNvSpPr>
@@ -760,8 +719,8 @@
         </p:nvSpPr>
         <p:spPr>
           <a:xfrm>
-            <a:off x="838080" y="1825560"/>
-            <a:ext cx="10515240" cy="4350960"/>
+            <a:off x="609480" y="1604520"/>
+            <a:ext cx="10972440" cy="3977280"/>
           </a:xfrm>
           <a:prstGeom prst="rect">
             <a:avLst/>
@@ -772,11 +731,8 @@
             <a:normAutofit/>
           </a:bodyPr>
           <a:p>
-            <a:endParaRPr b="0" lang="zh-CN" sz="2800" spc="-1" strike="noStrike">
-              <a:solidFill>
-                <a:srgbClr val="000000"/>
-              </a:solidFill>
-              <a:latin typeface="Calibri"/>
+            <a:endParaRPr b="0" lang="en-US" sz="3200" spc="-1" strike="noStrike">
+              <a:latin typeface="Arial"/>
             </a:endParaRPr>
           </a:p>
         </p:txBody>
@@ -805,7 +761,7 @@
       </p:grpSpPr>
       <p:sp>
         <p:nvSpPr>
-          <p:cNvPr id="50" name="PlaceHolder 1"/>
+          <p:cNvPr id="44" name="PlaceHolder 1"/>
           <p:cNvSpPr>
             <a:spLocks noGrp="1"/>
           </p:cNvSpPr>
@@ -815,8 +771,8 @@
         </p:nvSpPr>
         <p:spPr>
           <a:xfrm>
-            <a:off x="838080" y="365040"/>
-            <a:ext cx="10515240" cy="1325160"/>
+            <a:off x="609480" y="273600"/>
+            <a:ext cx="10972440" cy="1144800"/>
           </a:xfrm>
           <a:prstGeom prst="rect">
             <a:avLst/>
@@ -825,18 +781,16 @@
         <p:txBody>
           <a:bodyPr lIns="0" rIns="0" tIns="0" bIns="0" anchor="ctr"/>
           <a:p>
-            <a:endParaRPr b="0" lang="zh-CN" sz="1800" spc="-1" strike="noStrike">
-              <a:solidFill>
-                <a:srgbClr val="000000"/>
-              </a:solidFill>
-              <a:latin typeface="Calibri"/>
-            </a:endParaRPr>
-          </a:p>
-        </p:txBody>
-      </p:sp>
-      <p:sp>
-        <p:nvSpPr>
-          <p:cNvPr id="51" name="PlaceHolder 2"/>
+            <a:pPr algn="ctr"/>
+            <a:endParaRPr b="0" lang="en-US" sz="4400" spc="-1" strike="noStrike">
+              <a:latin typeface="Arial"/>
+            </a:endParaRPr>
+          </a:p>
+        </p:txBody>
+      </p:sp>
+      <p:sp>
+        <p:nvSpPr>
+          <p:cNvPr id="45" name="PlaceHolder 2"/>
           <p:cNvSpPr>
             <a:spLocks noGrp="1"/>
           </p:cNvSpPr>
@@ -846,8 +800,8 @@
         </p:nvSpPr>
         <p:spPr>
           <a:xfrm>
-            <a:off x="838080" y="1825560"/>
-            <a:ext cx="5131080" cy="4350960"/>
+            <a:off x="609480" y="1604520"/>
+            <a:ext cx="5354280" cy="3977280"/>
           </a:xfrm>
           <a:prstGeom prst="rect">
             <a:avLst/>
@@ -858,18 +812,15 @@
             <a:normAutofit/>
           </a:bodyPr>
           <a:p>
-            <a:endParaRPr b="0" lang="zh-CN" sz="2800" spc="-1" strike="noStrike">
-              <a:solidFill>
-                <a:srgbClr val="000000"/>
-              </a:solidFill>
-              <a:latin typeface="Calibri"/>
-            </a:endParaRPr>
-          </a:p>
-        </p:txBody>
-      </p:sp>
-      <p:sp>
-        <p:nvSpPr>
-          <p:cNvPr id="52" name="PlaceHolder 3"/>
+            <a:endParaRPr b="0" lang="en-US" sz="3200" spc="-1" strike="noStrike">
+              <a:latin typeface="Arial"/>
+            </a:endParaRPr>
+          </a:p>
+        </p:txBody>
+      </p:sp>
+      <p:sp>
+        <p:nvSpPr>
+          <p:cNvPr id="46" name="PlaceHolder 3"/>
           <p:cNvSpPr>
             <a:spLocks noGrp="1"/>
           </p:cNvSpPr>
@@ -879,8 +830,8 @@
         </p:nvSpPr>
         <p:spPr>
           <a:xfrm>
-            <a:off x="6226200" y="1825560"/>
-            <a:ext cx="5131080" cy="4350960"/>
+            <a:off x="6231960" y="1604520"/>
+            <a:ext cx="5354280" cy="3977280"/>
           </a:xfrm>
           <a:prstGeom prst="rect">
             <a:avLst/>
@@ -891,11 +842,8 @@
             <a:normAutofit/>
           </a:bodyPr>
           <a:p>
-            <a:endParaRPr b="0" lang="zh-CN" sz="2800" spc="-1" strike="noStrike">
-              <a:solidFill>
-                <a:srgbClr val="000000"/>
-              </a:solidFill>
-              <a:latin typeface="Calibri"/>
+            <a:endParaRPr b="0" lang="en-US" sz="3200" spc="-1" strike="noStrike">
+              <a:latin typeface="Arial"/>
             </a:endParaRPr>
           </a:p>
         </p:txBody>
@@ -924,7 +872,7 @@
       </p:grpSpPr>
       <p:sp>
         <p:nvSpPr>
-          <p:cNvPr id="53" name="PlaceHolder 1"/>
+          <p:cNvPr id="47" name="PlaceHolder 1"/>
           <p:cNvSpPr>
             <a:spLocks noGrp="1"/>
           </p:cNvSpPr>
@@ -934,8 +882,8 @@
         </p:nvSpPr>
         <p:spPr>
           <a:xfrm>
-            <a:off x="838080" y="365040"/>
-            <a:ext cx="10515240" cy="1325160"/>
+            <a:off x="609480" y="273600"/>
+            <a:ext cx="10972440" cy="1144800"/>
           </a:xfrm>
           <a:prstGeom prst="rect">
             <a:avLst/>
@@ -944,11 +892,9 @@
         <p:txBody>
           <a:bodyPr lIns="0" rIns="0" tIns="0" bIns="0" anchor="ctr"/>
           <a:p>
-            <a:endParaRPr b="0" lang="zh-CN" sz="1800" spc="-1" strike="noStrike">
-              <a:solidFill>
-                <a:srgbClr val="000000"/>
-              </a:solidFill>
-              <a:latin typeface="Calibri"/>
+            <a:pPr algn="ctr"/>
+            <a:endParaRPr b="0" lang="en-US" sz="4400" spc="-1" strike="noStrike">
+              <a:latin typeface="Arial"/>
             </a:endParaRPr>
           </a:p>
         </p:txBody>
@@ -977,7 +923,7 @@
       </p:grpSpPr>
       <p:sp>
         <p:nvSpPr>
-          <p:cNvPr id="54" name="PlaceHolder 1"/>
+          <p:cNvPr id="48" name="PlaceHolder 1"/>
           <p:cNvSpPr>
             <a:spLocks noGrp="1"/>
           </p:cNvSpPr>
@@ -987,8 +933,8 @@
         </p:nvSpPr>
         <p:spPr>
           <a:xfrm>
-            <a:off x="838080" y="365040"/>
-            <a:ext cx="10515240" cy="6144120"/>
+            <a:off x="609480" y="273600"/>
+            <a:ext cx="10972440" cy="5307840"/>
           </a:xfrm>
           <a:prstGeom prst="rect">
             <a:avLst/>
@@ -1028,7 +974,7 @@
       </p:grpSpPr>
       <p:sp>
         <p:nvSpPr>
-          <p:cNvPr id="55" name="PlaceHolder 1"/>
+          <p:cNvPr id="49" name="PlaceHolder 1"/>
           <p:cNvSpPr>
             <a:spLocks noGrp="1"/>
           </p:cNvSpPr>
@@ -1038,8 +984,8 @@
         </p:nvSpPr>
         <p:spPr>
           <a:xfrm>
-            <a:off x="838080" y="365040"/>
-            <a:ext cx="10515240" cy="1325160"/>
+            <a:off x="609480" y="273600"/>
+            <a:ext cx="10972440" cy="1144800"/>
           </a:xfrm>
           <a:prstGeom prst="rect">
             <a:avLst/>
@@ -1048,18 +994,16 @@
         <p:txBody>
           <a:bodyPr lIns="0" rIns="0" tIns="0" bIns="0" anchor="ctr"/>
           <a:p>
-            <a:endParaRPr b="0" lang="zh-CN" sz="1800" spc="-1" strike="noStrike">
-              <a:solidFill>
-                <a:srgbClr val="000000"/>
-              </a:solidFill>
-              <a:latin typeface="Calibri"/>
-            </a:endParaRPr>
-          </a:p>
-        </p:txBody>
-      </p:sp>
-      <p:sp>
-        <p:nvSpPr>
-          <p:cNvPr id="56" name="PlaceHolder 2"/>
+            <a:pPr algn="ctr"/>
+            <a:endParaRPr b="0" lang="en-US" sz="4400" spc="-1" strike="noStrike">
+              <a:latin typeface="Arial"/>
+            </a:endParaRPr>
+          </a:p>
+        </p:txBody>
+      </p:sp>
+      <p:sp>
+        <p:nvSpPr>
+          <p:cNvPr id="50" name="PlaceHolder 2"/>
           <p:cNvSpPr>
             <a:spLocks noGrp="1"/>
           </p:cNvSpPr>
@@ -1069,8 +1013,8 @@
         </p:nvSpPr>
         <p:spPr>
           <a:xfrm>
-            <a:off x="838080" y="1825560"/>
-            <a:ext cx="5131080" cy="2075040"/>
+            <a:off x="609480" y="1604520"/>
+            <a:ext cx="5354280" cy="1896840"/>
           </a:xfrm>
           <a:prstGeom prst="rect">
             <a:avLst/>
@@ -1081,18 +1025,15 @@
             <a:normAutofit/>
           </a:bodyPr>
           <a:p>
-            <a:endParaRPr b="0" lang="zh-CN" sz="2800" spc="-1" strike="noStrike">
-              <a:solidFill>
-                <a:srgbClr val="000000"/>
-              </a:solidFill>
-              <a:latin typeface="Calibri"/>
-            </a:endParaRPr>
-          </a:p>
-        </p:txBody>
-      </p:sp>
-      <p:sp>
-        <p:nvSpPr>
-          <p:cNvPr id="57" name="PlaceHolder 3"/>
+            <a:endParaRPr b="0" lang="en-US" sz="3200" spc="-1" strike="noStrike">
+              <a:latin typeface="Arial"/>
+            </a:endParaRPr>
+          </a:p>
+        </p:txBody>
+      </p:sp>
+      <p:sp>
+        <p:nvSpPr>
+          <p:cNvPr id="51" name="PlaceHolder 3"/>
           <p:cNvSpPr>
             <a:spLocks noGrp="1"/>
           </p:cNvSpPr>
@@ -1102,8 +1043,8 @@
         </p:nvSpPr>
         <p:spPr>
           <a:xfrm>
-            <a:off x="6226200" y="1825560"/>
-            <a:ext cx="5131080" cy="4350960"/>
+            <a:off x="6231960" y="1604520"/>
+            <a:ext cx="5354280" cy="3977280"/>
           </a:xfrm>
           <a:prstGeom prst="rect">
             <a:avLst/>
@@ -1114,18 +1055,15 @@
             <a:normAutofit/>
           </a:bodyPr>
           <a:p>
-            <a:endParaRPr b="0" lang="zh-CN" sz="2800" spc="-1" strike="noStrike">
-              <a:solidFill>
-                <a:srgbClr val="000000"/>
-              </a:solidFill>
-              <a:latin typeface="Calibri"/>
-            </a:endParaRPr>
-          </a:p>
-        </p:txBody>
-      </p:sp>
-      <p:sp>
-        <p:nvSpPr>
-          <p:cNvPr id="58" name="PlaceHolder 4"/>
+            <a:endParaRPr b="0" lang="en-US" sz="3200" spc="-1" strike="noStrike">
+              <a:latin typeface="Arial"/>
+            </a:endParaRPr>
+          </a:p>
+        </p:txBody>
+      </p:sp>
+      <p:sp>
+        <p:nvSpPr>
+          <p:cNvPr id="52" name="PlaceHolder 4"/>
           <p:cNvSpPr>
             <a:spLocks noGrp="1"/>
           </p:cNvSpPr>
@@ -1135,8 +1073,8 @@
         </p:nvSpPr>
         <p:spPr>
           <a:xfrm>
-            <a:off x="838080" y="4098240"/>
-            <a:ext cx="5131080" cy="2075040"/>
+            <a:off x="609480" y="3682080"/>
+            <a:ext cx="5354280" cy="1896840"/>
           </a:xfrm>
           <a:prstGeom prst="rect">
             <a:avLst/>
@@ -1147,11 +1085,8 @@
             <a:normAutofit/>
           </a:bodyPr>
           <a:p>
-            <a:endParaRPr b="0" lang="zh-CN" sz="2800" spc="-1" strike="noStrike">
-              <a:solidFill>
-                <a:srgbClr val="000000"/>
-              </a:solidFill>
-              <a:latin typeface="Calibri"/>
+            <a:endParaRPr b="0" lang="en-US" sz="3200" spc="-1" strike="noStrike">
+              <a:latin typeface="Arial"/>
             </a:endParaRPr>
           </a:p>
         </p:txBody>
@@ -1180,7 +1115,7 @@
       </p:grpSpPr>
       <p:sp>
         <p:nvSpPr>
-          <p:cNvPr id="5" name="PlaceHolder 1"/>
+          <p:cNvPr id="2" name="PlaceHolder 1"/>
           <p:cNvSpPr>
             <a:spLocks noGrp="1"/>
           </p:cNvSpPr>
@@ -1190,8 +1125,8 @@
         </p:nvSpPr>
         <p:spPr>
           <a:xfrm>
-            <a:off x="838080" y="365040"/>
-            <a:ext cx="10515240" cy="1325160"/>
+            <a:off x="609480" y="273600"/>
+            <a:ext cx="10972440" cy="1144800"/>
           </a:xfrm>
           <a:prstGeom prst="rect">
             <a:avLst/>
@@ -1200,18 +1135,16 @@
         <p:txBody>
           <a:bodyPr lIns="0" rIns="0" tIns="0" bIns="0" anchor="ctr"/>
           <a:p>
-            <a:endParaRPr b="0" lang="zh-CN" sz="1800" spc="-1" strike="noStrike">
-              <a:solidFill>
-                <a:srgbClr val="000000"/>
-              </a:solidFill>
-              <a:latin typeface="Calibri"/>
-            </a:endParaRPr>
-          </a:p>
-        </p:txBody>
-      </p:sp>
-      <p:sp>
-        <p:nvSpPr>
-          <p:cNvPr id="6" name="PlaceHolder 2"/>
+            <a:pPr algn="ctr"/>
+            <a:endParaRPr b="0" lang="en-US" sz="4400" spc="-1" strike="noStrike">
+              <a:latin typeface="Arial"/>
+            </a:endParaRPr>
+          </a:p>
+        </p:txBody>
+      </p:sp>
+      <p:sp>
+        <p:nvSpPr>
+          <p:cNvPr id="3" name="PlaceHolder 2"/>
           <p:cNvSpPr>
             <a:spLocks noGrp="1"/>
           </p:cNvSpPr>
@@ -1221,8 +1154,8 @@
         </p:nvSpPr>
         <p:spPr>
           <a:xfrm>
-            <a:off x="838080" y="1825560"/>
-            <a:ext cx="10515240" cy="4350960"/>
+            <a:off x="609480" y="1604520"/>
+            <a:ext cx="10972440" cy="3977280"/>
           </a:xfrm>
           <a:prstGeom prst="rect">
             <a:avLst/>
@@ -1262,7 +1195,7 @@
       </p:grpSpPr>
       <p:sp>
         <p:nvSpPr>
-          <p:cNvPr id="59" name="PlaceHolder 1"/>
+          <p:cNvPr id="53" name="PlaceHolder 1"/>
           <p:cNvSpPr>
             <a:spLocks noGrp="1"/>
           </p:cNvSpPr>
@@ -1272,8 +1205,8 @@
         </p:nvSpPr>
         <p:spPr>
           <a:xfrm>
-            <a:off x="838080" y="365040"/>
-            <a:ext cx="10515240" cy="1325160"/>
+            <a:off x="609480" y="273600"/>
+            <a:ext cx="10972440" cy="1144800"/>
           </a:xfrm>
           <a:prstGeom prst="rect">
             <a:avLst/>
@@ -1282,18 +1215,16 @@
         <p:txBody>
           <a:bodyPr lIns="0" rIns="0" tIns="0" bIns="0" anchor="ctr"/>
           <a:p>
-            <a:endParaRPr b="0" lang="zh-CN" sz="1800" spc="-1" strike="noStrike">
-              <a:solidFill>
-                <a:srgbClr val="000000"/>
-              </a:solidFill>
-              <a:latin typeface="Calibri"/>
-            </a:endParaRPr>
-          </a:p>
-        </p:txBody>
-      </p:sp>
-      <p:sp>
-        <p:nvSpPr>
-          <p:cNvPr id="60" name="PlaceHolder 2"/>
+            <a:pPr algn="ctr"/>
+            <a:endParaRPr b="0" lang="en-US" sz="4400" spc="-1" strike="noStrike">
+              <a:latin typeface="Arial"/>
+            </a:endParaRPr>
+          </a:p>
+        </p:txBody>
+      </p:sp>
+      <p:sp>
+        <p:nvSpPr>
+          <p:cNvPr id="54" name="PlaceHolder 2"/>
           <p:cNvSpPr>
             <a:spLocks noGrp="1"/>
           </p:cNvSpPr>
@@ -1303,8 +1234,8 @@
         </p:nvSpPr>
         <p:spPr>
           <a:xfrm>
-            <a:off x="838080" y="1825560"/>
-            <a:ext cx="5131080" cy="4350960"/>
+            <a:off x="609480" y="1604520"/>
+            <a:ext cx="5354280" cy="3977280"/>
           </a:xfrm>
           <a:prstGeom prst="rect">
             <a:avLst/>
@@ -1315,18 +1246,15 @@
             <a:normAutofit/>
           </a:bodyPr>
           <a:p>
-            <a:endParaRPr b="0" lang="zh-CN" sz="2800" spc="-1" strike="noStrike">
-              <a:solidFill>
-                <a:srgbClr val="000000"/>
-              </a:solidFill>
-              <a:latin typeface="Calibri"/>
-            </a:endParaRPr>
-          </a:p>
-        </p:txBody>
-      </p:sp>
-      <p:sp>
-        <p:nvSpPr>
-          <p:cNvPr id="61" name="PlaceHolder 3"/>
+            <a:endParaRPr b="0" lang="en-US" sz="3200" spc="-1" strike="noStrike">
+              <a:latin typeface="Arial"/>
+            </a:endParaRPr>
+          </a:p>
+        </p:txBody>
+      </p:sp>
+      <p:sp>
+        <p:nvSpPr>
+          <p:cNvPr id="55" name="PlaceHolder 3"/>
           <p:cNvSpPr>
             <a:spLocks noGrp="1"/>
           </p:cNvSpPr>
@@ -1336,8 +1264,8 @@
         </p:nvSpPr>
         <p:spPr>
           <a:xfrm>
-            <a:off x="6226200" y="1825560"/>
-            <a:ext cx="5131080" cy="2075040"/>
+            <a:off x="6231960" y="1604520"/>
+            <a:ext cx="5354280" cy="1896840"/>
           </a:xfrm>
           <a:prstGeom prst="rect">
             <a:avLst/>
@@ -1348,18 +1276,15 @@
             <a:normAutofit/>
           </a:bodyPr>
           <a:p>
-            <a:endParaRPr b="0" lang="zh-CN" sz="2800" spc="-1" strike="noStrike">
-              <a:solidFill>
-                <a:srgbClr val="000000"/>
-              </a:solidFill>
-              <a:latin typeface="Calibri"/>
-            </a:endParaRPr>
-          </a:p>
-        </p:txBody>
-      </p:sp>
-      <p:sp>
-        <p:nvSpPr>
-          <p:cNvPr id="62" name="PlaceHolder 4"/>
+            <a:endParaRPr b="0" lang="en-US" sz="3200" spc="-1" strike="noStrike">
+              <a:latin typeface="Arial"/>
+            </a:endParaRPr>
+          </a:p>
+        </p:txBody>
+      </p:sp>
+      <p:sp>
+        <p:nvSpPr>
+          <p:cNvPr id="56" name="PlaceHolder 4"/>
           <p:cNvSpPr>
             <a:spLocks noGrp="1"/>
           </p:cNvSpPr>
@@ -1369,8 +1294,8 @@
         </p:nvSpPr>
         <p:spPr>
           <a:xfrm>
-            <a:off x="6226200" y="4098240"/>
-            <a:ext cx="5131080" cy="2075040"/>
+            <a:off x="6231960" y="3682080"/>
+            <a:ext cx="5354280" cy="1896840"/>
           </a:xfrm>
           <a:prstGeom prst="rect">
             <a:avLst/>
@@ -1381,11 +1306,8 @@
             <a:normAutofit/>
           </a:bodyPr>
           <a:p>
-            <a:endParaRPr b="0" lang="zh-CN" sz="2800" spc="-1" strike="noStrike">
-              <a:solidFill>
-                <a:srgbClr val="000000"/>
-              </a:solidFill>
-              <a:latin typeface="Calibri"/>
+            <a:endParaRPr b="0" lang="en-US" sz="3200" spc="-1" strike="noStrike">
+              <a:latin typeface="Arial"/>
             </a:endParaRPr>
           </a:p>
         </p:txBody>
@@ -1414,7 +1336,7 @@
       </p:grpSpPr>
       <p:sp>
         <p:nvSpPr>
-          <p:cNvPr id="63" name="PlaceHolder 1"/>
+          <p:cNvPr id="57" name="PlaceHolder 1"/>
           <p:cNvSpPr>
             <a:spLocks noGrp="1"/>
           </p:cNvSpPr>
@@ -1424,8 +1346,8 @@
         </p:nvSpPr>
         <p:spPr>
           <a:xfrm>
-            <a:off x="838080" y="365040"/>
-            <a:ext cx="10515240" cy="1325160"/>
+            <a:off x="609480" y="273600"/>
+            <a:ext cx="10972440" cy="1144800"/>
           </a:xfrm>
           <a:prstGeom prst="rect">
             <a:avLst/>
@@ -1434,18 +1356,16 @@
         <p:txBody>
           <a:bodyPr lIns="0" rIns="0" tIns="0" bIns="0" anchor="ctr"/>
           <a:p>
-            <a:endParaRPr b="0" lang="zh-CN" sz="1800" spc="-1" strike="noStrike">
-              <a:solidFill>
-                <a:srgbClr val="000000"/>
-              </a:solidFill>
-              <a:latin typeface="Calibri"/>
-            </a:endParaRPr>
-          </a:p>
-        </p:txBody>
-      </p:sp>
-      <p:sp>
-        <p:nvSpPr>
-          <p:cNvPr id="64" name="PlaceHolder 2"/>
+            <a:pPr algn="ctr"/>
+            <a:endParaRPr b="0" lang="en-US" sz="4400" spc="-1" strike="noStrike">
+              <a:latin typeface="Arial"/>
+            </a:endParaRPr>
+          </a:p>
+        </p:txBody>
+      </p:sp>
+      <p:sp>
+        <p:nvSpPr>
+          <p:cNvPr id="58" name="PlaceHolder 2"/>
           <p:cNvSpPr>
             <a:spLocks noGrp="1"/>
           </p:cNvSpPr>
@@ -1455,8 +1375,8 @@
         </p:nvSpPr>
         <p:spPr>
           <a:xfrm>
-            <a:off x="838080" y="1825560"/>
-            <a:ext cx="5131080" cy="2075040"/>
+            <a:off x="609480" y="1604520"/>
+            <a:ext cx="5354280" cy="1896840"/>
           </a:xfrm>
           <a:prstGeom prst="rect">
             <a:avLst/>
@@ -1467,18 +1387,15 @@
             <a:normAutofit/>
           </a:bodyPr>
           <a:p>
-            <a:endParaRPr b="0" lang="zh-CN" sz="2800" spc="-1" strike="noStrike">
-              <a:solidFill>
-                <a:srgbClr val="000000"/>
-              </a:solidFill>
-              <a:latin typeface="Calibri"/>
-            </a:endParaRPr>
-          </a:p>
-        </p:txBody>
-      </p:sp>
-      <p:sp>
-        <p:nvSpPr>
-          <p:cNvPr id="65" name="PlaceHolder 3"/>
+            <a:endParaRPr b="0" lang="en-US" sz="3200" spc="-1" strike="noStrike">
+              <a:latin typeface="Arial"/>
+            </a:endParaRPr>
+          </a:p>
+        </p:txBody>
+      </p:sp>
+      <p:sp>
+        <p:nvSpPr>
+          <p:cNvPr id="59" name="PlaceHolder 3"/>
           <p:cNvSpPr>
             <a:spLocks noGrp="1"/>
           </p:cNvSpPr>
@@ -1488,8 +1405,8 @@
         </p:nvSpPr>
         <p:spPr>
           <a:xfrm>
-            <a:off x="6226200" y="1825560"/>
-            <a:ext cx="5131080" cy="2075040"/>
+            <a:off x="6231960" y="1604520"/>
+            <a:ext cx="5354280" cy="1896840"/>
           </a:xfrm>
           <a:prstGeom prst="rect">
             <a:avLst/>
@@ -1500,18 +1417,15 @@
             <a:normAutofit/>
           </a:bodyPr>
           <a:p>
-            <a:endParaRPr b="0" lang="zh-CN" sz="2800" spc="-1" strike="noStrike">
-              <a:solidFill>
-                <a:srgbClr val="000000"/>
-              </a:solidFill>
-              <a:latin typeface="Calibri"/>
-            </a:endParaRPr>
-          </a:p>
-        </p:txBody>
-      </p:sp>
-      <p:sp>
-        <p:nvSpPr>
-          <p:cNvPr id="66" name="PlaceHolder 4"/>
+            <a:endParaRPr b="0" lang="en-US" sz="3200" spc="-1" strike="noStrike">
+              <a:latin typeface="Arial"/>
+            </a:endParaRPr>
+          </a:p>
+        </p:txBody>
+      </p:sp>
+      <p:sp>
+        <p:nvSpPr>
+          <p:cNvPr id="60" name="PlaceHolder 4"/>
           <p:cNvSpPr>
             <a:spLocks noGrp="1"/>
           </p:cNvSpPr>
@@ -1521,8 +1435,8 @@
         </p:nvSpPr>
         <p:spPr>
           <a:xfrm>
-            <a:off x="838080" y="4098240"/>
-            <a:ext cx="10515240" cy="2075040"/>
+            <a:off x="609480" y="3682080"/>
+            <a:ext cx="10972440" cy="1896840"/>
           </a:xfrm>
           <a:prstGeom prst="rect">
             <a:avLst/>
@@ -1533,11 +1447,8 @@
             <a:normAutofit/>
           </a:bodyPr>
           <a:p>
-            <a:endParaRPr b="0" lang="zh-CN" sz="2800" spc="-1" strike="noStrike">
-              <a:solidFill>
-                <a:srgbClr val="000000"/>
-              </a:solidFill>
-              <a:latin typeface="Calibri"/>
+            <a:endParaRPr b="0" lang="en-US" sz="3200" spc="-1" strike="noStrike">
+              <a:latin typeface="Arial"/>
             </a:endParaRPr>
           </a:p>
         </p:txBody>
@@ -1566,7 +1477,7 @@
       </p:grpSpPr>
       <p:sp>
         <p:nvSpPr>
-          <p:cNvPr id="67" name="PlaceHolder 1"/>
+          <p:cNvPr id="61" name="PlaceHolder 1"/>
           <p:cNvSpPr>
             <a:spLocks noGrp="1"/>
           </p:cNvSpPr>
@@ -1576,8 +1487,8 @@
         </p:nvSpPr>
         <p:spPr>
           <a:xfrm>
-            <a:off x="838080" y="365040"/>
-            <a:ext cx="10515240" cy="1325160"/>
+            <a:off x="609480" y="273600"/>
+            <a:ext cx="10972440" cy="1144800"/>
           </a:xfrm>
           <a:prstGeom prst="rect">
             <a:avLst/>
@@ -1586,18 +1497,16 @@
         <p:txBody>
           <a:bodyPr lIns="0" rIns="0" tIns="0" bIns="0" anchor="ctr"/>
           <a:p>
-            <a:endParaRPr b="0" lang="zh-CN" sz="1800" spc="-1" strike="noStrike">
-              <a:solidFill>
-                <a:srgbClr val="000000"/>
-              </a:solidFill>
-              <a:latin typeface="Calibri"/>
-            </a:endParaRPr>
-          </a:p>
-        </p:txBody>
-      </p:sp>
-      <p:sp>
-        <p:nvSpPr>
-          <p:cNvPr id="68" name="PlaceHolder 2"/>
+            <a:pPr algn="ctr"/>
+            <a:endParaRPr b="0" lang="en-US" sz="4400" spc="-1" strike="noStrike">
+              <a:latin typeface="Arial"/>
+            </a:endParaRPr>
+          </a:p>
+        </p:txBody>
+      </p:sp>
+      <p:sp>
+        <p:nvSpPr>
+          <p:cNvPr id="62" name="PlaceHolder 2"/>
           <p:cNvSpPr>
             <a:spLocks noGrp="1"/>
           </p:cNvSpPr>
@@ -1607,8 +1516,8 @@
         </p:nvSpPr>
         <p:spPr>
           <a:xfrm>
-            <a:off x="838080" y="1825560"/>
-            <a:ext cx="10515240" cy="2075040"/>
+            <a:off x="609480" y="1604520"/>
+            <a:ext cx="10972440" cy="1896840"/>
           </a:xfrm>
           <a:prstGeom prst="rect">
             <a:avLst/>
@@ -1619,18 +1528,15 @@
             <a:normAutofit/>
           </a:bodyPr>
           <a:p>
-            <a:endParaRPr b="0" lang="zh-CN" sz="2800" spc="-1" strike="noStrike">
-              <a:solidFill>
-                <a:srgbClr val="000000"/>
-              </a:solidFill>
-              <a:latin typeface="Calibri"/>
-            </a:endParaRPr>
-          </a:p>
-        </p:txBody>
-      </p:sp>
-      <p:sp>
-        <p:nvSpPr>
-          <p:cNvPr id="69" name="PlaceHolder 3"/>
+            <a:endParaRPr b="0" lang="en-US" sz="3200" spc="-1" strike="noStrike">
+              <a:latin typeface="Arial"/>
+            </a:endParaRPr>
+          </a:p>
+        </p:txBody>
+      </p:sp>
+      <p:sp>
+        <p:nvSpPr>
+          <p:cNvPr id="63" name="PlaceHolder 3"/>
           <p:cNvSpPr>
             <a:spLocks noGrp="1"/>
           </p:cNvSpPr>
@@ -1640,8 +1546,8 @@
         </p:nvSpPr>
         <p:spPr>
           <a:xfrm>
-            <a:off x="838080" y="4098240"/>
-            <a:ext cx="10515240" cy="2075040"/>
+            <a:off x="609480" y="3682080"/>
+            <a:ext cx="10972440" cy="1896840"/>
           </a:xfrm>
           <a:prstGeom prst="rect">
             <a:avLst/>
@@ -1652,11 +1558,8 @@
             <a:normAutofit/>
           </a:bodyPr>
           <a:p>
-            <a:endParaRPr b="0" lang="zh-CN" sz="2800" spc="-1" strike="noStrike">
-              <a:solidFill>
-                <a:srgbClr val="000000"/>
-              </a:solidFill>
-              <a:latin typeface="Calibri"/>
+            <a:endParaRPr b="0" lang="en-US" sz="3200" spc="-1" strike="noStrike">
+              <a:latin typeface="Arial"/>
             </a:endParaRPr>
           </a:p>
         </p:txBody>
@@ -1685,7 +1588,7 @@
       </p:grpSpPr>
       <p:sp>
         <p:nvSpPr>
-          <p:cNvPr id="70" name="PlaceHolder 1"/>
+          <p:cNvPr id="64" name="PlaceHolder 1"/>
           <p:cNvSpPr>
             <a:spLocks noGrp="1"/>
           </p:cNvSpPr>
@@ -1695,8 +1598,8 @@
         </p:nvSpPr>
         <p:spPr>
           <a:xfrm>
-            <a:off x="838080" y="365040"/>
-            <a:ext cx="10515240" cy="1325160"/>
+            <a:off x="609480" y="273600"/>
+            <a:ext cx="10972440" cy="1144800"/>
           </a:xfrm>
           <a:prstGeom prst="rect">
             <a:avLst/>
@@ -1705,18 +1608,16 @@
         <p:txBody>
           <a:bodyPr lIns="0" rIns="0" tIns="0" bIns="0" anchor="ctr"/>
           <a:p>
-            <a:endParaRPr b="0" lang="zh-CN" sz="1800" spc="-1" strike="noStrike">
-              <a:solidFill>
-                <a:srgbClr val="000000"/>
-              </a:solidFill>
-              <a:latin typeface="Calibri"/>
-            </a:endParaRPr>
-          </a:p>
-        </p:txBody>
-      </p:sp>
-      <p:sp>
-        <p:nvSpPr>
-          <p:cNvPr id="71" name="PlaceHolder 2"/>
+            <a:pPr algn="ctr"/>
+            <a:endParaRPr b="0" lang="en-US" sz="4400" spc="-1" strike="noStrike">
+              <a:latin typeface="Arial"/>
+            </a:endParaRPr>
+          </a:p>
+        </p:txBody>
+      </p:sp>
+      <p:sp>
+        <p:nvSpPr>
+          <p:cNvPr id="65" name="PlaceHolder 2"/>
           <p:cNvSpPr>
             <a:spLocks noGrp="1"/>
           </p:cNvSpPr>
@@ -1726,8 +1627,8 @@
         </p:nvSpPr>
         <p:spPr>
           <a:xfrm>
-            <a:off x="838080" y="1825560"/>
-            <a:ext cx="5131080" cy="2075040"/>
+            <a:off x="609480" y="1604520"/>
+            <a:ext cx="5354280" cy="1896840"/>
           </a:xfrm>
           <a:prstGeom prst="rect">
             <a:avLst/>
@@ -1738,18 +1639,15 @@
             <a:normAutofit/>
           </a:bodyPr>
           <a:p>
-            <a:endParaRPr b="0" lang="zh-CN" sz="2800" spc="-1" strike="noStrike">
-              <a:solidFill>
-                <a:srgbClr val="000000"/>
-              </a:solidFill>
-              <a:latin typeface="Calibri"/>
-            </a:endParaRPr>
-          </a:p>
-        </p:txBody>
-      </p:sp>
-      <p:sp>
-        <p:nvSpPr>
-          <p:cNvPr id="72" name="PlaceHolder 3"/>
+            <a:endParaRPr b="0" lang="en-US" sz="3200" spc="-1" strike="noStrike">
+              <a:latin typeface="Arial"/>
+            </a:endParaRPr>
+          </a:p>
+        </p:txBody>
+      </p:sp>
+      <p:sp>
+        <p:nvSpPr>
+          <p:cNvPr id="66" name="PlaceHolder 3"/>
           <p:cNvSpPr>
             <a:spLocks noGrp="1"/>
           </p:cNvSpPr>
@@ -1759,8 +1657,8 @@
         </p:nvSpPr>
         <p:spPr>
           <a:xfrm>
-            <a:off x="6226200" y="1825560"/>
-            <a:ext cx="5131080" cy="2075040"/>
+            <a:off x="6231960" y="1604520"/>
+            <a:ext cx="5354280" cy="1896840"/>
           </a:xfrm>
           <a:prstGeom prst="rect">
             <a:avLst/>
@@ -1771,18 +1669,15 @@
             <a:normAutofit/>
           </a:bodyPr>
           <a:p>
-            <a:endParaRPr b="0" lang="zh-CN" sz="2800" spc="-1" strike="noStrike">
-              <a:solidFill>
-                <a:srgbClr val="000000"/>
-              </a:solidFill>
-              <a:latin typeface="Calibri"/>
-            </a:endParaRPr>
-          </a:p>
-        </p:txBody>
-      </p:sp>
-      <p:sp>
-        <p:nvSpPr>
-          <p:cNvPr id="73" name="PlaceHolder 4"/>
+            <a:endParaRPr b="0" lang="en-US" sz="3200" spc="-1" strike="noStrike">
+              <a:latin typeface="Arial"/>
+            </a:endParaRPr>
+          </a:p>
+        </p:txBody>
+      </p:sp>
+      <p:sp>
+        <p:nvSpPr>
+          <p:cNvPr id="67" name="PlaceHolder 4"/>
           <p:cNvSpPr>
             <a:spLocks noGrp="1"/>
           </p:cNvSpPr>
@@ -1792,8 +1687,8 @@
         </p:nvSpPr>
         <p:spPr>
           <a:xfrm>
-            <a:off x="838080" y="4098240"/>
-            <a:ext cx="5131080" cy="2075040"/>
+            <a:off x="609480" y="3682080"/>
+            <a:ext cx="5354280" cy="1896840"/>
           </a:xfrm>
           <a:prstGeom prst="rect">
             <a:avLst/>
@@ -1804,18 +1699,15 @@
             <a:normAutofit/>
           </a:bodyPr>
           <a:p>
-            <a:endParaRPr b="0" lang="zh-CN" sz="2800" spc="-1" strike="noStrike">
-              <a:solidFill>
-                <a:srgbClr val="000000"/>
-              </a:solidFill>
-              <a:latin typeface="Calibri"/>
-            </a:endParaRPr>
-          </a:p>
-        </p:txBody>
-      </p:sp>
-      <p:sp>
-        <p:nvSpPr>
-          <p:cNvPr id="74" name="PlaceHolder 5"/>
+            <a:endParaRPr b="0" lang="en-US" sz="3200" spc="-1" strike="noStrike">
+              <a:latin typeface="Arial"/>
+            </a:endParaRPr>
+          </a:p>
+        </p:txBody>
+      </p:sp>
+      <p:sp>
+        <p:nvSpPr>
+          <p:cNvPr id="68" name="PlaceHolder 5"/>
           <p:cNvSpPr>
             <a:spLocks noGrp="1"/>
           </p:cNvSpPr>
@@ -1825,8 +1717,8 @@
         </p:nvSpPr>
         <p:spPr>
           <a:xfrm>
-            <a:off x="6226200" y="4098240"/>
-            <a:ext cx="5131080" cy="2075040"/>
+            <a:off x="6231960" y="3682080"/>
+            <a:ext cx="5354280" cy="1896840"/>
           </a:xfrm>
           <a:prstGeom prst="rect">
             <a:avLst/>
@@ -1837,11 +1729,8 @@
             <a:normAutofit/>
           </a:bodyPr>
           <a:p>
-            <a:endParaRPr b="0" lang="zh-CN" sz="2800" spc="-1" strike="noStrike">
-              <a:solidFill>
-                <a:srgbClr val="000000"/>
-              </a:solidFill>
-              <a:latin typeface="Calibri"/>
+            <a:endParaRPr b="0" lang="en-US" sz="3200" spc="-1" strike="noStrike">
+              <a:latin typeface="Arial"/>
             </a:endParaRPr>
           </a:p>
         </p:txBody>
@@ -1870,7 +1759,7 @@
       </p:grpSpPr>
       <p:sp>
         <p:nvSpPr>
-          <p:cNvPr id="75" name="PlaceHolder 1"/>
+          <p:cNvPr id="69" name="PlaceHolder 1"/>
           <p:cNvSpPr>
             <a:spLocks noGrp="1"/>
           </p:cNvSpPr>
@@ -1880,8 +1769,8 @@
         </p:nvSpPr>
         <p:spPr>
           <a:xfrm>
-            <a:off x="838080" y="365040"/>
-            <a:ext cx="10515240" cy="1325160"/>
+            <a:off x="609480" y="273600"/>
+            <a:ext cx="10972440" cy="1144800"/>
           </a:xfrm>
           <a:prstGeom prst="rect">
             <a:avLst/>
@@ -1890,18 +1779,16 @@
         <p:txBody>
           <a:bodyPr lIns="0" rIns="0" tIns="0" bIns="0" anchor="ctr"/>
           <a:p>
-            <a:endParaRPr b="0" lang="zh-CN" sz="1800" spc="-1" strike="noStrike">
-              <a:solidFill>
-                <a:srgbClr val="000000"/>
-              </a:solidFill>
-              <a:latin typeface="Calibri"/>
-            </a:endParaRPr>
-          </a:p>
-        </p:txBody>
-      </p:sp>
-      <p:sp>
-        <p:nvSpPr>
-          <p:cNvPr id="76" name="PlaceHolder 2"/>
+            <a:pPr algn="ctr"/>
+            <a:endParaRPr b="0" lang="en-US" sz="4400" spc="-1" strike="noStrike">
+              <a:latin typeface="Arial"/>
+            </a:endParaRPr>
+          </a:p>
+        </p:txBody>
+      </p:sp>
+      <p:sp>
+        <p:nvSpPr>
+          <p:cNvPr id="70" name="PlaceHolder 2"/>
           <p:cNvSpPr>
             <a:spLocks noGrp="1"/>
           </p:cNvSpPr>
@@ -1911,8 +1798,8 @@
         </p:nvSpPr>
         <p:spPr>
           <a:xfrm>
-            <a:off x="838080" y="1825560"/>
-            <a:ext cx="3385800" cy="2075040"/>
+            <a:off x="609480" y="1604520"/>
+            <a:ext cx="3533040" cy="1896840"/>
           </a:xfrm>
           <a:prstGeom prst="rect">
             <a:avLst/>
@@ -1923,18 +1810,15 @@
             <a:normAutofit/>
           </a:bodyPr>
           <a:p>
-            <a:endParaRPr b="0" lang="zh-CN" sz="2800" spc="-1" strike="noStrike">
-              <a:solidFill>
-                <a:srgbClr val="000000"/>
-              </a:solidFill>
-              <a:latin typeface="Calibri"/>
-            </a:endParaRPr>
-          </a:p>
-        </p:txBody>
-      </p:sp>
-      <p:sp>
-        <p:nvSpPr>
-          <p:cNvPr id="77" name="PlaceHolder 3"/>
+            <a:endParaRPr b="0" lang="en-US" sz="3200" spc="-1" strike="noStrike">
+              <a:latin typeface="Arial"/>
+            </a:endParaRPr>
+          </a:p>
+        </p:txBody>
+      </p:sp>
+      <p:sp>
+        <p:nvSpPr>
+          <p:cNvPr id="71" name="PlaceHolder 3"/>
           <p:cNvSpPr>
             <a:spLocks noGrp="1"/>
           </p:cNvSpPr>
@@ -1944,8 +1828,8 @@
         </p:nvSpPr>
         <p:spPr>
           <a:xfrm>
-            <a:off x="4393440" y="1825560"/>
-            <a:ext cx="3385800" cy="2075040"/>
+            <a:off x="4319640" y="1604520"/>
+            <a:ext cx="3533040" cy="1896840"/>
           </a:xfrm>
           <a:prstGeom prst="rect">
             <a:avLst/>
@@ -1956,18 +1840,15 @@
             <a:normAutofit/>
           </a:bodyPr>
           <a:p>
-            <a:endParaRPr b="0" lang="zh-CN" sz="2800" spc="-1" strike="noStrike">
-              <a:solidFill>
-                <a:srgbClr val="000000"/>
-              </a:solidFill>
-              <a:latin typeface="Calibri"/>
-            </a:endParaRPr>
-          </a:p>
-        </p:txBody>
-      </p:sp>
-      <p:sp>
-        <p:nvSpPr>
-          <p:cNvPr id="78" name="PlaceHolder 4"/>
+            <a:endParaRPr b="0" lang="en-US" sz="3200" spc="-1" strike="noStrike">
+              <a:latin typeface="Arial"/>
+            </a:endParaRPr>
+          </a:p>
+        </p:txBody>
+      </p:sp>
+      <p:sp>
+        <p:nvSpPr>
+          <p:cNvPr id="72" name="PlaceHolder 4"/>
           <p:cNvSpPr>
             <a:spLocks noGrp="1"/>
           </p:cNvSpPr>
@@ -1977,8 +1858,8 @@
         </p:nvSpPr>
         <p:spPr>
           <a:xfrm>
-            <a:off x="7949160" y="1825560"/>
-            <a:ext cx="3385800" cy="2075040"/>
+            <a:off x="8029800" y="1604520"/>
+            <a:ext cx="3533040" cy="1896840"/>
           </a:xfrm>
           <a:prstGeom prst="rect">
             <a:avLst/>
@@ -1989,18 +1870,15 @@
             <a:normAutofit/>
           </a:bodyPr>
           <a:p>
-            <a:endParaRPr b="0" lang="zh-CN" sz="2800" spc="-1" strike="noStrike">
-              <a:solidFill>
-                <a:srgbClr val="000000"/>
-              </a:solidFill>
-              <a:latin typeface="Calibri"/>
-            </a:endParaRPr>
-          </a:p>
-        </p:txBody>
-      </p:sp>
-      <p:sp>
-        <p:nvSpPr>
-          <p:cNvPr id="79" name="PlaceHolder 5"/>
+            <a:endParaRPr b="0" lang="en-US" sz="3200" spc="-1" strike="noStrike">
+              <a:latin typeface="Arial"/>
+            </a:endParaRPr>
+          </a:p>
+        </p:txBody>
+      </p:sp>
+      <p:sp>
+        <p:nvSpPr>
+          <p:cNvPr id="73" name="PlaceHolder 5"/>
           <p:cNvSpPr>
             <a:spLocks noGrp="1"/>
           </p:cNvSpPr>
@@ -2010,8 +1888,8 @@
         </p:nvSpPr>
         <p:spPr>
           <a:xfrm>
-            <a:off x="838080" y="4098240"/>
-            <a:ext cx="3385800" cy="2075040"/>
+            <a:off x="609480" y="3682080"/>
+            <a:ext cx="3533040" cy="1896840"/>
           </a:xfrm>
           <a:prstGeom prst="rect">
             <a:avLst/>
@@ -2022,18 +1900,15 @@
             <a:normAutofit/>
           </a:bodyPr>
           <a:p>
-            <a:endParaRPr b="0" lang="zh-CN" sz="2800" spc="-1" strike="noStrike">
-              <a:solidFill>
-                <a:srgbClr val="000000"/>
-              </a:solidFill>
-              <a:latin typeface="Calibri"/>
-            </a:endParaRPr>
-          </a:p>
-        </p:txBody>
-      </p:sp>
-      <p:sp>
-        <p:nvSpPr>
-          <p:cNvPr id="80" name="PlaceHolder 6"/>
+            <a:endParaRPr b="0" lang="en-US" sz="3200" spc="-1" strike="noStrike">
+              <a:latin typeface="Arial"/>
+            </a:endParaRPr>
+          </a:p>
+        </p:txBody>
+      </p:sp>
+      <p:sp>
+        <p:nvSpPr>
+          <p:cNvPr id="74" name="PlaceHolder 6"/>
           <p:cNvSpPr>
             <a:spLocks noGrp="1"/>
           </p:cNvSpPr>
@@ -2043,8 +1918,8 @@
         </p:nvSpPr>
         <p:spPr>
           <a:xfrm>
-            <a:off x="4393440" y="4098240"/>
-            <a:ext cx="3385800" cy="2075040"/>
+            <a:off x="4319640" y="3682080"/>
+            <a:ext cx="3533040" cy="1896840"/>
           </a:xfrm>
           <a:prstGeom prst="rect">
             <a:avLst/>
@@ -2055,18 +1930,15 @@
             <a:normAutofit/>
           </a:bodyPr>
           <a:p>
-            <a:endParaRPr b="0" lang="zh-CN" sz="2800" spc="-1" strike="noStrike">
-              <a:solidFill>
-                <a:srgbClr val="000000"/>
-              </a:solidFill>
-              <a:latin typeface="Calibri"/>
-            </a:endParaRPr>
-          </a:p>
-        </p:txBody>
-      </p:sp>
-      <p:sp>
-        <p:nvSpPr>
-          <p:cNvPr id="81" name="PlaceHolder 7"/>
+            <a:endParaRPr b="0" lang="en-US" sz="3200" spc="-1" strike="noStrike">
+              <a:latin typeface="Arial"/>
+            </a:endParaRPr>
+          </a:p>
+        </p:txBody>
+      </p:sp>
+      <p:sp>
+        <p:nvSpPr>
+          <p:cNvPr id="75" name="PlaceHolder 7"/>
           <p:cNvSpPr>
             <a:spLocks noGrp="1"/>
           </p:cNvSpPr>
@@ -2076,8 +1948,8 @@
         </p:nvSpPr>
         <p:spPr>
           <a:xfrm>
-            <a:off x="7949160" y="4098240"/>
-            <a:ext cx="3385800" cy="2075040"/>
+            <a:off x="8029800" y="3682080"/>
+            <a:ext cx="3533040" cy="1896840"/>
           </a:xfrm>
           <a:prstGeom prst="rect">
             <a:avLst/>
@@ -2088,11 +1960,8 @@
             <a:normAutofit/>
           </a:bodyPr>
           <a:p>
-            <a:endParaRPr b="0" lang="zh-CN" sz="2800" spc="-1" strike="noStrike">
-              <a:solidFill>
-                <a:srgbClr val="000000"/>
-              </a:solidFill>
-              <a:latin typeface="Calibri"/>
+            <a:endParaRPr b="0" lang="en-US" sz="3200" spc="-1" strike="noStrike">
+              <a:latin typeface="Arial"/>
             </a:endParaRPr>
           </a:p>
         </p:txBody>
@@ -2121,7 +1990,7 @@
       </p:grpSpPr>
       <p:sp>
         <p:nvSpPr>
-          <p:cNvPr id="7" name="PlaceHolder 1"/>
+          <p:cNvPr id="4" name="PlaceHolder 1"/>
           <p:cNvSpPr>
             <a:spLocks noGrp="1"/>
           </p:cNvSpPr>
@@ -2131,8 +2000,8 @@
         </p:nvSpPr>
         <p:spPr>
           <a:xfrm>
-            <a:off x="838080" y="365040"/>
-            <a:ext cx="10515240" cy="1325160"/>
+            <a:off x="609480" y="273600"/>
+            <a:ext cx="10972440" cy="1144800"/>
           </a:xfrm>
           <a:prstGeom prst="rect">
             <a:avLst/>
@@ -2141,18 +2010,16 @@
         <p:txBody>
           <a:bodyPr lIns="0" rIns="0" tIns="0" bIns="0" anchor="ctr"/>
           <a:p>
-            <a:endParaRPr b="0" lang="zh-CN" sz="1800" spc="-1" strike="noStrike">
-              <a:solidFill>
-                <a:srgbClr val="000000"/>
-              </a:solidFill>
-              <a:latin typeface="Calibri"/>
-            </a:endParaRPr>
-          </a:p>
-        </p:txBody>
-      </p:sp>
-      <p:sp>
-        <p:nvSpPr>
-          <p:cNvPr id="8" name="PlaceHolder 2"/>
+            <a:pPr algn="ctr"/>
+            <a:endParaRPr b="0" lang="en-US" sz="4400" spc="-1" strike="noStrike">
+              <a:latin typeface="Arial"/>
+            </a:endParaRPr>
+          </a:p>
+        </p:txBody>
+      </p:sp>
+      <p:sp>
+        <p:nvSpPr>
+          <p:cNvPr id="5" name="PlaceHolder 2"/>
           <p:cNvSpPr>
             <a:spLocks noGrp="1"/>
           </p:cNvSpPr>
@@ -2162,8 +2029,8 @@
         </p:nvSpPr>
         <p:spPr>
           <a:xfrm>
-            <a:off x="838080" y="1825560"/>
-            <a:ext cx="10515240" cy="4350960"/>
+            <a:off x="609480" y="1604520"/>
+            <a:ext cx="10972440" cy="3977280"/>
           </a:xfrm>
           <a:prstGeom prst="rect">
             <a:avLst/>
@@ -2174,11 +2041,8 @@
             <a:normAutofit/>
           </a:bodyPr>
           <a:p>
-            <a:endParaRPr b="0" lang="zh-CN" sz="2800" spc="-1" strike="noStrike">
-              <a:solidFill>
-                <a:srgbClr val="000000"/>
-              </a:solidFill>
-              <a:latin typeface="Calibri"/>
+            <a:endParaRPr b="0" lang="en-US" sz="3200" spc="-1" strike="noStrike">
+              <a:latin typeface="Arial"/>
             </a:endParaRPr>
           </a:p>
         </p:txBody>
@@ -2207,7 +2071,7 @@
       </p:grpSpPr>
       <p:sp>
         <p:nvSpPr>
-          <p:cNvPr id="9" name="PlaceHolder 1"/>
+          <p:cNvPr id="6" name="PlaceHolder 1"/>
           <p:cNvSpPr>
             <a:spLocks noGrp="1"/>
           </p:cNvSpPr>
@@ -2217,8 +2081,8 @@
         </p:nvSpPr>
         <p:spPr>
           <a:xfrm>
-            <a:off x="838080" y="365040"/>
-            <a:ext cx="10515240" cy="1325160"/>
+            <a:off x="609480" y="273600"/>
+            <a:ext cx="10972440" cy="1144800"/>
           </a:xfrm>
           <a:prstGeom prst="rect">
             <a:avLst/>
@@ -2227,18 +2091,16 @@
         <p:txBody>
           <a:bodyPr lIns="0" rIns="0" tIns="0" bIns="0" anchor="ctr"/>
           <a:p>
-            <a:endParaRPr b="0" lang="zh-CN" sz="1800" spc="-1" strike="noStrike">
-              <a:solidFill>
-                <a:srgbClr val="000000"/>
-              </a:solidFill>
-              <a:latin typeface="Calibri"/>
-            </a:endParaRPr>
-          </a:p>
-        </p:txBody>
-      </p:sp>
-      <p:sp>
-        <p:nvSpPr>
-          <p:cNvPr id="10" name="PlaceHolder 2"/>
+            <a:pPr algn="ctr"/>
+            <a:endParaRPr b="0" lang="en-US" sz="4400" spc="-1" strike="noStrike">
+              <a:latin typeface="Arial"/>
+            </a:endParaRPr>
+          </a:p>
+        </p:txBody>
+      </p:sp>
+      <p:sp>
+        <p:nvSpPr>
+          <p:cNvPr id="7" name="PlaceHolder 2"/>
           <p:cNvSpPr>
             <a:spLocks noGrp="1"/>
           </p:cNvSpPr>
@@ -2248,8 +2110,8 @@
         </p:nvSpPr>
         <p:spPr>
           <a:xfrm>
-            <a:off x="838080" y="1825560"/>
-            <a:ext cx="5131080" cy="4350960"/>
+            <a:off x="609480" y="1604520"/>
+            <a:ext cx="5354280" cy="3977280"/>
           </a:xfrm>
           <a:prstGeom prst="rect">
             <a:avLst/>
@@ -2260,18 +2122,15 @@
             <a:normAutofit/>
           </a:bodyPr>
           <a:p>
-            <a:endParaRPr b="0" lang="zh-CN" sz="2800" spc="-1" strike="noStrike">
-              <a:solidFill>
-                <a:srgbClr val="000000"/>
-              </a:solidFill>
-              <a:latin typeface="Calibri"/>
-            </a:endParaRPr>
-          </a:p>
-        </p:txBody>
-      </p:sp>
-      <p:sp>
-        <p:nvSpPr>
-          <p:cNvPr id="11" name="PlaceHolder 3"/>
+            <a:endParaRPr b="0" lang="en-US" sz="3200" spc="-1" strike="noStrike">
+              <a:latin typeface="Arial"/>
+            </a:endParaRPr>
+          </a:p>
+        </p:txBody>
+      </p:sp>
+      <p:sp>
+        <p:nvSpPr>
+          <p:cNvPr id="8" name="PlaceHolder 3"/>
           <p:cNvSpPr>
             <a:spLocks noGrp="1"/>
           </p:cNvSpPr>
@@ -2281,8 +2140,8 @@
         </p:nvSpPr>
         <p:spPr>
           <a:xfrm>
-            <a:off x="6226200" y="1825560"/>
-            <a:ext cx="5131080" cy="4350960"/>
+            <a:off x="6231960" y="1604520"/>
+            <a:ext cx="5354280" cy="3977280"/>
           </a:xfrm>
           <a:prstGeom prst="rect">
             <a:avLst/>
@@ -2293,11 +2152,8 @@
             <a:normAutofit/>
           </a:bodyPr>
           <a:p>
-            <a:endParaRPr b="0" lang="zh-CN" sz="2800" spc="-1" strike="noStrike">
-              <a:solidFill>
-                <a:srgbClr val="000000"/>
-              </a:solidFill>
-              <a:latin typeface="Calibri"/>
+            <a:endParaRPr b="0" lang="en-US" sz="3200" spc="-1" strike="noStrike">
+              <a:latin typeface="Arial"/>
             </a:endParaRPr>
           </a:p>
         </p:txBody>
@@ -2326,7 +2182,7 @@
       </p:grpSpPr>
       <p:sp>
         <p:nvSpPr>
-          <p:cNvPr id="12" name="PlaceHolder 1"/>
+          <p:cNvPr id="9" name="PlaceHolder 1"/>
           <p:cNvSpPr>
             <a:spLocks noGrp="1"/>
           </p:cNvSpPr>
@@ -2336,8 +2192,8 @@
         </p:nvSpPr>
         <p:spPr>
           <a:xfrm>
-            <a:off x="838080" y="365040"/>
-            <a:ext cx="10515240" cy="1325160"/>
+            <a:off x="609480" y="273600"/>
+            <a:ext cx="10972440" cy="1144800"/>
           </a:xfrm>
           <a:prstGeom prst="rect">
             <a:avLst/>
@@ -2346,11 +2202,9 @@
         <p:txBody>
           <a:bodyPr lIns="0" rIns="0" tIns="0" bIns="0" anchor="ctr"/>
           <a:p>
-            <a:endParaRPr b="0" lang="zh-CN" sz="1800" spc="-1" strike="noStrike">
-              <a:solidFill>
-                <a:srgbClr val="000000"/>
-              </a:solidFill>
-              <a:latin typeface="Calibri"/>
+            <a:pPr algn="ctr"/>
+            <a:endParaRPr b="0" lang="en-US" sz="4400" spc="-1" strike="noStrike">
+              <a:latin typeface="Arial"/>
             </a:endParaRPr>
           </a:p>
         </p:txBody>
@@ -2379,7 +2233,7 @@
       </p:grpSpPr>
       <p:sp>
         <p:nvSpPr>
-          <p:cNvPr id="13" name="PlaceHolder 1"/>
+          <p:cNvPr id="10" name="PlaceHolder 1"/>
           <p:cNvSpPr>
             <a:spLocks noGrp="1"/>
           </p:cNvSpPr>
@@ -2389,8 +2243,8 @@
         </p:nvSpPr>
         <p:spPr>
           <a:xfrm>
-            <a:off x="838080" y="365040"/>
-            <a:ext cx="10515240" cy="6144120"/>
+            <a:off x="609480" y="273600"/>
+            <a:ext cx="10972440" cy="5307840"/>
           </a:xfrm>
           <a:prstGeom prst="rect">
             <a:avLst/>
@@ -2430,7 +2284,7 @@
       </p:grpSpPr>
       <p:sp>
         <p:nvSpPr>
-          <p:cNvPr id="14" name="PlaceHolder 1"/>
+          <p:cNvPr id="11" name="PlaceHolder 1"/>
           <p:cNvSpPr>
             <a:spLocks noGrp="1"/>
           </p:cNvSpPr>
@@ -2440,8 +2294,8 @@
         </p:nvSpPr>
         <p:spPr>
           <a:xfrm>
-            <a:off x="838080" y="365040"/>
-            <a:ext cx="10515240" cy="1325160"/>
+            <a:off x="609480" y="273600"/>
+            <a:ext cx="10972440" cy="1144800"/>
           </a:xfrm>
           <a:prstGeom prst="rect">
             <a:avLst/>
@@ -2450,18 +2304,16 @@
         <p:txBody>
           <a:bodyPr lIns="0" rIns="0" tIns="0" bIns="0" anchor="ctr"/>
           <a:p>
-            <a:endParaRPr b="0" lang="zh-CN" sz="1800" spc="-1" strike="noStrike">
-              <a:solidFill>
-                <a:srgbClr val="000000"/>
-              </a:solidFill>
-              <a:latin typeface="Calibri"/>
-            </a:endParaRPr>
-          </a:p>
-        </p:txBody>
-      </p:sp>
-      <p:sp>
-        <p:nvSpPr>
-          <p:cNvPr id="15" name="PlaceHolder 2"/>
+            <a:pPr algn="ctr"/>
+            <a:endParaRPr b="0" lang="en-US" sz="4400" spc="-1" strike="noStrike">
+              <a:latin typeface="Arial"/>
+            </a:endParaRPr>
+          </a:p>
+        </p:txBody>
+      </p:sp>
+      <p:sp>
+        <p:nvSpPr>
+          <p:cNvPr id="12" name="PlaceHolder 2"/>
           <p:cNvSpPr>
             <a:spLocks noGrp="1"/>
           </p:cNvSpPr>
@@ -2471,8 +2323,8 @@
         </p:nvSpPr>
         <p:spPr>
           <a:xfrm>
-            <a:off x="838080" y="1825560"/>
-            <a:ext cx="5131080" cy="2075040"/>
+            <a:off x="609480" y="1604520"/>
+            <a:ext cx="5354280" cy="1896840"/>
           </a:xfrm>
           <a:prstGeom prst="rect">
             <a:avLst/>
@@ -2483,18 +2335,15 @@
             <a:normAutofit/>
           </a:bodyPr>
           <a:p>
-            <a:endParaRPr b="0" lang="zh-CN" sz="2800" spc="-1" strike="noStrike">
-              <a:solidFill>
-                <a:srgbClr val="000000"/>
-              </a:solidFill>
-              <a:latin typeface="Calibri"/>
-            </a:endParaRPr>
-          </a:p>
-        </p:txBody>
-      </p:sp>
-      <p:sp>
-        <p:nvSpPr>
-          <p:cNvPr id="16" name="PlaceHolder 3"/>
+            <a:endParaRPr b="0" lang="en-US" sz="3200" spc="-1" strike="noStrike">
+              <a:latin typeface="Arial"/>
+            </a:endParaRPr>
+          </a:p>
+        </p:txBody>
+      </p:sp>
+      <p:sp>
+        <p:nvSpPr>
+          <p:cNvPr id="13" name="PlaceHolder 3"/>
           <p:cNvSpPr>
             <a:spLocks noGrp="1"/>
           </p:cNvSpPr>
@@ -2504,8 +2353,8 @@
         </p:nvSpPr>
         <p:spPr>
           <a:xfrm>
-            <a:off x="6226200" y="1825560"/>
-            <a:ext cx="5131080" cy="4350960"/>
+            <a:off x="6231960" y="1604520"/>
+            <a:ext cx="5354280" cy="3977280"/>
           </a:xfrm>
           <a:prstGeom prst="rect">
             <a:avLst/>
@@ -2516,18 +2365,15 @@
             <a:normAutofit/>
           </a:bodyPr>
           <a:p>
-            <a:endParaRPr b="0" lang="zh-CN" sz="2800" spc="-1" strike="noStrike">
-              <a:solidFill>
-                <a:srgbClr val="000000"/>
-              </a:solidFill>
-              <a:latin typeface="Calibri"/>
-            </a:endParaRPr>
-          </a:p>
-        </p:txBody>
-      </p:sp>
-      <p:sp>
-        <p:nvSpPr>
-          <p:cNvPr id="17" name="PlaceHolder 4"/>
+            <a:endParaRPr b="0" lang="en-US" sz="3200" spc="-1" strike="noStrike">
+              <a:latin typeface="Arial"/>
+            </a:endParaRPr>
+          </a:p>
+        </p:txBody>
+      </p:sp>
+      <p:sp>
+        <p:nvSpPr>
+          <p:cNvPr id="14" name="PlaceHolder 4"/>
           <p:cNvSpPr>
             <a:spLocks noGrp="1"/>
           </p:cNvSpPr>
@@ -2537,8 +2383,8 @@
         </p:nvSpPr>
         <p:spPr>
           <a:xfrm>
-            <a:off x="838080" y="4098240"/>
-            <a:ext cx="5131080" cy="2075040"/>
+            <a:off x="609480" y="3682080"/>
+            <a:ext cx="5354280" cy="1896840"/>
           </a:xfrm>
           <a:prstGeom prst="rect">
             <a:avLst/>
@@ -2549,11 +2395,8 @@
             <a:normAutofit/>
           </a:bodyPr>
           <a:p>
-            <a:endParaRPr b="0" lang="zh-CN" sz="2800" spc="-1" strike="noStrike">
-              <a:solidFill>
-                <a:srgbClr val="000000"/>
-              </a:solidFill>
-              <a:latin typeface="Calibri"/>
+            <a:endParaRPr b="0" lang="en-US" sz="3200" spc="-1" strike="noStrike">
+              <a:latin typeface="Arial"/>
             </a:endParaRPr>
           </a:p>
         </p:txBody>
@@ -2582,7 +2425,7 @@
       </p:grpSpPr>
       <p:sp>
         <p:nvSpPr>
-          <p:cNvPr id="18" name="PlaceHolder 1"/>
+          <p:cNvPr id="15" name="PlaceHolder 1"/>
           <p:cNvSpPr>
             <a:spLocks noGrp="1"/>
           </p:cNvSpPr>
@@ -2592,8 +2435,8 @@
         </p:nvSpPr>
         <p:spPr>
           <a:xfrm>
-            <a:off x="838080" y="365040"/>
-            <a:ext cx="10515240" cy="1325160"/>
+            <a:off x="609480" y="273600"/>
+            <a:ext cx="10972440" cy="1144800"/>
           </a:xfrm>
           <a:prstGeom prst="rect">
             <a:avLst/>
@@ -2602,18 +2445,16 @@
         <p:txBody>
           <a:bodyPr lIns="0" rIns="0" tIns="0" bIns="0" anchor="ctr"/>
           <a:p>
-            <a:endParaRPr b="0" lang="zh-CN" sz="1800" spc="-1" strike="noStrike">
-              <a:solidFill>
-                <a:srgbClr val="000000"/>
-              </a:solidFill>
-              <a:latin typeface="Calibri"/>
-            </a:endParaRPr>
-          </a:p>
-        </p:txBody>
-      </p:sp>
-      <p:sp>
-        <p:nvSpPr>
-          <p:cNvPr id="19" name="PlaceHolder 2"/>
+            <a:pPr algn="ctr"/>
+            <a:endParaRPr b="0" lang="en-US" sz="4400" spc="-1" strike="noStrike">
+              <a:latin typeface="Arial"/>
+            </a:endParaRPr>
+          </a:p>
+        </p:txBody>
+      </p:sp>
+      <p:sp>
+        <p:nvSpPr>
+          <p:cNvPr id="16" name="PlaceHolder 2"/>
           <p:cNvSpPr>
             <a:spLocks noGrp="1"/>
           </p:cNvSpPr>
@@ -2623,8 +2464,8 @@
         </p:nvSpPr>
         <p:spPr>
           <a:xfrm>
-            <a:off x="838080" y="1825560"/>
-            <a:ext cx="5131080" cy="4350960"/>
+            <a:off x="609480" y="1604520"/>
+            <a:ext cx="5354280" cy="3977280"/>
           </a:xfrm>
           <a:prstGeom prst="rect">
             <a:avLst/>
@@ -2635,18 +2476,15 @@
             <a:normAutofit/>
           </a:bodyPr>
           <a:p>
-            <a:endParaRPr b="0" lang="zh-CN" sz="2800" spc="-1" strike="noStrike">
-              <a:solidFill>
-                <a:srgbClr val="000000"/>
-              </a:solidFill>
-              <a:latin typeface="Calibri"/>
-            </a:endParaRPr>
-          </a:p>
-        </p:txBody>
-      </p:sp>
-      <p:sp>
-        <p:nvSpPr>
-          <p:cNvPr id="20" name="PlaceHolder 3"/>
+            <a:endParaRPr b="0" lang="en-US" sz="3200" spc="-1" strike="noStrike">
+              <a:latin typeface="Arial"/>
+            </a:endParaRPr>
+          </a:p>
+        </p:txBody>
+      </p:sp>
+      <p:sp>
+        <p:nvSpPr>
+          <p:cNvPr id="17" name="PlaceHolder 3"/>
           <p:cNvSpPr>
             <a:spLocks noGrp="1"/>
           </p:cNvSpPr>
@@ -2656,8 +2494,8 @@
         </p:nvSpPr>
         <p:spPr>
           <a:xfrm>
-            <a:off x="6226200" y="1825560"/>
-            <a:ext cx="5131080" cy="2075040"/>
+            <a:off x="6231960" y="1604520"/>
+            <a:ext cx="5354280" cy="1896840"/>
           </a:xfrm>
           <a:prstGeom prst="rect">
             <a:avLst/>
@@ -2668,18 +2506,15 @@
             <a:normAutofit/>
           </a:bodyPr>
           <a:p>
-            <a:endParaRPr b="0" lang="zh-CN" sz="2800" spc="-1" strike="noStrike">
-              <a:solidFill>
-                <a:srgbClr val="000000"/>
-              </a:solidFill>
-              <a:latin typeface="Calibri"/>
-            </a:endParaRPr>
-          </a:p>
-        </p:txBody>
-      </p:sp>
-      <p:sp>
-        <p:nvSpPr>
-          <p:cNvPr id="21" name="PlaceHolder 4"/>
+            <a:endParaRPr b="0" lang="en-US" sz="3200" spc="-1" strike="noStrike">
+              <a:latin typeface="Arial"/>
+            </a:endParaRPr>
+          </a:p>
+        </p:txBody>
+      </p:sp>
+      <p:sp>
+        <p:nvSpPr>
+          <p:cNvPr id="18" name="PlaceHolder 4"/>
           <p:cNvSpPr>
             <a:spLocks noGrp="1"/>
           </p:cNvSpPr>
@@ -2689,8 +2524,8 @@
         </p:nvSpPr>
         <p:spPr>
           <a:xfrm>
-            <a:off x="6226200" y="4098240"/>
-            <a:ext cx="5131080" cy="2075040"/>
+            <a:off x="6231960" y="3682080"/>
+            <a:ext cx="5354280" cy="1896840"/>
           </a:xfrm>
           <a:prstGeom prst="rect">
             <a:avLst/>
@@ -2701,11 +2536,8 @@
             <a:normAutofit/>
           </a:bodyPr>
           <a:p>
-            <a:endParaRPr b="0" lang="zh-CN" sz="2800" spc="-1" strike="noStrike">
-              <a:solidFill>
-                <a:srgbClr val="000000"/>
-              </a:solidFill>
-              <a:latin typeface="Calibri"/>
+            <a:endParaRPr b="0" lang="en-US" sz="3200" spc="-1" strike="noStrike">
+              <a:latin typeface="Arial"/>
             </a:endParaRPr>
           </a:p>
         </p:txBody>
@@ -2734,7 +2566,7 @@
       </p:grpSpPr>
       <p:sp>
         <p:nvSpPr>
-          <p:cNvPr id="22" name="PlaceHolder 1"/>
+          <p:cNvPr id="19" name="PlaceHolder 1"/>
           <p:cNvSpPr>
             <a:spLocks noGrp="1"/>
           </p:cNvSpPr>
@@ -2744,8 +2576,8 @@
         </p:nvSpPr>
         <p:spPr>
           <a:xfrm>
-            <a:off x="838080" y="365040"/>
-            <a:ext cx="10515240" cy="1325160"/>
+            <a:off x="609480" y="273600"/>
+            <a:ext cx="10972440" cy="1144800"/>
           </a:xfrm>
           <a:prstGeom prst="rect">
             <a:avLst/>
@@ -2754,18 +2586,16 @@
         <p:txBody>
           <a:bodyPr lIns="0" rIns="0" tIns="0" bIns="0" anchor="ctr"/>
           <a:p>
-            <a:endParaRPr b="0" lang="zh-CN" sz="1800" spc="-1" strike="noStrike">
-              <a:solidFill>
-                <a:srgbClr val="000000"/>
-              </a:solidFill>
-              <a:latin typeface="Calibri"/>
-            </a:endParaRPr>
-          </a:p>
-        </p:txBody>
-      </p:sp>
-      <p:sp>
-        <p:nvSpPr>
-          <p:cNvPr id="23" name="PlaceHolder 2"/>
+            <a:pPr algn="ctr"/>
+            <a:endParaRPr b="0" lang="en-US" sz="4400" spc="-1" strike="noStrike">
+              <a:latin typeface="Arial"/>
+            </a:endParaRPr>
+          </a:p>
+        </p:txBody>
+      </p:sp>
+      <p:sp>
+        <p:nvSpPr>
+          <p:cNvPr id="20" name="PlaceHolder 2"/>
           <p:cNvSpPr>
             <a:spLocks noGrp="1"/>
           </p:cNvSpPr>
@@ -2775,8 +2605,8 @@
         </p:nvSpPr>
         <p:spPr>
           <a:xfrm>
-            <a:off x="838080" y="1825560"/>
-            <a:ext cx="5131080" cy="2075040"/>
+            <a:off x="609480" y="1604520"/>
+            <a:ext cx="5354280" cy="1896840"/>
           </a:xfrm>
           <a:prstGeom prst="rect">
             <a:avLst/>
@@ -2787,18 +2617,15 @@
             <a:normAutofit/>
           </a:bodyPr>
           <a:p>
-            <a:endParaRPr b="0" lang="zh-CN" sz="2800" spc="-1" strike="noStrike">
-              <a:solidFill>
-                <a:srgbClr val="000000"/>
-              </a:solidFill>
-              <a:latin typeface="Calibri"/>
-            </a:endParaRPr>
-          </a:p>
-        </p:txBody>
-      </p:sp>
-      <p:sp>
-        <p:nvSpPr>
-          <p:cNvPr id="24" name="PlaceHolder 3"/>
+            <a:endParaRPr b="0" lang="en-US" sz="3200" spc="-1" strike="noStrike">
+              <a:latin typeface="Arial"/>
+            </a:endParaRPr>
+          </a:p>
+        </p:txBody>
+      </p:sp>
+      <p:sp>
+        <p:nvSpPr>
+          <p:cNvPr id="21" name="PlaceHolder 3"/>
           <p:cNvSpPr>
             <a:spLocks noGrp="1"/>
           </p:cNvSpPr>
@@ -2808,8 +2635,8 @@
         </p:nvSpPr>
         <p:spPr>
           <a:xfrm>
-            <a:off x="6226200" y="1825560"/>
-            <a:ext cx="5131080" cy="2075040"/>
+            <a:off x="6231960" y="1604520"/>
+            <a:ext cx="5354280" cy="1896840"/>
           </a:xfrm>
           <a:prstGeom prst="rect">
             <a:avLst/>
@@ -2820,18 +2647,15 @@
             <a:normAutofit/>
           </a:bodyPr>
           <a:p>
-            <a:endParaRPr b="0" lang="zh-CN" sz="2800" spc="-1" strike="noStrike">
-              <a:solidFill>
-                <a:srgbClr val="000000"/>
-              </a:solidFill>
-              <a:latin typeface="Calibri"/>
-            </a:endParaRPr>
-          </a:p>
-        </p:txBody>
-      </p:sp>
-      <p:sp>
-        <p:nvSpPr>
-          <p:cNvPr id="25" name="PlaceHolder 4"/>
+            <a:endParaRPr b="0" lang="en-US" sz="3200" spc="-1" strike="noStrike">
+              <a:latin typeface="Arial"/>
+            </a:endParaRPr>
+          </a:p>
+        </p:txBody>
+      </p:sp>
+      <p:sp>
+        <p:nvSpPr>
+          <p:cNvPr id="22" name="PlaceHolder 4"/>
           <p:cNvSpPr>
             <a:spLocks noGrp="1"/>
           </p:cNvSpPr>
@@ -2841,8 +2665,8 @@
         </p:nvSpPr>
         <p:spPr>
           <a:xfrm>
-            <a:off x="838080" y="4098240"/>
-            <a:ext cx="10515240" cy="2075040"/>
+            <a:off x="609480" y="3682080"/>
+            <a:ext cx="10972440" cy="1896840"/>
           </a:xfrm>
           <a:prstGeom prst="rect">
             <a:avLst/>
@@ -2853,11 +2677,8 @@
             <a:normAutofit/>
           </a:bodyPr>
           <a:p>
-            <a:endParaRPr b="0" lang="zh-CN" sz="2800" spc="-1" strike="noStrike">
-              <a:solidFill>
-                <a:srgbClr val="000000"/>
-              </a:solidFill>
-              <a:latin typeface="Calibri"/>
+            <a:endParaRPr b="0" lang="en-US" sz="3200" spc="-1" strike="noStrike">
+              <a:latin typeface="Arial"/>
             </a:endParaRPr>
           </a:p>
         </p:txBody>
@@ -2903,35 +2724,25 @@
         </p:nvSpPr>
         <p:spPr>
           <a:xfrm>
-            <a:off x="1523880" y="1122480"/>
-            <a:ext cx="9143640" cy="2387160"/>
-          </a:xfrm>
-          <a:prstGeom prst="rect">
-            <a:avLst/>
-          </a:prstGeom>
-        </p:spPr>
-        <p:txBody>
-          <a:bodyPr anchor="b"/>
-          <a:p>
-            <a:pPr algn="ctr">
-              <a:lnSpc>
-                <a:spcPct val="90000"/>
-              </a:lnSpc>
-            </a:pPr>
-            <a:r>
-              <a:rPr b="0" lang="zh-CN" sz="6000" spc="-1" strike="noStrike">
-                <a:solidFill>
-                  <a:srgbClr val="000000"/>
-                </a:solidFill>
-                <a:latin typeface="Calibri Light"/>
-              </a:rPr>
-              <a:t>单击此处编辑母版标题样式</a:t>
-            </a:r>
-            <a:endParaRPr b="0" lang="zh-CN" sz="6000" spc="-1" strike="noStrike">
-              <a:solidFill>
-                <a:srgbClr val="000000"/>
-              </a:solidFill>
-              <a:latin typeface="Calibri"/>
+            <a:off x="609480" y="273600"/>
+            <a:ext cx="10972440" cy="1144800"/>
+          </a:xfrm>
+          <a:prstGeom prst="rect">
+            <a:avLst/>
+          </a:prstGeom>
+        </p:spPr>
+        <p:txBody>
+          <a:bodyPr lIns="0" rIns="0" tIns="0" bIns="0" anchor="ctr"/>
+          <a:p>
+            <a:pPr algn="ctr"/>
+            <a:r>
+              <a:rPr b="0" lang="en-US" sz="4400" spc="-1" strike="noStrike">
+                <a:latin typeface="Arial"/>
+              </a:rPr>
+              <a:t>单击鼠标编辑标题文字格式</a:t>
+            </a:r>
+            <a:endParaRPr b="0" lang="en-US" sz="4400" spc="-1" strike="noStrike">
+              <a:latin typeface="Arial"/>
             </a:endParaRPr>
           </a:p>
         </p:txBody>
@@ -2939,90 +2750,6 @@
       <p:sp>
         <p:nvSpPr>
           <p:cNvPr id="1" name="PlaceHolder 2"/>
-          <p:cNvSpPr>
-            <a:spLocks noGrp="1"/>
-          </p:cNvSpPr>
-          <p:nvPr>
-            <p:ph type="dt"/>
-          </p:nvPr>
-        </p:nvSpPr>
-        <p:spPr>
-          <a:xfrm>
-            <a:off x="838080" y="6356520"/>
-            <a:ext cx="2742840" cy="364680"/>
-          </a:xfrm>
-          <a:prstGeom prst="rect">
-            <a:avLst/>
-          </a:prstGeom>
-        </p:spPr>
-        <p:txBody>
-          <a:bodyPr anchor="ctr"/>
-          <a:p>
-            <a:endParaRPr b="0" lang="en-US" sz="2400" spc="-1" strike="noStrike">
-              <a:latin typeface="Times New Roman"/>
-            </a:endParaRPr>
-          </a:p>
-        </p:txBody>
-      </p:sp>
-      <p:sp>
-        <p:nvSpPr>
-          <p:cNvPr id="2" name="PlaceHolder 3"/>
-          <p:cNvSpPr>
-            <a:spLocks noGrp="1"/>
-          </p:cNvSpPr>
-          <p:nvPr>
-            <p:ph type="ftr"/>
-          </p:nvPr>
-        </p:nvSpPr>
-        <p:spPr>
-          <a:xfrm>
-            <a:off x="4038480" y="6356520"/>
-            <a:ext cx="4114440" cy="364680"/>
-          </a:xfrm>
-          <a:prstGeom prst="rect">
-            <a:avLst/>
-          </a:prstGeom>
-        </p:spPr>
-        <p:txBody>
-          <a:bodyPr anchor="ctr"/>
-          <a:p>
-            <a:endParaRPr b="0" lang="en-US" sz="2400" spc="-1" strike="noStrike">
-              <a:latin typeface="Times New Roman"/>
-            </a:endParaRPr>
-          </a:p>
-        </p:txBody>
-      </p:sp>
-      <p:sp>
-        <p:nvSpPr>
-          <p:cNvPr id="3" name="PlaceHolder 4"/>
-          <p:cNvSpPr>
-            <a:spLocks noGrp="1"/>
-          </p:cNvSpPr>
-          <p:nvPr>
-            <p:ph type="sldNum"/>
-          </p:nvPr>
-        </p:nvSpPr>
-        <p:spPr>
-          <a:xfrm>
-            <a:off x="8610480" y="6356520"/>
-            <a:ext cx="2742840" cy="364680"/>
-          </a:xfrm>
-          <a:prstGeom prst="rect">
-            <a:avLst/>
-          </a:prstGeom>
-        </p:spPr>
-        <p:txBody>
-          <a:bodyPr anchor="ctr"/>
-          <a:p>
-            <a:endParaRPr b="0" lang="en-US" sz="2400" spc="-1" strike="noStrike">
-              <a:latin typeface="Times New Roman"/>
-            </a:endParaRPr>
-          </a:p>
-        </p:txBody>
-      </p:sp>
-      <p:sp>
-        <p:nvSpPr>
-          <p:cNvPr id="4" name="PlaceHolder 5"/>
           <p:cNvSpPr>
             <a:spLocks noGrp="1"/>
           </p:cNvSpPr>
@@ -3056,19 +2783,13 @@
               <a:buChar char=""/>
             </a:pPr>
             <a:r>
-              <a:rPr b="0" lang="zh-CN" sz="2800" spc="-1" strike="noStrike">
-                <a:solidFill>
-                  <a:srgbClr val="000000"/>
-                </a:solidFill>
-                <a:latin typeface="Calibri"/>
+              <a:rPr b="0" lang="en-US" sz="3200" spc="-1" strike="noStrike">
+                <a:latin typeface="Arial"/>
               </a:rPr>
               <a:t>单击鼠标编辑大纲文字格式</a:t>
             </a:r>
-            <a:endParaRPr b="0" lang="zh-CN" sz="2800" spc="-1" strike="noStrike">
-              <a:solidFill>
-                <a:srgbClr val="000000"/>
-              </a:solidFill>
-              <a:latin typeface="Calibri"/>
+            <a:endParaRPr b="0" lang="en-US" sz="3200" spc="-1" strike="noStrike">
+              <a:latin typeface="Arial"/>
             </a:endParaRPr>
           </a:p>
           <a:p>
@@ -3084,19 +2805,13 @@
               <a:buChar char=""/>
             </a:pPr>
             <a:r>
-              <a:rPr b="0" lang="zh-CN" sz="2000" spc="-1" strike="noStrike">
-                <a:solidFill>
-                  <a:srgbClr val="000000"/>
-                </a:solidFill>
-                <a:latin typeface="Calibri"/>
+              <a:rPr b="0" lang="en-US" sz="2800" spc="-1" strike="noStrike">
+                <a:latin typeface="Arial"/>
               </a:rPr>
               <a:t>第二个大纲级</a:t>
             </a:r>
-            <a:endParaRPr b="0" lang="zh-CN" sz="2000" spc="-1" strike="noStrike">
-              <a:solidFill>
-                <a:srgbClr val="000000"/>
-              </a:solidFill>
-              <a:latin typeface="Calibri"/>
+            <a:endParaRPr b="0" lang="en-US" sz="2800" spc="-1" strike="noStrike">
+              <a:latin typeface="Arial"/>
             </a:endParaRPr>
           </a:p>
           <a:p>
@@ -3112,19 +2827,13 @@
               <a:buChar char=""/>
             </a:pPr>
             <a:r>
-              <a:rPr b="0" lang="zh-CN" sz="1800" spc="-1" strike="noStrike">
-                <a:solidFill>
-                  <a:srgbClr val="000000"/>
-                </a:solidFill>
-                <a:latin typeface="Calibri"/>
+              <a:rPr b="0" lang="en-US" sz="2400" spc="-1" strike="noStrike">
+                <a:latin typeface="Arial"/>
               </a:rPr>
               <a:t>第三大纲级别</a:t>
             </a:r>
-            <a:endParaRPr b="0" lang="zh-CN" sz="1800" spc="-1" strike="noStrike">
-              <a:solidFill>
-                <a:srgbClr val="000000"/>
-              </a:solidFill>
-              <a:latin typeface="Calibri"/>
+            <a:endParaRPr b="0" lang="en-US" sz="2400" spc="-1" strike="noStrike">
+              <a:latin typeface="Arial"/>
             </a:endParaRPr>
           </a:p>
           <a:p>
@@ -3140,19 +2849,13 @@
               <a:buChar char=""/>
             </a:pPr>
             <a:r>
-              <a:rPr b="0" lang="zh-CN" sz="1800" spc="-1" strike="noStrike">
-                <a:solidFill>
-                  <a:srgbClr val="000000"/>
-                </a:solidFill>
-                <a:latin typeface="Calibri"/>
+              <a:rPr b="0" lang="en-US" sz="2000" spc="-1" strike="noStrike">
+                <a:latin typeface="Arial"/>
               </a:rPr>
               <a:t>第四大纲级别</a:t>
             </a:r>
-            <a:endParaRPr b="0" lang="zh-CN" sz="1800" spc="-1" strike="noStrike">
-              <a:solidFill>
-                <a:srgbClr val="000000"/>
-              </a:solidFill>
-              <a:latin typeface="Calibri"/>
+            <a:endParaRPr b="0" lang="en-US" sz="2000" spc="-1" strike="noStrike">
+              <a:latin typeface="Arial"/>
             </a:endParaRPr>
           </a:p>
           <a:p>
@@ -3168,19 +2871,13 @@
               <a:buChar char=""/>
             </a:pPr>
             <a:r>
-              <a:rPr b="0" lang="zh-CN" sz="2000" spc="-1" strike="noStrike">
-                <a:solidFill>
-                  <a:srgbClr val="000000"/>
-                </a:solidFill>
-                <a:latin typeface="Calibri"/>
+              <a:rPr b="0" lang="en-US" sz="2000" spc="-1" strike="noStrike">
+                <a:latin typeface="Arial"/>
               </a:rPr>
               <a:t>第五大纲级别</a:t>
             </a:r>
-            <a:endParaRPr b="0" lang="zh-CN" sz="2000" spc="-1" strike="noStrike">
-              <a:solidFill>
-                <a:srgbClr val="000000"/>
-              </a:solidFill>
-              <a:latin typeface="Calibri"/>
+            <a:endParaRPr b="0" lang="en-US" sz="2000" spc="-1" strike="noStrike">
+              <a:latin typeface="Arial"/>
             </a:endParaRPr>
           </a:p>
           <a:p>
@@ -3196,19 +2893,13 @@
               <a:buChar char=""/>
             </a:pPr>
             <a:r>
-              <a:rPr b="0" lang="zh-CN" sz="2000" spc="-1" strike="noStrike">
-                <a:solidFill>
-                  <a:srgbClr val="000000"/>
-                </a:solidFill>
-                <a:latin typeface="Calibri"/>
+              <a:rPr b="0" lang="en-US" sz="2000" spc="-1" strike="noStrike">
+                <a:latin typeface="Arial"/>
               </a:rPr>
               <a:t>第六大纲级别</a:t>
             </a:r>
-            <a:endParaRPr b="0" lang="zh-CN" sz="2000" spc="-1" strike="noStrike">
-              <a:solidFill>
-                <a:srgbClr val="000000"/>
-              </a:solidFill>
-              <a:latin typeface="Calibri"/>
+            <a:endParaRPr b="0" lang="en-US" sz="2000" spc="-1" strike="noStrike">
+              <a:latin typeface="Arial"/>
             </a:endParaRPr>
           </a:p>
           <a:p>
@@ -3224,19 +2915,13 @@
               <a:buChar char=""/>
             </a:pPr>
             <a:r>
-              <a:rPr b="0" lang="zh-CN" sz="2000" spc="-1" strike="noStrike">
-                <a:solidFill>
-                  <a:srgbClr val="000000"/>
-                </a:solidFill>
-                <a:latin typeface="Calibri"/>
+              <a:rPr b="0" lang="en-US" sz="2000" spc="-1" strike="noStrike">
+                <a:latin typeface="Arial"/>
               </a:rPr>
               <a:t>第七大纲级别</a:t>
             </a:r>
-            <a:endParaRPr b="0" lang="zh-CN" sz="2000" spc="-1" strike="noStrike">
-              <a:solidFill>
-                <a:srgbClr val="000000"/>
-              </a:solidFill>
-              <a:latin typeface="Calibri"/>
+            <a:endParaRPr b="0" lang="en-US" sz="2000" spc="-1" strike="noStrike">
+              <a:latin typeface="Arial"/>
             </a:endParaRPr>
           </a:p>
         </p:txBody>
@@ -3287,7 +2972,7 @@
       </p:grpSpPr>
       <p:sp>
         <p:nvSpPr>
-          <p:cNvPr id="41" name="PlaceHolder 1"/>
+          <p:cNvPr id="38" name="PlaceHolder 1"/>
           <p:cNvSpPr>
             <a:spLocks noGrp="1"/>
           </p:cNvSpPr>
@@ -3297,42 +2982,32 @@
         </p:nvSpPr>
         <p:spPr>
           <a:xfrm>
-            <a:off x="838080" y="365040"/>
-            <a:ext cx="10515240" cy="1325160"/>
-          </a:xfrm>
-          <a:prstGeom prst="rect">
-            <a:avLst/>
-          </a:prstGeom>
-        </p:spPr>
-        <p:txBody>
-          <a:bodyPr anchor="ctr"/>
-          <a:p>
-            <a:pPr>
-              <a:lnSpc>
-                <a:spcPct val="90000"/>
-              </a:lnSpc>
-            </a:pPr>
-            <a:r>
-              <a:rPr b="0" lang="zh-CN" sz="4400" spc="-1" strike="noStrike">
-                <a:solidFill>
-                  <a:srgbClr val="000000"/>
-                </a:solidFill>
-                <a:latin typeface="Calibri Light"/>
-              </a:rPr>
-              <a:t>单击此处编辑母版标题样式</a:t>
-            </a:r>
-            <a:endParaRPr b="0" lang="zh-CN" sz="4400" spc="-1" strike="noStrike">
-              <a:solidFill>
-                <a:srgbClr val="000000"/>
-              </a:solidFill>
-              <a:latin typeface="Calibri"/>
-            </a:endParaRPr>
-          </a:p>
-        </p:txBody>
-      </p:sp>
-      <p:sp>
-        <p:nvSpPr>
-          <p:cNvPr id="42" name="PlaceHolder 2"/>
+            <a:off x="609480" y="273600"/>
+            <a:ext cx="10972440" cy="1144800"/>
+          </a:xfrm>
+          <a:prstGeom prst="rect">
+            <a:avLst/>
+          </a:prstGeom>
+        </p:spPr>
+        <p:txBody>
+          <a:bodyPr lIns="0" rIns="0" tIns="0" bIns="0" anchor="ctr"/>
+          <a:p>
+            <a:pPr algn="ctr"/>
+            <a:r>
+              <a:rPr b="0" lang="en-US" sz="4400" spc="-1" strike="noStrike">
+                <a:latin typeface="Arial"/>
+              </a:rPr>
+              <a:t>单击鼠标编辑标题文字格式</a:t>
+            </a:r>
+            <a:endParaRPr b="0" lang="en-US" sz="4400" spc="-1" strike="noStrike">
+              <a:latin typeface="Arial"/>
+            </a:endParaRPr>
+          </a:p>
+        </p:txBody>
+      </p:sp>
+      <p:sp>
+        <p:nvSpPr>
+          <p:cNvPr id="39" name="PlaceHolder 2"/>
           <p:cNvSpPr>
             <a:spLocks noGrp="1"/>
           </p:cNvSpPr>
@@ -3342,247 +3017,169 @@
         </p:nvSpPr>
         <p:spPr>
           <a:xfrm>
-            <a:off x="838080" y="1825560"/>
-            <a:ext cx="10515240" cy="4350960"/>
-          </a:xfrm>
-          <a:prstGeom prst="rect">
-            <a:avLst/>
-          </a:prstGeom>
-        </p:spPr>
-        <p:txBody>
-          <a:bodyPr/>
-          <a:p>
-            <a:pPr marL="228600" indent="-228240">
-              <a:lnSpc>
-                <a:spcPct val="90000"/>
-              </a:lnSpc>
-              <a:spcBef>
-                <a:spcPts val="1001"/>
+            <a:off x="609480" y="1604520"/>
+            <a:ext cx="10972440" cy="3977280"/>
+          </a:xfrm>
+          <a:prstGeom prst="rect">
+            <a:avLst/>
+          </a:prstGeom>
+        </p:spPr>
+        <p:txBody>
+          <a:bodyPr lIns="0" rIns="0" tIns="0" bIns="0">
+            <a:normAutofit/>
+          </a:bodyPr>
+          <a:p>
+            <a:pPr marL="432000" indent="-324000">
+              <a:spcBef>
+                <a:spcPts val="1417"/>
               </a:spcBef>
               <a:buClr>
                 <a:srgbClr val="000000"/>
               </a:buClr>
-              <a:buFont typeface="Arial"/>
-              <a:buChar char="•"/>
-            </a:pPr>
-            <a:r>
-              <a:rPr b="0" lang="zh-CN" sz="2800" spc="-1" strike="noStrike">
-                <a:solidFill>
-                  <a:srgbClr val="000000"/>
-                </a:solidFill>
-                <a:latin typeface="Calibri"/>
-              </a:rPr>
-              <a:t>单击此处编辑母版文本样式</a:t>
-            </a:r>
-            <a:endParaRPr b="0" lang="zh-CN" sz="2800" spc="-1" strike="noStrike">
-              <a:solidFill>
-                <a:srgbClr val="000000"/>
-              </a:solidFill>
-              <a:latin typeface="Calibri"/>
-            </a:endParaRPr>
-          </a:p>
-          <a:p>
-            <a:pPr lvl="1" marL="685800" indent="-228240">
-              <a:lnSpc>
-                <a:spcPct val="90000"/>
-              </a:lnSpc>
-              <a:spcBef>
-                <a:spcPts val="499"/>
+              <a:buSzPct val="45000"/>
+              <a:buFont typeface="Wingdings" charset="2"/>
+              <a:buChar char=""/>
+            </a:pPr>
+            <a:r>
+              <a:rPr b="0" lang="en-US" sz="3200" spc="-1" strike="noStrike">
+                <a:latin typeface="Arial"/>
+              </a:rPr>
+              <a:t>单击鼠标编辑大纲文字格式</a:t>
+            </a:r>
+            <a:endParaRPr b="0" lang="en-US" sz="3200" spc="-1" strike="noStrike">
+              <a:latin typeface="Arial"/>
+            </a:endParaRPr>
+          </a:p>
+          <a:p>
+            <a:pPr lvl="1" marL="864000" indent="-324000">
+              <a:spcBef>
+                <a:spcPts val="1134"/>
               </a:spcBef>
               <a:buClr>
                 <a:srgbClr val="000000"/>
               </a:buClr>
-              <a:buFont typeface="Arial"/>
-              <a:buChar char="•"/>
-            </a:pPr>
-            <a:r>
-              <a:rPr b="0" lang="zh-CN" sz="2400" spc="-1" strike="noStrike">
-                <a:solidFill>
-                  <a:srgbClr val="000000"/>
-                </a:solidFill>
-                <a:latin typeface="Calibri"/>
-              </a:rPr>
-              <a:t>第二级</a:t>
-            </a:r>
-            <a:endParaRPr b="0" lang="zh-CN" sz="2400" spc="-1" strike="noStrike">
-              <a:solidFill>
-                <a:srgbClr val="000000"/>
-              </a:solidFill>
-              <a:latin typeface="Calibri"/>
-            </a:endParaRPr>
-          </a:p>
-          <a:p>
-            <a:pPr lvl="2" marL="1143000" indent="-228240">
-              <a:lnSpc>
-                <a:spcPct val="90000"/>
-              </a:lnSpc>
-              <a:spcBef>
-                <a:spcPts val="499"/>
+              <a:buSzPct val="75000"/>
+              <a:buFont typeface="Symbol" charset="2"/>
+              <a:buChar char=""/>
+            </a:pPr>
+            <a:r>
+              <a:rPr b="0" lang="en-US" sz="2800" spc="-1" strike="noStrike">
+                <a:latin typeface="Arial"/>
+              </a:rPr>
+              <a:t>第二个大纲级</a:t>
+            </a:r>
+            <a:endParaRPr b="0" lang="en-US" sz="2800" spc="-1" strike="noStrike">
+              <a:latin typeface="Arial"/>
+            </a:endParaRPr>
+          </a:p>
+          <a:p>
+            <a:pPr lvl="2" marL="1296000" indent="-288000">
+              <a:spcBef>
+                <a:spcPts val="850"/>
               </a:spcBef>
               <a:buClr>
                 <a:srgbClr val="000000"/>
               </a:buClr>
-              <a:buFont typeface="Arial"/>
-              <a:buChar char="•"/>
-            </a:pPr>
-            <a:r>
-              <a:rPr b="0" lang="zh-CN" sz="2000" spc="-1" strike="noStrike">
-                <a:solidFill>
-                  <a:srgbClr val="000000"/>
-                </a:solidFill>
-                <a:latin typeface="Calibri"/>
-              </a:rPr>
-              <a:t>第三级</a:t>
-            </a:r>
-            <a:endParaRPr b="0" lang="zh-CN" sz="2000" spc="-1" strike="noStrike">
-              <a:solidFill>
-                <a:srgbClr val="000000"/>
-              </a:solidFill>
-              <a:latin typeface="Calibri"/>
-            </a:endParaRPr>
-          </a:p>
-          <a:p>
-            <a:pPr lvl="3" marL="1600200" indent="-228240">
-              <a:lnSpc>
-                <a:spcPct val="90000"/>
-              </a:lnSpc>
-              <a:spcBef>
-                <a:spcPts val="499"/>
+              <a:buSzPct val="45000"/>
+              <a:buFont typeface="Wingdings" charset="2"/>
+              <a:buChar char=""/>
+            </a:pPr>
+            <a:r>
+              <a:rPr b="0" lang="en-US" sz="2400" spc="-1" strike="noStrike">
+                <a:latin typeface="Arial"/>
+              </a:rPr>
+              <a:t>第三大纲级别</a:t>
+            </a:r>
+            <a:endParaRPr b="0" lang="en-US" sz="2400" spc="-1" strike="noStrike">
+              <a:latin typeface="Arial"/>
+            </a:endParaRPr>
+          </a:p>
+          <a:p>
+            <a:pPr lvl="3" marL="1728000" indent="-216000">
+              <a:spcBef>
+                <a:spcPts val="567"/>
               </a:spcBef>
               <a:buClr>
                 <a:srgbClr val="000000"/>
               </a:buClr>
-              <a:buFont typeface="Arial"/>
-              <a:buChar char="•"/>
-            </a:pPr>
-            <a:r>
-              <a:rPr b="0" lang="zh-CN" sz="1800" spc="-1" strike="noStrike">
-                <a:solidFill>
-                  <a:srgbClr val="000000"/>
-                </a:solidFill>
-                <a:latin typeface="Calibri"/>
-              </a:rPr>
-              <a:t>第四级</a:t>
-            </a:r>
-            <a:endParaRPr b="0" lang="zh-CN" sz="1800" spc="-1" strike="noStrike">
-              <a:solidFill>
-                <a:srgbClr val="000000"/>
-              </a:solidFill>
-              <a:latin typeface="Calibri"/>
-            </a:endParaRPr>
-          </a:p>
-          <a:p>
-            <a:pPr lvl="4" marL="2057400" indent="-228240">
-              <a:lnSpc>
-                <a:spcPct val="90000"/>
-              </a:lnSpc>
-              <a:spcBef>
-                <a:spcPts val="499"/>
+              <a:buSzPct val="75000"/>
+              <a:buFont typeface="Symbol" charset="2"/>
+              <a:buChar char=""/>
+            </a:pPr>
+            <a:r>
+              <a:rPr b="0" lang="en-US" sz="2000" spc="-1" strike="noStrike">
+                <a:latin typeface="Arial"/>
+              </a:rPr>
+              <a:t>第四大纲级别</a:t>
+            </a:r>
+            <a:endParaRPr b="0" lang="en-US" sz="2000" spc="-1" strike="noStrike">
+              <a:latin typeface="Arial"/>
+            </a:endParaRPr>
+          </a:p>
+          <a:p>
+            <a:pPr lvl="4" marL="2160000" indent="-216000">
+              <a:spcBef>
+                <a:spcPts val="283"/>
               </a:spcBef>
               <a:buClr>
                 <a:srgbClr val="000000"/>
               </a:buClr>
-              <a:buFont typeface="Arial"/>
-              <a:buChar char="•"/>
-            </a:pPr>
-            <a:r>
-              <a:rPr b="0" lang="zh-CN" sz="1800" spc="-1" strike="noStrike">
-                <a:solidFill>
-                  <a:srgbClr val="000000"/>
-                </a:solidFill>
-                <a:latin typeface="Calibri"/>
-              </a:rPr>
-              <a:t>第五级</a:t>
-            </a:r>
-            <a:endParaRPr b="0" lang="zh-CN" sz="1800" spc="-1" strike="noStrike">
-              <a:solidFill>
+              <a:buSzPct val="45000"/>
+              <a:buFont typeface="Wingdings" charset="2"/>
+              <a:buChar char=""/>
+            </a:pPr>
+            <a:r>
+              <a:rPr b="0" lang="en-US" sz="2000" spc="-1" strike="noStrike">
+                <a:latin typeface="Arial"/>
+              </a:rPr>
+              <a:t>第五大纲级别</a:t>
+            </a:r>
+            <a:endParaRPr b="0" lang="en-US" sz="2000" spc="-1" strike="noStrike">
+              <a:latin typeface="Arial"/>
+            </a:endParaRPr>
+          </a:p>
+          <a:p>
+            <a:pPr lvl="5" marL="2592000" indent="-216000">
+              <a:spcBef>
+                <a:spcPts val="283"/>
+              </a:spcBef>
+              <a:buClr>
                 <a:srgbClr val="000000"/>
-              </a:solidFill>
-              <a:latin typeface="Calibri"/>
-            </a:endParaRPr>
-          </a:p>
-        </p:txBody>
-      </p:sp>
-      <p:sp>
-        <p:nvSpPr>
-          <p:cNvPr id="43" name="PlaceHolder 3"/>
-          <p:cNvSpPr>
-            <a:spLocks noGrp="1"/>
-          </p:cNvSpPr>
-          <p:nvPr>
-            <p:ph type="dt"/>
-          </p:nvPr>
-        </p:nvSpPr>
-        <p:spPr>
-          <a:xfrm>
-            <a:off x="838080" y="6356520"/>
-            <a:ext cx="2742840" cy="364680"/>
-          </a:xfrm>
-          <a:prstGeom prst="rect">
-            <a:avLst/>
-          </a:prstGeom>
-        </p:spPr>
-        <p:txBody>
-          <a:bodyPr anchor="ctr"/>
-          <a:p>
-            <a:endParaRPr b="0" lang="en-US" sz="2400" spc="-1" strike="noStrike">
-              <a:latin typeface="Times New Roman"/>
-            </a:endParaRPr>
-          </a:p>
-        </p:txBody>
-      </p:sp>
-      <p:sp>
-        <p:nvSpPr>
-          <p:cNvPr id="44" name="PlaceHolder 4"/>
-          <p:cNvSpPr>
-            <a:spLocks noGrp="1"/>
-          </p:cNvSpPr>
-          <p:nvPr>
-            <p:ph type="ftr"/>
-          </p:nvPr>
-        </p:nvSpPr>
-        <p:spPr>
-          <a:xfrm>
-            <a:off x="4038480" y="6356520"/>
-            <a:ext cx="4114440" cy="364680"/>
-          </a:xfrm>
-          <a:prstGeom prst="rect">
-            <a:avLst/>
-          </a:prstGeom>
-        </p:spPr>
-        <p:txBody>
-          <a:bodyPr anchor="ctr"/>
-          <a:p>
-            <a:endParaRPr b="0" lang="en-US" sz="2400" spc="-1" strike="noStrike">
-              <a:latin typeface="Times New Roman"/>
-            </a:endParaRPr>
-          </a:p>
-        </p:txBody>
-      </p:sp>
-      <p:sp>
-        <p:nvSpPr>
-          <p:cNvPr id="45" name="PlaceHolder 5"/>
-          <p:cNvSpPr>
-            <a:spLocks noGrp="1"/>
-          </p:cNvSpPr>
-          <p:nvPr>
-            <p:ph type="sldNum"/>
-          </p:nvPr>
-        </p:nvSpPr>
-        <p:spPr>
-          <a:xfrm>
-            <a:off x="8610480" y="6356520"/>
-            <a:ext cx="2742840" cy="364680"/>
-          </a:xfrm>
-          <a:prstGeom prst="rect">
-            <a:avLst/>
-          </a:prstGeom>
-        </p:spPr>
-        <p:txBody>
-          <a:bodyPr anchor="ctr"/>
-          <a:p>
-            <a:endParaRPr b="0" lang="en-US" sz="2400" spc="-1" strike="noStrike">
-              <a:latin typeface="Times New Roman"/>
+              </a:buClr>
+              <a:buSzPct val="45000"/>
+              <a:buFont typeface="Wingdings" charset="2"/>
+              <a:buChar char=""/>
+            </a:pPr>
+            <a:r>
+              <a:rPr b="0" lang="en-US" sz="2000" spc="-1" strike="noStrike">
+                <a:latin typeface="Arial"/>
+              </a:rPr>
+              <a:t>第六大纲级别</a:t>
+            </a:r>
+            <a:endParaRPr b="0" lang="en-US" sz="2000" spc="-1" strike="noStrike">
+              <a:latin typeface="Arial"/>
+            </a:endParaRPr>
+          </a:p>
+          <a:p>
+            <a:pPr lvl="6" marL="3024000" indent="-216000">
+              <a:spcBef>
+                <a:spcPts val="283"/>
+              </a:spcBef>
+              <a:buClr>
+                <a:srgbClr val="000000"/>
+              </a:buClr>
+              <a:buSzPct val="45000"/>
+              <a:buFont typeface="Wingdings" charset="2"/>
+              <a:buChar char=""/>
+            </a:pPr>
+            <a:r>
+              <a:rPr b="0" lang="en-US" sz="2000" spc="-1" strike="noStrike">
+                <a:latin typeface="Arial"/>
+              </a:rPr>
+              <a:t>第七大纲级别</a:t>
+            </a:r>
+            <a:endParaRPr b="0" lang="en-US" sz="2000" spc="-1" strike="noStrike">
+              <a:latin typeface="Arial"/>
             </a:endParaRPr>
           </a:p>
         </p:txBody>
@@ -3626,14 +3223,14 @@
       </p:grpSpPr>
       <p:sp>
         <p:nvSpPr>
-          <p:cNvPr id="82" name="TextShape 1"/>
+          <p:cNvPr id="76" name="TextShape 1"/>
           <p:cNvSpPr txBox="1"/>
           <p:nvPr/>
         </p:nvSpPr>
         <p:spPr>
           <a:xfrm>
-            <a:off x="1523880" y="1122480"/>
-            <a:ext cx="9143640" cy="2387160"/>
+            <a:off x="609480" y="273600"/>
+            <a:ext cx="10972440" cy="1144800"/>
           </a:xfrm>
           <a:prstGeom prst="rect">
             <a:avLst/>
@@ -3644,27 +3241,52 @@
           </a:ln>
         </p:spPr>
         <p:txBody>
-          <a:bodyPr anchor="b"/>
-          <a:p>
-            <a:pPr algn="ctr">
-              <a:lnSpc>
-                <a:spcPct val="90000"/>
-              </a:lnSpc>
-            </a:pPr>
-            <a:r>
-              <a:rPr b="0" lang="zh-CN" sz="4000" spc="-1" strike="noStrike">
-                <a:solidFill>
-                  <a:srgbClr val="000000"/>
-                </a:solidFill>
-                <a:latin typeface="Calibri Light"/>
+          <a:bodyPr lIns="0" rIns="0" tIns="0" bIns="0" anchor="ctr"/>
+          <a:p>
+            <a:pPr algn="ctr"/>
+            <a:r>
+              <a:rPr b="0" lang="en-US" sz="4000" spc="-1" strike="noStrike">
+                <a:latin typeface="Arial"/>
+              </a:rPr>
+              <a:t>微信公众号接口开发</a:t>
+            </a:r>
+            <a:endParaRPr b="0" lang="en-US" sz="4000" spc="-1" strike="noStrike">
+              <a:latin typeface="Arial"/>
+            </a:endParaRPr>
+          </a:p>
+        </p:txBody>
+      </p:sp>
+      <p:sp>
+        <p:nvSpPr>
+          <p:cNvPr id="77" name="TextShape 2"/>
+          <p:cNvSpPr txBox="1"/>
+          <p:nvPr/>
+        </p:nvSpPr>
+        <p:spPr>
+          <a:xfrm>
+            <a:off x="609480" y="1604520"/>
+            <a:ext cx="10972440" cy="3977280"/>
+          </a:xfrm>
+          <a:prstGeom prst="rect">
+            <a:avLst/>
+          </a:prstGeom>
+          <a:noFill/>
+          <a:ln>
+            <a:noFill/>
+          </a:ln>
+        </p:spPr>
+        <p:txBody>
+          <a:bodyPr lIns="0" rIns="0" tIns="0" bIns="0" anchor="ctr"/>
+          <a:p>
+            <a:pPr algn="ctr"/>
+            <a:r>
+              <a:rPr b="0" lang="en-US" sz="3200" spc="-1" strike="noStrike">
+                <a:latin typeface="Arial"/>
               </a:rPr>
               <a:t>事件消息处理</a:t>
             </a:r>
-            <a:endParaRPr b="0" lang="zh-CN" sz="4000" spc="-1" strike="noStrike">
-              <a:solidFill>
-                <a:srgbClr val="000000"/>
-              </a:solidFill>
-              <a:latin typeface="Calibri"/>
+            <a:endParaRPr b="0" lang="en-US" sz="3200" spc="-1" strike="noStrike">
+              <a:latin typeface="Arial"/>
             </a:endParaRPr>
           </a:p>
         </p:txBody>
@@ -3678,6 +3300,1143 @@
           <p:childTnLst>
             <p:seq>
               <p:cTn id="2" dur="indefinite" nodeType="mainSeq"/>
+              <p:prevCondLst>
+                <p:cond delay="0" evt="onPrev">
+                  <p:tgtEl>
+                    <p:sldTgt/>
+                  </p:tgtEl>
+                </p:cond>
+              </p:prevCondLst>
+              <p:nextCondLst>
+                <p:cond delay="0" evt="onNext">
+                  <p:tgtEl>
+                    <p:sldTgt/>
+                  </p:tgtEl>
+                </p:cond>
+              </p:nextCondLst>
+            </p:seq>
+          </p:childTnLst>
+        </p:cTn>
+      </p:par>
+    </p:tnLst>
+  </p:timing>
+</p:sld>
+</file>
+
+<file path=ppt/slides/slide10.xml><?xml version="1.0" encoding="utf-8"?>
+<p:sld xmlns:a="http://schemas.openxmlformats.org/drawingml/2006/main" xmlns:p="http://schemas.openxmlformats.org/presentationml/2006/main" xmlns:r="http://schemas.openxmlformats.org/officeDocument/2006/relationships" xmlns:p14="http://schemas.microsoft.com/office/powerpoint/2010/main" xmlns:p15="http://schemas.microsoft.com/office/powerpoint/2012/main" xmlns:mc="http://schemas.openxmlformats.org/markup-compatibility/2006">
+  <p:cSld>
+    <p:spTree>
+      <p:nvGrpSpPr>
+        <p:cNvPr id="1" name=""/>
+        <p:cNvGrpSpPr/>
+        <p:nvPr/>
+      </p:nvGrpSpPr>
+      <p:grpSpPr>
+        <a:xfrm>
+          <a:off x="0" y="0"/>
+          <a:ext cx="0" cy="0"/>
+          <a:chOff x="0" y="0"/>
+          <a:chExt cx="0" cy="0"/>
+        </a:xfrm>
+      </p:grpSpPr>
+      <p:sp>
+        <p:nvSpPr>
+          <p:cNvPr id="92" name="CustomShape 1"/>
+          <p:cNvSpPr/>
+          <p:nvPr/>
+        </p:nvSpPr>
+        <p:spPr>
+          <a:xfrm>
+            <a:off x="838080" y="365040"/>
+            <a:ext cx="10514160" cy="787320"/>
+          </a:xfrm>
+          <a:prstGeom prst="rect">
+            <a:avLst/>
+          </a:prstGeom>
+          <a:noFill/>
+          <a:ln>
+            <a:noFill/>
+          </a:ln>
+        </p:spPr>
+        <p:style>
+          <a:lnRef idx="0"/>
+          <a:fillRef idx="0"/>
+          <a:effectRef idx="0"/>
+          <a:fontRef idx="minor"/>
+        </p:style>
+        <p:txBody>
+          <a:bodyPr lIns="90000" rIns="90000" tIns="45000" bIns="45000" anchor="ctr"/>
+          <a:p>
+            <a:pPr>
+              <a:lnSpc>
+                <a:spcPct val="90000"/>
+              </a:lnSpc>
+            </a:pPr>
+            <a:r>
+              <a:rPr b="0" lang="en-US" sz="3600" spc="-1" strike="noStrike">
+                <a:solidFill>
+                  <a:srgbClr val="000000"/>
+                </a:solidFill>
+                <a:latin typeface="Calibri Light"/>
+                <a:ea typeface="DejaVu Sans"/>
+              </a:rPr>
+              <a:t>点击菜单跳转链接事件</a:t>
+            </a:r>
+            <a:endParaRPr b="0" lang="en-US" sz="3600" spc="-1" strike="noStrike">
+              <a:latin typeface="Arial"/>
+            </a:endParaRPr>
+          </a:p>
+        </p:txBody>
+      </p:sp>
+      <p:sp>
+        <p:nvSpPr>
+          <p:cNvPr id="93" name="CustomShape 2"/>
+          <p:cNvSpPr/>
+          <p:nvPr/>
+        </p:nvSpPr>
+        <p:spPr>
+          <a:xfrm>
+            <a:off x="838080" y="1394640"/>
+            <a:ext cx="10514160" cy="5215680"/>
+          </a:xfrm>
+          <a:prstGeom prst="rect">
+            <a:avLst/>
+          </a:prstGeom>
+          <a:noFill/>
+          <a:ln>
+            <a:noFill/>
+          </a:ln>
+        </p:spPr>
+        <p:style>
+          <a:lnRef idx="0"/>
+          <a:fillRef idx="0"/>
+          <a:effectRef idx="0"/>
+          <a:fontRef idx="minor"/>
+        </p:style>
+        <p:txBody>
+          <a:bodyPr lIns="90000" rIns="90000" tIns="45000" bIns="45000">
+            <a:normAutofit/>
+          </a:bodyPr>
+          <a:p>
+            <a:pPr>
+              <a:lnSpc>
+                <a:spcPct val="75000"/>
+              </a:lnSpc>
+              <a:spcBef>
+                <a:spcPts val="283"/>
+              </a:spcBef>
+            </a:pPr>
+            <a:r>
+              <a:rPr b="1" lang="en-US" sz="2400" spc="-1" strike="noStrike">
+                <a:solidFill>
+                  <a:srgbClr val="000000"/>
+                </a:solidFill>
+                <a:latin typeface="FreeMono"/>
+                <a:ea typeface="DejaVu Sans"/>
+              </a:rPr>
+              <a:t>&lt;xml&gt;</a:t>
+            </a:r>
+            <a:endParaRPr b="0" lang="en-US" sz="2400" spc="-1" strike="noStrike">
+              <a:latin typeface="Arial"/>
+            </a:endParaRPr>
+          </a:p>
+          <a:p>
+            <a:pPr>
+              <a:lnSpc>
+                <a:spcPct val="75000"/>
+              </a:lnSpc>
+              <a:spcBef>
+                <a:spcPts val="283"/>
+              </a:spcBef>
+            </a:pPr>
+            <a:r>
+              <a:rPr b="1" lang="en-US" sz="2400" spc="-1" strike="noStrike">
+                <a:solidFill>
+                  <a:srgbClr val="000000"/>
+                </a:solidFill>
+                <a:latin typeface="FreeMono"/>
+                <a:ea typeface="DejaVu Sans"/>
+              </a:rPr>
+              <a:t>    </a:t>
+            </a:r>
+            <a:r>
+              <a:rPr b="1" lang="en-US" sz="2400" spc="-1" strike="noStrike">
+                <a:solidFill>
+                  <a:srgbClr val="000000"/>
+                </a:solidFill>
+                <a:latin typeface="FreeMono"/>
+                <a:ea typeface="DejaVu Sans"/>
+              </a:rPr>
+              <a:t>&lt;ToUserName&gt;&lt;![CDATA[toUser]]&gt;&lt;/ToUserName&gt;</a:t>
+            </a:r>
+            <a:endParaRPr b="0" lang="en-US" sz="2400" spc="-1" strike="noStrike">
+              <a:latin typeface="Arial"/>
+            </a:endParaRPr>
+          </a:p>
+          <a:p>
+            <a:pPr>
+              <a:lnSpc>
+                <a:spcPct val="75000"/>
+              </a:lnSpc>
+              <a:spcBef>
+                <a:spcPts val="283"/>
+              </a:spcBef>
+            </a:pPr>
+            <a:r>
+              <a:rPr b="1" lang="en-US" sz="2400" spc="-1" strike="noStrike">
+                <a:solidFill>
+                  <a:srgbClr val="000000"/>
+                </a:solidFill>
+                <a:latin typeface="FreeMono"/>
+                <a:ea typeface="DejaVu Sans"/>
+              </a:rPr>
+              <a:t>    </a:t>
+            </a:r>
+            <a:r>
+              <a:rPr b="1" lang="en-US" sz="2400" spc="-1" strike="noStrike">
+                <a:solidFill>
+                  <a:srgbClr val="000000"/>
+                </a:solidFill>
+                <a:latin typeface="FreeMono"/>
+                <a:ea typeface="DejaVu Sans"/>
+              </a:rPr>
+              <a:t>&lt;FromUserName&gt;&lt;![CDATA[FromUser]]&gt;&lt;/FromUserName&gt;</a:t>
+            </a:r>
+            <a:endParaRPr b="0" lang="en-US" sz="2400" spc="-1" strike="noStrike">
+              <a:latin typeface="Arial"/>
+            </a:endParaRPr>
+          </a:p>
+          <a:p>
+            <a:pPr>
+              <a:lnSpc>
+                <a:spcPct val="75000"/>
+              </a:lnSpc>
+              <a:spcBef>
+                <a:spcPts val="283"/>
+              </a:spcBef>
+            </a:pPr>
+            <a:r>
+              <a:rPr b="1" lang="en-US" sz="2400" spc="-1" strike="noStrike">
+                <a:solidFill>
+                  <a:srgbClr val="000000"/>
+                </a:solidFill>
+                <a:latin typeface="FreeMono"/>
+                <a:ea typeface="DejaVu Sans"/>
+              </a:rPr>
+              <a:t>    </a:t>
+            </a:r>
+            <a:r>
+              <a:rPr b="1" lang="en-US" sz="2400" spc="-1" strike="noStrike">
+                <a:solidFill>
+                  <a:srgbClr val="000000"/>
+                </a:solidFill>
+                <a:latin typeface="FreeMono"/>
+                <a:ea typeface="DejaVu Sans"/>
+              </a:rPr>
+              <a:t>&lt;CreateTime&gt;123456789&lt;/CreateTime&gt;</a:t>
+            </a:r>
+            <a:endParaRPr b="0" lang="en-US" sz="2400" spc="-1" strike="noStrike">
+              <a:latin typeface="Arial"/>
+            </a:endParaRPr>
+          </a:p>
+          <a:p>
+            <a:pPr>
+              <a:lnSpc>
+                <a:spcPct val="75000"/>
+              </a:lnSpc>
+              <a:spcBef>
+                <a:spcPts val="283"/>
+              </a:spcBef>
+            </a:pPr>
+            <a:r>
+              <a:rPr b="1" lang="en-US" sz="2400" spc="-1" strike="noStrike">
+                <a:solidFill>
+                  <a:srgbClr val="000000"/>
+                </a:solidFill>
+                <a:latin typeface="FreeMono"/>
+                <a:ea typeface="DejaVu Sans"/>
+              </a:rPr>
+              <a:t>    </a:t>
+            </a:r>
+            <a:r>
+              <a:rPr b="1" lang="en-US" sz="2400" spc="-1" strike="noStrike">
+                <a:solidFill>
+                  <a:srgbClr val="000000"/>
+                </a:solidFill>
+                <a:latin typeface="FreeMono"/>
+                <a:ea typeface="DejaVu Sans"/>
+              </a:rPr>
+              <a:t>&lt;MsgType&gt;&lt;![CDATA[event]]&gt;&lt;/MsgType&gt;</a:t>
+            </a:r>
+            <a:endParaRPr b="0" lang="en-US" sz="2400" spc="-1" strike="noStrike">
+              <a:latin typeface="Arial"/>
+            </a:endParaRPr>
+          </a:p>
+          <a:p>
+            <a:pPr>
+              <a:lnSpc>
+                <a:spcPct val="75000"/>
+              </a:lnSpc>
+              <a:spcBef>
+                <a:spcPts val="283"/>
+              </a:spcBef>
+            </a:pPr>
+            <a:r>
+              <a:rPr b="1" lang="en-US" sz="2400" spc="-1" strike="noStrike">
+                <a:solidFill>
+                  <a:srgbClr val="000000"/>
+                </a:solidFill>
+                <a:latin typeface="FreeMono"/>
+                <a:ea typeface="DejaVu Sans"/>
+              </a:rPr>
+              <a:t>    </a:t>
+            </a:r>
+            <a:r>
+              <a:rPr b="1" lang="en-US" sz="2400" spc="-1" strike="noStrike">
+                <a:solidFill>
+                  <a:srgbClr val="000000"/>
+                </a:solidFill>
+                <a:latin typeface="FreeMono"/>
+                <a:ea typeface="DejaVu Sans"/>
+              </a:rPr>
+              <a:t>&lt;Event&gt;&lt;![CDATA[</a:t>
+            </a:r>
+            <a:r>
+              <a:rPr b="1" lang="en-US" sz="2400" spc="-1" strike="noStrike">
+                <a:solidFill>
+                  <a:srgbClr val="ce181e"/>
+                </a:solidFill>
+                <a:latin typeface="FreeMono"/>
+                <a:ea typeface="DejaVu Sans"/>
+              </a:rPr>
+              <a:t>VIEW</a:t>
+            </a:r>
+            <a:r>
+              <a:rPr b="1" lang="en-US" sz="2400" spc="-1" strike="noStrike">
+                <a:solidFill>
+                  <a:srgbClr val="000000"/>
+                </a:solidFill>
+                <a:latin typeface="FreeMono"/>
+                <a:ea typeface="DejaVu Sans"/>
+              </a:rPr>
+              <a:t>]]&gt;&lt;/Event&gt;</a:t>
+            </a:r>
+            <a:endParaRPr b="0" lang="en-US" sz="2400" spc="-1" strike="noStrike">
+              <a:latin typeface="Arial"/>
+            </a:endParaRPr>
+          </a:p>
+          <a:p>
+            <a:pPr>
+              <a:lnSpc>
+                <a:spcPct val="75000"/>
+              </a:lnSpc>
+              <a:spcBef>
+                <a:spcPts val="283"/>
+              </a:spcBef>
+            </a:pPr>
+            <a:r>
+              <a:rPr b="1" lang="en-US" sz="2400" spc="-1" strike="noStrike">
+                <a:solidFill>
+                  <a:srgbClr val="000000"/>
+                </a:solidFill>
+                <a:latin typeface="FreeMono"/>
+                <a:ea typeface="DejaVu Sans"/>
+              </a:rPr>
+              <a:t>    </a:t>
+            </a:r>
+            <a:r>
+              <a:rPr b="1" lang="en-US" sz="2400" spc="-1" strike="noStrike">
+                <a:solidFill>
+                  <a:srgbClr val="000000"/>
+                </a:solidFill>
+                <a:latin typeface="FreeMono"/>
+                <a:ea typeface="DejaVu Sans"/>
+              </a:rPr>
+              <a:t>&lt;EventKey&gt;&lt;![CDATA[EVENTKEY]]&gt;&lt;/EventKey&gt;</a:t>
+            </a:r>
+            <a:endParaRPr b="0" lang="en-US" sz="2400" spc="-1" strike="noStrike">
+              <a:latin typeface="Arial"/>
+            </a:endParaRPr>
+          </a:p>
+          <a:p>
+            <a:pPr>
+              <a:lnSpc>
+                <a:spcPct val="75000"/>
+              </a:lnSpc>
+              <a:spcBef>
+                <a:spcPts val="283"/>
+              </a:spcBef>
+            </a:pPr>
+            <a:r>
+              <a:rPr b="1" lang="en-US" sz="2400" spc="-1" strike="noStrike">
+                <a:solidFill>
+                  <a:srgbClr val="000000"/>
+                </a:solidFill>
+                <a:latin typeface="FreeMono"/>
+                <a:ea typeface="DejaVu Sans"/>
+              </a:rPr>
+              <a:t>&lt;/xml&gt;</a:t>
+            </a:r>
+            <a:endParaRPr b="0" lang="en-US" sz="2400" spc="-1" strike="noStrike">
+              <a:latin typeface="Arial"/>
+            </a:endParaRPr>
+          </a:p>
+          <a:p>
+            <a:pPr marL="228600" indent="-227160">
+              <a:lnSpc>
+                <a:spcPct val="100000"/>
+              </a:lnSpc>
+              <a:spcBef>
+                <a:spcPts val="1001"/>
+              </a:spcBef>
+              <a:buClr>
+                <a:srgbClr val="000000"/>
+              </a:buClr>
+              <a:buFont typeface="Arial"/>
+              <a:buChar char="•"/>
+            </a:pPr>
+            <a:r>
+              <a:rPr b="0" lang="en-US" sz="2400" spc="-1" strike="noStrike">
+                <a:solidFill>
+                  <a:srgbClr val="000000"/>
+                </a:solidFill>
+                <a:latin typeface="FreeMono"/>
+                <a:ea typeface="DejaVu Sans"/>
+              </a:rPr>
+              <a:t>注意</a:t>
+            </a:r>
+            <a:r>
+              <a:rPr b="0" lang="en-US" sz="2400" spc="-1" strike="noStrike">
+                <a:solidFill>
+                  <a:srgbClr val="000000"/>
+                </a:solidFill>
+                <a:latin typeface="FreeMono"/>
+                <a:ea typeface="DejaVu Sans"/>
+              </a:rPr>
+              <a:t>Event</a:t>
+            </a:r>
+            <a:r>
+              <a:rPr b="0" lang="en-US" sz="2400" spc="-1" strike="noStrike">
+                <a:solidFill>
+                  <a:srgbClr val="000000"/>
+                </a:solidFill>
+                <a:latin typeface="FreeMono"/>
+                <a:ea typeface="DejaVu Sans"/>
+              </a:rPr>
+              <a:t>字段的值是</a:t>
+            </a:r>
+            <a:r>
+              <a:rPr b="0" lang="en-US" sz="2400" spc="-1" strike="noStrike">
+                <a:solidFill>
+                  <a:srgbClr val="000000"/>
+                </a:solidFill>
+                <a:latin typeface="FreeMono"/>
+                <a:ea typeface="DejaVu Sans"/>
+              </a:rPr>
+              <a:t>VIEW</a:t>
+            </a:r>
+            <a:r>
+              <a:rPr b="0" lang="en-US" sz="2400" spc="-1" strike="noStrike">
+                <a:solidFill>
+                  <a:srgbClr val="000000"/>
+                </a:solidFill>
+                <a:latin typeface="FreeMono"/>
+                <a:ea typeface="DejaVu Sans"/>
+              </a:rPr>
+              <a:t>，表示点击菜单跳转页面，此时</a:t>
+            </a:r>
+            <a:r>
+              <a:rPr b="0" lang="en-US" sz="2400" spc="-1" strike="noStrike">
+                <a:solidFill>
+                  <a:srgbClr val="000000"/>
+                </a:solidFill>
+                <a:latin typeface="FreeMono"/>
+                <a:ea typeface="DejaVu Sans"/>
+              </a:rPr>
+              <a:t>EventKey</a:t>
+            </a:r>
+            <a:r>
+              <a:rPr b="0" lang="en-US" sz="2400" spc="-1" strike="noStrike">
+                <a:solidFill>
+                  <a:srgbClr val="000000"/>
+                </a:solidFill>
+                <a:latin typeface="FreeMono"/>
+                <a:ea typeface="DejaVu Sans"/>
+              </a:rPr>
+              <a:t>字段的值是跳转的</a:t>
+            </a:r>
+            <a:r>
+              <a:rPr b="0" lang="en-US" sz="2400" spc="-1" strike="noStrike">
+                <a:solidFill>
+                  <a:srgbClr val="000000"/>
+                </a:solidFill>
+                <a:latin typeface="FreeMono"/>
+                <a:ea typeface="DejaVu Sans"/>
+              </a:rPr>
+              <a:t>URL</a:t>
+            </a:r>
+            <a:r>
+              <a:rPr b="0" lang="en-US" sz="2400" spc="-1" strike="noStrike">
+                <a:solidFill>
+                  <a:srgbClr val="000000"/>
+                </a:solidFill>
+                <a:latin typeface="FreeMono"/>
+                <a:ea typeface="DejaVu Sans"/>
+              </a:rPr>
+              <a:t>。</a:t>
+            </a:r>
+            <a:endParaRPr b="0" lang="en-US" sz="2400" spc="-1" strike="noStrike">
+              <a:latin typeface="Arial"/>
+            </a:endParaRPr>
+          </a:p>
+          <a:p>
+            <a:pPr marL="228600" indent="-227160">
+              <a:lnSpc>
+                <a:spcPct val="100000"/>
+              </a:lnSpc>
+              <a:spcBef>
+                <a:spcPts val="1001"/>
+              </a:spcBef>
+              <a:buClr>
+                <a:srgbClr val="000000"/>
+              </a:buClr>
+              <a:buFont typeface="Arial"/>
+              <a:buChar char="•"/>
+            </a:pPr>
+            <a:r>
+              <a:rPr b="0" lang="en-US" sz="2400" spc="-1" strike="noStrike">
+                <a:solidFill>
+                  <a:srgbClr val="000000"/>
+                </a:solidFill>
+                <a:latin typeface="FreeMono"/>
+                <a:ea typeface="DejaVu Sans"/>
+              </a:rPr>
+              <a:t>开发者服务器可根据此消息进行</a:t>
+            </a:r>
+            <a:r>
+              <a:rPr b="0" lang="en-US" sz="2400" spc="-1" strike="noStrike">
+                <a:solidFill>
+                  <a:srgbClr val="000000"/>
+                </a:solidFill>
+                <a:latin typeface="FreeMono"/>
+                <a:ea typeface="DejaVu Sans"/>
+              </a:rPr>
+              <a:t>URL</a:t>
+            </a:r>
+            <a:r>
+              <a:rPr b="0" lang="en-US" sz="2400" spc="-1" strike="noStrike">
+                <a:solidFill>
+                  <a:srgbClr val="000000"/>
+                </a:solidFill>
+                <a:latin typeface="FreeMono"/>
+                <a:ea typeface="DejaVu Sans"/>
+              </a:rPr>
+              <a:t>访问统计。</a:t>
+            </a:r>
+            <a:endParaRPr b="0" lang="en-US" sz="2400" spc="-1" strike="noStrike">
+              <a:latin typeface="Arial"/>
+            </a:endParaRPr>
+          </a:p>
+        </p:txBody>
+      </p:sp>
+    </p:spTree>
+  </p:cSld>
+  <p:timing>
+    <p:tnLst>
+      <p:par>
+        <p:cTn id="19" dur="indefinite" restart="never" nodeType="tmRoot">
+          <p:childTnLst>
+            <p:seq>
+              <p:cTn id="20" dur="indefinite" nodeType="mainSeq"/>
+              <p:prevCondLst>
+                <p:cond delay="0" evt="onPrev">
+                  <p:tgtEl>
+                    <p:sldTgt/>
+                  </p:tgtEl>
+                </p:cond>
+              </p:prevCondLst>
+              <p:nextCondLst>
+                <p:cond delay="0" evt="onNext">
+                  <p:tgtEl>
+                    <p:sldTgt/>
+                  </p:tgtEl>
+                </p:cond>
+              </p:nextCondLst>
+            </p:seq>
+          </p:childTnLst>
+        </p:cTn>
+      </p:par>
+    </p:tnLst>
+  </p:timing>
+</p:sld>
+</file>
+
+<file path=ppt/slides/slide11.xml><?xml version="1.0" encoding="utf-8"?>
+<p:sld xmlns:a="http://schemas.openxmlformats.org/drawingml/2006/main" xmlns:p="http://schemas.openxmlformats.org/presentationml/2006/main" xmlns:r="http://schemas.openxmlformats.org/officeDocument/2006/relationships" xmlns:p14="http://schemas.microsoft.com/office/powerpoint/2010/main" xmlns:p15="http://schemas.microsoft.com/office/powerpoint/2012/main" xmlns:mc="http://schemas.openxmlformats.org/markup-compatibility/2006">
+  <p:cSld>
+    <p:spTree>
+      <p:nvGrpSpPr>
+        <p:cNvPr id="1" name=""/>
+        <p:cNvGrpSpPr/>
+        <p:nvPr/>
+      </p:nvGrpSpPr>
+      <p:grpSpPr>
+        <a:xfrm>
+          <a:off x="0" y="0"/>
+          <a:ext cx="0" cy="0"/>
+          <a:chOff x="0" y="0"/>
+          <a:chExt cx="0" cy="0"/>
+        </a:xfrm>
+      </p:grpSpPr>
+      <p:sp>
+        <p:nvSpPr>
+          <p:cNvPr id="94" name="CustomShape 1"/>
+          <p:cNvSpPr/>
+          <p:nvPr/>
+        </p:nvSpPr>
+        <p:spPr>
+          <a:xfrm>
+            <a:off x="838080" y="365040"/>
+            <a:ext cx="10514160" cy="787320"/>
+          </a:xfrm>
+          <a:prstGeom prst="rect">
+            <a:avLst/>
+          </a:prstGeom>
+          <a:noFill/>
+          <a:ln>
+            <a:noFill/>
+          </a:ln>
+        </p:spPr>
+        <p:style>
+          <a:lnRef idx="0"/>
+          <a:fillRef idx="0"/>
+          <a:effectRef idx="0"/>
+          <a:fontRef idx="minor"/>
+        </p:style>
+        <p:txBody>
+          <a:bodyPr lIns="90000" rIns="90000" tIns="45000" bIns="45000" anchor="ctr"/>
+          <a:p>
+            <a:pPr>
+              <a:lnSpc>
+                <a:spcPct val="90000"/>
+              </a:lnSpc>
+            </a:pPr>
+            <a:r>
+              <a:rPr b="0" lang="en-US" sz="3600" spc="-1" strike="noStrike">
+                <a:solidFill>
+                  <a:srgbClr val="000000"/>
+                </a:solidFill>
+                <a:latin typeface="Calibri Light"/>
+                <a:ea typeface="DejaVu Sans"/>
+              </a:rPr>
+              <a:t>加入事件消息处理</a:t>
+            </a:r>
+            <a:endParaRPr b="0" lang="en-US" sz="3600" spc="-1" strike="noStrike">
+              <a:latin typeface="Arial"/>
+            </a:endParaRPr>
+          </a:p>
+        </p:txBody>
+      </p:sp>
+      <p:sp>
+        <p:nvSpPr>
+          <p:cNvPr id="95" name="CustomShape 2"/>
+          <p:cNvSpPr/>
+          <p:nvPr/>
+        </p:nvSpPr>
+        <p:spPr>
+          <a:xfrm>
+            <a:off x="838080" y="1093320"/>
+            <a:ext cx="10514160" cy="5516640"/>
+          </a:xfrm>
+          <a:prstGeom prst="rect">
+            <a:avLst/>
+          </a:prstGeom>
+          <a:noFill/>
+          <a:ln>
+            <a:noFill/>
+          </a:ln>
+        </p:spPr>
+        <p:style>
+          <a:lnRef idx="0"/>
+          <a:fillRef idx="0"/>
+          <a:effectRef idx="0"/>
+          <a:fontRef idx="minor"/>
+        </p:style>
+        <p:txBody>
+          <a:bodyPr lIns="90000" rIns="90000" tIns="45000" bIns="45000">
+            <a:normAutofit/>
+          </a:bodyPr>
+          <a:p>
+            <a:pPr marL="228600" indent="-227160">
+              <a:lnSpc>
+                <a:spcPct val="115000"/>
+              </a:lnSpc>
+              <a:spcBef>
+                <a:spcPts val="1001"/>
+              </a:spcBef>
+              <a:buClr>
+                <a:srgbClr val="000000"/>
+              </a:buClr>
+              <a:buFont typeface="Arial"/>
+              <a:buChar char="•"/>
+            </a:pPr>
+            <a:r>
+              <a:rPr b="0" lang="en-US" sz="2400" spc="-1" strike="noStrike">
+                <a:solidFill>
+                  <a:srgbClr val="000000"/>
+                </a:solidFill>
+                <a:latin typeface="FreeMono"/>
+                <a:ea typeface="DejaVu Sans"/>
+              </a:rPr>
+              <a:t>在之前处理普通用户消息的基础上，只需要做以下几点：</a:t>
+            </a:r>
+            <a:endParaRPr b="0" lang="en-US" sz="2400" spc="-1" strike="noStrike">
+              <a:latin typeface="Arial"/>
+            </a:endParaRPr>
+          </a:p>
+          <a:p>
+            <a:pPr lvl="1" marL="685800" indent="-227160">
+              <a:lnSpc>
+                <a:spcPct val="155000"/>
+              </a:lnSpc>
+              <a:spcBef>
+                <a:spcPts val="499"/>
+              </a:spcBef>
+              <a:buClr>
+                <a:srgbClr val="000000"/>
+              </a:buClr>
+              <a:buFont typeface="Arial"/>
+              <a:buChar char="•"/>
+            </a:pPr>
+            <a:r>
+              <a:rPr b="0" lang="en-US" sz="2200" spc="-1" strike="noStrike">
+                <a:solidFill>
+                  <a:srgbClr val="000000"/>
+                </a:solidFill>
+                <a:latin typeface="FreeMono"/>
+                <a:ea typeface="DejaVu Sans"/>
+              </a:rPr>
+              <a:t>修改</a:t>
+            </a:r>
+            <a:r>
+              <a:rPr b="0" lang="en-US" sz="2200" spc="-1" strike="noStrike">
+                <a:solidFill>
+                  <a:srgbClr val="000000"/>
+                </a:solidFill>
+                <a:latin typeface="FreeMono"/>
+                <a:ea typeface="DejaVu Sans"/>
+              </a:rPr>
+              <a:t>preMsgHandle</a:t>
+            </a:r>
+            <a:r>
+              <a:rPr b="0" lang="en-US" sz="2200" spc="-1" strike="noStrike">
+                <a:solidFill>
+                  <a:srgbClr val="000000"/>
+                </a:solidFill>
+                <a:latin typeface="FreeMono"/>
+                <a:ea typeface="DejaVu Sans"/>
+              </a:rPr>
+              <a:t>函数加入判断消息类型为</a:t>
+            </a:r>
+            <a:r>
+              <a:rPr b="0" lang="en-US" sz="2200" spc="-1" strike="noStrike">
+                <a:solidFill>
+                  <a:srgbClr val="000000"/>
+                </a:solidFill>
+                <a:latin typeface="FreeMono"/>
+                <a:ea typeface="DejaVu Sans"/>
+              </a:rPr>
+              <a:t>event</a:t>
+            </a:r>
+            <a:r>
+              <a:rPr b="0" lang="en-US" sz="2200" spc="-1" strike="noStrike">
+                <a:solidFill>
+                  <a:srgbClr val="000000"/>
+                </a:solidFill>
+                <a:latin typeface="FreeMono"/>
+                <a:ea typeface="DejaVu Sans"/>
+              </a:rPr>
+              <a:t>的处理过程。</a:t>
+            </a:r>
+            <a:endParaRPr b="0" lang="en-US" sz="2200" spc="-1" strike="noStrike">
+              <a:latin typeface="Arial"/>
+            </a:endParaRPr>
+          </a:p>
+          <a:p>
+            <a:pPr lvl="1" marL="685800" indent="-227160">
+              <a:lnSpc>
+                <a:spcPct val="155000"/>
+              </a:lnSpc>
+              <a:spcBef>
+                <a:spcPts val="499"/>
+              </a:spcBef>
+              <a:buClr>
+                <a:srgbClr val="000000"/>
+              </a:buClr>
+              <a:buFont typeface="Arial"/>
+              <a:buChar char="•"/>
+            </a:pPr>
+            <a:r>
+              <a:rPr b="0" lang="en-US" sz="2200" spc="-1" strike="noStrike">
+                <a:solidFill>
+                  <a:srgbClr val="000000"/>
+                </a:solidFill>
+                <a:latin typeface="FreeMono"/>
+                <a:ea typeface="DejaVu Sans"/>
+              </a:rPr>
+              <a:t>添加对应事件类型的处理函数。</a:t>
+            </a:r>
+            <a:endParaRPr b="0" lang="en-US" sz="2200" spc="-1" strike="noStrike">
+              <a:latin typeface="Arial"/>
+            </a:endParaRPr>
+          </a:p>
+          <a:p>
+            <a:pPr lvl="1" marL="685800" indent="-227160">
+              <a:lnSpc>
+                <a:spcPct val="155000"/>
+              </a:lnSpc>
+              <a:spcBef>
+                <a:spcPts val="499"/>
+              </a:spcBef>
+              <a:buClr>
+                <a:srgbClr val="000000"/>
+              </a:buClr>
+              <a:buFont typeface="Arial"/>
+              <a:buChar char="•"/>
+            </a:pPr>
+            <a:r>
+              <a:rPr b="0" lang="en-US" sz="2200" spc="-1" strike="noStrike">
+                <a:solidFill>
+                  <a:srgbClr val="000000"/>
+                </a:solidFill>
+                <a:latin typeface="FreeMono"/>
+                <a:ea typeface="DejaVu Sans"/>
+              </a:rPr>
+              <a:t>preMsgHandle</a:t>
+            </a:r>
+            <a:r>
+              <a:rPr b="0" lang="en-US" sz="2200" spc="-1" strike="noStrike">
+                <a:solidFill>
+                  <a:srgbClr val="000000"/>
+                </a:solidFill>
+                <a:latin typeface="FreeMono"/>
+                <a:ea typeface="DejaVu Sans"/>
+              </a:rPr>
+              <a:t>函数中根据</a:t>
+            </a:r>
+            <a:r>
+              <a:rPr b="0" lang="en-US" sz="2200" spc="-1" strike="noStrike">
+                <a:solidFill>
+                  <a:srgbClr val="000000"/>
+                </a:solidFill>
+                <a:latin typeface="FreeMono"/>
+                <a:ea typeface="DejaVu Sans"/>
+              </a:rPr>
+              <a:t>Event</a:t>
+            </a:r>
+            <a:r>
+              <a:rPr b="0" lang="en-US" sz="2200" spc="-1" strike="noStrike">
+                <a:solidFill>
+                  <a:srgbClr val="000000"/>
+                </a:solidFill>
+                <a:latin typeface="FreeMono"/>
+                <a:ea typeface="DejaVu Sans"/>
+              </a:rPr>
+              <a:t>类型调用对应的处理函数。</a:t>
+            </a:r>
+            <a:endParaRPr b="0" lang="en-US" sz="2200" spc="-1" strike="noStrike">
+              <a:latin typeface="Arial"/>
+            </a:endParaRPr>
+          </a:p>
+          <a:p>
+            <a:pPr>
+              <a:lnSpc>
+                <a:spcPct val="100000"/>
+              </a:lnSpc>
+            </a:pPr>
+            <a:endParaRPr b="0" lang="en-US" sz="2200" spc="-1" strike="noStrike">
+              <a:latin typeface="Arial"/>
+            </a:endParaRPr>
+          </a:p>
+        </p:txBody>
+      </p:sp>
+    </p:spTree>
+  </p:cSld>
+  <p:timing>
+    <p:tnLst>
+      <p:par>
+        <p:cTn id="21" dur="indefinite" restart="never" nodeType="tmRoot">
+          <p:childTnLst>
+            <p:seq>
+              <p:cTn id="22" dur="indefinite" nodeType="mainSeq"/>
+              <p:prevCondLst>
+                <p:cond delay="0" evt="onPrev">
+                  <p:tgtEl>
+                    <p:sldTgt/>
+                  </p:tgtEl>
+                </p:cond>
+              </p:prevCondLst>
+              <p:nextCondLst>
+                <p:cond delay="0" evt="onNext">
+                  <p:tgtEl>
+                    <p:sldTgt/>
+                  </p:tgtEl>
+                </p:cond>
+              </p:nextCondLst>
+            </p:seq>
+          </p:childTnLst>
+        </p:cTn>
+      </p:par>
+    </p:tnLst>
+  </p:timing>
+</p:sld>
+</file>
+
+<file path=ppt/slides/slide12.xml><?xml version="1.0" encoding="utf-8"?>
+<p:sld xmlns:a="http://schemas.openxmlformats.org/drawingml/2006/main" xmlns:p="http://schemas.openxmlformats.org/presentationml/2006/main" xmlns:r="http://schemas.openxmlformats.org/officeDocument/2006/relationships" xmlns:p14="http://schemas.microsoft.com/office/powerpoint/2010/main" xmlns:p15="http://schemas.microsoft.com/office/powerpoint/2012/main" xmlns:mc="http://schemas.openxmlformats.org/markup-compatibility/2006">
+  <p:cSld>
+    <p:spTree>
+      <p:nvGrpSpPr>
+        <p:cNvPr id="1" name=""/>
+        <p:cNvGrpSpPr/>
+        <p:nvPr/>
+      </p:nvGrpSpPr>
+      <p:grpSpPr>
+        <a:xfrm>
+          <a:off x="0" y="0"/>
+          <a:ext cx="0" cy="0"/>
+          <a:chOff x="0" y="0"/>
+          <a:chExt cx="0" cy="0"/>
+        </a:xfrm>
+      </p:grpSpPr>
+      <p:sp>
+        <p:nvSpPr>
+          <p:cNvPr id="96" name="CustomShape 1"/>
+          <p:cNvSpPr/>
+          <p:nvPr/>
+        </p:nvSpPr>
+        <p:spPr>
+          <a:xfrm>
+            <a:off x="838080" y="365040"/>
+            <a:ext cx="10514160" cy="787320"/>
+          </a:xfrm>
+          <a:prstGeom prst="rect">
+            <a:avLst/>
+          </a:prstGeom>
+          <a:noFill/>
+          <a:ln>
+            <a:noFill/>
+          </a:ln>
+        </p:spPr>
+        <p:style>
+          <a:lnRef idx="0"/>
+          <a:fillRef idx="0"/>
+          <a:effectRef idx="0"/>
+          <a:fontRef idx="minor"/>
+        </p:style>
+        <p:txBody>
+          <a:bodyPr lIns="90000" rIns="90000" tIns="45000" bIns="45000" anchor="ctr"/>
+          <a:p>
+            <a:pPr>
+              <a:lnSpc>
+                <a:spcPct val="90000"/>
+              </a:lnSpc>
+            </a:pPr>
+            <a:r>
+              <a:rPr b="0" lang="en-US" sz="3600" spc="-1" strike="noStrike">
+                <a:solidFill>
+                  <a:srgbClr val="000000"/>
+                </a:solidFill>
+                <a:latin typeface="Calibri Light"/>
+                <a:ea typeface="DejaVu Sans"/>
+              </a:rPr>
+              <a:t>测试：关注测试号查看效果</a:t>
+            </a:r>
+            <a:endParaRPr b="0" lang="en-US" sz="3600" spc="-1" strike="noStrike">
+              <a:latin typeface="Arial"/>
+            </a:endParaRPr>
+          </a:p>
+        </p:txBody>
+      </p:sp>
+      <p:sp>
+        <p:nvSpPr>
+          <p:cNvPr id="97" name="CustomShape 2"/>
+          <p:cNvSpPr/>
+          <p:nvPr/>
+        </p:nvSpPr>
+        <p:spPr>
+          <a:xfrm>
+            <a:off x="838080" y="1263600"/>
+            <a:ext cx="10514160" cy="5346360"/>
+          </a:xfrm>
+          <a:prstGeom prst="rect">
+            <a:avLst/>
+          </a:prstGeom>
+          <a:noFill/>
+          <a:ln>
+            <a:noFill/>
+          </a:ln>
+        </p:spPr>
+        <p:style>
+          <a:lnRef idx="0"/>
+          <a:fillRef idx="0"/>
+          <a:effectRef idx="0"/>
+          <a:fontRef idx="minor"/>
+        </p:style>
+        <p:txBody>
+          <a:bodyPr lIns="90000" rIns="90000" tIns="45000" bIns="45000">
+            <a:normAutofit/>
+          </a:bodyPr>
+          <a:p>
+            <a:pPr>
+              <a:lnSpc>
+                <a:spcPct val="75000"/>
+              </a:lnSpc>
+              <a:spcBef>
+                <a:spcPts val="1001"/>
+              </a:spcBef>
+            </a:pPr>
+            <a:endParaRPr b="0" lang="en-US" sz="1800" spc="-1" strike="noStrike">
+              <a:latin typeface="Arial"/>
+            </a:endParaRPr>
+          </a:p>
+          <a:p>
+            <a:pPr marL="228600" indent="-227160">
+              <a:lnSpc>
+                <a:spcPct val="75000"/>
+              </a:lnSpc>
+              <a:spcBef>
+                <a:spcPts val="1001"/>
+              </a:spcBef>
+              <a:buClr>
+                <a:srgbClr val="000000"/>
+              </a:buClr>
+              <a:buFont typeface="Arial"/>
+              <a:buChar char="•"/>
+            </a:pPr>
+            <a:r>
+              <a:rPr b="0" lang="en-US" sz="2400" spc="-1" strike="noStrike">
+                <a:solidFill>
+                  <a:srgbClr val="000000"/>
+                </a:solidFill>
+                <a:latin typeface="FreeMono"/>
+                <a:ea typeface="DejaVu Sans"/>
+              </a:rPr>
+              <a:t>以下是测试号的二维码，扫码后，可查看结果。</a:t>
+            </a:r>
+            <a:endParaRPr b="0" lang="en-US" sz="2400" spc="-1" strike="noStrike">
+              <a:latin typeface="Arial"/>
+            </a:endParaRPr>
+          </a:p>
+          <a:p>
+            <a:pPr>
+              <a:lnSpc>
+                <a:spcPct val="75000"/>
+              </a:lnSpc>
+              <a:spcBef>
+                <a:spcPts val="1001"/>
+              </a:spcBef>
+            </a:pPr>
+            <a:endParaRPr b="0" lang="en-US" sz="2400" spc="-1" strike="noStrike">
+              <a:latin typeface="Arial"/>
+            </a:endParaRPr>
+          </a:p>
+          <a:p>
+            <a:pPr marL="228600" indent="-227160">
+              <a:lnSpc>
+                <a:spcPct val="75000"/>
+              </a:lnSpc>
+              <a:spcBef>
+                <a:spcPts val="1001"/>
+              </a:spcBef>
+              <a:buClr>
+                <a:srgbClr val="000000"/>
+              </a:buClr>
+              <a:buFont typeface="Arial"/>
+              <a:buChar char="•"/>
+            </a:pPr>
+            <a:r>
+              <a:rPr b="0" lang="en-US" sz="2400" spc="-1" strike="noStrike">
+                <a:solidFill>
+                  <a:srgbClr val="000000"/>
+                </a:solidFill>
+                <a:latin typeface="FreeMono"/>
+                <a:ea typeface="DejaVu Sans"/>
+              </a:rPr>
+              <a:t>可以输入</a:t>
+            </a:r>
+            <a:r>
+              <a:rPr b="1" lang="en-US" sz="2400" spc="-1" strike="noStrike">
+                <a:solidFill>
+                  <a:srgbClr val="000000"/>
+                </a:solidFill>
+                <a:latin typeface="FreeMono"/>
+                <a:ea typeface="DejaVu Sans"/>
+              </a:rPr>
+              <a:t>gh_a0f9d81ef5b9 </a:t>
+            </a:r>
+            <a:r>
+              <a:rPr b="0" lang="en-US" sz="2400" spc="-1" strike="noStrike">
+                <a:solidFill>
+                  <a:srgbClr val="000000"/>
+                </a:solidFill>
+                <a:latin typeface="FreeMono"/>
+                <a:ea typeface="DejaVu Sans"/>
+              </a:rPr>
+              <a:t>搜索测试号。</a:t>
+            </a:r>
+            <a:endParaRPr b="0" lang="en-US" sz="2400" spc="-1" strike="noStrike">
+              <a:latin typeface="Arial"/>
+            </a:endParaRPr>
+          </a:p>
+          <a:p>
+            <a:pPr>
+              <a:lnSpc>
+                <a:spcPct val="75000"/>
+              </a:lnSpc>
+              <a:spcBef>
+                <a:spcPts val="1001"/>
+              </a:spcBef>
+            </a:pPr>
+            <a:endParaRPr b="0" lang="en-US" sz="2400" spc="-1" strike="noStrike">
+              <a:latin typeface="Arial"/>
+            </a:endParaRPr>
+          </a:p>
+        </p:txBody>
+      </p:sp>
+      <p:pic>
+        <p:nvPicPr>
+          <p:cNvPr id="98" name="图片 3" descr=""/>
+          <p:cNvPicPr/>
+          <p:nvPr/>
+        </p:nvPicPr>
+        <p:blipFill>
+          <a:blip r:embed="rId1"/>
+          <a:stretch/>
+        </p:blipFill>
+        <p:spPr>
+          <a:xfrm>
+            <a:off x="7464600" y="2090520"/>
+            <a:ext cx="3584880" cy="3254040"/>
+          </a:xfrm>
+          <a:prstGeom prst="rect">
+            <a:avLst/>
+          </a:prstGeom>
+          <a:ln>
+            <a:noFill/>
+          </a:ln>
+        </p:spPr>
+      </p:pic>
+    </p:spTree>
+  </p:cSld>
+  <p:timing>
+    <p:tnLst>
+      <p:par>
+        <p:cTn id="23" dur="indefinite" restart="never" nodeType="tmRoot">
+          <p:childTnLst>
+            <p:seq>
+              <p:cTn id="24" dur="indefinite" nodeType="mainSeq"/>
               <p:prevCondLst>
                 <p:cond delay="0" evt="onPrev">
                   <p:tgtEl>
@@ -3720,7 +4479,7 @@
       </p:grpSpPr>
       <p:pic>
         <p:nvPicPr>
-          <p:cNvPr id="83" name="" descr=""/>
+          <p:cNvPr id="78" name="" descr=""/>
           <p:cNvPicPr/>
           <p:nvPr/>
         </p:nvPicPr>
@@ -3730,8 +4489,8 @@
         </p:blipFill>
         <p:spPr>
           <a:xfrm>
-            <a:off x="1320480" y="144000"/>
-            <a:ext cx="9407520" cy="6653160"/>
+            <a:off x="1320480" y="72000"/>
+            <a:ext cx="9550800" cy="6754320"/>
           </a:xfrm>
           <a:prstGeom prst="rect">
             <a:avLst/>
@@ -3790,384 +4549,29 @@
           <a:chExt cx="0" cy="0"/>
         </a:xfrm>
       </p:grpSpPr>
-      <p:sp>
-        <p:nvSpPr>
-          <p:cNvPr id="84" name="TextShape 1"/>
-          <p:cNvSpPr txBox="1"/>
+      <p:pic>
+        <p:nvPicPr>
+          <p:cNvPr id="79" name="" descr=""/>
+          <p:cNvPicPr/>
           <p:nvPr/>
-        </p:nvSpPr>
-        <p:spPr>
-          <a:xfrm>
-            <a:off x="838080" y="365040"/>
-            <a:ext cx="10515240" cy="788400"/>
-          </a:xfrm>
-          <a:prstGeom prst="rect">
-            <a:avLst/>
-          </a:prstGeom>
-          <a:noFill/>
+        </p:nvPicPr>
+        <p:blipFill>
+          <a:blip r:embed="rId1"/>
+          <a:stretch/>
+        </p:blipFill>
+        <p:spPr>
+          <a:xfrm>
+            <a:off x="32400" y="20520"/>
+            <a:ext cx="12188520" cy="6857280"/>
+          </a:xfrm>
+          <a:prstGeom prst="rect">
+            <a:avLst/>
+          </a:prstGeom>
           <a:ln>
             <a:noFill/>
           </a:ln>
         </p:spPr>
-        <p:txBody>
-          <a:bodyPr anchor="ctr"/>
-          <a:p>
-            <a:pPr>
-              <a:lnSpc>
-                <a:spcPct val="90000"/>
-              </a:lnSpc>
-            </a:pPr>
-            <a:r>
-              <a:rPr b="0" lang="zh-CN" sz="3600" spc="-1" strike="noStrike">
-                <a:solidFill>
-                  <a:srgbClr val="000000"/>
-                </a:solidFill>
-                <a:latin typeface="Calibri Light"/>
-              </a:rPr>
-              <a:t>事件消息类型</a:t>
-            </a:r>
-            <a:endParaRPr b="0" lang="zh-CN" sz="3600" spc="-1" strike="noStrike">
-              <a:solidFill>
-                <a:srgbClr val="000000"/>
-              </a:solidFill>
-              <a:latin typeface="Calibri"/>
-            </a:endParaRPr>
-          </a:p>
-        </p:txBody>
-      </p:sp>
-      <p:sp>
-        <p:nvSpPr>
-          <p:cNvPr id="85" name="TextShape 2"/>
-          <p:cNvSpPr txBox="1"/>
-          <p:nvPr/>
-        </p:nvSpPr>
-        <p:spPr>
-          <a:xfrm>
-            <a:off x="838080" y="1394640"/>
-            <a:ext cx="10515240" cy="5278320"/>
-          </a:xfrm>
-          <a:prstGeom prst="rect">
-            <a:avLst/>
-          </a:prstGeom>
-          <a:noFill/>
-          <a:ln>
-            <a:noFill/>
-          </a:ln>
-        </p:spPr>
-        <p:txBody>
-          <a:bodyPr/>
-          <a:p>
-            <a:pPr marL="228600" indent="-228240">
-              <a:lnSpc>
-                <a:spcPts val="3280"/>
-              </a:lnSpc>
-              <a:spcBef>
-                <a:spcPts val="1001"/>
-              </a:spcBef>
-              <a:buClr>
-                <a:srgbClr val="000000"/>
-              </a:buClr>
-              <a:buFont typeface="Arial"/>
-              <a:buChar char="•"/>
-            </a:pPr>
-            <a:r>
-              <a:rPr b="0" lang="zh-CN" sz="2400" spc="-1" strike="noStrike">
-                <a:solidFill>
-                  <a:srgbClr val="000000"/>
-                </a:solidFill>
-                <a:latin typeface="Calibri"/>
-              </a:rPr>
-              <a:t>除了上一章讲到的用户发送消息并获取消息回复以外，其他一些用户操作也会通过消息的方式转发到开发者服务器。这些操作发送的消息是事件消息，属于用户的某些行为导致的，这些事件有：</a:t>
-            </a:r>
-            <a:endParaRPr b="0" lang="zh-CN" sz="2400" spc="-1" strike="noStrike">
-              <a:solidFill>
-                <a:srgbClr val="000000"/>
-              </a:solidFill>
-              <a:latin typeface="Calibri"/>
-            </a:endParaRPr>
-          </a:p>
-          <a:p>
-            <a:pPr lvl="1" marL="685800" indent="-228240">
-              <a:lnSpc>
-                <a:spcPts val="3280"/>
-              </a:lnSpc>
-              <a:spcBef>
-                <a:spcPts val="499"/>
-              </a:spcBef>
-              <a:buClr>
-                <a:srgbClr val="000000"/>
-              </a:buClr>
-              <a:buFont typeface="Arial"/>
-              <a:buChar char="•"/>
-            </a:pPr>
-            <a:r>
-              <a:rPr b="0" lang="zh-CN" sz="2000" spc="-1" strike="noStrike">
-                <a:solidFill>
-                  <a:srgbClr val="000000"/>
-                </a:solidFill>
-                <a:latin typeface="Calibri"/>
-              </a:rPr>
-              <a:t>关注</a:t>
-            </a:r>
-            <a:r>
-              <a:rPr b="0" lang="zh-CN" sz="2000" spc="-1" strike="noStrike">
-                <a:solidFill>
-                  <a:srgbClr val="000000"/>
-                </a:solidFill>
-                <a:latin typeface="Calibri"/>
-              </a:rPr>
-              <a:t>/</a:t>
-            </a:r>
-            <a:r>
-              <a:rPr b="0" lang="zh-CN" sz="2000" spc="-1" strike="noStrike">
-                <a:solidFill>
-                  <a:srgbClr val="000000"/>
-                </a:solidFill>
-                <a:latin typeface="Calibri"/>
-              </a:rPr>
-              <a:t>取消关注事件</a:t>
-            </a:r>
-            <a:endParaRPr b="0" lang="zh-CN" sz="2000" spc="-1" strike="noStrike">
-              <a:solidFill>
-                <a:srgbClr val="000000"/>
-              </a:solidFill>
-              <a:latin typeface="Calibri"/>
-            </a:endParaRPr>
-          </a:p>
-          <a:p>
-            <a:pPr lvl="1" marL="685800" indent="-228240">
-              <a:lnSpc>
-                <a:spcPts val="3280"/>
-              </a:lnSpc>
-              <a:spcBef>
-                <a:spcPts val="499"/>
-              </a:spcBef>
-              <a:buClr>
-                <a:srgbClr val="000000"/>
-              </a:buClr>
-              <a:buFont typeface="Arial"/>
-              <a:buChar char="•"/>
-            </a:pPr>
-            <a:r>
-              <a:rPr b="0" lang="zh-CN" sz="2000" spc="-1" strike="noStrike">
-                <a:solidFill>
-                  <a:srgbClr val="000000"/>
-                </a:solidFill>
-                <a:latin typeface="Calibri"/>
-              </a:rPr>
-              <a:t>扫描带参数的二维码</a:t>
-            </a:r>
-            <a:endParaRPr b="0" lang="zh-CN" sz="2000" spc="-1" strike="noStrike">
-              <a:solidFill>
-                <a:srgbClr val="000000"/>
-              </a:solidFill>
-              <a:latin typeface="Calibri"/>
-            </a:endParaRPr>
-          </a:p>
-          <a:p>
-            <a:pPr lvl="1" marL="685800" indent="-228240">
-              <a:lnSpc>
-                <a:spcPts val="3280"/>
-              </a:lnSpc>
-              <a:spcBef>
-                <a:spcPts val="499"/>
-              </a:spcBef>
-              <a:buClr>
-                <a:srgbClr val="000000"/>
-              </a:buClr>
-              <a:buFont typeface="Arial"/>
-              <a:buChar char="•"/>
-            </a:pPr>
-            <a:r>
-              <a:rPr b="0" lang="zh-CN" sz="2000" spc="-1" strike="noStrike">
-                <a:solidFill>
-                  <a:srgbClr val="000000"/>
-                </a:solidFill>
-                <a:latin typeface="Calibri"/>
-              </a:rPr>
-              <a:t>上报地理位置</a:t>
-            </a:r>
-            <a:endParaRPr b="0" lang="zh-CN" sz="2000" spc="-1" strike="noStrike">
-              <a:solidFill>
-                <a:srgbClr val="000000"/>
-              </a:solidFill>
-              <a:latin typeface="Calibri"/>
-            </a:endParaRPr>
-          </a:p>
-          <a:p>
-            <a:pPr lvl="1" marL="685800" indent="-228240">
-              <a:lnSpc>
-                <a:spcPts val="3280"/>
-              </a:lnSpc>
-              <a:spcBef>
-                <a:spcPts val="499"/>
-              </a:spcBef>
-              <a:buClr>
-                <a:srgbClr val="000000"/>
-              </a:buClr>
-              <a:buFont typeface="Arial"/>
-              <a:buChar char="•"/>
-            </a:pPr>
-            <a:r>
-              <a:rPr b="0" lang="zh-CN" sz="2000" spc="-1" strike="noStrike">
-                <a:solidFill>
-                  <a:srgbClr val="000000"/>
-                </a:solidFill>
-                <a:latin typeface="Calibri"/>
-              </a:rPr>
-              <a:t>自定义菜单</a:t>
-            </a:r>
-            <a:endParaRPr b="0" lang="zh-CN" sz="2000" spc="-1" strike="noStrike">
-              <a:solidFill>
-                <a:srgbClr val="000000"/>
-              </a:solidFill>
-              <a:latin typeface="Calibri"/>
-            </a:endParaRPr>
-          </a:p>
-          <a:p>
-            <a:pPr lvl="1" marL="685800" indent="-228240">
-              <a:lnSpc>
-                <a:spcPts val="3280"/>
-              </a:lnSpc>
-              <a:spcBef>
-                <a:spcPts val="499"/>
-              </a:spcBef>
-              <a:buClr>
-                <a:srgbClr val="000000"/>
-              </a:buClr>
-              <a:buFont typeface="Arial"/>
-              <a:buChar char="•"/>
-            </a:pPr>
-            <a:r>
-              <a:rPr b="0" lang="zh-CN" sz="2000" spc="-1" strike="noStrike">
-                <a:solidFill>
-                  <a:srgbClr val="000000"/>
-                </a:solidFill>
-                <a:latin typeface="Calibri"/>
-              </a:rPr>
-              <a:t>点击菜单拉取消息</a:t>
-            </a:r>
-            <a:endParaRPr b="0" lang="zh-CN" sz="2000" spc="-1" strike="noStrike">
-              <a:solidFill>
-                <a:srgbClr val="000000"/>
-              </a:solidFill>
-              <a:latin typeface="Calibri"/>
-            </a:endParaRPr>
-          </a:p>
-          <a:p>
-            <a:pPr lvl="1" marL="685800" indent="-228240">
-              <a:lnSpc>
-                <a:spcPts val="3280"/>
-              </a:lnSpc>
-              <a:spcBef>
-                <a:spcPts val="499"/>
-              </a:spcBef>
-              <a:buClr>
-                <a:srgbClr val="000000"/>
-              </a:buClr>
-              <a:buFont typeface="Arial"/>
-              <a:buChar char="•"/>
-            </a:pPr>
-            <a:r>
-              <a:rPr b="0" lang="zh-CN" sz="2000" spc="-1" strike="noStrike">
-                <a:solidFill>
-                  <a:srgbClr val="000000"/>
-                </a:solidFill>
-                <a:latin typeface="Calibri"/>
-              </a:rPr>
-              <a:t>点击菜单跳转链接</a:t>
-            </a:r>
-            <a:endParaRPr b="0" lang="zh-CN" sz="2000" spc="-1" strike="noStrike">
-              <a:solidFill>
-                <a:srgbClr val="000000"/>
-              </a:solidFill>
-              <a:latin typeface="Calibri"/>
-            </a:endParaRPr>
-          </a:p>
-          <a:p>
-            <a:pPr marL="228600" indent="-228240">
-              <a:lnSpc>
-                <a:spcPts val="3280"/>
-              </a:lnSpc>
-              <a:spcBef>
-                <a:spcPts val="1001"/>
-              </a:spcBef>
-              <a:buClr>
-                <a:srgbClr val="000000"/>
-              </a:buClr>
-              <a:buFont typeface="Arial"/>
-              <a:buChar char="•"/>
-            </a:pPr>
-            <a:r>
-              <a:rPr b="0" lang="zh-CN" sz="2400" spc="-1" strike="noStrike">
-                <a:solidFill>
-                  <a:srgbClr val="000000"/>
-                </a:solidFill>
-                <a:latin typeface="Calibri"/>
-              </a:rPr>
-              <a:t>接下来讲两个事件消息类型，其他类型的处理过程类似，根据</a:t>
-            </a:r>
-            <a:r>
-              <a:rPr b="0" lang="zh-CN" sz="2400" spc="-1" strike="noStrike">
-                <a:solidFill>
-                  <a:srgbClr val="000000"/>
-                </a:solidFill>
-                <a:latin typeface="Calibri"/>
-              </a:rPr>
-              <a:t>MsgType</a:t>
-            </a:r>
-            <a:r>
-              <a:rPr b="0" lang="zh-CN" sz="2400" spc="-1" strike="noStrike">
-                <a:solidFill>
-                  <a:srgbClr val="000000"/>
-                </a:solidFill>
-                <a:latin typeface="Calibri"/>
-              </a:rPr>
-              <a:t>以及</a:t>
-            </a:r>
-            <a:r>
-              <a:rPr b="0" lang="zh-CN" sz="2400" spc="-1" strike="noStrike">
-                <a:solidFill>
-                  <a:srgbClr val="000000"/>
-                </a:solidFill>
-                <a:latin typeface="Calibri"/>
-              </a:rPr>
-              <a:t>Event</a:t>
-            </a:r>
-            <a:r>
-              <a:rPr b="0" lang="zh-CN" sz="2400" spc="-1" strike="noStrike">
-                <a:solidFill>
-                  <a:srgbClr val="000000"/>
-                </a:solidFill>
-                <a:latin typeface="Calibri"/>
-              </a:rPr>
-              <a:t>字段做事件分发处理即可。</a:t>
-            </a:r>
-            <a:endParaRPr b="0" lang="zh-CN" sz="2400" spc="-1" strike="noStrike">
-              <a:solidFill>
-                <a:srgbClr val="000000"/>
-              </a:solidFill>
-              <a:latin typeface="Calibri"/>
-            </a:endParaRPr>
-          </a:p>
-          <a:p>
-            <a:pPr>
-              <a:lnSpc>
-                <a:spcPct val="90000"/>
-              </a:lnSpc>
-              <a:spcBef>
-                <a:spcPts val="1001"/>
-              </a:spcBef>
-            </a:pPr>
-            <a:endParaRPr b="0" lang="zh-CN" sz="2400" spc="-1" strike="noStrike">
-              <a:solidFill>
-                <a:srgbClr val="000000"/>
-              </a:solidFill>
-              <a:latin typeface="Calibri"/>
-            </a:endParaRPr>
-          </a:p>
-        </p:txBody>
-      </p:sp>
+      </p:pic>
     </p:spTree>
   </p:cSld>
   <p:timing>
@@ -4219,14 +4623,14 @@
       </p:grpSpPr>
       <p:sp>
         <p:nvSpPr>
-          <p:cNvPr id="86" name="TextShape 1"/>
-          <p:cNvSpPr txBox="1"/>
+          <p:cNvPr id="80" name="CustomShape 1"/>
+          <p:cNvSpPr/>
           <p:nvPr/>
         </p:nvSpPr>
         <p:spPr>
           <a:xfrm>
             <a:off x="838080" y="365040"/>
-            <a:ext cx="10515240" cy="788400"/>
+            <a:ext cx="10514160" cy="787320"/>
           </a:xfrm>
           <a:prstGeom prst="rect">
             <a:avLst/>
@@ -4236,8 +4640,14 @@
             <a:noFill/>
           </a:ln>
         </p:spPr>
-        <p:txBody>
-          <a:bodyPr anchor="ctr"/>
+        <p:style>
+          <a:lnRef idx="0"/>
+          <a:fillRef idx="0"/>
+          <a:effectRef idx="0"/>
+          <a:fontRef idx="minor"/>
+        </p:style>
+        <p:txBody>
+          <a:bodyPr lIns="90000" rIns="90000" tIns="45000" bIns="45000" anchor="ctr"/>
           <a:p>
             <a:pPr>
               <a:lnSpc>
@@ -4245,33 +4655,31 @@
               </a:lnSpc>
             </a:pPr>
             <a:r>
-              <a:rPr b="0" lang="zh-CN" sz="3600" spc="-1" strike="noStrike">
+              <a:rPr b="0" lang="en-US" sz="3600" spc="-1" strike="noStrike">
                 <a:solidFill>
                   <a:srgbClr val="000000"/>
                 </a:solidFill>
                 <a:latin typeface="Calibri Light"/>
-              </a:rPr>
-              <a:t>用户关注事件消息</a:t>
-            </a:r>
-            <a:endParaRPr b="0" lang="zh-CN" sz="3600" spc="-1" strike="noStrike">
-              <a:solidFill>
-                <a:srgbClr val="000000"/>
-              </a:solidFill>
-              <a:latin typeface="Calibri"/>
-            </a:endParaRPr>
-          </a:p>
-        </p:txBody>
-      </p:sp>
-      <p:sp>
-        <p:nvSpPr>
-          <p:cNvPr id="87" name="TextShape 2"/>
-          <p:cNvSpPr txBox="1"/>
+                <a:ea typeface="DejaVu Sans"/>
+              </a:rPr>
+              <a:t>事件消息类型</a:t>
+            </a:r>
+            <a:endParaRPr b="0" lang="en-US" sz="3600" spc="-1" strike="noStrike">
+              <a:latin typeface="Arial"/>
+            </a:endParaRPr>
+          </a:p>
+        </p:txBody>
+      </p:sp>
+      <p:sp>
+        <p:nvSpPr>
+          <p:cNvPr id="81" name="CustomShape 2"/>
+          <p:cNvSpPr/>
           <p:nvPr/>
         </p:nvSpPr>
         <p:spPr>
           <a:xfrm>
             <a:off x="838080" y="1394640"/>
-            <a:ext cx="10515240" cy="5225040"/>
+            <a:ext cx="10514160" cy="5277240"/>
           </a:xfrm>
           <a:prstGeom prst="rect">
             <a:avLst/>
@@ -4281,234 +4689,18 @@
             <a:noFill/>
           </a:ln>
         </p:spPr>
-        <p:txBody>
-          <a:bodyPr>
-            <a:normAutofit/>
-          </a:bodyPr>
-          <a:p>
-            <a:pPr>
-              <a:lnSpc>
-                <a:spcPct val="90000"/>
-              </a:lnSpc>
-              <a:spcBef>
-                <a:spcPts val="1001"/>
-              </a:spcBef>
-            </a:pPr>
-            <a:r>
-              <a:rPr b="1" lang="zh-CN" sz="2400" spc="-1" strike="noStrike">
-                <a:solidFill>
-                  <a:srgbClr val="000000"/>
-                </a:solidFill>
-                <a:latin typeface="FreeMono"/>
-              </a:rPr>
-              <a:t>&lt;xml&gt;</a:t>
-            </a:r>
-            <a:endParaRPr b="0" lang="zh-CN" sz="2400" spc="-1" strike="noStrike">
-              <a:solidFill>
-                <a:srgbClr val="000000"/>
-              </a:solidFill>
-              <a:latin typeface="Calibri"/>
-            </a:endParaRPr>
-          </a:p>
-          <a:p>
-            <a:pPr>
-              <a:lnSpc>
-                <a:spcPct val="90000"/>
-              </a:lnSpc>
-              <a:spcBef>
-                <a:spcPts val="1001"/>
-              </a:spcBef>
-            </a:pPr>
-            <a:r>
-              <a:rPr b="1" lang="zh-CN" sz="2400" spc="-1" strike="noStrike">
-                <a:solidFill>
-                  <a:srgbClr val="000000"/>
-                </a:solidFill>
-                <a:latin typeface="FreeMono"/>
-              </a:rPr>
-              <a:t>    </a:t>
-            </a:r>
-            <a:r>
-              <a:rPr b="1" lang="zh-CN" sz="2400" spc="-1" strike="noStrike">
-                <a:solidFill>
-                  <a:srgbClr val="000000"/>
-                </a:solidFill>
-                <a:latin typeface="FreeMono"/>
-              </a:rPr>
-              <a:t>&lt;ToUserName&gt;&lt;![CDATA[toUser]]&gt;&lt;/ToUserName&gt;</a:t>
-            </a:r>
-            <a:endParaRPr b="0" lang="zh-CN" sz="2400" spc="-1" strike="noStrike">
-              <a:solidFill>
-                <a:srgbClr val="000000"/>
-              </a:solidFill>
-              <a:latin typeface="Calibri"/>
-            </a:endParaRPr>
-          </a:p>
-          <a:p>
-            <a:pPr>
-              <a:lnSpc>
-                <a:spcPct val="90000"/>
-              </a:lnSpc>
-              <a:spcBef>
-                <a:spcPts val="1001"/>
-              </a:spcBef>
-            </a:pPr>
-            <a:r>
-              <a:rPr b="1" lang="zh-CN" sz="2400" spc="-1" strike="noStrike">
-                <a:solidFill>
-                  <a:srgbClr val="000000"/>
-                </a:solidFill>
-                <a:latin typeface="FreeMono"/>
-              </a:rPr>
-              <a:t>    </a:t>
-            </a:r>
-            <a:r>
-              <a:rPr b="1" lang="zh-CN" sz="2400" spc="-1" strike="noStrike">
-                <a:solidFill>
-                  <a:srgbClr val="000000"/>
-                </a:solidFill>
-                <a:latin typeface="FreeMono"/>
-              </a:rPr>
-              <a:t>&lt;FromUserName&gt;&lt;![CDATA[FromUser]]&gt;&lt;/FromUserName&gt;</a:t>
-            </a:r>
-            <a:endParaRPr b="0" lang="zh-CN" sz="2400" spc="-1" strike="noStrike">
-              <a:solidFill>
-                <a:srgbClr val="000000"/>
-              </a:solidFill>
-              <a:latin typeface="Calibri"/>
-            </a:endParaRPr>
-          </a:p>
-          <a:p>
-            <a:pPr>
-              <a:lnSpc>
-                <a:spcPct val="90000"/>
-              </a:lnSpc>
-              <a:spcBef>
-                <a:spcPts val="1001"/>
-              </a:spcBef>
-            </a:pPr>
-            <a:r>
-              <a:rPr b="1" lang="zh-CN" sz="2400" spc="-1" strike="noStrike">
-                <a:solidFill>
-                  <a:srgbClr val="000000"/>
-                </a:solidFill>
-                <a:latin typeface="FreeMono"/>
-              </a:rPr>
-              <a:t>    </a:t>
-            </a:r>
-            <a:r>
-              <a:rPr b="1" lang="zh-CN" sz="2400" spc="-1" strike="noStrike">
-                <a:solidFill>
-                  <a:srgbClr val="000000"/>
-                </a:solidFill>
-                <a:latin typeface="FreeMono"/>
-              </a:rPr>
-              <a:t>&lt;CreateTime&gt;123456789&lt;/CreateTime&gt;</a:t>
-            </a:r>
-            <a:endParaRPr b="0" lang="zh-CN" sz="2400" spc="-1" strike="noStrike">
-              <a:solidFill>
-                <a:srgbClr val="000000"/>
-              </a:solidFill>
-              <a:latin typeface="Calibri"/>
-            </a:endParaRPr>
-          </a:p>
-          <a:p>
-            <a:pPr>
-              <a:lnSpc>
-                <a:spcPct val="90000"/>
-              </a:lnSpc>
-              <a:spcBef>
-                <a:spcPts val="1001"/>
-              </a:spcBef>
-            </a:pPr>
-            <a:r>
-              <a:rPr b="1" lang="zh-CN" sz="2400" spc="-1" strike="noStrike">
-                <a:solidFill>
-                  <a:srgbClr val="000000"/>
-                </a:solidFill>
-                <a:latin typeface="FreeMono"/>
-              </a:rPr>
-              <a:t>    </a:t>
-            </a:r>
-            <a:r>
-              <a:rPr b="1" lang="zh-CN" sz="2400" spc="-1" strike="noStrike">
-                <a:solidFill>
-                  <a:srgbClr val="000000"/>
-                </a:solidFill>
-                <a:latin typeface="FreeMono"/>
-              </a:rPr>
-              <a:t>&lt;MsgType&gt;&lt;![CDATA[event]]&gt;&lt;/MsgType&gt;</a:t>
-            </a:r>
-            <a:endParaRPr b="0" lang="zh-CN" sz="2400" spc="-1" strike="noStrike">
-              <a:solidFill>
-                <a:srgbClr val="000000"/>
-              </a:solidFill>
-              <a:latin typeface="Calibri"/>
-            </a:endParaRPr>
-          </a:p>
-          <a:p>
-            <a:pPr>
-              <a:lnSpc>
-                <a:spcPct val="90000"/>
-              </a:lnSpc>
-              <a:spcBef>
-                <a:spcPts val="1001"/>
-              </a:spcBef>
-            </a:pPr>
-            <a:r>
-              <a:rPr b="1" lang="zh-CN" sz="2400" spc="-1" strike="noStrike">
-                <a:solidFill>
-                  <a:srgbClr val="000000"/>
-                </a:solidFill>
-                <a:latin typeface="FreeMono"/>
-              </a:rPr>
-              <a:t>    </a:t>
-            </a:r>
-            <a:r>
-              <a:rPr b="1" lang="zh-CN" sz="2400" spc="-1" strike="noStrike">
-                <a:solidFill>
-                  <a:srgbClr val="000000"/>
-                </a:solidFill>
-                <a:latin typeface="FreeMono"/>
-              </a:rPr>
-              <a:t>&lt;Event&gt;&lt;![CDATA[subscribe]]&gt;&lt;/Event&gt;</a:t>
-            </a:r>
-            <a:endParaRPr b="0" lang="zh-CN" sz="2400" spc="-1" strike="noStrike">
-              <a:solidFill>
-                <a:srgbClr val="000000"/>
-              </a:solidFill>
-              <a:latin typeface="Calibri"/>
-            </a:endParaRPr>
-          </a:p>
-          <a:p>
-            <a:pPr>
-              <a:lnSpc>
-                <a:spcPct val="90000"/>
-              </a:lnSpc>
-              <a:spcBef>
-                <a:spcPts val="1001"/>
-              </a:spcBef>
-            </a:pPr>
-            <a:r>
-              <a:rPr b="1" lang="zh-CN" sz="2400" spc="-1" strike="noStrike">
-                <a:solidFill>
-                  <a:srgbClr val="000000"/>
-                </a:solidFill>
-                <a:latin typeface="FreeMono"/>
-              </a:rPr>
-              <a:t>&lt;/xml&gt;</a:t>
-            </a:r>
-            <a:endParaRPr b="0" lang="zh-CN" sz="2400" spc="-1" strike="noStrike">
-              <a:solidFill>
-                <a:srgbClr val="000000"/>
-              </a:solidFill>
-              <a:latin typeface="Calibri"/>
-            </a:endParaRPr>
-          </a:p>
-          <a:p>
-            <a:pPr marL="228600" indent="-228240">
-              <a:lnSpc>
-                <a:spcPct val="90000"/>
+        <p:style>
+          <a:lnRef idx="0"/>
+          <a:fillRef idx="0"/>
+          <a:effectRef idx="0"/>
+          <a:fontRef idx="minor"/>
+        </p:style>
+        <p:txBody>
+          <a:bodyPr lIns="90000" rIns="90000" tIns="45000" bIns="45000"/>
+          <a:p>
+            <a:pPr marL="228600" indent="-227160">
+              <a:lnSpc>
+                <a:spcPts val="3280"/>
               </a:lnSpc>
               <a:spcBef>
                 <a:spcPts val="1001"/>
@@ -4520,82 +4712,26 @@
               <a:buChar char="•"/>
             </a:pPr>
             <a:r>
-              <a:rPr b="0" lang="zh-CN" sz="2400" spc="-1" strike="noStrike">
-                <a:solidFill>
-                  <a:srgbClr val="000000"/>
-                </a:solidFill>
-                <a:latin typeface="FreeMono"/>
-              </a:rPr>
-              <a:t>在用户关注公众号之后，开发者服务器会收到这样的一条消息，可根据消息中的</a:t>
-            </a:r>
-            <a:r>
-              <a:rPr b="0" lang="zh-CN" sz="2400" spc="-1" strike="noStrike">
-                <a:solidFill>
-                  <a:srgbClr val="000000"/>
-                </a:solidFill>
-                <a:latin typeface="FreeMono"/>
-              </a:rPr>
-              <a:t>ToUserName</a:t>
-            </a:r>
-            <a:r>
-              <a:rPr b="0" lang="zh-CN" sz="2400" spc="-1" strike="noStrike">
-                <a:solidFill>
-                  <a:srgbClr val="000000"/>
-                </a:solidFill>
-                <a:latin typeface="FreeMono"/>
-              </a:rPr>
-              <a:t>获取用户的</a:t>
-            </a:r>
-            <a:r>
-              <a:rPr b="0" lang="zh-CN" sz="2400" spc="-1" strike="noStrike">
-                <a:solidFill>
-                  <a:srgbClr val="000000"/>
-                </a:solidFill>
-                <a:latin typeface="FreeMono"/>
-              </a:rPr>
-              <a:t>OpenID</a:t>
-            </a:r>
-            <a:r>
-              <a:rPr b="0" lang="zh-CN" sz="2400" spc="-1" strike="noStrike">
-                <a:solidFill>
-                  <a:srgbClr val="000000"/>
-                </a:solidFill>
-                <a:latin typeface="FreeMono"/>
-              </a:rPr>
-              <a:t>。根据业务需要，可以把</a:t>
-            </a:r>
-            <a:r>
-              <a:rPr b="0" lang="zh-CN" sz="2400" spc="-1" strike="noStrike">
-                <a:solidFill>
-                  <a:srgbClr val="000000"/>
-                </a:solidFill>
-                <a:latin typeface="FreeMono"/>
-              </a:rPr>
-              <a:t>OpenID</a:t>
-            </a:r>
-            <a:r>
-              <a:rPr b="0" lang="zh-CN" sz="2400" spc="-1" strike="noStrike">
-                <a:solidFill>
-                  <a:srgbClr val="000000"/>
-                </a:solidFill>
-                <a:latin typeface="FreeMono"/>
-              </a:rPr>
-              <a:t>记录到数据库。</a:t>
-            </a:r>
-            <a:endParaRPr b="0" lang="zh-CN" sz="2400" spc="-1" strike="noStrike">
-              <a:solidFill>
-                <a:srgbClr val="000000"/>
-              </a:solidFill>
-              <a:latin typeface="Calibri"/>
-            </a:endParaRPr>
-          </a:p>
-          <a:p>
-            <a:pPr marL="228600" indent="-228240">
-              <a:lnSpc>
-                <a:spcPct val="90000"/>
-              </a:lnSpc>
-              <a:spcBef>
-                <a:spcPts val="1001"/>
+              <a:rPr b="0" lang="en-US" sz="2400" spc="-1" strike="noStrike">
+                <a:solidFill>
+                  <a:srgbClr val="000000"/>
+                </a:solidFill>
+                <a:latin typeface="Calibri"/>
+                <a:ea typeface="DejaVu Sans"/>
+              </a:rPr>
+              <a:t>除了上一章讲到的用户发送消息并获取消息回复以外，其他一些用户操作也会通过消息的方式转发到开发者服务器。这些操作发送的消息是事件消息，属于用户的某些行为导致的，这些事件有：</a:t>
+            </a:r>
+            <a:endParaRPr b="0" lang="en-US" sz="2400" spc="-1" strike="noStrike">
+              <a:latin typeface="Arial"/>
+            </a:endParaRPr>
+          </a:p>
+          <a:p>
+            <a:pPr lvl="1" marL="685800" indent="-227160">
+              <a:lnSpc>
+                <a:spcPts val="3280"/>
+              </a:lnSpc>
+              <a:spcBef>
+                <a:spcPts val="567"/>
               </a:spcBef>
               <a:buClr>
                 <a:srgbClr val="000000"/>
@@ -4604,19 +4740,205 @@
               <a:buChar char="•"/>
             </a:pPr>
             <a:r>
-              <a:rPr b="0" lang="zh-CN" sz="2400" spc="-1" strike="noStrike">
-                <a:solidFill>
-                  <a:srgbClr val="000000"/>
-                </a:solidFill>
-                <a:latin typeface="FreeMono"/>
-              </a:rPr>
-              <a:t>现在看到的字段是每个消息都有的，用户关注以及取消事件消息不需要其他额外的字段描述信息。</a:t>
-            </a:r>
-            <a:endParaRPr b="0" lang="zh-CN" sz="2400" spc="-1" strike="noStrike">
-              <a:solidFill>
+              <a:rPr b="0" lang="en-US" sz="2200" spc="-1" strike="noStrike">
+                <a:solidFill>
+                  <a:srgbClr val="000000"/>
+                </a:solidFill>
+                <a:latin typeface="Calibri"/>
+                <a:ea typeface="DejaVu Sans"/>
+              </a:rPr>
+              <a:t>关注</a:t>
+            </a:r>
+            <a:r>
+              <a:rPr b="0" lang="en-US" sz="2200" spc="-1" strike="noStrike">
+                <a:solidFill>
+                  <a:srgbClr val="000000"/>
+                </a:solidFill>
+                <a:latin typeface="Calibri"/>
+                <a:ea typeface="DejaVu Sans"/>
+              </a:rPr>
+              <a:t>/</a:t>
+            </a:r>
+            <a:r>
+              <a:rPr b="0" lang="en-US" sz="2200" spc="-1" strike="noStrike">
+                <a:solidFill>
+                  <a:srgbClr val="000000"/>
+                </a:solidFill>
+                <a:latin typeface="Calibri"/>
+                <a:ea typeface="DejaVu Sans"/>
+              </a:rPr>
+              <a:t>取消关注事件</a:t>
+            </a:r>
+            <a:endParaRPr b="0" lang="en-US" sz="2200" spc="-1" strike="noStrike">
+              <a:latin typeface="Arial"/>
+            </a:endParaRPr>
+          </a:p>
+          <a:p>
+            <a:pPr lvl="1" marL="685800" indent="-227160">
+              <a:lnSpc>
+                <a:spcPts val="3280"/>
+              </a:lnSpc>
+              <a:spcBef>
+                <a:spcPts val="567"/>
+              </a:spcBef>
+              <a:buClr>
                 <a:srgbClr val="000000"/>
-              </a:solidFill>
-              <a:latin typeface="Calibri"/>
+              </a:buClr>
+              <a:buFont typeface="Arial"/>
+              <a:buChar char="•"/>
+            </a:pPr>
+            <a:r>
+              <a:rPr b="0" lang="en-US" sz="2200" spc="-1" strike="noStrike">
+                <a:solidFill>
+                  <a:srgbClr val="000000"/>
+                </a:solidFill>
+                <a:latin typeface="Calibri"/>
+                <a:ea typeface="DejaVu Sans"/>
+              </a:rPr>
+              <a:t>扫描带参数的二维码</a:t>
+            </a:r>
+            <a:r>
+              <a:rPr b="0" lang="en-US" sz="2200" spc="-1" strike="noStrike">
+                <a:solidFill>
+                  <a:srgbClr val="000000"/>
+                </a:solidFill>
+                <a:latin typeface="Calibri"/>
+                <a:ea typeface="DejaVu Sans"/>
+              </a:rPr>
+              <a:t>(</a:t>
+            </a:r>
+            <a:r>
+              <a:rPr b="0" lang="en-US" sz="2200" spc="-1" strike="noStrike">
+                <a:solidFill>
+                  <a:srgbClr val="000000"/>
+                </a:solidFill>
+                <a:latin typeface="Calibri"/>
+                <a:ea typeface="DejaVu Sans"/>
+              </a:rPr>
+              <a:t>也称为带场景值的二维码</a:t>
+            </a:r>
+            <a:r>
+              <a:rPr b="0" lang="en-US" sz="2200" spc="-1" strike="noStrike">
+                <a:solidFill>
+                  <a:srgbClr val="000000"/>
+                </a:solidFill>
+                <a:latin typeface="Calibri"/>
+                <a:ea typeface="DejaVu Sans"/>
+              </a:rPr>
+              <a:t>)</a:t>
+            </a:r>
+            <a:endParaRPr b="0" lang="en-US" sz="2200" spc="-1" strike="noStrike">
+              <a:latin typeface="Arial"/>
+            </a:endParaRPr>
+          </a:p>
+          <a:p>
+            <a:pPr lvl="1" marL="685800" indent="-227160">
+              <a:lnSpc>
+                <a:spcPts val="3280"/>
+              </a:lnSpc>
+              <a:spcBef>
+                <a:spcPts val="567"/>
+              </a:spcBef>
+              <a:buClr>
+                <a:srgbClr val="000000"/>
+              </a:buClr>
+              <a:buFont typeface="Arial"/>
+              <a:buChar char="•"/>
+            </a:pPr>
+            <a:r>
+              <a:rPr b="0" lang="en-US" sz="2200" spc="-1" strike="noStrike">
+                <a:solidFill>
+                  <a:srgbClr val="000000"/>
+                </a:solidFill>
+                <a:latin typeface="Calibri"/>
+                <a:ea typeface="DejaVu Sans"/>
+              </a:rPr>
+              <a:t>上报地理位置</a:t>
+            </a:r>
+            <a:endParaRPr b="0" lang="en-US" sz="2200" spc="-1" strike="noStrike">
+              <a:latin typeface="Arial"/>
+            </a:endParaRPr>
+          </a:p>
+          <a:p>
+            <a:pPr lvl="1" marL="685800" indent="-227160">
+              <a:lnSpc>
+                <a:spcPts val="3280"/>
+              </a:lnSpc>
+              <a:spcBef>
+                <a:spcPts val="567"/>
+              </a:spcBef>
+              <a:buClr>
+                <a:srgbClr val="000000"/>
+              </a:buClr>
+              <a:buFont typeface="Arial"/>
+              <a:buChar char="•"/>
+            </a:pPr>
+            <a:r>
+              <a:rPr b="0" lang="en-US" sz="2200" spc="-1" strike="noStrike">
+                <a:solidFill>
+                  <a:srgbClr val="000000"/>
+                </a:solidFill>
+                <a:latin typeface="Calibri"/>
+                <a:ea typeface="DejaVu Sans"/>
+              </a:rPr>
+              <a:t>点击菜单拉取消息</a:t>
+            </a:r>
+            <a:endParaRPr b="0" lang="en-US" sz="2200" spc="-1" strike="noStrike">
+              <a:latin typeface="Arial"/>
+            </a:endParaRPr>
+          </a:p>
+          <a:p>
+            <a:pPr lvl="1" marL="685800" indent="-227160">
+              <a:lnSpc>
+                <a:spcPts val="3280"/>
+              </a:lnSpc>
+              <a:spcBef>
+                <a:spcPts val="567"/>
+              </a:spcBef>
+              <a:buClr>
+                <a:srgbClr val="000000"/>
+              </a:buClr>
+              <a:buFont typeface="Arial"/>
+              <a:buChar char="•"/>
+            </a:pPr>
+            <a:r>
+              <a:rPr b="0" lang="en-US" sz="2200" spc="-1" strike="noStrike">
+                <a:solidFill>
+                  <a:srgbClr val="000000"/>
+                </a:solidFill>
+                <a:latin typeface="Calibri"/>
+                <a:ea typeface="DejaVu Sans"/>
+              </a:rPr>
+              <a:t>点击菜单跳转链接</a:t>
+            </a:r>
+            <a:endParaRPr b="0" lang="en-US" sz="2200" spc="-1" strike="noStrike">
+              <a:latin typeface="Arial"/>
+            </a:endParaRPr>
+          </a:p>
+          <a:p>
+            <a:pPr>
+              <a:lnSpc>
+                <a:spcPts val="3280"/>
+              </a:lnSpc>
+              <a:spcBef>
+                <a:spcPts val="1001"/>
+              </a:spcBef>
+            </a:pPr>
+            <a:endParaRPr b="0" lang="en-US" sz="2200" spc="-1" strike="noStrike">
+              <a:latin typeface="Arial"/>
+            </a:endParaRPr>
+          </a:p>
+          <a:p>
+            <a:pPr>
+              <a:lnSpc>
+                <a:spcPct val="90000"/>
+              </a:lnSpc>
+              <a:spcBef>
+                <a:spcPts val="1001"/>
+              </a:spcBef>
+            </a:pPr>
+            <a:endParaRPr b="0" lang="en-US" sz="2200" spc="-1" strike="noStrike">
+              <a:latin typeface="Arial"/>
             </a:endParaRPr>
           </a:p>
         </p:txBody>
@@ -4672,14 +4994,14 @@
       </p:grpSpPr>
       <p:sp>
         <p:nvSpPr>
-          <p:cNvPr id="88" name="TextShape 1"/>
-          <p:cNvSpPr txBox="1"/>
+          <p:cNvPr id="82" name="CustomShape 1"/>
+          <p:cNvSpPr/>
           <p:nvPr/>
         </p:nvSpPr>
         <p:spPr>
           <a:xfrm>
             <a:off x="838080" y="365040"/>
-            <a:ext cx="10515240" cy="788400"/>
+            <a:ext cx="10514160" cy="787320"/>
           </a:xfrm>
           <a:prstGeom prst="rect">
             <a:avLst/>
@@ -4689,8 +5011,14 @@
             <a:noFill/>
           </a:ln>
         </p:spPr>
-        <p:txBody>
-          <a:bodyPr anchor="ctr"/>
+        <p:style>
+          <a:lnRef idx="0"/>
+          <a:fillRef idx="0"/>
+          <a:effectRef idx="0"/>
+          <a:fontRef idx="minor"/>
+        </p:style>
+        <p:txBody>
+          <a:bodyPr lIns="90000" rIns="90000" tIns="45000" bIns="45000" anchor="ctr"/>
           <a:p>
             <a:pPr>
               <a:lnSpc>
@@ -4698,33 +5026,51 @@
               </a:lnSpc>
             </a:pPr>
             <a:r>
-              <a:rPr b="0" lang="zh-CN" sz="3600" spc="-1" strike="noStrike">
+              <a:rPr b="0" lang="en-US" sz="3600" spc="-1" strike="noStrike">
                 <a:solidFill>
                   <a:srgbClr val="000000"/>
                 </a:solidFill>
                 <a:latin typeface="Calibri Light"/>
-              </a:rPr>
-              <a:t>上报地理位置事件消息</a:t>
-            </a:r>
-            <a:endParaRPr b="0" lang="zh-CN" sz="3600" spc="-1" strike="noStrike">
-              <a:solidFill>
-                <a:srgbClr val="000000"/>
-              </a:solidFill>
-              <a:latin typeface="Calibri"/>
-            </a:endParaRPr>
-          </a:p>
-        </p:txBody>
-      </p:sp>
-      <p:sp>
-        <p:nvSpPr>
-          <p:cNvPr id="89" name="TextShape 2"/>
-          <p:cNvSpPr txBox="1"/>
+                <a:ea typeface="DejaVu Sans"/>
+              </a:rPr>
+              <a:t>用户关注</a:t>
+            </a:r>
+            <a:r>
+              <a:rPr b="0" lang="en-US" sz="3600" spc="-1" strike="noStrike">
+                <a:solidFill>
+                  <a:srgbClr val="000000"/>
+                </a:solidFill>
+                <a:latin typeface="Calibri Light"/>
+                <a:ea typeface="DejaVu Sans"/>
+              </a:rPr>
+              <a:t>/</a:t>
+            </a:r>
+            <a:r>
+              <a:rPr b="0" lang="en-US" sz="3600" spc="-1" strike="noStrike">
+                <a:solidFill>
+                  <a:srgbClr val="000000"/>
+                </a:solidFill>
+                <a:latin typeface="Calibri Light"/>
+                <a:ea typeface="DejaVu Sans"/>
+              </a:rPr>
+              <a:t>取消关注事件</a:t>
+            </a:r>
+            <a:endParaRPr b="0" lang="en-US" sz="3600" spc="-1" strike="noStrike">
+              <a:latin typeface="Arial"/>
+            </a:endParaRPr>
+          </a:p>
+        </p:txBody>
+      </p:sp>
+      <p:sp>
+        <p:nvSpPr>
+          <p:cNvPr id="83" name="CustomShape 2"/>
+          <p:cNvSpPr/>
           <p:nvPr/>
         </p:nvSpPr>
         <p:spPr>
           <a:xfrm>
             <a:off x="838080" y="1394640"/>
-            <a:ext cx="10515240" cy="5216760"/>
+            <a:ext cx="10514160" cy="5223960"/>
           </a:xfrm>
           <a:prstGeom prst="rect">
             <a:avLst/>
@@ -4734,336 +5080,251 @@
             <a:noFill/>
           </a:ln>
         </p:spPr>
-        <p:txBody>
-          <a:bodyPr>
+        <p:style>
+          <a:lnRef idx="0"/>
+          <a:fillRef idx="0"/>
+          <a:effectRef idx="0"/>
+          <a:fontRef idx="minor"/>
+        </p:style>
+        <p:txBody>
+          <a:bodyPr lIns="90000" rIns="90000" tIns="45000" bIns="45000">
             <a:normAutofit/>
           </a:bodyPr>
           <a:p>
             <a:pPr>
               <a:lnSpc>
-                <a:spcPct val="75000"/>
-              </a:lnSpc>
-              <a:spcBef>
-                <a:spcPts val="1001"/>
-              </a:spcBef>
-            </a:pPr>
-            <a:r>
-              <a:rPr b="1" lang="zh-CN" sz="2400" spc="-1" strike="noStrike">
-                <a:solidFill>
-                  <a:srgbClr val="000000"/>
-                </a:solidFill>
-                <a:latin typeface="FreeMono"/>
+                <a:spcPct val="90000"/>
+              </a:lnSpc>
+              <a:spcBef>
+                <a:spcPts val="567"/>
+              </a:spcBef>
+            </a:pPr>
+            <a:r>
+              <a:rPr b="1" lang="en-US" sz="2400" spc="-1" strike="noStrike">
+                <a:solidFill>
+                  <a:srgbClr val="000000"/>
+                </a:solidFill>
+                <a:latin typeface="FreeMono"/>
+                <a:ea typeface="DejaVu Sans"/>
               </a:rPr>
               <a:t>&lt;xml&gt;</a:t>
             </a:r>
-            <a:endParaRPr b="0" lang="zh-CN" sz="2400" spc="-1" strike="noStrike">
-              <a:solidFill>
-                <a:srgbClr val="000000"/>
-              </a:solidFill>
-              <a:latin typeface="Calibri"/>
+            <a:endParaRPr b="0" lang="en-US" sz="2400" spc="-1" strike="noStrike">
+              <a:latin typeface="Arial"/>
             </a:endParaRPr>
           </a:p>
           <a:p>
             <a:pPr>
               <a:lnSpc>
-                <a:spcPct val="75000"/>
-              </a:lnSpc>
-              <a:spcBef>
-                <a:spcPts val="1001"/>
-              </a:spcBef>
-            </a:pPr>
-            <a:r>
-              <a:rPr b="1" lang="zh-CN" sz="2400" spc="-1" strike="noStrike">
-                <a:solidFill>
-                  <a:srgbClr val="000000"/>
-                </a:solidFill>
-                <a:latin typeface="FreeMono"/>
+                <a:spcPct val="90000"/>
+              </a:lnSpc>
+              <a:spcBef>
+                <a:spcPts val="567"/>
+              </a:spcBef>
+            </a:pPr>
+            <a:r>
+              <a:rPr b="1" lang="en-US" sz="2400" spc="-1" strike="noStrike">
+                <a:solidFill>
+                  <a:srgbClr val="000000"/>
+                </a:solidFill>
+                <a:latin typeface="FreeMono"/>
+                <a:ea typeface="DejaVu Sans"/>
               </a:rPr>
               <a:t>    </a:t>
             </a:r>
             <a:r>
-              <a:rPr b="1" lang="zh-CN" sz="2400" spc="-1" strike="noStrike">
-                <a:solidFill>
-                  <a:srgbClr val="000000"/>
-                </a:solidFill>
-                <a:latin typeface="FreeMono"/>
+              <a:rPr b="1" lang="en-US" sz="2400" spc="-1" strike="noStrike">
+                <a:solidFill>
+                  <a:srgbClr val="000000"/>
+                </a:solidFill>
+                <a:latin typeface="FreeMono"/>
+                <a:ea typeface="DejaVu Sans"/>
               </a:rPr>
               <a:t>&lt;ToUserName&gt;&lt;![CDATA[toUser]]&gt;&lt;/ToUserName&gt;</a:t>
             </a:r>
-            <a:endParaRPr b="0" lang="zh-CN" sz="2400" spc="-1" strike="noStrike">
-              <a:solidFill>
-                <a:srgbClr val="000000"/>
-              </a:solidFill>
-              <a:latin typeface="Calibri"/>
+            <a:endParaRPr b="0" lang="en-US" sz="2400" spc="-1" strike="noStrike">
+              <a:latin typeface="Arial"/>
             </a:endParaRPr>
           </a:p>
           <a:p>
             <a:pPr>
               <a:lnSpc>
-                <a:spcPct val="75000"/>
-              </a:lnSpc>
-              <a:spcBef>
-                <a:spcPts val="1001"/>
-              </a:spcBef>
-            </a:pPr>
-            <a:r>
-              <a:rPr b="1" lang="zh-CN" sz="2400" spc="-1" strike="noStrike">
-                <a:solidFill>
-                  <a:srgbClr val="000000"/>
-                </a:solidFill>
-                <a:latin typeface="FreeMono"/>
+                <a:spcPct val="90000"/>
+              </a:lnSpc>
+              <a:spcBef>
+                <a:spcPts val="567"/>
+              </a:spcBef>
+            </a:pPr>
+            <a:r>
+              <a:rPr b="1" lang="en-US" sz="2400" spc="-1" strike="noStrike">
+                <a:solidFill>
+                  <a:srgbClr val="000000"/>
+                </a:solidFill>
+                <a:latin typeface="FreeMono"/>
+                <a:ea typeface="DejaVu Sans"/>
               </a:rPr>
               <a:t>    </a:t>
             </a:r>
             <a:r>
-              <a:rPr b="1" lang="zh-CN" sz="2400" spc="-1" strike="noStrike">
-                <a:solidFill>
-                  <a:srgbClr val="000000"/>
-                </a:solidFill>
-                <a:latin typeface="FreeMono"/>
-              </a:rPr>
-              <a:t>&lt;FromUserName&gt;&lt;![CDATA[fromUser]]&gt;&lt;/FromUserName&gt;</a:t>
-            </a:r>
-            <a:endParaRPr b="0" lang="zh-CN" sz="2400" spc="-1" strike="noStrike">
-              <a:solidFill>
-                <a:srgbClr val="000000"/>
-              </a:solidFill>
-              <a:latin typeface="Calibri"/>
+              <a:rPr b="1" lang="en-US" sz="2400" spc="-1" strike="noStrike">
+                <a:solidFill>
+                  <a:srgbClr val="000000"/>
+                </a:solidFill>
+                <a:latin typeface="FreeMono"/>
+                <a:ea typeface="DejaVu Sans"/>
+              </a:rPr>
+              <a:t>&lt;FromUserName&gt;&lt;![CDATA[FromUser]]&gt;&lt;/FromUserName&gt;</a:t>
+            </a:r>
+            <a:endParaRPr b="0" lang="en-US" sz="2400" spc="-1" strike="noStrike">
+              <a:latin typeface="Arial"/>
             </a:endParaRPr>
           </a:p>
           <a:p>
             <a:pPr>
               <a:lnSpc>
-                <a:spcPct val="75000"/>
-              </a:lnSpc>
-              <a:spcBef>
-                <a:spcPts val="1001"/>
-              </a:spcBef>
-            </a:pPr>
-            <a:r>
-              <a:rPr b="1" lang="zh-CN" sz="2400" spc="-1" strike="noStrike">
-                <a:solidFill>
-                  <a:srgbClr val="000000"/>
-                </a:solidFill>
-                <a:latin typeface="FreeMono"/>
+                <a:spcPct val="90000"/>
+              </a:lnSpc>
+              <a:spcBef>
+                <a:spcPts val="567"/>
+              </a:spcBef>
+            </a:pPr>
+            <a:r>
+              <a:rPr b="1" lang="en-US" sz="2400" spc="-1" strike="noStrike">
+                <a:solidFill>
+                  <a:srgbClr val="000000"/>
+                </a:solidFill>
+                <a:latin typeface="FreeMono"/>
+                <a:ea typeface="DejaVu Sans"/>
               </a:rPr>
               <a:t>    </a:t>
             </a:r>
             <a:r>
-              <a:rPr b="1" lang="zh-CN" sz="2400" spc="-1" strike="noStrike">
-                <a:solidFill>
-                  <a:srgbClr val="000000"/>
-                </a:solidFill>
-                <a:latin typeface="FreeMono"/>
+              <a:rPr b="1" lang="en-US" sz="2400" spc="-1" strike="noStrike">
+                <a:solidFill>
+                  <a:srgbClr val="000000"/>
+                </a:solidFill>
+                <a:latin typeface="FreeMono"/>
+                <a:ea typeface="DejaVu Sans"/>
               </a:rPr>
               <a:t>&lt;CreateTime&gt;123456789&lt;/CreateTime&gt;</a:t>
             </a:r>
-            <a:endParaRPr b="0" lang="zh-CN" sz="2400" spc="-1" strike="noStrike">
-              <a:solidFill>
-                <a:srgbClr val="000000"/>
-              </a:solidFill>
-              <a:latin typeface="Calibri"/>
+            <a:endParaRPr b="0" lang="en-US" sz="2400" spc="-1" strike="noStrike">
+              <a:latin typeface="Arial"/>
             </a:endParaRPr>
           </a:p>
           <a:p>
             <a:pPr>
               <a:lnSpc>
-                <a:spcPct val="75000"/>
-              </a:lnSpc>
-              <a:spcBef>
-                <a:spcPts val="1001"/>
-              </a:spcBef>
-            </a:pPr>
-            <a:r>
-              <a:rPr b="1" lang="zh-CN" sz="2400" spc="-1" strike="noStrike">
-                <a:solidFill>
-                  <a:srgbClr val="000000"/>
-                </a:solidFill>
-                <a:latin typeface="FreeMono"/>
+                <a:spcPct val="90000"/>
+              </a:lnSpc>
+              <a:spcBef>
+                <a:spcPts val="567"/>
+              </a:spcBef>
+            </a:pPr>
+            <a:r>
+              <a:rPr b="1" lang="en-US" sz="2400" spc="-1" strike="noStrike">
+                <a:solidFill>
+                  <a:srgbClr val="000000"/>
+                </a:solidFill>
+                <a:latin typeface="FreeMono"/>
+                <a:ea typeface="DejaVu Sans"/>
               </a:rPr>
               <a:t>    </a:t>
             </a:r>
             <a:r>
-              <a:rPr b="1" lang="zh-CN" sz="2400" spc="-1" strike="noStrike">
-                <a:solidFill>
-                  <a:srgbClr val="000000"/>
-                </a:solidFill>
-                <a:latin typeface="FreeMono"/>
+              <a:rPr b="1" lang="en-US" sz="2400" spc="-1" strike="noStrike">
+                <a:solidFill>
+                  <a:srgbClr val="000000"/>
+                </a:solidFill>
+                <a:latin typeface="FreeMono"/>
+                <a:ea typeface="DejaVu Sans"/>
               </a:rPr>
               <a:t>&lt;MsgType&gt;&lt;![CDATA[event]]&gt;&lt;/MsgType&gt;</a:t>
             </a:r>
-            <a:endParaRPr b="0" lang="zh-CN" sz="2400" spc="-1" strike="noStrike">
-              <a:solidFill>
-                <a:srgbClr val="000000"/>
-              </a:solidFill>
-              <a:latin typeface="Calibri"/>
+            <a:endParaRPr b="0" lang="en-US" sz="2400" spc="-1" strike="noStrike">
+              <a:latin typeface="Arial"/>
             </a:endParaRPr>
           </a:p>
           <a:p>
             <a:pPr>
               <a:lnSpc>
-                <a:spcPct val="75000"/>
-              </a:lnSpc>
-              <a:spcBef>
-                <a:spcPts val="1001"/>
-              </a:spcBef>
-            </a:pPr>
-            <a:r>
-              <a:rPr b="1" lang="zh-CN" sz="2400" spc="-1" strike="noStrike">
-                <a:solidFill>
-                  <a:srgbClr val="000000"/>
-                </a:solidFill>
-                <a:latin typeface="FreeMono"/>
+                <a:spcPct val="90000"/>
+              </a:lnSpc>
+              <a:spcBef>
+                <a:spcPts val="567"/>
+              </a:spcBef>
+            </a:pPr>
+            <a:r>
+              <a:rPr b="1" lang="en-US" sz="2400" spc="-1" strike="noStrike">
+                <a:solidFill>
+                  <a:srgbClr val="000000"/>
+                </a:solidFill>
+                <a:latin typeface="FreeMono"/>
+                <a:ea typeface="DejaVu Sans"/>
               </a:rPr>
               <a:t>    </a:t>
             </a:r>
             <a:r>
-              <a:rPr b="1" lang="zh-CN" sz="2400" spc="-1" strike="noStrike">
-                <a:solidFill>
-                  <a:srgbClr val="000000"/>
-                </a:solidFill>
-                <a:latin typeface="FreeMono"/>
-              </a:rPr>
-              <a:t>&lt;Event&gt;&lt;![CDATA[LOCATION]]&gt;&lt;/Event&gt;</a:t>
-            </a:r>
-            <a:endParaRPr b="0" lang="zh-CN" sz="2400" spc="-1" strike="noStrike">
-              <a:solidFill>
-                <a:srgbClr val="000000"/>
-              </a:solidFill>
-              <a:latin typeface="Calibri"/>
+              <a:rPr b="1" lang="en-US" sz="2400" spc="-1" strike="noStrike">
+                <a:solidFill>
+                  <a:srgbClr val="000000"/>
+                </a:solidFill>
+                <a:latin typeface="FreeMono"/>
+                <a:ea typeface="DejaVu Sans"/>
+              </a:rPr>
+              <a:t>&lt;Event&gt;&lt;![CDATA[</a:t>
+            </a:r>
+            <a:r>
+              <a:rPr b="1" lang="en-US" sz="2400" spc="-1" strike="noStrike">
+                <a:solidFill>
+                  <a:srgbClr val="ce181e"/>
+                </a:solidFill>
+                <a:latin typeface="FreeMono"/>
+                <a:ea typeface="DejaVu Sans"/>
+              </a:rPr>
+              <a:t>subscribe</a:t>
+            </a:r>
+            <a:r>
+              <a:rPr b="1" lang="en-US" sz="2400" spc="-1" strike="noStrike">
+                <a:solidFill>
+                  <a:srgbClr val="000000"/>
+                </a:solidFill>
+                <a:latin typeface="FreeMono"/>
+                <a:ea typeface="DejaVu Sans"/>
+              </a:rPr>
+              <a:t>]]&gt;&lt;/Event&gt;</a:t>
+            </a:r>
+            <a:endParaRPr b="0" lang="en-US" sz="2400" spc="-1" strike="noStrike">
+              <a:latin typeface="Arial"/>
             </a:endParaRPr>
           </a:p>
           <a:p>
             <a:pPr>
               <a:lnSpc>
-                <a:spcPct val="75000"/>
-              </a:lnSpc>
-              <a:spcBef>
-                <a:spcPts val="1001"/>
-              </a:spcBef>
-            </a:pPr>
-            <a:r>
-              <a:rPr b="1" lang="zh-CN" sz="2400" spc="-1" strike="noStrike">
-                <a:solidFill>
-                  <a:srgbClr val="000000"/>
-                </a:solidFill>
-                <a:latin typeface="FreeMono"/>
-              </a:rPr>
-              <a:t>    </a:t>
-            </a:r>
-            <a:r>
-              <a:rPr b="1" lang="zh-CN" sz="2400" spc="-1" strike="noStrike">
-                <a:solidFill>
-                  <a:srgbClr val="000000"/>
-                </a:solidFill>
-                <a:latin typeface="FreeMono"/>
-              </a:rPr>
-              <a:t>&lt;Latitude&gt;23.137466&lt;/Latitude&gt;</a:t>
-            </a:r>
-            <a:endParaRPr b="0" lang="zh-CN" sz="2400" spc="-1" strike="noStrike">
-              <a:solidFill>
-                <a:srgbClr val="000000"/>
-              </a:solidFill>
-              <a:latin typeface="Calibri"/>
-            </a:endParaRPr>
-          </a:p>
-          <a:p>
-            <a:pPr>
-              <a:lnSpc>
-                <a:spcPct val="75000"/>
-              </a:lnSpc>
-              <a:spcBef>
-                <a:spcPts val="1001"/>
-              </a:spcBef>
-            </a:pPr>
-            <a:r>
-              <a:rPr b="1" lang="zh-CN" sz="2400" spc="-1" strike="noStrike">
-                <a:solidFill>
-                  <a:srgbClr val="000000"/>
-                </a:solidFill>
-                <a:latin typeface="FreeMono"/>
-              </a:rPr>
-              <a:t>    </a:t>
-            </a:r>
-            <a:r>
-              <a:rPr b="1" lang="zh-CN" sz="2400" spc="-1" strike="noStrike">
-                <a:solidFill>
-                  <a:srgbClr val="000000"/>
-                </a:solidFill>
-                <a:latin typeface="FreeMono"/>
-              </a:rPr>
-              <a:t>&lt;Longitude&gt;113.352425&lt;/Longitude&gt;</a:t>
-            </a:r>
-            <a:endParaRPr b="0" lang="zh-CN" sz="2400" spc="-1" strike="noStrike">
-              <a:solidFill>
-                <a:srgbClr val="000000"/>
-              </a:solidFill>
-              <a:latin typeface="Calibri"/>
-            </a:endParaRPr>
-          </a:p>
-          <a:p>
-            <a:pPr>
-              <a:lnSpc>
-                <a:spcPct val="75000"/>
-              </a:lnSpc>
-              <a:spcBef>
-                <a:spcPts val="1001"/>
-              </a:spcBef>
-            </a:pPr>
-            <a:r>
-              <a:rPr b="1" lang="zh-CN" sz="2400" spc="-1" strike="noStrike">
-                <a:solidFill>
-                  <a:srgbClr val="000000"/>
-                </a:solidFill>
-                <a:latin typeface="FreeMono"/>
-              </a:rPr>
-              <a:t>    </a:t>
-            </a:r>
-            <a:r>
-              <a:rPr b="1" lang="zh-CN" sz="2400" spc="-1" strike="noStrike">
-                <a:solidFill>
-                  <a:srgbClr val="000000"/>
-                </a:solidFill>
-                <a:latin typeface="FreeMono"/>
-              </a:rPr>
-              <a:t>&lt;Precision&gt;119.385040&lt;/Precision&gt;</a:t>
-            </a:r>
-            <a:endParaRPr b="0" lang="zh-CN" sz="2400" spc="-1" strike="noStrike">
-              <a:solidFill>
-                <a:srgbClr val="000000"/>
-              </a:solidFill>
-              <a:latin typeface="Calibri"/>
-            </a:endParaRPr>
-          </a:p>
-          <a:p>
-            <a:pPr>
-              <a:lnSpc>
-                <a:spcPct val="75000"/>
-              </a:lnSpc>
-              <a:spcBef>
-                <a:spcPts val="1001"/>
-              </a:spcBef>
-            </a:pPr>
-            <a:r>
-              <a:rPr b="1" lang="zh-CN" sz="2400" spc="-1" strike="noStrike">
-                <a:solidFill>
-                  <a:srgbClr val="000000"/>
-                </a:solidFill>
-                <a:latin typeface="FreeMono"/>
+                <a:spcPct val="90000"/>
+              </a:lnSpc>
+              <a:spcBef>
+                <a:spcPts val="567"/>
+              </a:spcBef>
+            </a:pPr>
+            <a:r>
+              <a:rPr b="1" lang="en-US" sz="2400" spc="-1" strike="noStrike">
+                <a:solidFill>
+                  <a:srgbClr val="000000"/>
+                </a:solidFill>
+                <a:latin typeface="FreeMono"/>
+                <a:ea typeface="DejaVu Sans"/>
               </a:rPr>
               <a:t>&lt;/xml&gt;</a:t>
             </a:r>
-            <a:endParaRPr b="0" lang="zh-CN" sz="2400" spc="-1" strike="noStrike">
-              <a:solidFill>
-                <a:srgbClr val="000000"/>
-              </a:solidFill>
-              <a:latin typeface="Calibri"/>
-            </a:endParaRPr>
-          </a:p>
-          <a:p>
-            <a:pPr marL="228600" indent="-228240">
-              <a:lnSpc>
-                <a:spcPct val="100000"/>
+            <a:endParaRPr b="0" lang="en-US" sz="2400" spc="-1" strike="noStrike">
+              <a:latin typeface="Arial"/>
+            </a:endParaRPr>
+          </a:p>
+          <a:p>
+            <a:pPr marL="228600" indent="-227160">
+              <a:lnSpc>
+                <a:spcPct val="90000"/>
               </a:lnSpc>
               <a:spcBef>
                 <a:spcPts val="1001"/>
@@ -5075,19 +5336,158 @@
               <a:buChar char="•"/>
             </a:pPr>
             <a:r>
-              <a:rPr b="0" lang="zh-CN" sz="2400" spc="-1" strike="noStrike">
-                <a:solidFill>
-                  <a:srgbClr val="000000"/>
-                </a:solidFill>
-                <a:latin typeface="FreeMono"/>
-              </a:rPr>
-              <a:t>当用户允许获取地理位置信息，进入公众号后，会上报用户额地理位置到开发者服务器，这个功能可以用来开发基于地理位置的推送服务，比如一些平台会根据你的位置推荐周边商家。</a:t>
-            </a:r>
-            <a:endParaRPr b="0" lang="zh-CN" sz="2400" spc="-1" strike="noStrike">
-              <a:solidFill>
+              <a:rPr b="0" lang="en-US" sz="2400" spc="-1" strike="noStrike">
+                <a:solidFill>
+                  <a:srgbClr val="000000"/>
+                </a:solidFill>
+                <a:latin typeface="FreeMono"/>
+                <a:ea typeface="DejaVu Sans"/>
+              </a:rPr>
+              <a:t>在用户关注公众号之后，开发者服务器会收到这样的一条消息，可根据消息中的</a:t>
+            </a:r>
+            <a:r>
+              <a:rPr b="0" lang="en-US" sz="2400" spc="-1" strike="noStrike">
+                <a:solidFill>
+                  <a:srgbClr val="000000"/>
+                </a:solidFill>
+                <a:latin typeface="FreeMono"/>
+                <a:ea typeface="DejaVu Sans"/>
+              </a:rPr>
+              <a:t>ToUserName</a:t>
+            </a:r>
+            <a:r>
+              <a:rPr b="0" lang="en-US" sz="2400" spc="-1" strike="noStrike">
+                <a:solidFill>
+                  <a:srgbClr val="000000"/>
+                </a:solidFill>
+                <a:latin typeface="FreeMono"/>
+                <a:ea typeface="DejaVu Sans"/>
+              </a:rPr>
+              <a:t>获取用户的</a:t>
+            </a:r>
+            <a:r>
+              <a:rPr b="0" lang="en-US" sz="2400" spc="-1" strike="noStrike">
+                <a:solidFill>
+                  <a:srgbClr val="000000"/>
+                </a:solidFill>
+                <a:latin typeface="FreeMono"/>
+                <a:ea typeface="DejaVu Sans"/>
+              </a:rPr>
+              <a:t>OpenID</a:t>
+            </a:r>
+            <a:r>
+              <a:rPr b="0" lang="en-US" sz="2400" spc="-1" strike="noStrike">
+                <a:solidFill>
+                  <a:srgbClr val="000000"/>
+                </a:solidFill>
+                <a:latin typeface="FreeMono"/>
+                <a:ea typeface="DejaVu Sans"/>
+              </a:rPr>
+              <a:t>。根据业务需要，可以把</a:t>
+            </a:r>
+            <a:r>
+              <a:rPr b="0" lang="en-US" sz="2400" spc="-1" strike="noStrike">
+                <a:solidFill>
+                  <a:srgbClr val="000000"/>
+                </a:solidFill>
+                <a:latin typeface="FreeMono"/>
+                <a:ea typeface="DejaVu Sans"/>
+              </a:rPr>
+              <a:t>OpenID</a:t>
+            </a:r>
+            <a:r>
+              <a:rPr b="0" lang="en-US" sz="2400" spc="-1" strike="noStrike">
+                <a:solidFill>
+                  <a:srgbClr val="000000"/>
+                </a:solidFill>
+                <a:latin typeface="FreeMono"/>
+                <a:ea typeface="DejaVu Sans"/>
+              </a:rPr>
+              <a:t>记录到数据库。</a:t>
+            </a:r>
+            <a:endParaRPr b="0" lang="en-US" sz="2400" spc="-1" strike="noStrike">
+              <a:latin typeface="Arial"/>
+            </a:endParaRPr>
+          </a:p>
+          <a:p>
+            <a:pPr marL="228600" indent="-227160">
+              <a:lnSpc>
+                <a:spcPct val="90000"/>
+              </a:lnSpc>
+              <a:spcBef>
+                <a:spcPts val="1001"/>
+              </a:spcBef>
+              <a:buClr>
                 <a:srgbClr val="000000"/>
-              </a:solidFill>
-              <a:latin typeface="Calibri"/>
+              </a:buClr>
+              <a:buFont typeface="Arial"/>
+              <a:buChar char="•"/>
+            </a:pPr>
+            <a:r>
+              <a:rPr b="0" lang="en-US" sz="2400" spc="-1" strike="noStrike">
+                <a:solidFill>
+                  <a:srgbClr val="000000"/>
+                </a:solidFill>
+                <a:latin typeface="FreeMono"/>
+                <a:ea typeface="DejaVu Sans"/>
+              </a:rPr>
+              <a:t>如果是用户取消关注，则</a:t>
+            </a:r>
+            <a:r>
+              <a:rPr b="0" lang="en-US" sz="2400" spc="-1" strike="noStrike">
+                <a:solidFill>
+                  <a:srgbClr val="000000"/>
+                </a:solidFill>
+                <a:latin typeface="FreeMono"/>
+                <a:ea typeface="DejaVu Sans"/>
+              </a:rPr>
+              <a:t>Event</a:t>
+            </a:r>
+            <a:r>
+              <a:rPr b="0" lang="en-US" sz="2400" spc="-1" strike="noStrike">
+                <a:solidFill>
+                  <a:srgbClr val="000000"/>
+                </a:solidFill>
+                <a:latin typeface="FreeMono"/>
+                <a:ea typeface="DejaVu Sans"/>
+              </a:rPr>
+              <a:t>字段的值为</a:t>
+            </a:r>
+            <a:r>
+              <a:rPr b="0" lang="en-US" sz="2400" spc="-1" strike="noStrike">
+                <a:solidFill>
+                  <a:srgbClr val="000000"/>
+                </a:solidFill>
+                <a:latin typeface="FreeMono"/>
+                <a:ea typeface="DejaVu Sans"/>
+              </a:rPr>
+              <a:t>unsubscribe</a:t>
+            </a:r>
+            <a:r>
+              <a:rPr b="0" lang="en-US" sz="2400" spc="-1" strike="noStrike">
+                <a:solidFill>
+                  <a:srgbClr val="000000"/>
+                </a:solidFill>
+                <a:latin typeface="FreeMono"/>
+                <a:ea typeface="DejaVu Sans"/>
+              </a:rPr>
+              <a:t>。</a:t>
+            </a:r>
+            <a:endParaRPr b="0" lang="en-US" sz="2400" spc="-1" strike="noStrike">
+              <a:latin typeface="Arial"/>
+            </a:endParaRPr>
+          </a:p>
+          <a:p>
+            <a:pPr>
+              <a:lnSpc>
+                <a:spcPct val="90000"/>
+              </a:lnSpc>
+              <a:spcBef>
+                <a:spcPts val="1001"/>
+              </a:spcBef>
+            </a:pPr>
+            <a:endParaRPr b="0" lang="en-US" sz="2400" spc="-1" strike="noStrike">
+              <a:latin typeface="Arial"/>
             </a:endParaRPr>
           </a:p>
         </p:txBody>
@@ -5143,14 +5543,14 @@
       </p:grpSpPr>
       <p:sp>
         <p:nvSpPr>
-          <p:cNvPr id="90" name="TextShape 1"/>
-          <p:cNvSpPr txBox="1"/>
+          <p:cNvPr id="84" name="CustomShape 1"/>
+          <p:cNvSpPr/>
           <p:nvPr/>
         </p:nvSpPr>
         <p:spPr>
           <a:xfrm>
             <a:off x="838080" y="365040"/>
-            <a:ext cx="10515240" cy="788400"/>
+            <a:ext cx="10514160" cy="787320"/>
           </a:xfrm>
           <a:prstGeom prst="rect">
             <a:avLst/>
@@ -5160,8 +5560,14 @@
             <a:noFill/>
           </a:ln>
         </p:spPr>
-        <p:txBody>
-          <a:bodyPr anchor="ctr"/>
+        <p:style>
+          <a:lnRef idx="0"/>
+          <a:fillRef idx="0"/>
+          <a:effectRef idx="0"/>
+          <a:fontRef idx="minor"/>
+        </p:style>
+        <p:txBody>
+          <a:bodyPr lIns="90000" rIns="90000" tIns="45000" bIns="45000" anchor="ctr"/>
           <a:p>
             <a:pPr>
               <a:lnSpc>
@@ -5169,33 +5575,31 @@
               </a:lnSpc>
             </a:pPr>
             <a:r>
-              <a:rPr b="0" lang="zh-CN" sz="3600" spc="-1" strike="noStrike">
+              <a:rPr b="0" lang="en-US" sz="3600" spc="-1" strike="noStrike">
                 <a:solidFill>
                   <a:srgbClr val="000000"/>
                 </a:solidFill>
                 <a:latin typeface="Calibri Light"/>
-              </a:rPr>
-              <a:t>加入事件消息处理</a:t>
-            </a:r>
-            <a:endParaRPr b="0" lang="zh-CN" sz="3600" spc="-1" strike="noStrike">
-              <a:solidFill>
-                <a:srgbClr val="000000"/>
-              </a:solidFill>
-              <a:latin typeface="Calibri"/>
-            </a:endParaRPr>
-          </a:p>
-        </p:txBody>
-      </p:sp>
-      <p:sp>
-        <p:nvSpPr>
-          <p:cNvPr id="91" name="TextShape 2"/>
-          <p:cNvSpPr txBox="1"/>
+                <a:ea typeface="DejaVu Sans"/>
+              </a:rPr>
+              <a:t>扫描带场景值二维码事件</a:t>
+            </a:r>
+            <a:endParaRPr b="0" lang="en-US" sz="3600" spc="-1" strike="noStrike">
+              <a:latin typeface="Arial"/>
+            </a:endParaRPr>
+          </a:p>
+        </p:txBody>
+      </p:sp>
+      <p:sp>
+        <p:nvSpPr>
+          <p:cNvPr id="85" name="CustomShape 2"/>
+          <p:cNvSpPr/>
           <p:nvPr/>
         </p:nvSpPr>
         <p:spPr>
           <a:xfrm>
-            <a:off x="838080" y="1093320"/>
-            <a:ext cx="10515240" cy="5517720"/>
+            <a:off x="838080" y="1394640"/>
+            <a:ext cx="10514160" cy="5223960"/>
           </a:xfrm>
           <a:prstGeom prst="rect">
             <a:avLst/>
@@ -5205,14 +5609,317 @@
             <a:noFill/>
           </a:ln>
         </p:spPr>
-        <p:txBody>
-          <a:bodyPr>
+        <p:style>
+          <a:lnRef idx="0"/>
+          <a:fillRef idx="0"/>
+          <a:effectRef idx="0"/>
+          <a:fontRef idx="minor"/>
+        </p:style>
+        <p:txBody>
+          <a:bodyPr lIns="90000" rIns="90000" tIns="45000" bIns="45000">
             <a:normAutofit/>
           </a:bodyPr>
           <a:p>
-            <a:pPr marL="228600" indent="-228240">
-              <a:lnSpc>
-                <a:spcPct val="115000"/>
+            <a:pPr>
+              <a:lnSpc>
+                <a:spcPct val="90000"/>
+              </a:lnSpc>
+              <a:spcBef>
+                <a:spcPts val="283"/>
+              </a:spcBef>
+            </a:pPr>
+            <a:r>
+              <a:rPr b="1" lang="en-US" sz="2400" spc="-1" strike="noStrike">
+                <a:solidFill>
+                  <a:srgbClr val="000000"/>
+                </a:solidFill>
+                <a:latin typeface="FreeMono"/>
+                <a:ea typeface="DejaVu Sans"/>
+              </a:rPr>
+              <a:t>&lt;xml&gt;</a:t>
+            </a:r>
+            <a:endParaRPr b="0" lang="en-US" sz="2400" spc="-1" strike="noStrike">
+              <a:latin typeface="Arial"/>
+            </a:endParaRPr>
+          </a:p>
+          <a:p>
+            <a:pPr>
+              <a:lnSpc>
+                <a:spcPct val="90000"/>
+              </a:lnSpc>
+              <a:spcBef>
+                <a:spcPts val="283"/>
+              </a:spcBef>
+            </a:pPr>
+            <a:r>
+              <a:rPr b="1" lang="en-US" sz="2400" spc="-1" strike="noStrike">
+                <a:solidFill>
+                  <a:srgbClr val="000000"/>
+                </a:solidFill>
+                <a:latin typeface="FreeMono"/>
+                <a:ea typeface="DejaVu Sans"/>
+              </a:rPr>
+              <a:t>    </a:t>
+            </a:r>
+            <a:r>
+              <a:rPr b="1" lang="en-US" sz="2400" spc="-1" strike="noStrike">
+                <a:solidFill>
+                  <a:srgbClr val="000000"/>
+                </a:solidFill>
+                <a:latin typeface="FreeMono"/>
+                <a:ea typeface="DejaVu Sans"/>
+              </a:rPr>
+              <a:t>&lt;ToUserName&gt;&lt;![CDATA[toUser]]&gt;&lt;/ToUserName&gt;</a:t>
+            </a:r>
+            <a:endParaRPr b="0" lang="en-US" sz="2400" spc="-1" strike="noStrike">
+              <a:latin typeface="Arial"/>
+            </a:endParaRPr>
+          </a:p>
+          <a:p>
+            <a:pPr>
+              <a:lnSpc>
+                <a:spcPct val="90000"/>
+              </a:lnSpc>
+              <a:spcBef>
+                <a:spcPts val="283"/>
+              </a:spcBef>
+            </a:pPr>
+            <a:r>
+              <a:rPr b="1" lang="en-US" sz="2400" spc="-1" strike="noStrike">
+                <a:solidFill>
+                  <a:srgbClr val="000000"/>
+                </a:solidFill>
+                <a:latin typeface="FreeMono"/>
+                <a:ea typeface="DejaVu Sans"/>
+              </a:rPr>
+              <a:t>    </a:t>
+            </a:r>
+            <a:r>
+              <a:rPr b="1" lang="en-US" sz="2400" spc="-1" strike="noStrike">
+                <a:solidFill>
+                  <a:srgbClr val="000000"/>
+                </a:solidFill>
+                <a:latin typeface="FreeMono"/>
+                <a:ea typeface="DejaVu Sans"/>
+              </a:rPr>
+              <a:t>&lt;FromUserName&gt;&lt;![CDATA[FromUser]]&gt;&lt;/FromUserName&gt;</a:t>
+            </a:r>
+            <a:endParaRPr b="0" lang="en-US" sz="2400" spc="-1" strike="noStrike">
+              <a:latin typeface="Arial"/>
+            </a:endParaRPr>
+          </a:p>
+          <a:p>
+            <a:pPr>
+              <a:lnSpc>
+                <a:spcPct val="90000"/>
+              </a:lnSpc>
+              <a:spcBef>
+                <a:spcPts val="283"/>
+              </a:spcBef>
+            </a:pPr>
+            <a:r>
+              <a:rPr b="1" lang="en-US" sz="2400" spc="-1" strike="noStrike">
+                <a:solidFill>
+                  <a:srgbClr val="000000"/>
+                </a:solidFill>
+                <a:latin typeface="FreeMono"/>
+                <a:ea typeface="DejaVu Sans"/>
+              </a:rPr>
+              <a:t>    </a:t>
+            </a:r>
+            <a:r>
+              <a:rPr b="1" lang="en-US" sz="2400" spc="-1" strike="noStrike">
+                <a:solidFill>
+                  <a:srgbClr val="000000"/>
+                </a:solidFill>
+                <a:latin typeface="FreeMono"/>
+                <a:ea typeface="DejaVu Sans"/>
+              </a:rPr>
+              <a:t>&lt;CreateTime&gt;123456789&lt;/CreateTime&gt;</a:t>
+            </a:r>
+            <a:endParaRPr b="0" lang="en-US" sz="2400" spc="-1" strike="noStrike">
+              <a:latin typeface="Arial"/>
+            </a:endParaRPr>
+          </a:p>
+          <a:p>
+            <a:pPr>
+              <a:lnSpc>
+                <a:spcPct val="90000"/>
+              </a:lnSpc>
+              <a:spcBef>
+                <a:spcPts val="283"/>
+              </a:spcBef>
+            </a:pPr>
+            <a:r>
+              <a:rPr b="1" lang="en-US" sz="2400" spc="-1" strike="noStrike">
+                <a:solidFill>
+                  <a:srgbClr val="000000"/>
+                </a:solidFill>
+                <a:latin typeface="FreeMono"/>
+                <a:ea typeface="DejaVu Sans"/>
+              </a:rPr>
+              <a:t>    </a:t>
+            </a:r>
+            <a:r>
+              <a:rPr b="1" lang="en-US" sz="2400" spc="-1" strike="noStrike">
+                <a:solidFill>
+                  <a:srgbClr val="000000"/>
+                </a:solidFill>
+                <a:latin typeface="FreeMono"/>
+                <a:ea typeface="DejaVu Sans"/>
+              </a:rPr>
+              <a:t>&lt;MsgType&gt;&lt;![CDATA[event]]&gt;&lt;/MsgType&gt;</a:t>
+            </a:r>
+            <a:endParaRPr b="0" lang="en-US" sz="2400" spc="-1" strike="noStrike">
+              <a:latin typeface="Arial"/>
+            </a:endParaRPr>
+          </a:p>
+          <a:p>
+            <a:pPr>
+              <a:lnSpc>
+                <a:spcPct val="90000"/>
+              </a:lnSpc>
+              <a:spcBef>
+                <a:spcPts val="283"/>
+              </a:spcBef>
+            </a:pPr>
+            <a:r>
+              <a:rPr b="1" lang="en-US" sz="2400" spc="-1" strike="noStrike">
+                <a:solidFill>
+                  <a:srgbClr val="000000"/>
+                </a:solidFill>
+                <a:latin typeface="FreeMono"/>
+                <a:ea typeface="DejaVu Sans"/>
+              </a:rPr>
+              <a:t>    </a:t>
+            </a:r>
+            <a:r>
+              <a:rPr b="1" lang="en-US" sz="2400" spc="-1" strike="noStrike">
+                <a:solidFill>
+                  <a:srgbClr val="000000"/>
+                </a:solidFill>
+                <a:latin typeface="FreeMono"/>
+                <a:ea typeface="DejaVu Sans"/>
+              </a:rPr>
+              <a:t>&lt;Event&gt;&lt;![CDATA[</a:t>
+            </a:r>
+            <a:r>
+              <a:rPr b="1" lang="en-US" sz="2400" spc="-1" strike="noStrike">
+                <a:solidFill>
+                  <a:srgbClr val="ce181e"/>
+                </a:solidFill>
+                <a:latin typeface="FreeMono"/>
+                <a:ea typeface="DejaVu Sans"/>
+              </a:rPr>
+              <a:t>subscribe</a:t>
+            </a:r>
+            <a:r>
+              <a:rPr b="1" lang="en-US" sz="2400" spc="-1" strike="noStrike">
+                <a:solidFill>
+                  <a:srgbClr val="000000"/>
+                </a:solidFill>
+                <a:latin typeface="FreeMono"/>
+                <a:ea typeface="DejaVu Sans"/>
+              </a:rPr>
+              <a:t>]]&gt;&lt;/Event&gt;</a:t>
+            </a:r>
+            <a:endParaRPr b="0" lang="en-US" sz="2400" spc="-1" strike="noStrike">
+              <a:latin typeface="Arial"/>
+            </a:endParaRPr>
+          </a:p>
+          <a:p>
+            <a:pPr>
+              <a:lnSpc>
+                <a:spcPct val="90000"/>
+              </a:lnSpc>
+              <a:spcBef>
+                <a:spcPts val="283"/>
+              </a:spcBef>
+            </a:pPr>
+            <a:r>
+              <a:rPr b="1" lang="en-US" sz="2400" spc="-1" strike="noStrike">
+                <a:solidFill>
+                  <a:srgbClr val="000000"/>
+                </a:solidFill>
+                <a:latin typeface="FreeMono"/>
+                <a:ea typeface="DejaVu Sans"/>
+              </a:rPr>
+              <a:t>    </a:t>
+            </a:r>
+            <a:r>
+              <a:rPr b="1" lang="en-US" sz="2400" spc="-1" strike="noStrike">
+                <a:solidFill>
+                  <a:srgbClr val="000000"/>
+                </a:solidFill>
+                <a:latin typeface="FreeMono"/>
+                <a:ea typeface="DejaVu Sans"/>
+              </a:rPr>
+              <a:t>&lt;EventKey&gt;&lt; ![CDATA[qrscene_123123]]&gt;&lt;/EventKey&gt;</a:t>
+            </a:r>
+            <a:endParaRPr b="0" lang="en-US" sz="2400" spc="-1" strike="noStrike">
+              <a:latin typeface="Arial"/>
+            </a:endParaRPr>
+          </a:p>
+          <a:p>
+            <a:pPr>
+              <a:lnSpc>
+                <a:spcPct val="90000"/>
+              </a:lnSpc>
+              <a:spcBef>
+                <a:spcPts val="283"/>
+              </a:spcBef>
+            </a:pPr>
+            <a:r>
+              <a:rPr b="1" lang="en-US" sz="2400" spc="-1" strike="noStrike">
+                <a:solidFill>
+                  <a:srgbClr val="000000"/>
+                </a:solidFill>
+                <a:latin typeface="FreeMono"/>
+                <a:ea typeface="DejaVu Sans"/>
+              </a:rPr>
+              <a:t>    </a:t>
+            </a:r>
+            <a:r>
+              <a:rPr b="1" lang="en-US" sz="2400" spc="-1" strike="noStrike">
+                <a:solidFill>
+                  <a:srgbClr val="000000"/>
+                </a:solidFill>
+                <a:latin typeface="FreeMono"/>
+                <a:ea typeface="DejaVu Sans"/>
+              </a:rPr>
+              <a:t>&lt;Ticket&gt;&lt;![CDATA[TICKET]]&gt;&lt;/Ticket&gt;</a:t>
+            </a:r>
+            <a:endParaRPr b="0" lang="en-US" sz="2400" spc="-1" strike="noStrike">
+              <a:latin typeface="Arial"/>
+            </a:endParaRPr>
+          </a:p>
+          <a:p>
+            <a:pPr>
+              <a:lnSpc>
+                <a:spcPct val="90000"/>
+              </a:lnSpc>
+              <a:spcBef>
+                <a:spcPts val="283"/>
+              </a:spcBef>
+            </a:pPr>
+            <a:r>
+              <a:rPr b="1" lang="en-US" sz="2400" spc="-1" strike="noStrike">
+                <a:solidFill>
+                  <a:srgbClr val="000000"/>
+                </a:solidFill>
+                <a:latin typeface="FreeMono"/>
+                <a:ea typeface="DejaVu Sans"/>
+              </a:rPr>
+              <a:t>&lt;/xml&gt;</a:t>
+            </a:r>
+            <a:endParaRPr b="0" lang="en-US" sz="2400" spc="-1" strike="noStrike">
+              <a:latin typeface="Arial"/>
+            </a:endParaRPr>
+          </a:p>
+          <a:p>
+            <a:pPr marL="228600" indent="-227160">
+              <a:lnSpc>
+                <a:spcPct val="90000"/>
               </a:lnSpc>
               <a:spcBef>
                 <a:spcPts val="1001"/>
@@ -5224,153 +5931,70 @@
               <a:buChar char="•"/>
             </a:pPr>
             <a:r>
-              <a:rPr b="0" lang="zh-CN" sz="2400" spc="-1" strike="noStrike">
-                <a:solidFill>
-                  <a:srgbClr val="000000"/>
-                </a:solidFill>
-                <a:latin typeface="FreeMono"/>
-              </a:rPr>
-              <a:t>在之前处理普通用户消息的基础上，只需要做以下几点：</a:t>
-            </a:r>
-            <a:endParaRPr b="0" lang="zh-CN" sz="2400" spc="-1" strike="noStrike">
-              <a:solidFill>
-                <a:srgbClr val="000000"/>
-              </a:solidFill>
-              <a:latin typeface="Calibri"/>
-            </a:endParaRPr>
-          </a:p>
-          <a:p>
-            <a:pPr lvl="1" marL="685800" indent="-228240">
-              <a:lnSpc>
-                <a:spcPct val="155000"/>
-              </a:lnSpc>
-              <a:spcBef>
-                <a:spcPts val="499"/>
-              </a:spcBef>
-              <a:buClr>
-                <a:srgbClr val="000000"/>
-              </a:buClr>
-              <a:buFont typeface="Arial"/>
-              <a:buChar char="•"/>
-            </a:pPr>
-            <a:r>
-              <a:rPr b="0" lang="zh-CN" sz="2200" spc="-1" strike="noStrike">
-                <a:solidFill>
-                  <a:srgbClr val="000000"/>
-                </a:solidFill>
-                <a:latin typeface="FreeMono"/>
-              </a:rPr>
-              <a:t>修改</a:t>
-            </a:r>
-            <a:r>
-              <a:rPr b="0" lang="zh-CN" sz="2200" spc="-1" strike="noStrike">
-                <a:solidFill>
-                  <a:srgbClr val="000000"/>
-                </a:solidFill>
-                <a:latin typeface="FreeMono"/>
-              </a:rPr>
-              <a:t>preMsgHandle</a:t>
-            </a:r>
-            <a:r>
-              <a:rPr b="0" lang="zh-CN" sz="2200" spc="-1" strike="noStrike">
-                <a:solidFill>
-                  <a:srgbClr val="000000"/>
-                </a:solidFill>
-                <a:latin typeface="FreeMono"/>
-              </a:rPr>
-              <a:t>函数加入判断消息类型为</a:t>
-            </a:r>
-            <a:r>
-              <a:rPr b="0" lang="zh-CN" sz="2200" spc="-1" strike="noStrike">
-                <a:solidFill>
-                  <a:srgbClr val="000000"/>
-                </a:solidFill>
-                <a:latin typeface="FreeMono"/>
-              </a:rPr>
-              <a:t>event</a:t>
-            </a:r>
-            <a:r>
-              <a:rPr b="0" lang="zh-CN" sz="2200" spc="-1" strike="noStrike">
-                <a:solidFill>
-                  <a:srgbClr val="000000"/>
-                </a:solidFill>
-                <a:latin typeface="FreeMono"/>
-              </a:rPr>
-              <a:t>的处理过程。</a:t>
-            </a:r>
-            <a:endParaRPr b="0" lang="zh-CN" sz="2200" spc="-1" strike="noStrike">
-              <a:solidFill>
-                <a:srgbClr val="000000"/>
-              </a:solidFill>
-              <a:latin typeface="Calibri"/>
-            </a:endParaRPr>
-          </a:p>
-          <a:p>
-            <a:pPr lvl="1" marL="685800" indent="-228240">
-              <a:lnSpc>
-                <a:spcPct val="155000"/>
-              </a:lnSpc>
-              <a:spcBef>
-                <a:spcPts val="499"/>
-              </a:spcBef>
-              <a:buClr>
-                <a:srgbClr val="000000"/>
-              </a:buClr>
-              <a:buFont typeface="Arial"/>
-              <a:buChar char="•"/>
-            </a:pPr>
-            <a:r>
-              <a:rPr b="0" lang="zh-CN" sz="2200" spc="-1" strike="noStrike">
-                <a:solidFill>
-                  <a:srgbClr val="000000"/>
-                </a:solidFill>
-                <a:latin typeface="FreeMono"/>
-              </a:rPr>
-              <a:t>根据不同事件类型调用对应的处理函数。</a:t>
-            </a:r>
-            <a:endParaRPr b="0" lang="zh-CN" sz="2200" spc="-1" strike="noStrike">
-              <a:solidFill>
-                <a:srgbClr val="000000"/>
-              </a:solidFill>
-              <a:latin typeface="Calibri"/>
-            </a:endParaRPr>
-          </a:p>
-          <a:p>
-            <a:pPr lvl="1" marL="685800" indent="-228240">
-              <a:lnSpc>
-                <a:spcPct val="155000"/>
-              </a:lnSpc>
-              <a:spcBef>
-                <a:spcPts val="499"/>
-              </a:spcBef>
-              <a:buClr>
-                <a:srgbClr val="000000"/>
-              </a:buClr>
-              <a:buFont typeface="Arial"/>
-              <a:buChar char="•"/>
-            </a:pPr>
-            <a:r>
-              <a:rPr b="0" lang="zh-CN" sz="2200" spc="-1" strike="noStrike">
-                <a:solidFill>
-                  <a:srgbClr val="000000"/>
-                </a:solidFill>
-                <a:latin typeface="FreeMono"/>
-              </a:rPr>
-              <a:t>每个处理对应事件的函数再根据具体的信息做处理。</a:t>
-            </a:r>
-            <a:endParaRPr b="0" lang="zh-CN" sz="2200" spc="-1" strike="noStrike">
-              <a:solidFill>
-                <a:srgbClr val="000000"/>
-              </a:solidFill>
-              <a:latin typeface="Calibri"/>
-            </a:endParaRPr>
-          </a:p>
-          <a:p>
-            <a:endParaRPr b="0" lang="zh-CN" sz="2200" spc="-1" strike="noStrike">
-              <a:solidFill>
-                <a:srgbClr val="000000"/>
-              </a:solidFill>
-              <a:latin typeface="Calibri"/>
+              <a:rPr b="0" lang="en-US" sz="2400" spc="-1" strike="noStrike">
+                <a:solidFill>
+                  <a:srgbClr val="000000"/>
+                </a:solidFill>
+                <a:latin typeface="FreeMono"/>
+                <a:ea typeface="DejaVu Sans"/>
+              </a:rPr>
+              <a:t>如果用户未关注公众号，则用户关注公众号之后，会推送消息给开发者服务器。注意，</a:t>
+            </a:r>
+            <a:r>
+              <a:rPr b="0" lang="en-US" sz="2400" spc="-1" strike="noStrike">
+                <a:solidFill>
+                  <a:srgbClr val="000000"/>
+                </a:solidFill>
+                <a:latin typeface="FreeMono"/>
+                <a:ea typeface="DejaVu Sans"/>
+              </a:rPr>
+              <a:t>Event</a:t>
+            </a:r>
+            <a:r>
+              <a:rPr b="0" lang="en-US" sz="2400" spc="-1" strike="noStrike">
+                <a:solidFill>
+                  <a:srgbClr val="000000"/>
+                </a:solidFill>
+                <a:latin typeface="FreeMono"/>
+                <a:ea typeface="DejaVu Sans"/>
+              </a:rPr>
+              <a:t>字段为</a:t>
+            </a:r>
+            <a:r>
+              <a:rPr b="0" lang="en-US" sz="2400" spc="-1" strike="noStrike">
+                <a:solidFill>
+                  <a:srgbClr val="000000"/>
+                </a:solidFill>
+                <a:latin typeface="FreeMono"/>
+                <a:ea typeface="DejaVu Sans"/>
+              </a:rPr>
+              <a:t>subscribe</a:t>
+            </a:r>
+            <a:r>
+              <a:rPr b="0" lang="en-US" sz="2400" spc="-1" strike="noStrike">
+                <a:solidFill>
+                  <a:srgbClr val="000000"/>
+                </a:solidFill>
+                <a:latin typeface="FreeMono"/>
+                <a:ea typeface="DejaVu Sans"/>
+              </a:rPr>
+              <a:t>表示用户关注。</a:t>
+            </a:r>
+            <a:endParaRPr b="0" lang="en-US" sz="2400" spc="-1" strike="noStrike">
+              <a:latin typeface="Arial"/>
+            </a:endParaRPr>
+          </a:p>
+          <a:p>
+            <a:pPr>
+              <a:lnSpc>
+                <a:spcPct val="90000"/>
+              </a:lnSpc>
+              <a:spcBef>
+                <a:spcPts val="1001"/>
+              </a:spcBef>
+            </a:pPr>
+            <a:endParaRPr b="0" lang="en-US" sz="2400" spc="-1" strike="noStrike">
+              <a:latin typeface="Arial"/>
             </a:endParaRPr>
           </a:p>
         </p:txBody>
@@ -5426,14 +6050,14 @@
       </p:grpSpPr>
       <p:sp>
         <p:nvSpPr>
-          <p:cNvPr id="92" name="TextShape 1"/>
-          <p:cNvSpPr txBox="1"/>
+          <p:cNvPr id="86" name="CustomShape 1"/>
+          <p:cNvSpPr/>
           <p:nvPr/>
         </p:nvSpPr>
         <p:spPr>
           <a:xfrm>
             <a:off x="838080" y="365040"/>
-            <a:ext cx="10515240" cy="788400"/>
+            <a:ext cx="10514160" cy="787320"/>
           </a:xfrm>
           <a:prstGeom prst="rect">
             <a:avLst/>
@@ -5443,8 +6067,14 @@
             <a:noFill/>
           </a:ln>
         </p:spPr>
-        <p:txBody>
-          <a:bodyPr anchor="ctr"/>
+        <p:style>
+          <a:lnRef idx="0"/>
+          <a:fillRef idx="0"/>
+          <a:effectRef idx="0"/>
+          <a:fontRef idx="minor"/>
+        </p:style>
+        <p:txBody>
+          <a:bodyPr lIns="90000" rIns="90000" tIns="45000" bIns="45000" anchor="ctr"/>
           <a:p>
             <a:pPr>
               <a:lnSpc>
@@ -5452,33 +6082,31 @@
               </a:lnSpc>
             </a:pPr>
             <a:r>
-              <a:rPr b="0" lang="zh-CN" sz="3600" spc="-1" strike="noStrike">
+              <a:rPr b="0" lang="en-US" sz="3600" spc="-1" strike="noStrike">
                 <a:solidFill>
                   <a:srgbClr val="000000"/>
                 </a:solidFill>
                 <a:latin typeface="Calibri Light"/>
-              </a:rPr>
-              <a:t>测试：关注测试号查看效果</a:t>
-            </a:r>
-            <a:endParaRPr b="0" lang="zh-CN" sz="3600" spc="-1" strike="noStrike">
-              <a:solidFill>
-                <a:srgbClr val="000000"/>
-              </a:solidFill>
-              <a:latin typeface="Calibri"/>
-            </a:endParaRPr>
-          </a:p>
-        </p:txBody>
-      </p:sp>
-      <p:sp>
-        <p:nvSpPr>
-          <p:cNvPr id="93" name="TextShape 2"/>
-          <p:cNvSpPr txBox="1"/>
+                <a:ea typeface="DejaVu Sans"/>
+              </a:rPr>
+              <a:t>扫描带场景值二维码事件</a:t>
+            </a:r>
+            <a:endParaRPr b="0" lang="en-US" sz="3600" spc="-1" strike="noStrike">
+              <a:latin typeface="Arial"/>
+            </a:endParaRPr>
+          </a:p>
+        </p:txBody>
+      </p:sp>
+      <p:sp>
+        <p:nvSpPr>
+          <p:cNvPr id="87" name="CustomShape 2"/>
+          <p:cNvSpPr/>
           <p:nvPr/>
         </p:nvSpPr>
         <p:spPr>
           <a:xfrm>
-            <a:off x="838080" y="1263600"/>
-            <a:ext cx="10515240" cy="5347440"/>
+            <a:off x="838080" y="1394640"/>
+            <a:ext cx="10514160" cy="5223960"/>
           </a:xfrm>
           <a:prstGeom prst="rect">
             <a:avLst/>
@@ -5488,30 +6116,317 @@
             <a:noFill/>
           </a:ln>
         </p:spPr>
-        <p:txBody>
-          <a:bodyPr>
+        <p:style>
+          <a:lnRef idx="0"/>
+          <a:fillRef idx="0"/>
+          <a:effectRef idx="0"/>
+          <a:fontRef idx="minor"/>
+        </p:style>
+        <p:txBody>
+          <a:bodyPr lIns="90000" rIns="90000" tIns="45000" bIns="45000">
             <a:normAutofit/>
           </a:bodyPr>
           <a:p>
             <a:pPr>
               <a:lnSpc>
-                <a:spcPct val="75000"/>
-              </a:lnSpc>
-              <a:spcBef>
-                <a:spcPts val="1001"/>
-              </a:spcBef>
-            </a:pPr>
-            <a:endParaRPr b="0" lang="zh-CN" sz="2800" spc="-1" strike="noStrike">
-              <a:solidFill>
-                <a:srgbClr val="000000"/>
-              </a:solidFill>
-              <a:latin typeface="Calibri"/>
-            </a:endParaRPr>
-          </a:p>
-          <a:p>
-            <a:pPr marL="228600" indent="-228240">
-              <a:lnSpc>
-                <a:spcPct val="75000"/>
+                <a:spcPct val="90000"/>
+              </a:lnSpc>
+              <a:spcBef>
+                <a:spcPts val="283"/>
+              </a:spcBef>
+            </a:pPr>
+            <a:r>
+              <a:rPr b="1" lang="en-US" sz="2400" spc="-1" strike="noStrike">
+                <a:solidFill>
+                  <a:srgbClr val="000000"/>
+                </a:solidFill>
+                <a:latin typeface="FreeMono"/>
+                <a:ea typeface="DejaVu Sans"/>
+              </a:rPr>
+              <a:t>&lt;xml&gt;</a:t>
+            </a:r>
+            <a:endParaRPr b="0" lang="en-US" sz="2400" spc="-1" strike="noStrike">
+              <a:latin typeface="Arial"/>
+            </a:endParaRPr>
+          </a:p>
+          <a:p>
+            <a:pPr>
+              <a:lnSpc>
+                <a:spcPct val="90000"/>
+              </a:lnSpc>
+              <a:spcBef>
+                <a:spcPts val="283"/>
+              </a:spcBef>
+            </a:pPr>
+            <a:r>
+              <a:rPr b="1" lang="en-US" sz="2400" spc="-1" strike="noStrike">
+                <a:solidFill>
+                  <a:srgbClr val="000000"/>
+                </a:solidFill>
+                <a:latin typeface="FreeMono"/>
+                <a:ea typeface="DejaVu Sans"/>
+              </a:rPr>
+              <a:t>    </a:t>
+            </a:r>
+            <a:r>
+              <a:rPr b="1" lang="en-US" sz="2400" spc="-1" strike="noStrike">
+                <a:solidFill>
+                  <a:srgbClr val="000000"/>
+                </a:solidFill>
+                <a:latin typeface="FreeMono"/>
+                <a:ea typeface="DejaVu Sans"/>
+              </a:rPr>
+              <a:t>&lt;ToUserName&gt;&lt;![CDATA[toUser]]&gt;&lt;/ToUserName&gt;</a:t>
+            </a:r>
+            <a:endParaRPr b="0" lang="en-US" sz="2400" spc="-1" strike="noStrike">
+              <a:latin typeface="Arial"/>
+            </a:endParaRPr>
+          </a:p>
+          <a:p>
+            <a:pPr>
+              <a:lnSpc>
+                <a:spcPct val="90000"/>
+              </a:lnSpc>
+              <a:spcBef>
+                <a:spcPts val="283"/>
+              </a:spcBef>
+            </a:pPr>
+            <a:r>
+              <a:rPr b="1" lang="en-US" sz="2400" spc="-1" strike="noStrike">
+                <a:solidFill>
+                  <a:srgbClr val="000000"/>
+                </a:solidFill>
+                <a:latin typeface="FreeMono"/>
+                <a:ea typeface="DejaVu Sans"/>
+              </a:rPr>
+              <a:t>    </a:t>
+            </a:r>
+            <a:r>
+              <a:rPr b="1" lang="en-US" sz="2400" spc="-1" strike="noStrike">
+                <a:solidFill>
+                  <a:srgbClr val="000000"/>
+                </a:solidFill>
+                <a:latin typeface="FreeMono"/>
+                <a:ea typeface="DejaVu Sans"/>
+              </a:rPr>
+              <a:t>&lt;FromUserName&gt;&lt;![CDATA[FromUser]]&gt;&lt;/FromUserName&gt;</a:t>
+            </a:r>
+            <a:endParaRPr b="0" lang="en-US" sz="2400" spc="-1" strike="noStrike">
+              <a:latin typeface="Arial"/>
+            </a:endParaRPr>
+          </a:p>
+          <a:p>
+            <a:pPr>
+              <a:lnSpc>
+                <a:spcPct val="90000"/>
+              </a:lnSpc>
+              <a:spcBef>
+                <a:spcPts val="283"/>
+              </a:spcBef>
+            </a:pPr>
+            <a:r>
+              <a:rPr b="1" lang="en-US" sz="2400" spc="-1" strike="noStrike">
+                <a:solidFill>
+                  <a:srgbClr val="000000"/>
+                </a:solidFill>
+                <a:latin typeface="FreeMono"/>
+                <a:ea typeface="DejaVu Sans"/>
+              </a:rPr>
+              <a:t>    </a:t>
+            </a:r>
+            <a:r>
+              <a:rPr b="1" lang="en-US" sz="2400" spc="-1" strike="noStrike">
+                <a:solidFill>
+                  <a:srgbClr val="000000"/>
+                </a:solidFill>
+                <a:latin typeface="FreeMono"/>
+                <a:ea typeface="DejaVu Sans"/>
+              </a:rPr>
+              <a:t>&lt;CreateTime&gt;123456789&lt;/CreateTime&gt;</a:t>
+            </a:r>
+            <a:endParaRPr b="0" lang="en-US" sz="2400" spc="-1" strike="noStrike">
+              <a:latin typeface="Arial"/>
+            </a:endParaRPr>
+          </a:p>
+          <a:p>
+            <a:pPr>
+              <a:lnSpc>
+                <a:spcPct val="90000"/>
+              </a:lnSpc>
+              <a:spcBef>
+                <a:spcPts val="283"/>
+              </a:spcBef>
+            </a:pPr>
+            <a:r>
+              <a:rPr b="1" lang="en-US" sz="2400" spc="-1" strike="noStrike">
+                <a:solidFill>
+                  <a:srgbClr val="000000"/>
+                </a:solidFill>
+                <a:latin typeface="FreeMono"/>
+                <a:ea typeface="DejaVu Sans"/>
+              </a:rPr>
+              <a:t>    </a:t>
+            </a:r>
+            <a:r>
+              <a:rPr b="1" lang="en-US" sz="2400" spc="-1" strike="noStrike">
+                <a:solidFill>
+                  <a:srgbClr val="000000"/>
+                </a:solidFill>
+                <a:latin typeface="FreeMono"/>
+                <a:ea typeface="DejaVu Sans"/>
+              </a:rPr>
+              <a:t>&lt;MsgType&gt;&lt;![CDATA[event]]&gt;&lt;/MsgType&gt;</a:t>
+            </a:r>
+            <a:endParaRPr b="0" lang="en-US" sz="2400" spc="-1" strike="noStrike">
+              <a:latin typeface="Arial"/>
+            </a:endParaRPr>
+          </a:p>
+          <a:p>
+            <a:pPr>
+              <a:lnSpc>
+                <a:spcPct val="90000"/>
+              </a:lnSpc>
+              <a:spcBef>
+                <a:spcPts val="283"/>
+              </a:spcBef>
+            </a:pPr>
+            <a:r>
+              <a:rPr b="1" lang="en-US" sz="2400" spc="-1" strike="noStrike">
+                <a:solidFill>
+                  <a:srgbClr val="000000"/>
+                </a:solidFill>
+                <a:latin typeface="FreeMono"/>
+                <a:ea typeface="DejaVu Sans"/>
+              </a:rPr>
+              <a:t>    </a:t>
+            </a:r>
+            <a:r>
+              <a:rPr b="1" lang="en-US" sz="2400" spc="-1" strike="noStrike">
+                <a:solidFill>
+                  <a:srgbClr val="000000"/>
+                </a:solidFill>
+                <a:latin typeface="FreeMono"/>
+                <a:ea typeface="DejaVu Sans"/>
+              </a:rPr>
+              <a:t>&lt;Event&gt;&lt;![CDATA[</a:t>
+            </a:r>
+            <a:r>
+              <a:rPr b="1" lang="en-US" sz="2400" spc="-1" strike="noStrike">
+                <a:solidFill>
+                  <a:srgbClr val="ce181e"/>
+                </a:solidFill>
+                <a:latin typeface="FreeMono"/>
+                <a:ea typeface="DejaVu Sans"/>
+              </a:rPr>
+              <a:t>SCAN</a:t>
+            </a:r>
+            <a:r>
+              <a:rPr b="1" lang="en-US" sz="2400" spc="-1" strike="noStrike">
+                <a:solidFill>
+                  <a:srgbClr val="000000"/>
+                </a:solidFill>
+                <a:latin typeface="FreeMono"/>
+                <a:ea typeface="DejaVu Sans"/>
+              </a:rPr>
+              <a:t>]]&gt;&lt;/Event&gt;</a:t>
+            </a:r>
+            <a:endParaRPr b="0" lang="en-US" sz="2400" spc="-1" strike="noStrike">
+              <a:latin typeface="Arial"/>
+            </a:endParaRPr>
+          </a:p>
+          <a:p>
+            <a:pPr>
+              <a:lnSpc>
+                <a:spcPct val="90000"/>
+              </a:lnSpc>
+              <a:spcBef>
+                <a:spcPts val="283"/>
+              </a:spcBef>
+            </a:pPr>
+            <a:r>
+              <a:rPr b="1" lang="en-US" sz="2400" spc="-1" strike="noStrike">
+                <a:solidFill>
+                  <a:srgbClr val="000000"/>
+                </a:solidFill>
+                <a:latin typeface="FreeMono"/>
+                <a:ea typeface="DejaVu Sans"/>
+              </a:rPr>
+              <a:t>    </a:t>
+            </a:r>
+            <a:r>
+              <a:rPr b="1" lang="en-US" sz="2400" spc="-1" strike="noStrike">
+                <a:solidFill>
+                  <a:srgbClr val="000000"/>
+                </a:solidFill>
+                <a:latin typeface="FreeMono"/>
+                <a:ea typeface="DejaVu Sans"/>
+              </a:rPr>
+              <a:t>&lt;EventKey&gt;&lt; ![CDATA[qrscene_123123]]&gt;&lt;/EventKey&gt;</a:t>
+            </a:r>
+            <a:endParaRPr b="0" lang="en-US" sz="2400" spc="-1" strike="noStrike">
+              <a:latin typeface="Arial"/>
+            </a:endParaRPr>
+          </a:p>
+          <a:p>
+            <a:pPr>
+              <a:lnSpc>
+                <a:spcPct val="90000"/>
+              </a:lnSpc>
+              <a:spcBef>
+                <a:spcPts val="283"/>
+              </a:spcBef>
+            </a:pPr>
+            <a:r>
+              <a:rPr b="1" lang="en-US" sz="2400" spc="-1" strike="noStrike">
+                <a:solidFill>
+                  <a:srgbClr val="000000"/>
+                </a:solidFill>
+                <a:latin typeface="FreeMono"/>
+                <a:ea typeface="DejaVu Sans"/>
+              </a:rPr>
+              <a:t>    </a:t>
+            </a:r>
+            <a:r>
+              <a:rPr b="1" lang="en-US" sz="2400" spc="-1" strike="noStrike">
+                <a:solidFill>
+                  <a:srgbClr val="000000"/>
+                </a:solidFill>
+                <a:latin typeface="FreeMono"/>
+                <a:ea typeface="DejaVu Sans"/>
+              </a:rPr>
+              <a:t>&lt;Ticket&gt;&lt;![CDATA[TICKET]]&gt;&lt;/Ticket&gt;</a:t>
+            </a:r>
+            <a:endParaRPr b="0" lang="en-US" sz="2400" spc="-1" strike="noStrike">
+              <a:latin typeface="Arial"/>
+            </a:endParaRPr>
+          </a:p>
+          <a:p>
+            <a:pPr>
+              <a:lnSpc>
+                <a:spcPct val="90000"/>
+              </a:lnSpc>
+              <a:spcBef>
+                <a:spcPts val="283"/>
+              </a:spcBef>
+            </a:pPr>
+            <a:r>
+              <a:rPr b="1" lang="en-US" sz="2400" spc="-1" strike="noStrike">
+                <a:solidFill>
+                  <a:srgbClr val="000000"/>
+                </a:solidFill>
+                <a:latin typeface="FreeMono"/>
+                <a:ea typeface="DejaVu Sans"/>
+              </a:rPr>
+              <a:t>&lt;/xml&gt;</a:t>
+            </a:r>
+            <a:endParaRPr b="0" lang="en-US" sz="2400" spc="-1" strike="noStrike">
+              <a:latin typeface="Arial"/>
+            </a:endParaRPr>
+          </a:p>
+          <a:p>
+            <a:pPr marL="228600" indent="-227160">
+              <a:lnSpc>
+                <a:spcPct val="90000"/>
               </a:lnSpc>
               <a:spcBef>
                 <a:spcPts val="1001"/>
@@ -5523,126 +6438,74 @@
               <a:buChar char="•"/>
             </a:pPr>
             <a:r>
-              <a:rPr b="0" lang="zh-CN" sz="2400" spc="-1" strike="noStrike">
-                <a:solidFill>
-                  <a:srgbClr val="000000"/>
-                </a:solidFill>
-                <a:latin typeface="FreeMono"/>
-              </a:rPr>
-              <a:t>以下是测试号的二维码，扫码后，可查看结果。</a:t>
-            </a:r>
-            <a:endParaRPr b="0" lang="zh-CN" sz="2400" spc="-1" strike="noStrike">
-              <a:solidFill>
-                <a:srgbClr val="000000"/>
-              </a:solidFill>
-              <a:latin typeface="Calibri"/>
+              <a:rPr b="0" lang="en-US" sz="2400" spc="-1" strike="noStrike">
+                <a:solidFill>
+                  <a:srgbClr val="000000"/>
+                </a:solidFill>
+                <a:latin typeface="FreeMono"/>
+                <a:ea typeface="DejaVu Sans"/>
+              </a:rPr>
+              <a:t>如果用户已关注公众号，则直接推送消息给开发者服务器，</a:t>
+            </a:r>
+            <a:r>
+              <a:rPr b="0" lang="en-US" sz="2400" spc="-1" strike="noStrike">
+                <a:solidFill>
+                  <a:srgbClr val="000000"/>
+                </a:solidFill>
+                <a:latin typeface="FreeMono"/>
+                <a:ea typeface="DejaVu Sans"/>
+              </a:rPr>
+              <a:t>Event</a:t>
+            </a:r>
+            <a:r>
+              <a:rPr b="0" lang="en-US" sz="2400" spc="-1" strike="noStrike">
+                <a:solidFill>
+                  <a:srgbClr val="000000"/>
+                </a:solidFill>
+                <a:latin typeface="FreeMono"/>
+                <a:ea typeface="DejaVu Sans"/>
+              </a:rPr>
+              <a:t>字段为</a:t>
+            </a:r>
+            <a:r>
+              <a:rPr b="0" lang="en-US" sz="2400" spc="-1" strike="noStrike">
+                <a:solidFill>
+                  <a:srgbClr val="000000"/>
+                </a:solidFill>
+                <a:latin typeface="FreeMono"/>
+                <a:ea typeface="DejaVu Sans"/>
+              </a:rPr>
+              <a:t>SCAN</a:t>
+            </a:r>
+            <a:r>
+              <a:rPr b="0" lang="en-US" sz="2400" spc="-1" strike="noStrike">
+                <a:solidFill>
+                  <a:srgbClr val="000000"/>
+                </a:solidFill>
+                <a:latin typeface="FreeMono"/>
+                <a:ea typeface="DejaVu Sans"/>
+              </a:rPr>
+              <a:t>表示用户扫描了二维码。</a:t>
+            </a:r>
+            <a:endParaRPr b="0" lang="en-US" sz="2400" spc="-1" strike="noStrike">
+              <a:latin typeface="Arial"/>
             </a:endParaRPr>
           </a:p>
           <a:p>
             <a:pPr>
               <a:lnSpc>
-                <a:spcPct val="75000"/>
+                <a:spcPct val="90000"/>
               </a:lnSpc>
               <a:spcBef>
                 <a:spcPts val="1001"/>
               </a:spcBef>
             </a:pPr>
-            <a:endParaRPr b="0" lang="zh-CN" sz="2400" spc="-1" strike="noStrike">
-              <a:solidFill>
-                <a:srgbClr val="000000"/>
-              </a:solidFill>
-              <a:latin typeface="Calibri"/>
-            </a:endParaRPr>
-          </a:p>
-          <a:p>
-            <a:pPr marL="228600" indent="-228240">
-              <a:lnSpc>
-                <a:spcPct val="75000"/>
-              </a:lnSpc>
-              <a:spcBef>
-                <a:spcPts val="1001"/>
-              </a:spcBef>
-              <a:buClr>
-                <a:srgbClr val="000000"/>
-              </a:buClr>
-              <a:buFont typeface="Arial"/>
-              <a:buChar char="•"/>
-            </a:pPr>
-            <a:r>
-              <a:rPr b="0" lang="zh-CN" sz="2400" spc="-1" strike="noStrike">
-                <a:solidFill>
-                  <a:srgbClr val="000000"/>
-                </a:solidFill>
-                <a:latin typeface="FreeMono"/>
-              </a:rPr>
-              <a:t>可以输入</a:t>
-            </a:r>
-            <a:r>
-              <a:rPr b="1" lang="zh-CN" sz="2400" spc="-1" strike="noStrike">
-                <a:solidFill>
-                  <a:srgbClr val="000000"/>
-                </a:solidFill>
-                <a:latin typeface="FreeMono"/>
-              </a:rPr>
-              <a:t>gh_a0f9d81ef5b9 </a:t>
-            </a:r>
-            <a:r>
-              <a:rPr b="0" lang="zh-CN" sz="2400" spc="-1" strike="noStrike">
-                <a:solidFill>
-                  <a:srgbClr val="000000"/>
-                </a:solidFill>
-                <a:latin typeface="FreeMono"/>
-              </a:rPr>
-              <a:t>搜索测试号。</a:t>
-            </a:r>
-            <a:endParaRPr b="0" lang="zh-CN" sz="2400" spc="-1" strike="noStrike">
-              <a:solidFill>
-                <a:srgbClr val="000000"/>
-              </a:solidFill>
-              <a:latin typeface="Calibri"/>
-            </a:endParaRPr>
-          </a:p>
-          <a:p>
-            <a:pPr>
-              <a:lnSpc>
-                <a:spcPct val="75000"/>
-              </a:lnSpc>
-              <a:spcBef>
-                <a:spcPts val="1001"/>
-              </a:spcBef>
-            </a:pPr>
-            <a:endParaRPr b="0" lang="zh-CN" sz="2400" spc="-1" strike="noStrike">
-              <a:solidFill>
-                <a:srgbClr val="000000"/>
-              </a:solidFill>
-              <a:latin typeface="Calibri"/>
-            </a:endParaRPr>
-          </a:p>
-        </p:txBody>
-      </p:sp>
-      <p:pic>
-        <p:nvPicPr>
-          <p:cNvPr id="94" name="图片 3" descr=""/>
-          <p:cNvPicPr/>
-          <p:nvPr/>
-        </p:nvPicPr>
-        <p:blipFill>
-          <a:blip r:embed="rId1"/>
-          <a:stretch/>
-        </p:blipFill>
-        <p:spPr>
-          <a:xfrm>
-            <a:off x="7464600" y="2090520"/>
-            <a:ext cx="3585960" cy="3255120"/>
-          </a:xfrm>
-          <a:prstGeom prst="rect">
-            <a:avLst/>
-          </a:prstGeom>
-          <a:ln>
-            <a:noFill/>
-          </a:ln>
-        </p:spPr>
-      </p:pic>
+            <a:endParaRPr b="0" lang="en-US" sz="2400" spc="-1" strike="noStrike">
+              <a:latin typeface="Arial"/>
+            </a:endParaRPr>
+          </a:p>
+        </p:txBody>
+      </p:sp>
     </p:spTree>
   </p:cSld>
   <p:timing>
@@ -5652,6 +6515,1042 @@
           <p:childTnLst>
             <p:seq>
               <p:cTn id="14" dur="indefinite" nodeType="mainSeq"/>
+              <p:prevCondLst>
+                <p:cond delay="0" evt="onPrev">
+                  <p:tgtEl>
+                    <p:sldTgt/>
+                  </p:tgtEl>
+                </p:cond>
+              </p:prevCondLst>
+              <p:nextCondLst>
+                <p:cond delay="0" evt="onNext">
+                  <p:tgtEl>
+                    <p:sldTgt/>
+                  </p:tgtEl>
+                </p:cond>
+              </p:nextCondLst>
+            </p:seq>
+          </p:childTnLst>
+        </p:cTn>
+      </p:par>
+    </p:tnLst>
+  </p:timing>
+</p:sld>
+</file>
+
+<file path=ppt/slides/slide8.xml><?xml version="1.0" encoding="utf-8"?>
+<p:sld xmlns:a="http://schemas.openxmlformats.org/drawingml/2006/main" xmlns:p="http://schemas.openxmlformats.org/presentationml/2006/main" xmlns:r="http://schemas.openxmlformats.org/officeDocument/2006/relationships" xmlns:p14="http://schemas.microsoft.com/office/powerpoint/2010/main" xmlns:p15="http://schemas.microsoft.com/office/powerpoint/2012/main" xmlns:mc="http://schemas.openxmlformats.org/markup-compatibility/2006">
+  <p:cSld>
+    <p:spTree>
+      <p:nvGrpSpPr>
+        <p:cNvPr id="1" name=""/>
+        <p:cNvGrpSpPr/>
+        <p:nvPr/>
+      </p:nvGrpSpPr>
+      <p:grpSpPr>
+        <a:xfrm>
+          <a:off x="0" y="0"/>
+          <a:ext cx="0" cy="0"/>
+          <a:chOff x="0" y="0"/>
+          <a:chExt cx="0" cy="0"/>
+        </a:xfrm>
+      </p:grpSpPr>
+      <p:sp>
+        <p:nvSpPr>
+          <p:cNvPr id="88" name="CustomShape 1"/>
+          <p:cNvSpPr/>
+          <p:nvPr/>
+        </p:nvSpPr>
+        <p:spPr>
+          <a:xfrm>
+            <a:off x="838080" y="365040"/>
+            <a:ext cx="10514160" cy="787320"/>
+          </a:xfrm>
+          <a:prstGeom prst="rect">
+            <a:avLst/>
+          </a:prstGeom>
+          <a:noFill/>
+          <a:ln>
+            <a:noFill/>
+          </a:ln>
+        </p:spPr>
+        <p:style>
+          <a:lnRef idx="0"/>
+          <a:fillRef idx="0"/>
+          <a:effectRef idx="0"/>
+          <a:fontRef idx="minor"/>
+        </p:style>
+        <p:txBody>
+          <a:bodyPr lIns="90000" rIns="90000" tIns="45000" bIns="45000" anchor="ctr"/>
+          <a:p>
+            <a:pPr>
+              <a:lnSpc>
+                <a:spcPct val="90000"/>
+              </a:lnSpc>
+            </a:pPr>
+            <a:r>
+              <a:rPr b="0" lang="en-US" sz="3600" spc="-1" strike="noStrike">
+                <a:solidFill>
+                  <a:srgbClr val="000000"/>
+                </a:solidFill>
+                <a:latin typeface="Calibri Light"/>
+                <a:ea typeface="DejaVu Sans"/>
+              </a:rPr>
+              <a:t>上报地理位置事件</a:t>
+            </a:r>
+            <a:endParaRPr b="0" lang="en-US" sz="3600" spc="-1" strike="noStrike">
+              <a:latin typeface="Arial"/>
+            </a:endParaRPr>
+          </a:p>
+        </p:txBody>
+      </p:sp>
+      <p:sp>
+        <p:nvSpPr>
+          <p:cNvPr id="89" name="CustomShape 2"/>
+          <p:cNvSpPr/>
+          <p:nvPr/>
+        </p:nvSpPr>
+        <p:spPr>
+          <a:xfrm>
+            <a:off x="838080" y="1394640"/>
+            <a:ext cx="10514160" cy="5215680"/>
+          </a:xfrm>
+          <a:prstGeom prst="rect">
+            <a:avLst/>
+          </a:prstGeom>
+          <a:noFill/>
+          <a:ln>
+            <a:noFill/>
+          </a:ln>
+        </p:spPr>
+        <p:style>
+          <a:lnRef idx="0"/>
+          <a:fillRef idx="0"/>
+          <a:effectRef idx="0"/>
+          <a:fontRef idx="minor"/>
+        </p:style>
+        <p:txBody>
+          <a:bodyPr lIns="90000" rIns="90000" tIns="45000" bIns="45000">
+            <a:normAutofit/>
+          </a:bodyPr>
+          <a:p>
+            <a:pPr>
+              <a:lnSpc>
+                <a:spcPct val="75000"/>
+              </a:lnSpc>
+              <a:spcBef>
+                <a:spcPts val="283"/>
+              </a:spcBef>
+            </a:pPr>
+            <a:r>
+              <a:rPr b="1" lang="en-US" sz="2400" spc="-1" strike="noStrike">
+                <a:solidFill>
+                  <a:srgbClr val="000000"/>
+                </a:solidFill>
+                <a:latin typeface="FreeMono"/>
+                <a:ea typeface="DejaVu Sans"/>
+              </a:rPr>
+              <a:t>&lt;xml&gt;</a:t>
+            </a:r>
+            <a:endParaRPr b="0" lang="en-US" sz="2400" spc="-1" strike="noStrike">
+              <a:latin typeface="Arial"/>
+            </a:endParaRPr>
+          </a:p>
+          <a:p>
+            <a:pPr>
+              <a:lnSpc>
+                <a:spcPct val="75000"/>
+              </a:lnSpc>
+              <a:spcBef>
+                <a:spcPts val="283"/>
+              </a:spcBef>
+            </a:pPr>
+            <a:r>
+              <a:rPr b="1" lang="en-US" sz="2400" spc="-1" strike="noStrike">
+                <a:solidFill>
+                  <a:srgbClr val="000000"/>
+                </a:solidFill>
+                <a:latin typeface="FreeMono"/>
+                <a:ea typeface="DejaVu Sans"/>
+              </a:rPr>
+              <a:t>    </a:t>
+            </a:r>
+            <a:r>
+              <a:rPr b="1" lang="en-US" sz="2400" spc="-1" strike="noStrike">
+                <a:solidFill>
+                  <a:srgbClr val="000000"/>
+                </a:solidFill>
+                <a:latin typeface="FreeMono"/>
+                <a:ea typeface="DejaVu Sans"/>
+              </a:rPr>
+              <a:t>&lt;ToUserName&gt;&lt;![CDATA[toUser]]&gt;&lt;/ToUserName&gt;</a:t>
+            </a:r>
+            <a:endParaRPr b="0" lang="en-US" sz="2400" spc="-1" strike="noStrike">
+              <a:latin typeface="Arial"/>
+            </a:endParaRPr>
+          </a:p>
+          <a:p>
+            <a:pPr>
+              <a:lnSpc>
+                <a:spcPct val="75000"/>
+              </a:lnSpc>
+              <a:spcBef>
+                <a:spcPts val="283"/>
+              </a:spcBef>
+            </a:pPr>
+            <a:r>
+              <a:rPr b="1" lang="en-US" sz="2400" spc="-1" strike="noStrike">
+                <a:solidFill>
+                  <a:srgbClr val="000000"/>
+                </a:solidFill>
+                <a:latin typeface="FreeMono"/>
+                <a:ea typeface="DejaVu Sans"/>
+              </a:rPr>
+              <a:t>    </a:t>
+            </a:r>
+            <a:r>
+              <a:rPr b="1" lang="en-US" sz="2400" spc="-1" strike="noStrike">
+                <a:solidFill>
+                  <a:srgbClr val="000000"/>
+                </a:solidFill>
+                <a:latin typeface="FreeMono"/>
+                <a:ea typeface="DejaVu Sans"/>
+              </a:rPr>
+              <a:t>&lt;FromUserName&gt;&lt;![CDATA[fromUser]]&gt;&lt;/FromUserName&gt;</a:t>
+            </a:r>
+            <a:endParaRPr b="0" lang="en-US" sz="2400" spc="-1" strike="noStrike">
+              <a:latin typeface="Arial"/>
+            </a:endParaRPr>
+          </a:p>
+          <a:p>
+            <a:pPr>
+              <a:lnSpc>
+                <a:spcPct val="75000"/>
+              </a:lnSpc>
+              <a:spcBef>
+                <a:spcPts val="283"/>
+              </a:spcBef>
+            </a:pPr>
+            <a:r>
+              <a:rPr b="1" lang="en-US" sz="2400" spc="-1" strike="noStrike">
+                <a:solidFill>
+                  <a:srgbClr val="000000"/>
+                </a:solidFill>
+                <a:latin typeface="FreeMono"/>
+                <a:ea typeface="DejaVu Sans"/>
+              </a:rPr>
+              <a:t>    </a:t>
+            </a:r>
+            <a:r>
+              <a:rPr b="1" lang="en-US" sz="2400" spc="-1" strike="noStrike">
+                <a:solidFill>
+                  <a:srgbClr val="000000"/>
+                </a:solidFill>
+                <a:latin typeface="FreeMono"/>
+                <a:ea typeface="DejaVu Sans"/>
+              </a:rPr>
+              <a:t>&lt;CreateTime&gt;123456789&lt;/CreateTime&gt;</a:t>
+            </a:r>
+            <a:endParaRPr b="0" lang="en-US" sz="2400" spc="-1" strike="noStrike">
+              <a:latin typeface="Arial"/>
+            </a:endParaRPr>
+          </a:p>
+          <a:p>
+            <a:pPr>
+              <a:lnSpc>
+                <a:spcPct val="75000"/>
+              </a:lnSpc>
+              <a:spcBef>
+                <a:spcPts val="283"/>
+              </a:spcBef>
+            </a:pPr>
+            <a:r>
+              <a:rPr b="1" lang="en-US" sz="2400" spc="-1" strike="noStrike">
+                <a:solidFill>
+                  <a:srgbClr val="000000"/>
+                </a:solidFill>
+                <a:latin typeface="FreeMono"/>
+                <a:ea typeface="DejaVu Sans"/>
+              </a:rPr>
+              <a:t>    </a:t>
+            </a:r>
+            <a:r>
+              <a:rPr b="1" lang="en-US" sz="2400" spc="-1" strike="noStrike">
+                <a:solidFill>
+                  <a:srgbClr val="000000"/>
+                </a:solidFill>
+                <a:latin typeface="FreeMono"/>
+                <a:ea typeface="DejaVu Sans"/>
+              </a:rPr>
+              <a:t>&lt;MsgType&gt;&lt;![CDATA[event]]&gt;&lt;/MsgType&gt;</a:t>
+            </a:r>
+            <a:endParaRPr b="0" lang="en-US" sz="2400" spc="-1" strike="noStrike">
+              <a:latin typeface="Arial"/>
+            </a:endParaRPr>
+          </a:p>
+          <a:p>
+            <a:pPr>
+              <a:lnSpc>
+                <a:spcPct val="75000"/>
+              </a:lnSpc>
+              <a:spcBef>
+                <a:spcPts val="283"/>
+              </a:spcBef>
+            </a:pPr>
+            <a:r>
+              <a:rPr b="1" lang="en-US" sz="2400" spc="-1" strike="noStrike">
+                <a:solidFill>
+                  <a:srgbClr val="000000"/>
+                </a:solidFill>
+                <a:latin typeface="FreeMono"/>
+                <a:ea typeface="DejaVu Sans"/>
+              </a:rPr>
+              <a:t>    </a:t>
+            </a:r>
+            <a:r>
+              <a:rPr b="1" lang="en-US" sz="2400" spc="-1" strike="noStrike">
+                <a:solidFill>
+                  <a:srgbClr val="000000"/>
+                </a:solidFill>
+                <a:latin typeface="FreeMono"/>
+                <a:ea typeface="DejaVu Sans"/>
+              </a:rPr>
+              <a:t>&lt;Event&gt;&lt;![CDATA[</a:t>
+            </a:r>
+            <a:r>
+              <a:rPr b="1" lang="en-US" sz="2400" spc="-1" strike="noStrike">
+                <a:solidFill>
+                  <a:srgbClr val="ce181e"/>
+                </a:solidFill>
+                <a:latin typeface="FreeMono"/>
+                <a:ea typeface="DejaVu Sans"/>
+              </a:rPr>
+              <a:t>LOCATION</a:t>
+            </a:r>
+            <a:r>
+              <a:rPr b="1" lang="en-US" sz="2400" spc="-1" strike="noStrike">
+                <a:solidFill>
+                  <a:srgbClr val="000000"/>
+                </a:solidFill>
+                <a:latin typeface="FreeMono"/>
+                <a:ea typeface="DejaVu Sans"/>
+              </a:rPr>
+              <a:t>]]&gt;&lt;/Event&gt;</a:t>
+            </a:r>
+            <a:endParaRPr b="0" lang="en-US" sz="2400" spc="-1" strike="noStrike">
+              <a:latin typeface="Arial"/>
+            </a:endParaRPr>
+          </a:p>
+          <a:p>
+            <a:pPr>
+              <a:lnSpc>
+                <a:spcPct val="75000"/>
+              </a:lnSpc>
+              <a:spcBef>
+                <a:spcPts val="283"/>
+              </a:spcBef>
+            </a:pPr>
+            <a:r>
+              <a:rPr b="1" lang="en-US" sz="2400" spc="-1" strike="noStrike">
+                <a:solidFill>
+                  <a:srgbClr val="000000"/>
+                </a:solidFill>
+                <a:latin typeface="FreeMono"/>
+                <a:ea typeface="DejaVu Sans"/>
+              </a:rPr>
+              <a:t>    </a:t>
+            </a:r>
+            <a:r>
+              <a:rPr b="1" lang="en-US" sz="2400" spc="-1" strike="noStrike">
+                <a:solidFill>
+                  <a:srgbClr val="000000"/>
+                </a:solidFill>
+                <a:latin typeface="FreeMono"/>
+                <a:ea typeface="DejaVu Sans"/>
+              </a:rPr>
+              <a:t>&lt;Latitude&gt;23.137466&lt;/Latitude&gt;</a:t>
+            </a:r>
+            <a:endParaRPr b="0" lang="en-US" sz="2400" spc="-1" strike="noStrike">
+              <a:latin typeface="Arial"/>
+            </a:endParaRPr>
+          </a:p>
+          <a:p>
+            <a:pPr>
+              <a:lnSpc>
+                <a:spcPct val="75000"/>
+              </a:lnSpc>
+              <a:spcBef>
+                <a:spcPts val="283"/>
+              </a:spcBef>
+            </a:pPr>
+            <a:r>
+              <a:rPr b="1" lang="en-US" sz="2400" spc="-1" strike="noStrike">
+                <a:solidFill>
+                  <a:srgbClr val="000000"/>
+                </a:solidFill>
+                <a:latin typeface="FreeMono"/>
+                <a:ea typeface="DejaVu Sans"/>
+              </a:rPr>
+              <a:t>    </a:t>
+            </a:r>
+            <a:r>
+              <a:rPr b="1" lang="en-US" sz="2400" spc="-1" strike="noStrike">
+                <a:solidFill>
+                  <a:srgbClr val="000000"/>
+                </a:solidFill>
+                <a:latin typeface="FreeMono"/>
+                <a:ea typeface="DejaVu Sans"/>
+              </a:rPr>
+              <a:t>&lt;Longitude&gt;113.352425&lt;/Longitude&gt;</a:t>
+            </a:r>
+            <a:endParaRPr b="0" lang="en-US" sz="2400" spc="-1" strike="noStrike">
+              <a:latin typeface="Arial"/>
+            </a:endParaRPr>
+          </a:p>
+          <a:p>
+            <a:pPr>
+              <a:lnSpc>
+                <a:spcPct val="75000"/>
+              </a:lnSpc>
+              <a:spcBef>
+                <a:spcPts val="283"/>
+              </a:spcBef>
+            </a:pPr>
+            <a:r>
+              <a:rPr b="1" lang="en-US" sz="2400" spc="-1" strike="noStrike">
+                <a:solidFill>
+                  <a:srgbClr val="000000"/>
+                </a:solidFill>
+                <a:latin typeface="FreeMono"/>
+                <a:ea typeface="DejaVu Sans"/>
+              </a:rPr>
+              <a:t>    </a:t>
+            </a:r>
+            <a:r>
+              <a:rPr b="1" lang="en-US" sz="2400" spc="-1" strike="noStrike">
+                <a:solidFill>
+                  <a:srgbClr val="000000"/>
+                </a:solidFill>
+                <a:latin typeface="FreeMono"/>
+                <a:ea typeface="DejaVu Sans"/>
+              </a:rPr>
+              <a:t>&lt;Precision&gt;119.385040&lt;/Precision&gt;</a:t>
+            </a:r>
+            <a:endParaRPr b="0" lang="en-US" sz="2400" spc="-1" strike="noStrike">
+              <a:latin typeface="Arial"/>
+            </a:endParaRPr>
+          </a:p>
+          <a:p>
+            <a:pPr>
+              <a:lnSpc>
+                <a:spcPct val="75000"/>
+              </a:lnSpc>
+              <a:spcBef>
+                <a:spcPts val="283"/>
+              </a:spcBef>
+            </a:pPr>
+            <a:r>
+              <a:rPr b="1" lang="en-US" sz="2400" spc="-1" strike="noStrike">
+                <a:solidFill>
+                  <a:srgbClr val="000000"/>
+                </a:solidFill>
+                <a:latin typeface="FreeMono"/>
+                <a:ea typeface="DejaVu Sans"/>
+              </a:rPr>
+              <a:t>&lt;/xml&gt;</a:t>
+            </a:r>
+            <a:endParaRPr b="0" lang="en-US" sz="2400" spc="-1" strike="noStrike">
+              <a:latin typeface="Arial"/>
+            </a:endParaRPr>
+          </a:p>
+          <a:p>
+            <a:pPr marL="228600" indent="-227160">
+              <a:lnSpc>
+                <a:spcPct val="100000"/>
+              </a:lnSpc>
+              <a:spcBef>
+                <a:spcPts val="1001"/>
+              </a:spcBef>
+              <a:buClr>
+                <a:srgbClr val="000000"/>
+              </a:buClr>
+              <a:buFont typeface="Arial"/>
+              <a:buChar char="•"/>
+            </a:pPr>
+            <a:r>
+              <a:rPr b="0" lang="en-US" sz="2400" spc="-1" strike="noStrike">
+                <a:solidFill>
+                  <a:srgbClr val="000000"/>
+                </a:solidFill>
+                <a:latin typeface="FreeMono"/>
+                <a:ea typeface="DejaVu Sans"/>
+              </a:rPr>
+              <a:t>当用户允许获取地理位置信息，进入公众号后，会上报用户额地理位置到开发者服务器，这个功能可以用来开发基于地理位置的推送服务，比如一些平台会根据你的位置推荐周边商家。</a:t>
+            </a:r>
+            <a:endParaRPr b="0" lang="en-US" sz="2400" spc="-1" strike="noStrike">
+              <a:latin typeface="Arial"/>
+            </a:endParaRPr>
+          </a:p>
+        </p:txBody>
+      </p:sp>
+    </p:spTree>
+  </p:cSld>
+  <p:timing>
+    <p:tnLst>
+      <p:par>
+        <p:cTn id="15" dur="indefinite" restart="never" nodeType="tmRoot">
+          <p:childTnLst>
+            <p:seq>
+              <p:cTn id="16" dur="indefinite" nodeType="mainSeq"/>
+              <p:prevCondLst>
+                <p:cond delay="0" evt="onPrev">
+                  <p:tgtEl>
+                    <p:sldTgt/>
+                  </p:tgtEl>
+                </p:cond>
+              </p:prevCondLst>
+              <p:nextCondLst>
+                <p:cond delay="0" evt="onNext">
+                  <p:tgtEl>
+                    <p:sldTgt/>
+                  </p:tgtEl>
+                </p:cond>
+              </p:nextCondLst>
+            </p:seq>
+          </p:childTnLst>
+        </p:cTn>
+      </p:par>
+    </p:tnLst>
+  </p:timing>
+</p:sld>
+</file>
+
+<file path=ppt/slides/slide9.xml><?xml version="1.0" encoding="utf-8"?>
+<p:sld xmlns:a="http://schemas.openxmlformats.org/drawingml/2006/main" xmlns:p="http://schemas.openxmlformats.org/presentationml/2006/main" xmlns:r="http://schemas.openxmlformats.org/officeDocument/2006/relationships" xmlns:p14="http://schemas.microsoft.com/office/powerpoint/2010/main" xmlns:p15="http://schemas.microsoft.com/office/powerpoint/2012/main" xmlns:mc="http://schemas.openxmlformats.org/markup-compatibility/2006">
+  <p:cSld>
+    <p:spTree>
+      <p:nvGrpSpPr>
+        <p:cNvPr id="1" name=""/>
+        <p:cNvGrpSpPr/>
+        <p:nvPr/>
+      </p:nvGrpSpPr>
+      <p:grpSpPr>
+        <a:xfrm>
+          <a:off x="0" y="0"/>
+          <a:ext cx="0" cy="0"/>
+          <a:chOff x="0" y="0"/>
+          <a:chExt cx="0" cy="0"/>
+        </a:xfrm>
+      </p:grpSpPr>
+      <p:sp>
+        <p:nvSpPr>
+          <p:cNvPr id="90" name="CustomShape 1"/>
+          <p:cNvSpPr/>
+          <p:nvPr/>
+        </p:nvSpPr>
+        <p:spPr>
+          <a:xfrm>
+            <a:off x="838080" y="365040"/>
+            <a:ext cx="10514160" cy="787320"/>
+          </a:xfrm>
+          <a:prstGeom prst="rect">
+            <a:avLst/>
+          </a:prstGeom>
+          <a:noFill/>
+          <a:ln>
+            <a:noFill/>
+          </a:ln>
+        </p:spPr>
+        <p:style>
+          <a:lnRef idx="0"/>
+          <a:fillRef idx="0"/>
+          <a:effectRef idx="0"/>
+          <a:fontRef idx="minor"/>
+        </p:style>
+        <p:txBody>
+          <a:bodyPr lIns="90000" rIns="90000" tIns="45000" bIns="45000" anchor="ctr"/>
+          <a:p>
+            <a:pPr>
+              <a:lnSpc>
+                <a:spcPct val="90000"/>
+              </a:lnSpc>
+            </a:pPr>
+            <a:r>
+              <a:rPr b="0" lang="en-US" sz="3600" spc="-1" strike="noStrike">
+                <a:solidFill>
+                  <a:srgbClr val="000000"/>
+                </a:solidFill>
+                <a:latin typeface="Calibri Light"/>
+                <a:ea typeface="DejaVu Sans"/>
+              </a:rPr>
+              <a:t>点击菜单获取消息事件</a:t>
+            </a:r>
+            <a:endParaRPr b="0" lang="en-US" sz="3600" spc="-1" strike="noStrike">
+              <a:latin typeface="Arial"/>
+            </a:endParaRPr>
+          </a:p>
+        </p:txBody>
+      </p:sp>
+      <p:sp>
+        <p:nvSpPr>
+          <p:cNvPr id="91" name="CustomShape 2"/>
+          <p:cNvSpPr/>
+          <p:nvPr/>
+        </p:nvSpPr>
+        <p:spPr>
+          <a:xfrm>
+            <a:off x="838080" y="1394640"/>
+            <a:ext cx="10514160" cy="5215680"/>
+          </a:xfrm>
+          <a:prstGeom prst="rect">
+            <a:avLst/>
+          </a:prstGeom>
+          <a:noFill/>
+          <a:ln>
+            <a:noFill/>
+          </a:ln>
+        </p:spPr>
+        <p:style>
+          <a:lnRef idx="0"/>
+          <a:fillRef idx="0"/>
+          <a:effectRef idx="0"/>
+          <a:fontRef idx="minor"/>
+        </p:style>
+        <p:txBody>
+          <a:bodyPr lIns="90000" rIns="90000" tIns="45000" bIns="45000">
+            <a:normAutofit/>
+          </a:bodyPr>
+          <a:p>
+            <a:pPr>
+              <a:lnSpc>
+                <a:spcPct val="75000"/>
+              </a:lnSpc>
+              <a:spcBef>
+                <a:spcPts val="283"/>
+              </a:spcBef>
+            </a:pPr>
+            <a:r>
+              <a:rPr b="1" lang="en-US" sz="2400" spc="-1" strike="noStrike">
+                <a:solidFill>
+                  <a:srgbClr val="000000"/>
+                </a:solidFill>
+                <a:latin typeface="FreeMono"/>
+                <a:ea typeface="DejaVu Sans"/>
+              </a:rPr>
+              <a:t>&lt;xml&gt;</a:t>
+            </a:r>
+            <a:endParaRPr b="0" lang="en-US" sz="2400" spc="-1" strike="noStrike">
+              <a:latin typeface="Arial"/>
+            </a:endParaRPr>
+          </a:p>
+          <a:p>
+            <a:pPr>
+              <a:lnSpc>
+                <a:spcPct val="75000"/>
+              </a:lnSpc>
+              <a:spcBef>
+                <a:spcPts val="283"/>
+              </a:spcBef>
+            </a:pPr>
+            <a:r>
+              <a:rPr b="1" lang="en-US" sz="2400" spc="-1" strike="noStrike">
+                <a:solidFill>
+                  <a:srgbClr val="000000"/>
+                </a:solidFill>
+                <a:latin typeface="FreeMono"/>
+                <a:ea typeface="DejaVu Sans"/>
+              </a:rPr>
+              <a:t>    </a:t>
+            </a:r>
+            <a:r>
+              <a:rPr b="1" lang="en-US" sz="2400" spc="-1" strike="noStrike">
+                <a:solidFill>
+                  <a:srgbClr val="000000"/>
+                </a:solidFill>
+                <a:latin typeface="FreeMono"/>
+                <a:ea typeface="DejaVu Sans"/>
+              </a:rPr>
+              <a:t>&lt;ToUserName&gt;&lt;![CDATA[toUser]]&gt;&lt;/ToUserName&gt;</a:t>
+            </a:r>
+            <a:endParaRPr b="0" lang="en-US" sz="2400" spc="-1" strike="noStrike">
+              <a:latin typeface="Arial"/>
+            </a:endParaRPr>
+          </a:p>
+          <a:p>
+            <a:pPr>
+              <a:lnSpc>
+                <a:spcPct val="75000"/>
+              </a:lnSpc>
+              <a:spcBef>
+                <a:spcPts val="283"/>
+              </a:spcBef>
+            </a:pPr>
+            <a:r>
+              <a:rPr b="1" lang="en-US" sz="2400" spc="-1" strike="noStrike">
+                <a:solidFill>
+                  <a:srgbClr val="000000"/>
+                </a:solidFill>
+                <a:latin typeface="FreeMono"/>
+                <a:ea typeface="DejaVu Sans"/>
+              </a:rPr>
+              <a:t>    </a:t>
+            </a:r>
+            <a:r>
+              <a:rPr b="1" lang="en-US" sz="2400" spc="-1" strike="noStrike">
+                <a:solidFill>
+                  <a:srgbClr val="000000"/>
+                </a:solidFill>
+                <a:latin typeface="FreeMono"/>
+                <a:ea typeface="DejaVu Sans"/>
+              </a:rPr>
+              <a:t>&lt;FromUserName&gt;&lt;![CDATA[FromUser]]&gt;&lt;/FromUserName&gt;</a:t>
+            </a:r>
+            <a:endParaRPr b="0" lang="en-US" sz="2400" spc="-1" strike="noStrike">
+              <a:latin typeface="Arial"/>
+            </a:endParaRPr>
+          </a:p>
+          <a:p>
+            <a:pPr>
+              <a:lnSpc>
+                <a:spcPct val="75000"/>
+              </a:lnSpc>
+              <a:spcBef>
+                <a:spcPts val="283"/>
+              </a:spcBef>
+            </a:pPr>
+            <a:r>
+              <a:rPr b="1" lang="en-US" sz="2400" spc="-1" strike="noStrike">
+                <a:solidFill>
+                  <a:srgbClr val="000000"/>
+                </a:solidFill>
+                <a:latin typeface="FreeMono"/>
+                <a:ea typeface="DejaVu Sans"/>
+              </a:rPr>
+              <a:t>    </a:t>
+            </a:r>
+            <a:r>
+              <a:rPr b="1" lang="en-US" sz="2400" spc="-1" strike="noStrike">
+                <a:solidFill>
+                  <a:srgbClr val="000000"/>
+                </a:solidFill>
+                <a:latin typeface="FreeMono"/>
+                <a:ea typeface="DejaVu Sans"/>
+              </a:rPr>
+              <a:t>&lt;CreateTime&gt;123456789&lt;/CreateTime&gt;</a:t>
+            </a:r>
+            <a:endParaRPr b="0" lang="en-US" sz="2400" spc="-1" strike="noStrike">
+              <a:latin typeface="Arial"/>
+            </a:endParaRPr>
+          </a:p>
+          <a:p>
+            <a:pPr>
+              <a:lnSpc>
+                <a:spcPct val="75000"/>
+              </a:lnSpc>
+              <a:spcBef>
+                <a:spcPts val="283"/>
+              </a:spcBef>
+            </a:pPr>
+            <a:r>
+              <a:rPr b="1" lang="en-US" sz="2400" spc="-1" strike="noStrike">
+                <a:solidFill>
+                  <a:srgbClr val="000000"/>
+                </a:solidFill>
+                <a:latin typeface="FreeMono"/>
+                <a:ea typeface="DejaVu Sans"/>
+              </a:rPr>
+              <a:t>    </a:t>
+            </a:r>
+            <a:r>
+              <a:rPr b="1" lang="en-US" sz="2400" spc="-1" strike="noStrike">
+                <a:solidFill>
+                  <a:srgbClr val="000000"/>
+                </a:solidFill>
+                <a:latin typeface="FreeMono"/>
+                <a:ea typeface="DejaVu Sans"/>
+              </a:rPr>
+              <a:t>&lt;MsgType&gt;&lt;![CDATA[event]]&gt;&lt;/MsgType&gt;</a:t>
+            </a:r>
+            <a:endParaRPr b="0" lang="en-US" sz="2400" spc="-1" strike="noStrike">
+              <a:latin typeface="Arial"/>
+            </a:endParaRPr>
+          </a:p>
+          <a:p>
+            <a:pPr>
+              <a:lnSpc>
+                <a:spcPct val="75000"/>
+              </a:lnSpc>
+              <a:spcBef>
+                <a:spcPts val="283"/>
+              </a:spcBef>
+            </a:pPr>
+            <a:r>
+              <a:rPr b="1" lang="en-US" sz="2400" spc="-1" strike="noStrike">
+                <a:solidFill>
+                  <a:srgbClr val="000000"/>
+                </a:solidFill>
+                <a:latin typeface="FreeMono"/>
+                <a:ea typeface="DejaVu Sans"/>
+              </a:rPr>
+              <a:t>    </a:t>
+            </a:r>
+            <a:r>
+              <a:rPr b="1" lang="en-US" sz="2400" spc="-1" strike="noStrike">
+                <a:solidFill>
+                  <a:srgbClr val="000000"/>
+                </a:solidFill>
+                <a:latin typeface="FreeMono"/>
+                <a:ea typeface="DejaVu Sans"/>
+              </a:rPr>
+              <a:t>&lt;Event&gt;&lt;![CDATA[</a:t>
+            </a:r>
+            <a:r>
+              <a:rPr b="1" lang="en-US" sz="2400" spc="-1" strike="noStrike">
+                <a:solidFill>
+                  <a:srgbClr val="ce181e"/>
+                </a:solidFill>
+                <a:latin typeface="FreeMono"/>
+                <a:ea typeface="DejaVu Sans"/>
+              </a:rPr>
+              <a:t>CLICK</a:t>
+            </a:r>
+            <a:r>
+              <a:rPr b="1" lang="en-US" sz="2400" spc="-1" strike="noStrike">
+                <a:solidFill>
+                  <a:srgbClr val="000000"/>
+                </a:solidFill>
+                <a:latin typeface="FreeMono"/>
+                <a:ea typeface="DejaVu Sans"/>
+              </a:rPr>
+              <a:t>]]&gt;&lt;/Event&gt;</a:t>
+            </a:r>
+            <a:endParaRPr b="0" lang="en-US" sz="2400" spc="-1" strike="noStrike">
+              <a:latin typeface="Arial"/>
+            </a:endParaRPr>
+          </a:p>
+          <a:p>
+            <a:pPr>
+              <a:lnSpc>
+                <a:spcPct val="75000"/>
+              </a:lnSpc>
+              <a:spcBef>
+                <a:spcPts val="283"/>
+              </a:spcBef>
+            </a:pPr>
+            <a:r>
+              <a:rPr b="1" lang="en-US" sz="2400" spc="-1" strike="noStrike">
+                <a:solidFill>
+                  <a:srgbClr val="000000"/>
+                </a:solidFill>
+                <a:latin typeface="FreeMono"/>
+                <a:ea typeface="DejaVu Sans"/>
+              </a:rPr>
+              <a:t>    </a:t>
+            </a:r>
+            <a:r>
+              <a:rPr b="1" lang="en-US" sz="2400" spc="-1" strike="noStrike">
+                <a:solidFill>
+                  <a:srgbClr val="000000"/>
+                </a:solidFill>
+                <a:latin typeface="FreeMono"/>
+                <a:ea typeface="DejaVu Sans"/>
+              </a:rPr>
+              <a:t>&lt;EventKey&gt;&lt;![CDATA[EVENTKEY]]&gt;&lt;/EventKey&gt;</a:t>
+            </a:r>
+            <a:endParaRPr b="0" lang="en-US" sz="2400" spc="-1" strike="noStrike">
+              <a:latin typeface="Arial"/>
+            </a:endParaRPr>
+          </a:p>
+          <a:p>
+            <a:pPr>
+              <a:lnSpc>
+                <a:spcPct val="75000"/>
+              </a:lnSpc>
+              <a:spcBef>
+                <a:spcPts val="283"/>
+              </a:spcBef>
+            </a:pPr>
+            <a:r>
+              <a:rPr b="1" lang="en-US" sz="2400" spc="-1" strike="noStrike">
+                <a:solidFill>
+                  <a:srgbClr val="000000"/>
+                </a:solidFill>
+                <a:latin typeface="FreeMono"/>
+                <a:ea typeface="DejaVu Sans"/>
+              </a:rPr>
+              <a:t>&lt;/xml&gt;</a:t>
+            </a:r>
+            <a:endParaRPr b="0" lang="en-US" sz="2400" spc="-1" strike="noStrike">
+              <a:latin typeface="Arial"/>
+            </a:endParaRPr>
+          </a:p>
+          <a:p>
+            <a:pPr marL="228600" indent="-227160">
+              <a:lnSpc>
+                <a:spcPct val="100000"/>
+              </a:lnSpc>
+              <a:spcBef>
+                <a:spcPts val="1001"/>
+              </a:spcBef>
+              <a:buClr>
+                <a:srgbClr val="000000"/>
+              </a:buClr>
+              <a:buFont typeface="Arial"/>
+              <a:buChar char="•"/>
+            </a:pPr>
+            <a:r>
+              <a:rPr b="0" lang="en-US" sz="2400" spc="-1" strike="noStrike">
+                <a:solidFill>
+                  <a:srgbClr val="000000"/>
+                </a:solidFill>
+                <a:latin typeface="FreeMono"/>
+                <a:ea typeface="DejaVu Sans"/>
+              </a:rPr>
+              <a:t>当用户点击菜单后，微信服务器转发事件消息到开发者服务器，根据设置好的</a:t>
+            </a:r>
+            <a:r>
+              <a:rPr b="0" lang="en-US" sz="2400" spc="-1" strike="noStrike">
+                <a:solidFill>
+                  <a:srgbClr val="000000"/>
+                </a:solidFill>
+                <a:latin typeface="FreeMono"/>
+                <a:ea typeface="DejaVu Sans"/>
+              </a:rPr>
+              <a:t>EventKey</a:t>
+            </a:r>
+            <a:r>
+              <a:rPr b="0" lang="en-US" sz="2400" spc="-1" strike="noStrike">
+                <a:solidFill>
+                  <a:srgbClr val="000000"/>
+                </a:solidFill>
+                <a:latin typeface="FreeMono"/>
+                <a:ea typeface="DejaVu Sans"/>
+              </a:rPr>
+              <a:t>字段的值执行对应的操作。</a:t>
+            </a:r>
+            <a:endParaRPr b="0" lang="en-US" sz="2400" spc="-1" strike="noStrike">
+              <a:latin typeface="Arial"/>
+            </a:endParaRPr>
+          </a:p>
+          <a:p>
+            <a:pPr marL="228600" indent="-227160">
+              <a:lnSpc>
+                <a:spcPct val="100000"/>
+              </a:lnSpc>
+              <a:spcBef>
+                <a:spcPts val="1001"/>
+              </a:spcBef>
+              <a:buClr>
+                <a:srgbClr val="000000"/>
+              </a:buClr>
+              <a:buFont typeface="Arial"/>
+              <a:buChar char="•"/>
+            </a:pPr>
+            <a:r>
+              <a:rPr b="0" lang="en-US" sz="2400" spc="-1" strike="noStrike">
+                <a:solidFill>
+                  <a:srgbClr val="000000"/>
+                </a:solidFill>
+                <a:latin typeface="FreeMono"/>
+                <a:ea typeface="DejaVu Sans"/>
+              </a:rPr>
+              <a:t>比如</a:t>
+            </a:r>
+            <a:r>
+              <a:rPr b="0" lang="en-US" sz="2400" spc="-1" strike="noStrike">
+                <a:solidFill>
+                  <a:srgbClr val="000000"/>
+                </a:solidFill>
+                <a:latin typeface="FreeMono"/>
+                <a:ea typeface="DejaVu Sans"/>
+              </a:rPr>
+              <a:t>EventKey</a:t>
+            </a:r>
+            <a:r>
+              <a:rPr b="0" lang="en-US" sz="2400" spc="-1" strike="noStrike">
+                <a:solidFill>
+                  <a:srgbClr val="000000"/>
+                </a:solidFill>
+                <a:latin typeface="FreeMono"/>
+                <a:ea typeface="DejaVu Sans"/>
+              </a:rPr>
+              <a:t>的值是</a:t>
+            </a:r>
+            <a:r>
+              <a:rPr b="0" lang="en-US" sz="2400" spc="-1" strike="noStrike">
+                <a:solidFill>
+                  <a:srgbClr val="000000"/>
+                </a:solidFill>
+                <a:latin typeface="FreeMono"/>
+                <a:ea typeface="DejaVu Sans"/>
+              </a:rPr>
+              <a:t>about-us</a:t>
+            </a:r>
+            <a:r>
+              <a:rPr b="0" lang="en-US" sz="2400" spc="-1" strike="noStrike">
+                <a:solidFill>
+                  <a:srgbClr val="000000"/>
+                </a:solidFill>
+                <a:latin typeface="FreeMono"/>
+                <a:ea typeface="DejaVu Sans"/>
+              </a:rPr>
+              <a:t>，则返回‘关于我们’的信息，如果</a:t>
+            </a:r>
+            <a:r>
+              <a:rPr b="0" lang="en-US" sz="2400" spc="-1" strike="noStrike">
+                <a:solidFill>
+                  <a:srgbClr val="000000"/>
+                </a:solidFill>
+                <a:latin typeface="FreeMono"/>
+                <a:ea typeface="DejaVu Sans"/>
+              </a:rPr>
+              <a:t>EventKey</a:t>
+            </a:r>
+            <a:r>
+              <a:rPr b="0" lang="en-US" sz="2400" spc="-1" strike="noStrike">
+                <a:solidFill>
+                  <a:srgbClr val="000000"/>
+                </a:solidFill>
+                <a:latin typeface="FreeMono"/>
+                <a:ea typeface="DejaVu Sans"/>
+              </a:rPr>
+              <a:t>的值是</a:t>
+            </a:r>
+            <a:r>
+              <a:rPr b="0" lang="en-US" sz="2400" spc="-1" strike="noStrike">
+                <a:solidFill>
+                  <a:srgbClr val="000000"/>
+                </a:solidFill>
+                <a:latin typeface="FreeMono"/>
+                <a:ea typeface="DejaVu Sans"/>
+              </a:rPr>
+              <a:t>help</a:t>
+            </a:r>
+            <a:r>
+              <a:rPr b="0" lang="en-US" sz="2400" spc="-1" strike="noStrike">
+                <a:solidFill>
+                  <a:srgbClr val="000000"/>
+                </a:solidFill>
+                <a:latin typeface="FreeMono"/>
+                <a:ea typeface="DejaVu Sans"/>
+              </a:rPr>
+              <a:t>，则获取‘帮助信息’。</a:t>
+            </a:r>
+            <a:endParaRPr b="0" lang="en-US" sz="2400" spc="-1" strike="noStrike">
+              <a:latin typeface="Arial"/>
+            </a:endParaRPr>
+          </a:p>
+        </p:txBody>
+      </p:sp>
+    </p:spTree>
+  </p:cSld>
+  <p:timing>
+    <p:tnLst>
+      <p:par>
+        <p:cTn id="17" dur="indefinite" restart="never" nodeType="tmRoot">
+          <p:childTnLst>
+            <p:seq>
+              <p:cTn id="18" dur="indefinite" nodeType="mainSeq"/>
               <p:prevCondLst>
                 <p:cond delay="0" evt="onPrev">
                   <p:tgtEl>

--- a/ch04/事件消息处理.pptx
+++ b/ch04/事件消息处理.pptx
@@ -2725,7 +2725,7 @@
         <p:spPr>
           <a:xfrm>
             <a:off x="609480" y="273600"/>
-            <a:ext cx="10972440" cy="1144800"/>
+            <a:ext cx="10972080" cy="1144440"/>
           </a:xfrm>
           <a:prstGeom prst="rect">
             <a:avLst/>
@@ -2734,14 +2734,13 @@
         <p:txBody>
           <a:bodyPr lIns="0" rIns="0" tIns="0" bIns="0" anchor="ctr"/>
           <a:p>
-            <a:pPr algn="ctr"/>
-            <a:r>
-              <a:rPr b="0" lang="en-US" sz="4400" spc="-1" strike="noStrike">
+            <a:r>
+              <a:rPr b="0" lang="en-US" sz="1800" spc="-1" strike="noStrike">
                 <a:latin typeface="Arial"/>
               </a:rPr>
               <a:t>单击鼠标编辑标题文字格式</a:t>
             </a:r>
-            <a:endParaRPr b="0" lang="en-US" sz="4400" spc="-1" strike="noStrike">
+            <a:endParaRPr b="0" lang="en-US" sz="1800" spc="-1" strike="noStrike">
               <a:latin typeface="Arial"/>
             </a:endParaRPr>
           </a:p>
@@ -3223,14 +3222,14 @@
       </p:grpSpPr>
       <p:sp>
         <p:nvSpPr>
-          <p:cNvPr id="76" name="TextShape 1"/>
-          <p:cNvSpPr txBox="1"/>
+          <p:cNvPr id="76" name="CustomShape 1"/>
+          <p:cNvSpPr/>
           <p:nvPr/>
         </p:nvSpPr>
         <p:spPr>
           <a:xfrm>
             <a:off x="609480" y="273600"/>
-            <a:ext cx="10972440" cy="1144800"/>
+            <a:ext cx="10972080" cy="1144440"/>
           </a:xfrm>
           <a:prstGeom prst="rect">
             <a:avLst/>
@@ -3240,10 +3239,20 @@
             <a:noFill/>
           </a:ln>
         </p:spPr>
+        <p:style>
+          <a:lnRef idx="0"/>
+          <a:fillRef idx="0"/>
+          <a:effectRef idx="0"/>
+          <a:fontRef idx="minor"/>
+        </p:style>
         <p:txBody>
           <a:bodyPr lIns="0" rIns="0" tIns="0" bIns="0" anchor="ctr"/>
           <a:p>
-            <a:pPr algn="ctr"/>
+            <a:pPr algn="ctr">
+              <a:lnSpc>
+                <a:spcPct val="100000"/>
+              </a:lnSpc>
+            </a:pPr>
             <a:r>
               <a:rPr b="0" lang="en-US" sz="4000" spc="-1" strike="noStrike">
                 <a:latin typeface="Arial"/>
@@ -3258,14 +3267,14 @@
       </p:sp>
       <p:sp>
         <p:nvSpPr>
-          <p:cNvPr id="77" name="TextShape 2"/>
-          <p:cNvSpPr txBox="1"/>
+          <p:cNvPr id="77" name="CustomShape 2"/>
+          <p:cNvSpPr/>
           <p:nvPr/>
         </p:nvSpPr>
         <p:spPr>
           <a:xfrm>
             <a:off x="609480" y="1604520"/>
-            <a:ext cx="10972440" cy="3977280"/>
+            <a:ext cx="10972080" cy="3976920"/>
           </a:xfrm>
           <a:prstGeom prst="rect">
             <a:avLst/>
@@ -3275,10 +3284,20 @@
             <a:noFill/>
           </a:ln>
         </p:spPr>
+        <p:style>
+          <a:lnRef idx="0"/>
+          <a:fillRef idx="0"/>
+          <a:effectRef idx="0"/>
+          <a:fontRef idx="minor"/>
+        </p:style>
         <p:txBody>
           <a:bodyPr lIns="0" rIns="0" tIns="0" bIns="0" anchor="ctr"/>
           <a:p>
-            <a:pPr algn="ctr"/>
+            <a:pPr algn="ctr">
+              <a:lnSpc>
+                <a:spcPct val="100000"/>
+              </a:lnSpc>
+            </a:pPr>
             <a:r>
               <a:rPr b="0" lang="en-US" sz="3200" spc="-1" strike="noStrike">
                 <a:latin typeface="Arial"/>
@@ -3349,7 +3368,7 @@
         <p:spPr>
           <a:xfrm>
             <a:off x="838080" y="365040"/>
-            <a:ext cx="10514160" cy="787320"/>
+            <a:ext cx="10513800" cy="786960"/>
           </a:xfrm>
           <a:prstGeom prst="rect">
             <a:avLst/>
@@ -3398,7 +3417,7 @@
         <p:spPr>
           <a:xfrm>
             <a:off x="838080" y="1394640"/>
-            <a:ext cx="10514160" cy="5215680"/>
+            <a:ext cx="10513800" cy="5215320"/>
           </a:xfrm>
           <a:prstGeom prst="rect">
             <a:avLst/>
@@ -3683,7 +3702,7 @@
             </a:endParaRPr>
           </a:p>
           <a:p>
-            <a:pPr marL="228600" indent="-227160">
+            <a:pPr marL="228600" indent="-226800">
               <a:lnSpc>
                 <a:spcPct val="100000"/>
               </a:lnSpc>
@@ -3791,7 +3810,7 @@
             </a:endParaRPr>
           </a:p>
           <a:p>
-            <a:pPr marL="228600" indent="-227160">
+            <a:pPr marL="228600" indent="-226800">
               <a:lnSpc>
                 <a:spcPct val="100000"/>
               </a:lnSpc>
@@ -3898,7 +3917,7 @@
         <p:spPr>
           <a:xfrm>
             <a:off x="838080" y="365040"/>
-            <a:ext cx="10514160" cy="787320"/>
+            <a:ext cx="10513800" cy="786960"/>
           </a:xfrm>
           <a:prstGeom prst="rect">
             <a:avLst/>
@@ -3947,7 +3966,7 @@
         <p:spPr>
           <a:xfrm>
             <a:off x="838080" y="1093320"/>
-            <a:ext cx="10514160" cy="5516640"/>
+            <a:ext cx="10513800" cy="5516280"/>
           </a:xfrm>
           <a:prstGeom prst="rect">
             <a:avLst/>
@@ -3968,7 +3987,7 @@
             <a:normAutofit/>
           </a:bodyPr>
           <a:p>
-            <a:pPr marL="228600" indent="-227160">
+            <a:pPr marL="228600" indent="-226800">
               <a:lnSpc>
                 <a:spcPct val="115000"/>
               </a:lnSpc>
@@ -3996,7 +4015,7 @@
             </a:endParaRPr>
           </a:p>
           <a:p>
-            <a:pPr lvl="1" marL="685800" indent="-227160">
+            <a:pPr lvl="1" marL="685800" indent="-226800">
               <a:lnSpc>
                 <a:spcPct val="155000"/>
               </a:lnSpc>
@@ -4064,7 +4083,7 @@
             </a:endParaRPr>
           </a:p>
           <a:p>
-            <a:pPr lvl="1" marL="685800" indent="-227160">
+            <a:pPr lvl="1" marL="685800" indent="-226800">
               <a:lnSpc>
                 <a:spcPct val="155000"/>
               </a:lnSpc>
@@ -4092,7 +4111,7 @@
             </a:endParaRPr>
           </a:p>
           <a:p>
-            <a:pPr lvl="1" marL="685800" indent="-227160">
+            <a:pPr lvl="1" marL="685800" indent="-226800">
               <a:lnSpc>
                 <a:spcPct val="155000"/>
               </a:lnSpc>
@@ -4219,7 +4238,7 @@
         <p:spPr>
           <a:xfrm>
             <a:off x="838080" y="365040"/>
-            <a:ext cx="10514160" cy="787320"/>
+            <a:ext cx="10513800" cy="786960"/>
           </a:xfrm>
           <a:prstGeom prst="rect">
             <a:avLst/>
@@ -4268,7 +4287,7 @@
         <p:spPr>
           <a:xfrm>
             <a:off x="838080" y="1263600"/>
-            <a:ext cx="10514160" cy="5346360"/>
+            <a:ext cx="10513800" cy="5346000"/>
           </a:xfrm>
           <a:prstGeom prst="rect">
             <a:avLst/>
@@ -4302,7 +4321,7 @@
             </a:endParaRPr>
           </a:p>
           <a:p>
-            <a:pPr marL="228600" indent="-227160">
+            <a:pPr marL="228600" indent="-226800">
               <a:lnSpc>
                 <a:spcPct val="75000"/>
               </a:lnSpc>
@@ -4343,7 +4362,7 @@
             </a:endParaRPr>
           </a:p>
           <a:p>
-            <a:pPr marL="228600" indent="-227160">
+            <a:pPr marL="228600" indent="-226800">
               <a:lnSpc>
                 <a:spcPct val="75000"/>
               </a:lnSpc>
@@ -4418,7 +4437,7 @@
         <p:spPr>
           <a:xfrm>
             <a:off x="7464600" y="2090520"/>
-            <a:ext cx="3584880" cy="3254040"/>
+            <a:ext cx="3584520" cy="3253680"/>
           </a:xfrm>
           <a:prstGeom prst="rect">
             <a:avLst/>
@@ -4489,8 +4508,8 @@
         </p:blipFill>
         <p:spPr>
           <a:xfrm>
-            <a:off x="1320480" y="72000"/>
-            <a:ext cx="9550800" cy="6754320"/>
+            <a:off x="32400" y="20520"/>
+            <a:ext cx="12188160" cy="6856920"/>
           </a:xfrm>
           <a:prstGeom prst="rect">
             <a:avLst/>
@@ -4561,8 +4580,8 @@
         </p:blipFill>
         <p:spPr>
           <a:xfrm>
-            <a:off x="32400" y="20520"/>
-            <a:ext cx="12188520" cy="6857280"/>
+            <a:off x="31680" y="-15120"/>
+            <a:ext cx="12190320" cy="6857640"/>
           </a:xfrm>
           <a:prstGeom prst="rect">
             <a:avLst/>
@@ -4630,7 +4649,7 @@
         <p:spPr>
           <a:xfrm>
             <a:off x="838080" y="365040"/>
-            <a:ext cx="10514160" cy="787320"/>
+            <a:ext cx="10513800" cy="786960"/>
           </a:xfrm>
           <a:prstGeom prst="rect">
             <a:avLst/>
@@ -4679,7 +4698,7 @@
         <p:spPr>
           <a:xfrm>
             <a:off x="838080" y="1394640"/>
-            <a:ext cx="10514160" cy="5277240"/>
+            <a:ext cx="10513800" cy="5276880"/>
           </a:xfrm>
           <a:prstGeom prst="rect">
             <a:avLst/>
@@ -4698,7 +4717,7 @@
         <p:txBody>
           <a:bodyPr lIns="90000" rIns="90000" tIns="45000" bIns="45000"/>
           <a:p>
-            <a:pPr marL="228600" indent="-227160">
+            <a:pPr marL="228600" indent="-226800">
               <a:lnSpc>
                 <a:spcPts val="3280"/>
               </a:lnSpc>
@@ -4726,7 +4745,7 @@
             </a:endParaRPr>
           </a:p>
           <a:p>
-            <a:pPr lvl="1" marL="685800" indent="-227160">
+            <a:pPr lvl="1" marL="685800" indent="-226800">
               <a:lnSpc>
                 <a:spcPts val="3280"/>
               </a:lnSpc>
@@ -4774,7 +4793,7 @@
             </a:endParaRPr>
           </a:p>
           <a:p>
-            <a:pPr lvl="1" marL="685800" indent="-227160">
+            <a:pPr lvl="1" marL="685800" indent="-226800">
               <a:lnSpc>
                 <a:spcPts val="3280"/>
               </a:lnSpc>
@@ -4832,7 +4851,7 @@
             </a:endParaRPr>
           </a:p>
           <a:p>
-            <a:pPr lvl="1" marL="685800" indent="-227160">
+            <a:pPr lvl="1" marL="685800" indent="-226800">
               <a:lnSpc>
                 <a:spcPts val="3280"/>
               </a:lnSpc>
@@ -4860,7 +4879,7 @@
             </a:endParaRPr>
           </a:p>
           <a:p>
-            <a:pPr lvl="1" marL="685800" indent="-227160">
+            <a:pPr lvl="1" marL="685800" indent="-226800">
               <a:lnSpc>
                 <a:spcPts val="3280"/>
               </a:lnSpc>
@@ -4888,7 +4907,7 @@
             </a:endParaRPr>
           </a:p>
           <a:p>
-            <a:pPr lvl="1" marL="685800" indent="-227160">
+            <a:pPr lvl="1" marL="685800" indent="-226800">
               <a:lnSpc>
                 <a:spcPts val="3280"/>
               </a:lnSpc>
@@ -5001,7 +5020,7 @@
         <p:spPr>
           <a:xfrm>
             <a:off x="838080" y="365040"/>
-            <a:ext cx="10514160" cy="787320"/>
+            <a:ext cx="10513800" cy="786960"/>
           </a:xfrm>
           <a:prstGeom prst="rect">
             <a:avLst/>
@@ -5070,7 +5089,7 @@
         <p:spPr>
           <a:xfrm>
             <a:off x="838080" y="1394640"/>
-            <a:ext cx="10514160" cy="5223960"/>
+            <a:ext cx="10513800" cy="5223600"/>
           </a:xfrm>
           <a:prstGeom prst="rect">
             <a:avLst/>
@@ -5322,7 +5341,7 @@
             </a:endParaRPr>
           </a:p>
           <a:p>
-            <a:pPr marL="228600" indent="-227160">
+            <a:pPr marL="228600" indent="-226800">
               <a:lnSpc>
                 <a:spcPct val="90000"/>
               </a:lnSpc>
@@ -5410,7 +5429,7 @@
             </a:endParaRPr>
           </a:p>
           <a:p>
-            <a:pPr marL="228600" indent="-227160">
+            <a:pPr marL="228600" indent="-226800">
               <a:lnSpc>
                 <a:spcPct val="90000"/>
               </a:lnSpc>
@@ -5550,7 +5569,7 @@
         <p:spPr>
           <a:xfrm>
             <a:off x="838080" y="365040"/>
-            <a:ext cx="10514160" cy="787320"/>
+            <a:ext cx="10513800" cy="786960"/>
           </a:xfrm>
           <a:prstGeom prst="rect">
             <a:avLst/>
@@ -5599,7 +5618,7 @@
         <p:spPr>
           <a:xfrm>
             <a:off x="838080" y="1394640"/>
-            <a:ext cx="10514160" cy="5223960"/>
+            <a:ext cx="10513800" cy="5223600"/>
           </a:xfrm>
           <a:prstGeom prst="rect">
             <a:avLst/>
@@ -5917,7 +5936,7 @@
             </a:endParaRPr>
           </a:p>
           <a:p>
-            <a:pPr marL="228600" indent="-227160">
+            <a:pPr marL="228600" indent="-226800">
               <a:lnSpc>
                 <a:spcPct val="90000"/>
               </a:lnSpc>
@@ -6057,7 +6076,7 @@
         <p:spPr>
           <a:xfrm>
             <a:off x="838080" y="365040"/>
-            <a:ext cx="10514160" cy="787320"/>
+            <a:ext cx="10513800" cy="786960"/>
           </a:xfrm>
           <a:prstGeom prst="rect">
             <a:avLst/>
@@ -6106,7 +6125,7 @@
         <p:spPr>
           <a:xfrm>
             <a:off x="838080" y="1394640"/>
-            <a:ext cx="10514160" cy="5223960"/>
+            <a:ext cx="10513800" cy="5223600"/>
           </a:xfrm>
           <a:prstGeom prst="rect">
             <a:avLst/>
@@ -6424,7 +6443,7 @@
             </a:endParaRPr>
           </a:p>
           <a:p>
-            <a:pPr marL="228600" indent="-227160">
+            <a:pPr marL="228600" indent="-226800">
               <a:lnSpc>
                 <a:spcPct val="90000"/>
               </a:lnSpc>
@@ -6564,7 +6583,7 @@
         <p:spPr>
           <a:xfrm>
             <a:off x="838080" y="365040"/>
-            <a:ext cx="10514160" cy="787320"/>
+            <a:ext cx="10513800" cy="786960"/>
           </a:xfrm>
           <a:prstGeom prst="rect">
             <a:avLst/>
@@ -6613,7 +6632,7 @@
         <p:spPr>
           <a:xfrm>
             <a:off x="838080" y="1394640"/>
-            <a:ext cx="10514160" cy="5215680"/>
+            <a:ext cx="10513800" cy="5215320"/>
           </a:xfrm>
           <a:prstGeom prst="rect">
             <a:avLst/>
@@ -6964,7 +6983,7 @@
             </a:endParaRPr>
           </a:p>
           <a:p>
-            <a:pPr marL="228600" indent="-227160">
+            <a:pPr marL="228600" indent="-226800">
               <a:lnSpc>
                 <a:spcPct val="100000"/>
               </a:lnSpc>
@@ -7051,7 +7070,7 @@
         <p:spPr>
           <a:xfrm>
             <a:off x="838080" y="365040"/>
-            <a:ext cx="10514160" cy="787320"/>
+            <a:ext cx="10513800" cy="786960"/>
           </a:xfrm>
           <a:prstGeom prst="rect">
             <a:avLst/>
@@ -7100,7 +7119,7 @@
         <p:spPr>
           <a:xfrm>
             <a:off x="838080" y="1394640"/>
-            <a:ext cx="10514160" cy="5215680"/>
+            <a:ext cx="10513800" cy="5215320"/>
           </a:xfrm>
           <a:prstGeom prst="rect">
             <a:avLst/>
@@ -7385,7 +7404,7 @@
             </a:endParaRPr>
           </a:p>
           <a:p>
-            <a:pPr marL="228600" indent="-227160">
+            <a:pPr marL="228600" indent="-226800">
               <a:lnSpc>
                 <a:spcPct val="100000"/>
               </a:lnSpc>
@@ -7433,7 +7452,7 @@
             </a:endParaRPr>
           </a:p>
           <a:p>
-            <a:pPr marL="228600" indent="-227160">
+            <a:pPr marL="228600" indent="-226800">
               <a:lnSpc>
                 <a:spcPct val="100000"/>
               </a:lnSpc>
